--- a/AprendizadoMaquina/Tópico 02 - Aprendizado Supervisionado/Regressão/Tópico 02 - Aprendizado-Supervisionado - Regressao.pptx
+++ b/AprendizadoMaquina/Tópico 02 - Aprendizado Supervisionado/Regressão/Tópico 02 - Aprendizado-Supervisionado - Regressao.pptx
@@ -4,31 +4,30 @@
   <p:sldMasterIdLst>
     <p:sldMasterId id="2147483648" r:id="rId2"/>
     <p:sldMasterId id="2147483661" r:id="rId3"/>
-    <p:sldMasterId id="2147483674" r:id="rId4"/>
   </p:sldMasterIdLst>
   <p:notesMasterIdLst>
-    <p:notesMasterId r:id="rId5"/>
+    <p:notesMasterId r:id="rId4"/>
   </p:notesMasterIdLst>
   <p:sldIdLst>
-    <p:sldId id="256" r:id="rId6"/>
-    <p:sldId id="257" r:id="rId7"/>
-    <p:sldId id="258" r:id="rId8"/>
-    <p:sldId id="259" r:id="rId9"/>
-    <p:sldId id="260" r:id="rId10"/>
-    <p:sldId id="261" r:id="rId11"/>
-    <p:sldId id="262" r:id="rId12"/>
-    <p:sldId id="263" r:id="rId13"/>
-    <p:sldId id="264" r:id="rId14"/>
-    <p:sldId id="265" r:id="rId15"/>
-    <p:sldId id="266" r:id="rId16"/>
-    <p:sldId id="267" r:id="rId17"/>
-    <p:sldId id="268" r:id="rId18"/>
-    <p:sldId id="269" r:id="rId19"/>
-    <p:sldId id="270" r:id="rId20"/>
-    <p:sldId id="271" r:id="rId21"/>
-    <p:sldId id="272" r:id="rId22"/>
-    <p:sldId id="273" r:id="rId23"/>
-    <p:sldId id="274" r:id="rId24"/>
+    <p:sldId id="256" r:id="rId5"/>
+    <p:sldId id="257" r:id="rId6"/>
+    <p:sldId id="258" r:id="rId7"/>
+    <p:sldId id="259" r:id="rId8"/>
+    <p:sldId id="260" r:id="rId9"/>
+    <p:sldId id="261" r:id="rId10"/>
+    <p:sldId id="262" r:id="rId11"/>
+    <p:sldId id="263" r:id="rId12"/>
+    <p:sldId id="264" r:id="rId13"/>
+    <p:sldId id="265" r:id="rId14"/>
+    <p:sldId id="266" r:id="rId15"/>
+    <p:sldId id="267" r:id="rId16"/>
+    <p:sldId id="268" r:id="rId17"/>
+    <p:sldId id="269" r:id="rId18"/>
+    <p:sldId id="270" r:id="rId19"/>
+    <p:sldId id="271" r:id="rId20"/>
+    <p:sldId id="272" r:id="rId21"/>
+    <p:sldId id="273" r:id="rId22"/>
+    <p:sldId id="274" r:id="rId23"/>
   </p:sldIdLst>
   <p:sldSz cx="10080625" cy="7559675"/>
   <p:notesSz cx="7559675" cy="10691813"/>
@@ -54,7 +53,7 @@
       </p:grpSpPr>
       <p:sp>
         <p:nvSpPr>
-          <p:cNvPr id="120" name="PlaceHolder 1"/>
+          <p:cNvPr id="81" name="PlaceHolder 1"/>
           <p:cNvSpPr>
             <a:spLocks noGrp="1"/>
           </p:cNvSpPr>
@@ -87,49 +86,7 @@
               <a:rPr b="0" lang="pt-BR" sz="4400" spc="-1" strike="noStrike">
                 <a:latin typeface="Arial"/>
               </a:rPr>
-              <a:t>Cli</a:t>
-            </a:r>
-            <a:r>
-              <a:rPr b="0" lang="pt-BR" sz="4400" spc="-1" strike="noStrike">
-                <a:latin typeface="Arial"/>
-              </a:rPr>
-              <a:t>ck </a:t>
-            </a:r>
-            <a:r>
-              <a:rPr b="0" lang="pt-BR" sz="4400" spc="-1" strike="noStrike">
-                <a:latin typeface="Arial"/>
-              </a:rPr>
-              <a:t>to </a:t>
-            </a:r>
-            <a:r>
-              <a:rPr b="0" lang="pt-BR" sz="4400" spc="-1" strike="noStrike">
-                <a:latin typeface="Arial"/>
-              </a:rPr>
-              <a:t>mo</a:t>
-            </a:r>
-            <a:r>
-              <a:rPr b="0" lang="pt-BR" sz="4400" spc="-1" strike="noStrike">
-                <a:latin typeface="Arial"/>
-              </a:rPr>
-              <a:t>ve </a:t>
-            </a:r>
-            <a:r>
-              <a:rPr b="0" lang="pt-BR" sz="4400" spc="-1" strike="noStrike">
-                <a:latin typeface="Arial"/>
-              </a:rPr>
-              <a:t>the </a:t>
-            </a:r>
-            <a:r>
-              <a:rPr b="0" lang="pt-BR" sz="4400" spc="-1" strike="noStrike">
-                <a:latin typeface="Arial"/>
-              </a:rPr>
-              <a:t>slid</a:t>
-            </a:r>
-            <a:r>
-              <a:rPr b="0" lang="pt-BR" sz="4400" spc="-1" strike="noStrike">
-                <a:latin typeface="Arial"/>
-              </a:rPr>
-              <a:t>e</a:t>
+              <a:t>Click to move the slide</a:t>
             </a:r>
             <a:endParaRPr b="0" lang="pt-BR" sz="4400" spc="-1" strike="noStrike">
               <a:latin typeface="Arial"/>
@@ -139,7 +96,7 @@
       </p:sp>
       <p:sp>
         <p:nvSpPr>
-          <p:cNvPr id="121" name="PlaceHolder 2"/>
+          <p:cNvPr id="82" name="PlaceHolder 2"/>
           <p:cNvSpPr>
             <a:spLocks noGrp="1"/>
           </p:cNvSpPr>
@@ -179,7 +136,7 @@
       </p:sp>
       <p:sp>
         <p:nvSpPr>
-          <p:cNvPr id="122" name="PlaceHolder 3"/>
+          <p:cNvPr id="83" name="PlaceHolder 3"/>
           <p:cNvSpPr>
             <a:spLocks noGrp="1"/>
           </p:cNvSpPr>
@@ -219,7 +176,7 @@
       </p:sp>
       <p:sp>
         <p:nvSpPr>
-          <p:cNvPr id="123" name="PlaceHolder 4"/>
+          <p:cNvPr id="84" name="PlaceHolder 4"/>
           <p:cNvSpPr>
             <a:spLocks noGrp="1"/>
           </p:cNvSpPr>
@@ -270,7 +227,7 @@
       </p:sp>
       <p:sp>
         <p:nvSpPr>
-          <p:cNvPr id="124" name="PlaceHolder 5"/>
+          <p:cNvPr id="85" name="PlaceHolder 5"/>
           <p:cNvSpPr>
             <a:spLocks noGrp="1"/>
           </p:cNvSpPr>
@@ -317,7 +274,7 @@
       </p:sp>
       <p:sp>
         <p:nvSpPr>
-          <p:cNvPr id="125" name="PlaceHolder 6"/>
+          <p:cNvPr id="86" name="PlaceHolder 6"/>
           <p:cNvSpPr>
             <a:spLocks noGrp="1"/>
           </p:cNvSpPr>
@@ -354,7 +311,7 @@
             <a:pPr algn="r">
               <a:buNone/>
             </a:pPr>
-            <a:fld id="{35F3F827-1CA3-4C87-BA87-2F37DDBA5291}" type="slidenum">
+            <a:fld id="{419B3043-FB25-48FF-B230-32D42F4636F5}" type="slidenum">
               <a:rPr b="0" lang="pt-BR" sz="1400" spc="-1" strike="noStrike">
                 <a:latin typeface="Times New Roman"/>
               </a:rPr>
@@ -391,7 +348,7 @@
       </p:grpSpPr>
       <p:sp>
         <p:nvSpPr>
-          <p:cNvPr id="252" name="PlaceHolder 1"/>
+          <p:cNvPr id="213" name="PlaceHolder 1"/>
           <p:cNvSpPr>
             <a:spLocks noGrp="1"/>
           </p:cNvSpPr>
@@ -402,7 +359,7 @@
         <p:spPr>
           <a:xfrm>
             <a:off x="1376280" y="1336680"/>
-            <a:ext cx="4796280" cy="3596040"/>
+            <a:ext cx="4795920" cy="3595680"/>
           </a:xfrm>
           <a:prstGeom prst="rect">
             <a:avLst/>
@@ -414,7 +371,7 @@
       </p:sp>
       <p:sp>
         <p:nvSpPr>
-          <p:cNvPr id="253" name="PlaceHolder 2"/>
+          <p:cNvPr id="214" name="PlaceHolder 2"/>
           <p:cNvSpPr>
             <a:spLocks noGrp="1"/>
           </p:cNvSpPr>
@@ -425,7 +382,7 @@
         <p:spPr>
           <a:xfrm>
             <a:off x="756000" y="5145120"/>
-            <a:ext cx="6036480" cy="4198680"/>
+            <a:ext cx="6036120" cy="4198320"/>
           </a:xfrm>
           <a:prstGeom prst="rect">
             <a:avLst/>
@@ -448,14 +405,14 @@
       </p:sp>
       <p:sp>
         <p:nvSpPr>
-          <p:cNvPr id="254" name="CustomShape 3"/>
+          <p:cNvPr id="215" name="CustomShape 3"/>
           <p:cNvSpPr/>
           <p:nvPr/>
         </p:nvSpPr>
         <p:spPr>
           <a:xfrm>
             <a:off x="0" y="10155240"/>
-            <a:ext cx="3264840" cy="525240"/>
+            <a:ext cx="3264480" cy="524880"/>
           </a:xfrm>
           <a:prstGeom prst="rect">
             <a:avLst/>
@@ -522,7 +479,7 @@
       </p:grpSpPr>
       <p:sp>
         <p:nvSpPr>
-          <p:cNvPr id="279" name="PlaceHolder 1"/>
+          <p:cNvPr id="240" name="PlaceHolder 1"/>
           <p:cNvSpPr>
             <a:spLocks noGrp="1"/>
           </p:cNvSpPr>
@@ -533,7 +490,7 @@
         <p:spPr>
           <a:xfrm>
             <a:off x="1376280" y="1336680"/>
-            <a:ext cx="4796280" cy="3596040"/>
+            <a:ext cx="4795920" cy="3595680"/>
           </a:xfrm>
           <a:prstGeom prst="rect">
             <a:avLst/>
@@ -545,7 +502,7 @@
       </p:sp>
       <p:sp>
         <p:nvSpPr>
-          <p:cNvPr id="280" name="PlaceHolder 2"/>
+          <p:cNvPr id="241" name="PlaceHolder 2"/>
           <p:cNvSpPr>
             <a:spLocks noGrp="1"/>
           </p:cNvSpPr>
@@ -556,7 +513,7 @@
         <p:spPr>
           <a:xfrm>
             <a:off x="756000" y="5145120"/>
-            <a:ext cx="6036480" cy="4198680"/>
+            <a:ext cx="6036120" cy="4198320"/>
           </a:xfrm>
           <a:prstGeom prst="rect">
             <a:avLst/>
@@ -579,14 +536,14 @@
       </p:sp>
       <p:sp>
         <p:nvSpPr>
-          <p:cNvPr id="281" name="CustomShape 44"/>
+          <p:cNvPr id="242" name="CustomShape 44"/>
           <p:cNvSpPr/>
           <p:nvPr/>
         </p:nvSpPr>
         <p:spPr>
           <a:xfrm>
             <a:off x="0" y="10155240"/>
-            <a:ext cx="3264840" cy="525240"/>
+            <a:ext cx="3264480" cy="524880"/>
           </a:xfrm>
           <a:prstGeom prst="rect">
             <a:avLst/>
@@ -653,7 +610,7 @@
       </p:grpSpPr>
       <p:sp>
         <p:nvSpPr>
-          <p:cNvPr id="282" name="PlaceHolder 1"/>
+          <p:cNvPr id="243" name="PlaceHolder 1"/>
           <p:cNvSpPr>
             <a:spLocks noGrp="1"/>
           </p:cNvSpPr>
@@ -664,7 +621,7 @@
         <p:spPr>
           <a:xfrm>
             <a:off x="1376280" y="1336680"/>
-            <a:ext cx="4796280" cy="3596040"/>
+            <a:ext cx="4795920" cy="3595680"/>
           </a:xfrm>
           <a:prstGeom prst="rect">
             <a:avLst/>
@@ -676,7 +633,7 @@
       </p:sp>
       <p:sp>
         <p:nvSpPr>
-          <p:cNvPr id="283" name="PlaceHolder 2"/>
+          <p:cNvPr id="244" name="PlaceHolder 2"/>
           <p:cNvSpPr>
             <a:spLocks noGrp="1"/>
           </p:cNvSpPr>
@@ -687,7 +644,7 @@
         <p:spPr>
           <a:xfrm>
             <a:off x="756000" y="5145120"/>
-            <a:ext cx="6036480" cy="4198680"/>
+            <a:ext cx="6036120" cy="4198320"/>
           </a:xfrm>
           <a:prstGeom prst="rect">
             <a:avLst/>
@@ -710,14 +667,14 @@
       </p:sp>
       <p:sp>
         <p:nvSpPr>
-          <p:cNvPr id="284" name="CustomShape 49"/>
+          <p:cNvPr id="245" name="CustomShape 49"/>
           <p:cNvSpPr/>
           <p:nvPr/>
         </p:nvSpPr>
         <p:spPr>
           <a:xfrm>
             <a:off x="0" y="10155240"/>
-            <a:ext cx="3264840" cy="525240"/>
+            <a:ext cx="3264480" cy="524880"/>
           </a:xfrm>
           <a:prstGeom prst="rect">
             <a:avLst/>
@@ -784,7 +741,7 @@
       </p:grpSpPr>
       <p:sp>
         <p:nvSpPr>
-          <p:cNvPr id="285" name="PlaceHolder 1"/>
+          <p:cNvPr id="246" name="PlaceHolder 1"/>
           <p:cNvSpPr>
             <a:spLocks noGrp="1"/>
           </p:cNvSpPr>
@@ -795,7 +752,7 @@
         <p:spPr>
           <a:xfrm>
             <a:off x="1376280" y="1336680"/>
-            <a:ext cx="4796280" cy="3596040"/>
+            <a:ext cx="4795920" cy="3595680"/>
           </a:xfrm>
           <a:prstGeom prst="rect">
             <a:avLst/>
@@ -807,7 +764,7 @@
       </p:sp>
       <p:sp>
         <p:nvSpPr>
-          <p:cNvPr id="286" name="PlaceHolder 2"/>
+          <p:cNvPr id="247" name="PlaceHolder 2"/>
           <p:cNvSpPr>
             <a:spLocks noGrp="1"/>
           </p:cNvSpPr>
@@ -818,7 +775,7 @@
         <p:spPr>
           <a:xfrm>
             <a:off x="756000" y="5145120"/>
-            <a:ext cx="6036480" cy="4198680"/>
+            <a:ext cx="6036120" cy="4198320"/>
           </a:xfrm>
           <a:prstGeom prst="rect">
             <a:avLst/>
@@ -841,14 +798,14 @@
       </p:sp>
       <p:sp>
         <p:nvSpPr>
-          <p:cNvPr id="287" name="CustomShape 54"/>
+          <p:cNvPr id="248" name="CustomShape 54"/>
           <p:cNvSpPr/>
           <p:nvPr/>
         </p:nvSpPr>
         <p:spPr>
           <a:xfrm>
             <a:off x="0" y="10155240"/>
-            <a:ext cx="3264840" cy="525240"/>
+            <a:ext cx="3264480" cy="524880"/>
           </a:xfrm>
           <a:prstGeom prst="rect">
             <a:avLst/>
@@ -915,7 +872,7 @@
       </p:grpSpPr>
       <p:sp>
         <p:nvSpPr>
-          <p:cNvPr id="288" name="PlaceHolder 1"/>
+          <p:cNvPr id="249" name="PlaceHolder 1"/>
           <p:cNvSpPr>
             <a:spLocks noGrp="1"/>
           </p:cNvSpPr>
@@ -926,7 +883,7 @@
         <p:spPr>
           <a:xfrm>
             <a:off x="1376280" y="1336680"/>
-            <a:ext cx="4796280" cy="3596040"/>
+            <a:ext cx="4795920" cy="3595680"/>
           </a:xfrm>
           <a:prstGeom prst="rect">
             <a:avLst/>
@@ -938,7 +895,7 @@
       </p:sp>
       <p:sp>
         <p:nvSpPr>
-          <p:cNvPr id="289" name="PlaceHolder 2"/>
+          <p:cNvPr id="250" name="PlaceHolder 2"/>
           <p:cNvSpPr>
             <a:spLocks noGrp="1"/>
           </p:cNvSpPr>
@@ -949,7 +906,7 @@
         <p:spPr>
           <a:xfrm>
             <a:off x="756000" y="5145120"/>
-            <a:ext cx="6036480" cy="4198680"/>
+            <a:ext cx="6036120" cy="4198320"/>
           </a:xfrm>
           <a:prstGeom prst="rect">
             <a:avLst/>
@@ -972,14 +929,14 @@
       </p:sp>
       <p:sp>
         <p:nvSpPr>
-          <p:cNvPr id="290" name="CustomShape 59"/>
+          <p:cNvPr id="251" name="CustomShape 59"/>
           <p:cNvSpPr/>
           <p:nvPr/>
         </p:nvSpPr>
         <p:spPr>
           <a:xfrm>
             <a:off x="0" y="10155240"/>
-            <a:ext cx="3264840" cy="525240"/>
+            <a:ext cx="3264480" cy="524880"/>
           </a:xfrm>
           <a:prstGeom prst="rect">
             <a:avLst/>
@@ -1046,7 +1003,7 @@
       </p:grpSpPr>
       <p:sp>
         <p:nvSpPr>
-          <p:cNvPr id="291" name="PlaceHolder 1"/>
+          <p:cNvPr id="252" name="PlaceHolder 1"/>
           <p:cNvSpPr>
             <a:spLocks noGrp="1"/>
           </p:cNvSpPr>
@@ -1057,7 +1014,7 @@
         <p:spPr>
           <a:xfrm>
             <a:off x="1376280" y="1336680"/>
-            <a:ext cx="4796280" cy="3596040"/>
+            <a:ext cx="4795920" cy="3595680"/>
           </a:xfrm>
           <a:prstGeom prst="rect">
             <a:avLst/>
@@ -1069,7 +1026,7 @@
       </p:sp>
       <p:sp>
         <p:nvSpPr>
-          <p:cNvPr id="292" name="PlaceHolder 2"/>
+          <p:cNvPr id="253" name="PlaceHolder 2"/>
           <p:cNvSpPr>
             <a:spLocks noGrp="1"/>
           </p:cNvSpPr>
@@ -1080,7 +1037,7 @@
         <p:spPr>
           <a:xfrm>
             <a:off x="756000" y="5145120"/>
-            <a:ext cx="6036480" cy="4198680"/>
+            <a:ext cx="6036120" cy="4198320"/>
           </a:xfrm>
           <a:prstGeom prst="rect">
             <a:avLst/>
@@ -1103,14 +1060,14 @@
       </p:sp>
       <p:sp>
         <p:nvSpPr>
-          <p:cNvPr id="293" name="CustomShape 64"/>
+          <p:cNvPr id="254" name="CustomShape 64"/>
           <p:cNvSpPr/>
           <p:nvPr/>
         </p:nvSpPr>
         <p:spPr>
           <a:xfrm>
             <a:off x="0" y="10155240"/>
-            <a:ext cx="3264840" cy="525240"/>
+            <a:ext cx="3264480" cy="524880"/>
           </a:xfrm>
           <a:prstGeom prst="rect">
             <a:avLst/>
@@ -1177,7 +1134,7 @@
       </p:grpSpPr>
       <p:sp>
         <p:nvSpPr>
-          <p:cNvPr id="294" name="PlaceHolder 1"/>
+          <p:cNvPr id="255" name="PlaceHolder 1"/>
           <p:cNvSpPr>
             <a:spLocks noGrp="1"/>
           </p:cNvSpPr>
@@ -1188,7 +1145,7 @@
         <p:spPr>
           <a:xfrm>
             <a:off x="1376280" y="1336680"/>
-            <a:ext cx="4796280" cy="3596040"/>
+            <a:ext cx="4795920" cy="3595680"/>
           </a:xfrm>
           <a:prstGeom prst="rect">
             <a:avLst/>
@@ -1200,7 +1157,7 @@
       </p:sp>
       <p:sp>
         <p:nvSpPr>
-          <p:cNvPr id="295" name="PlaceHolder 2"/>
+          <p:cNvPr id="256" name="PlaceHolder 2"/>
           <p:cNvSpPr>
             <a:spLocks noGrp="1"/>
           </p:cNvSpPr>
@@ -1211,7 +1168,7 @@
         <p:spPr>
           <a:xfrm>
             <a:off x="756000" y="5145120"/>
-            <a:ext cx="6036480" cy="4198680"/>
+            <a:ext cx="6036120" cy="4198320"/>
           </a:xfrm>
           <a:prstGeom prst="rect">
             <a:avLst/>
@@ -1234,14 +1191,14 @@
       </p:sp>
       <p:sp>
         <p:nvSpPr>
-          <p:cNvPr id="296" name="CustomShape 69"/>
+          <p:cNvPr id="257" name="CustomShape 69"/>
           <p:cNvSpPr/>
           <p:nvPr/>
         </p:nvSpPr>
         <p:spPr>
           <a:xfrm>
             <a:off x="0" y="10155240"/>
-            <a:ext cx="3264840" cy="525240"/>
+            <a:ext cx="3264480" cy="524880"/>
           </a:xfrm>
           <a:prstGeom prst="rect">
             <a:avLst/>
@@ -1308,7 +1265,7 @@
       </p:grpSpPr>
       <p:sp>
         <p:nvSpPr>
-          <p:cNvPr id="297" name="PlaceHolder 1"/>
+          <p:cNvPr id="258" name="PlaceHolder 1"/>
           <p:cNvSpPr>
             <a:spLocks noGrp="1"/>
           </p:cNvSpPr>
@@ -1319,7 +1276,7 @@
         <p:spPr>
           <a:xfrm>
             <a:off x="1376280" y="1336680"/>
-            <a:ext cx="4796280" cy="3596040"/>
+            <a:ext cx="4795920" cy="3595680"/>
           </a:xfrm>
           <a:prstGeom prst="rect">
             <a:avLst/>
@@ -1331,7 +1288,7 @@
       </p:sp>
       <p:sp>
         <p:nvSpPr>
-          <p:cNvPr id="298" name="PlaceHolder 2"/>
+          <p:cNvPr id="259" name="PlaceHolder 2"/>
           <p:cNvSpPr>
             <a:spLocks noGrp="1"/>
           </p:cNvSpPr>
@@ -1342,7 +1299,7 @@
         <p:spPr>
           <a:xfrm>
             <a:off x="756000" y="5145120"/>
-            <a:ext cx="6036480" cy="4198680"/>
+            <a:ext cx="6036120" cy="4198320"/>
           </a:xfrm>
           <a:prstGeom prst="rect">
             <a:avLst/>
@@ -1365,14 +1322,14 @@
       </p:sp>
       <p:sp>
         <p:nvSpPr>
-          <p:cNvPr id="299" name="CustomShape 74"/>
+          <p:cNvPr id="260" name="CustomShape 74"/>
           <p:cNvSpPr/>
           <p:nvPr/>
         </p:nvSpPr>
         <p:spPr>
           <a:xfrm>
             <a:off x="0" y="10155240"/>
-            <a:ext cx="3264840" cy="525240"/>
+            <a:ext cx="3264480" cy="524880"/>
           </a:xfrm>
           <a:prstGeom prst="rect">
             <a:avLst/>
@@ -1439,7 +1396,7 @@
       </p:grpSpPr>
       <p:sp>
         <p:nvSpPr>
-          <p:cNvPr id="300" name="PlaceHolder 1"/>
+          <p:cNvPr id="261" name="PlaceHolder 1"/>
           <p:cNvSpPr>
             <a:spLocks noGrp="1"/>
           </p:cNvSpPr>
@@ -1450,7 +1407,7 @@
         <p:spPr>
           <a:xfrm>
             <a:off x="1376280" y="1336680"/>
-            <a:ext cx="4796280" cy="3596040"/>
+            <a:ext cx="4795920" cy="3595680"/>
           </a:xfrm>
           <a:prstGeom prst="rect">
             <a:avLst/>
@@ -1462,7 +1419,7 @@
       </p:sp>
       <p:sp>
         <p:nvSpPr>
-          <p:cNvPr id="301" name="PlaceHolder 2"/>
+          <p:cNvPr id="262" name="PlaceHolder 2"/>
           <p:cNvSpPr>
             <a:spLocks noGrp="1"/>
           </p:cNvSpPr>
@@ -1473,7 +1430,7 @@
         <p:spPr>
           <a:xfrm>
             <a:off x="756000" y="5145120"/>
-            <a:ext cx="6036480" cy="4198680"/>
+            <a:ext cx="6036120" cy="4198320"/>
           </a:xfrm>
           <a:prstGeom prst="rect">
             <a:avLst/>
@@ -1496,14 +1453,14 @@
       </p:sp>
       <p:sp>
         <p:nvSpPr>
-          <p:cNvPr id="302" name="CustomShape 84"/>
+          <p:cNvPr id="263" name="CustomShape 84"/>
           <p:cNvSpPr/>
           <p:nvPr/>
         </p:nvSpPr>
         <p:spPr>
           <a:xfrm>
             <a:off x="0" y="10155240"/>
-            <a:ext cx="3264840" cy="525240"/>
+            <a:ext cx="3264480" cy="524880"/>
           </a:xfrm>
           <a:prstGeom prst="rect">
             <a:avLst/>
@@ -1570,7 +1527,7 @@
       </p:grpSpPr>
       <p:sp>
         <p:nvSpPr>
-          <p:cNvPr id="303" name="PlaceHolder 1"/>
+          <p:cNvPr id="264" name="PlaceHolder 1"/>
           <p:cNvSpPr>
             <a:spLocks noGrp="1"/>
           </p:cNvSpPr>
@@ -1581,7 +1538,7 @@
         <p:spPr>
           <a:xfrm>
             <a:off x="1376280" y="1336680"/>
-            <a:ext cx="4796280" cy="3596040"/>
+            <a:ext cx="4795920" cy="3595680"/>
           </a:xfrm>
           <a:prstGeom prst="rect">
             <a:avLst/>
@@ -1593,7 +1550,7 @@
       </p:sp>
       <p:sp>
         <p:nvSpPr>
-          <p:cNvPr id="304" name="PlaceHolder 2"/>
+          <p:cNvPr id="265" name="PlaceHolder 2"/>
           <p:cNvSpPr>
             <a:spLocks noGrp="1"/>
           </p:cNvSpPr>
@@ -1604,7 +1561,7 @@
         <p:spPr>
           <a:xfrm>
             <a:off x="756000" y="5145120"/>
-            <a:ext cx="6036480" cy="4198680"/>
+            <a:ext cx="6036120" cy="4198320"/>
           </a:xfrm>
           <a:prstGeom prst="rect">
             <a:avLst/>
@@ -1627,14 +1584,14 @@
       </p:sp>
       <p:sp>
         <p:nvSpPr>
-          <p:cNvPr id="305" name="CustomShape 79"/>
+          <p:cNvPr id="266" name="CustomShape 79"/>
           <p:cNvSpPr/>
           <p:nvPr/>
         </p:nvSpPr>
         <p:spPr>
           <a:xfrm>
             <a:off x="0" y="10155240"/>
-            <a:ext cx="3264840" cy="525240"/>
+            <a:ext cx="3264480" cy="524880"/>
           </a:xfrm>
           <a:prstGeom prst="rect">
             <a:avLst/>
@@ -1701,7 +1658,7 @@
       </p:grpSpPr>
       <p:sp>
         <p:nvSpPr>
-          <p:cNvPr id="306" name="PlaceHolder 1"/>
+          <p:cNvPr id="267" name="PlaceHolder 1"/>
           <p:cNvSpPr>
             <a:spLocks noGrp="1"/>
           </p:cNvSpPr>
@@ -1712,7 +1669,7 @@
         <p:spPr>
           <a:xfrm>
             <a:off x="1376280" y="1336680"/>
-            <a:ext cx="4796280" cy="3596040"/>
+            <a:ext cx="4795920" cy="3595680"/>
           </a:xfrm>
           <a:prstGeom prst="rect">
             <a:avLst/>
@@ -1724,7 +1681,7 @@
       </p:sp>
       <p:sp>
         <p:nvSpPr>
-          <p:cNvPr id="307" name="PlaceHolder 2"/>
+          <p:cNvPr id="268" name="PlaceHolder 2"/>
           <p:cNvSpPr>
             <a:spLocks noGrp="1"/>
           </p:cNvSpPr>
@@ -1735,7 +1692,7 @@
         <p:spPr>
           <a:xfrm>
             <a:off x="756000" y="5145120"/>
-            <a:ext cx="6036480" cy="4198680"/>
+            <a:ext cx="6036120" cy="4198320"/>
           </a:xfrm>
           <a:prstGeom prst="rect">
             <a:avLst/>
@@ -1758,14 +1715,14 @@
       </p:sp>
       <p:sp>
         <p:nvSpPr>
-          <p:cNvPr id="308" name="CustomShape 89"/>
+          <p:cNvPr id="269" name="CustomShape 89"/>
           <p:cNvSpPr/>
           <p:nvPr/>
         </p:nvSpPr>
         <p:spPr>
           <a:xfrm>
             <a:off x="0" y="10155240"/>
-            <a:ext cx="3264840" cy="525240"/>
+            <a:ext cx="3264480" cy="524880"/>
           </a:xfrm>
           <a:prstGeom prst="rect">
             <a:avLst/>
@@ -1832,7 +1789,7 @@
       </p:grpSpPr>
       <p:sp>
         <p:nvSpPr>
-          <p:cNvPr id="255" name="PlaceHolder 1"/>
+          <p:cNvPr id="216" name="PlaceHolder 1"/>
           <p:cNvSpPr>
             <a:spLocks noGrp="1"/>
           </p:cNvSpPr>
@@ -1843,7 +1800,7 @@
         <p:spPr>
           <a:xfrm>
             <a:off x="1376280" y="1336680"/>
-            <a:ext cx="4796280" cy="3596040"/>
+            <a:ext cx="4795920" cy="3595680"/>
           </a:xfrm>
           <a:prstGeom prst="rect">
             <a:avLst/>
@@ -1855,7 +1812,7 @@
       </p:sp>
       <p:sp>
         <p:nvSpPr>
-          <p:cNvPr id="256" name="PlaceHolder 2"/>
+          <p:cNvPr id="217" name="PlaceHolder 2"/>
           <p:cNvSpPr>
             <a:spLocks noGrp="1"/>
           </p:cNvSpPr>
@@ -1866,7 +1823,7 @@
         <p:spPr>
           <a:xfrm>
             <a:off x="756000" y="5145120"/>
-            <a:ext cx="6036480" cy="4198680"/>
+            <a:ext cx="6036120" cy="4198320"/>
           </a:xfrm>
           <a:prstGeom prst="rect">
             <a:avLst/>
@@ -1889,14 +1846,14 @@
       </p:sp>
       <p:sp>
         <p:nvSpPr>
-          <p:cNvPr id="257" name="CustomShape 3"/>
+          <p:cNvPr id="218" name="CustomShape 3"/>
           <p:cNvSpPr/>
           <p:nvPr/>
         </p:nvSpPr>
         <p:spPr>
           <a:xfrm>
             <a:off x="0" y="10155240"/>
-            <a:ext cx="3264840" cy="525240"/>
+            <a:ext cx="3264480" cy="524880"/>
           </a:xfrm>
           <a:prstGeom prst="rect">
             <a:avLst/>
@@ -1963,7 +1920,7 @@
       </p:grpSpPr>
       <p:sp>
         <p:nvSpPr>
-          <p:cNvPr id="258" name="PlaceHolder 1"/>
+          <p:cNvPr id="219" name="PlaceHolder 1"/>
           <p:cNvSpPr>
             <a:spLocks noGrp="1"/>
           </p:cNvSpPr>
@@ -1974,7 +1931,7 @@
         <p:spPr>
           <a:xfrm>
             <a:off x="1376280" y="1336680"/>
-            <a:ext cx="4796280" cy="3596040"/>
+            <a:ext cx="4795920" cy="3595680"/>
           </a:xfrm>
           <a:prstGeom prst="rect">
             <a:avLst/>
@@ -1986,7 +1943,7 @@
       </p:sp>
       <p:sp>
         <p:nvSpPr>
-          <p:cNvPr id="259" name="PlaceHolder 2"/>
+          <p:cNvPr id="220" name="PlaceHolder 2"/>
           <p:cNvSpPr>
             <a:spLocks noGrp="1"/>
           </p:cNvSpPr>
@@ -1997,7 +1954,7 @@
         <p:spPr>
           <a:xfrm>
             <a:off x="756000" y="5145120"/>
-            <a:ext cx="6036480" cy="4198680"/>
+            <a:ext cx="6036120" cy="4198320"/>
           </a:xfrm>
           <a:prstGeom prst="rect">
             <a:avLst/>
@@ -2020,14 +1977,14 @@
       </p:sp>
       <p:sp>
         <p:nvSpPr>
-          <p:cNvPr id="260" name="CustomShape 5"/>
+          <p:cNvPr id="221" name="CustomShape 5"/>
           <p:cNvSpPr/>
           <p:nvPr/>
         </p:nvSpPr>
         <p:spPr>
           <a:xfrm>
             <a:off x="0" y="10155240"/>
-            <a:ext cx="3264840" cy="525240"/>
+            <a:ext cx="3264480" cy="524880"/>
           </a:xfrm>
           <a:prstGeom prst="rect">
             <a:avLst/>
@@ -2094,7 +2051,7 @@
       </p:grpSpPr>
       <p:sp>
         <p:nvSpPr>
-          <p:cNvPr id="261" name="PlaceHolder 1"/>
+          <p:cNvPr id="222" name="PlaceHolder 1"/>
           <p:cNvSpPr>
             <a:spLocks noGrp="1"/>
           </p:cNvSpPr>
@@ -2105,7 +2062,7 @@
         <p:spPr>
           <a:xfrm>
             <a:off x="1376280" y="1336680"/>
-            <a:ext cx="4796280" cy="3596040"/>
+            <a:ext cx="4795920" cy="3595680"/>
           </a:xfrm>
           <a:prstGeom prst="rect">
             <a:avLst/>
@@ -2117,7 +2074,7 @@
       </p:sp>
       <p:sp>
         <p:nvSpPr>
-          <p:cNvPr id="262" name="PlaceHolder 2"/>
+          <p:cNvPr id="223" name="PlaceHolder 2"/>
           <p:cNvSpPr>
             <a:spLocks noGrp="1"/>
           </p:cNvSpPr>
@@ -2128,7 +2085,7 @@
         <p:spPr>
           <a:xfrm>
             <a:off x="756000" y="5145120"/>
-            <a:ext cx="6036480" cy="4198680"/>
+            <a:ext cx="6036120" cy="4198320"/>
           </a:xfrm>
           <a:prstGeom prst="rect">
             <a:avLst/>
@@ -2151,14 +2108,14 @@
       </p:sp>
       <p:sp>
         <p:nvSpPr>
-          <p:cNvPr id="263" name="CustomShape 14"/>
+          <p:cNvPr id="224" name="CustomShape 14"/>
           <p:cNvSpPr/>
           <p:nvPr/>
         </p:nvSpPr>
         <p:spPr>
           <a:xfrm>
             <a:off x="0" y="10155240"/>
-            <a:ext cx="3264840" cy="525240"/>
+            <a:ext cx="3264480" cy="524880"/>
           </a:xfrm>
           <a:prstGeom prst="rect">
             <a:avLst/>
@@ -2225,7 +2182,7 @@
       </p:grpSpPr>
       <p:sp>
         <p:nvSpPr>
-          <p:cNvPr id="264" name="PlaceHolder 1"/>
+          <p:cNvPr id="225" name="PlaceHolder 1"/>
           <p:cNvSpPr>
             <a:spLocks noGrp="1"/>
           </p:cNvSpPr>
@@ -2236,7 +2193,7 @@
         <p:spPr>
           <a:xfrm>
             <a:off x="1376280" y="1336680"/>
-            <a:ext cx="4796280" cy="3596040"/>
+            <a:ext cx="4795920" cy="3595680"/>
           </a:xfrm>
           <a:prstGeom prst="rect">
             <a:avLst/>
@@ -2248,7 +2205,7 @@
       </p:sp>
       <p:sp>
         <p:nvSpPr>
-          <p:cNvPr id="265" name="PlaceHolder 2"/>
+          <p:cNvPr id="226" name="PlaceHolder 2"/>
           <p:cNvSpPr>
             <a:spLocks noGrp="1"/>
           </p:cNvSpPr>
@@ -2259,7 +2216,7 @@
         <p:spPr>
           <a:xfrm>
             <a:off x="756000" y="5145120"/>
-            <a:ext cx="6036480" cy="4198680"/>
+            <a:ext cx="6036120" cy="4198320"/>
           </a:xfrm>
           <a:prstGeom prst="rect">
             <a:avLst/>
@@ -2282,14 +2239,14 @@
       </p:sp>
       <p:sp>
         <p:nvSpPr>
-          <p:cNvPr id="266" name="CustomShape 19"/>
+          <p:cNvPr id="227" name="CustomShape 19"/>
           <p:cNvSpPr/>
           <p:nvPr/>
         </p:nvSpPr>
         <p:spPr>
           <a:xfrm>
             <a:off x="0" y="10155240"/>
-            <a:ext cx="3264840" cy="525240"/>
+            <a:ext cx="3264480" cy="524880"/>
           </a:xfrm>
           <a:prstGeom prst="rect">
             <a:avLst/>
@@ -2356,7 +2313,7 @@
       </p:grpSpPr>
       <p:sp>
         <p:nvSpPr>
-          <p:cNvPr id="267" name="PlaceHolder 1"/>
+          <p:cNvPr id="228" name="PlaceHolder 1"/>
           <p:cNvSpPr>
             <a:spLocks noGrp="1"/>
           </p:cNvSpPr>
@@ -2367,7 +2324,7 @@
         <p:spPr>
           <a:xfrm>
             <a:off x="1376280" y="1336680"/>
-            <a:ext cx="4796280" cy="3596040"/>
+            <a:ext cx="4795920" cy="3595680"/>
           </a:xfrm>
           <a:prstGeom prst="rect">
             <a:avLst/>
@@ -2379,7 +2336,7 @@
       </p:sp>
       <p:sp>
         <p:nvSpPr>
-          <p:cNvPr id="268" name="PlaceHolder 2"/>
+          <p:cNvPr id="229" name="PlaceHolder 2"/>
           <p:cNvSpPr>
             <a:spLocks noGrp="1"/>
           </p:cNvSpPr>
@@ -2390,7 +2347,7 @@
         <p:spPr>
           <a:xfrm>
             <a:off x="756000" y="5145120"/>
-            <a:ext cx="6036480" cy="4198680"/>
+            <a:ext cx="6036120" cy="4198320"/>
           </a:xfrm>
           <a:prstGeom prst="rect">
             <a:avLst/>
@@ -2413,14 +2370,14 @@
       </p:sp>
       <p:sp>
         <p:nvSpPr>
-          <p:cNvPr id="269" name="CustomShape 29"/>
+          <p:cNvPr id="230" name="CustomShape 29"/>
           <p:cNvSpPr/>
           <p:nvPr/>
         </p:nvSpPr>
         <p:spPr>
           <a:xfrm>
             <a:off x="0" y="10155240"/>
-            <a:ext cx="3264840" cy="525240"/>
+            <a:ext cx="3264480" cy="524880"/>
           </a:xfrm>
           <a:prstGeom prst="rect">
             <a:avLst/>
@@ -2487,7 +2444,7 @@
       </p:grpSpPr>
       <p:sp>
         <p:nvSpPr>
-          <p:cNvPr id="270" name="PlaceHolder 1"/>
+          <p:cNvPr id="231" name="PlaceHolder 1"/>
           <p:cNvSpPr>
             <a:spLocks noGrp="1"/>
           </p:cNvSpPr>
@@ -2498,7 +2455,7 @@
         <p:spPr>
           <a:xfrm>
             <a:off x="1376280" y="1336680"/>
-            <a:ext cx="4796280" cy="3596040"/>
+            <a:ext cx="4795920" cy="3595680"/>
           </a:xfrm>
           <a:prstGeom prst="rect">
             <a:avLst/>
@@ -2510,7 +2467,7 @@
       </p:sp>
       <p:sp>
         <p:nvSpPr>
-          <p:cNvPr id="271" name="PlaceHolder 2"/>
+          <p:cNvPr id="232" name="PlaceHolder 2"/>
           <p:cNvSpPr>
             <a:spLocks noGrp="1"/>
           </p:cNvSpPr>
@@ -2521,7 +2478,7 @@
         <p:spPr>
           <a:xfrm>
             <a:off x="756000" y="5145120"/>
-            <a:ext cx="6036480" cy="4198680"/>
+            <a:ext cx="6036120" cy="4198320"/>
           </a:xfrm>
           <a:prstGeom prst="rect">
             <a:avLst/>
@@ -2544,14 +2501,14 @@
       </p:sp>
       <p:sp>
         <p:nvSpPr>
-          <p:cNvPr id="272" name="CustomShape 24"/>
+          <p:cNvPr id="233" name="CustomShape 24"/>
           <p:cNvSpPr/>
           <p:nvPr/>
         </p:nvSpPr>
         <p:spPr>
           <a:xfrm>
             <a:off x="0" y="10155240"/>
-            <a:ext cx="3264840" cy="525240"/>
+            <a:ext cx="3264480" cy="524880"/>
           </a:xfrm>
           <a:prstGeom prst="rect">
             <a:avLst/>
@@ -2618,7 +2575,7 @@
       </p:grpSpPr>
       <p:sp>
         <p:nvSpPr>
-          <p:cNvPr id="273" name="PlaceHolder 1"/>
+          <p:cNvPr id="234" name="PlaceHolder 1"/>
           <p:cNvSpPr>
             <a:spLocks noGrp="1"/>
           </p:cNvSpPr>
@@ -2629,7 +2586,7 @@
         <p:spPr>
           <a:xfrm>
             <a:off x="1376280" y="1336680"/>
-            <a:ext cx="4796280" cy="3596040"/>
+            <a:ext cx="4795920" cy="3595680"/>
           </a:xfrm>
           <a:prstGeom prst="rect">
             <a:avLst/>
@@ -2641,7 +2598,7 @@
       </p:sp>
       <p:sp>
         <p:nvSpPr>
-          <p:cNvPr id="274" name="PlaceHolder 2"/>
+          <p:cNvPr id="235" name="PlaceHolder 2"/>
           <p:cNvSpPr>
             <a:spLocks noGrp="1"/>
           </p:cNvSpPr>
@@ -2652,7 +2609,7 @@
         <p:spPr>
           <a:xfrm>
             <a:off x="756000" y="5145120"/>
-            <a:ext cx="6036480" cy="4198680"/>
+            <a:ext cx="6036120" cy="4198320"/>
           </a:xfrm>
           <a:prstGeom prst="rect">
             <a:avLst/>
@@ -2675,14 +2632,14 @@
       </p:sp>
       <p:sp>
         <p:nvSpPr>
-          <p:cNvPr id="275" name="CustomShape 34"/>
+          <p:cNvPr id="236" name="CustomShape 34"/>
           <p:cNvSpPr/>
           <p:nvPr/>
         </p:nvSpPr>
         <p:spPr>
           <a:xfrm>
             <a:off x="0" y="10155240"/>
-            <a:ext cx="3264840" cy="525240"/>
+            <a:ext cx="3264480" cy="524880"/>
           </a:xfrm>
           <a:prstGeom prst="rect">
             <a:avLst/>
@@ -2749,7 +2706,7 @@
       </p:grpSpPr>
       <p:sp>
         <p:nvSpPr>
-          <p:cNvPr id="276" name="PlaceHolder 1"/>
+          <p:cNvPr id="237" name="PlaceHolder 1"/>
           <p:cNvSpPr>
             <a:spLocks noGrp="1"/>
           </p:cNvSpPr>
@@ -2760,7 +2717,7 @@
         <p:spPr>
           <a:xfrm>
             <a:off x="1376280" y="1336680"/>
-            <a:ext cx="4796280" cy="3596040"/>
+            <a:ext cx="4795920" cy="3595680"/>
           </a:xfrm>
           <a:prstGeom prst="rect">
             <a:avLst/>
@@ -2772,7 +2729,7 @@
       </p:sp>
       <p:sp>
         <p:nvSpPr>
-          <p:cNvPr id="277" name="PlaceHolder 2"/>
+          <p:cNvPr id="238" name="PlaceHolder 2"/>
           <p:cNvSpPr>
             <a:spLocks noGrp="1"/>
           </p:cNvSpPr>
@@ -2783,7 +2740,7 @@
         <p:spPr>
           <a:xfrm>
             <a:off x="756000" y="5145120"/>
-            <a:ext cx="6036480" cy="4198680"/>
+            <a:ext cx="6036120" cy="4198320"/>
           </a:xfrm>
           <a:prstGeom prst="rect">
             <a:avLst/>
@@ -2806,14 +2763,14 @@
       </p:sp>
       <p:sp>
         <p:nvSpPr>
-          <p:cNvPr id="278" name="CustomShape 39"/>
+          <p:cNvPr id="239" name="CustomShape 39"/>
           <p:cNvSpPr/>
           <p:nvPr/>
         </p:nvSpPr>
         <p:spPr>
           <a:xfrm>
             <a:off x="0" y="10155240"/>
-            <a:ext cx="3264840" cy="525240"/>
+            <a:ext cx="3264480" cy="524880"/>
           </a:xfrm>
           <a:prstGeom prst="rect">
             <a:avLst/>
@@ -5088,403 +5045,6 @@
 </p:sldLayout>
 </file>
 
-<file path=ppt/slideLayouts/slideLayout25.xml><?xml version="1.0" encoding="utf-8"?>
-<p:sldLayout xmlns:a="http://schemas.openxmlformats.org/drawingml/2006/main" xmlns:p="http://schemas.openxmlformats.org/presentationml/2006/main" xmlns:r="http://schemas.openxmlformats.org/officeDocument/2006/relationships" xmlns:p14="http://schemas.microsoft.com/office/powerpoint/2010/main" xmlns:p15="http://schemas.microsoft.com/office/powerpoint/2012/main" xmlns:mc="http://schemas.openxmlformats.org/markup-compatibility/2006" type="blank" preserve="1">
-  <p:cSld name="Blank Slide">
-    <p:spTree>
-      <p:nvGrpSpPr>
-        <p:cNvPr id="1" name=""/>
-        <p:cNvGrpSpPr/>
-        <p:nvPr/>
-      </p:nvGrpSpPr>
-      <p:grpSpPr>
-        <a:xfrm>
-          <a:off x="0" y="0"/>
-          <a:ext cx="0" cy="0"/>
-          <a:chOff x="0" y="0"/>
-          <a:chExt cx="0" cy="0"/>
-        </a:xfrm>
-      </p:grpSpPr>
-    </p:spTree>
-  </p:cSld>
-</p:sldLayout>
-</file>
-
-<file path=ppt/slideLayouts/slideLayout26.xml><?xml version="1.0" encoding="utf-8"?>
-<p:sldLayout xmlns:a="http://schemas.openxmlformats.org/drawingml/2006/main" xmlns:p="http://schemas.openxmlformats.org/presentationml/2006/main" xmlns:r="http://schemas.openxmlformats.org/officeDocument/2006/relationships" xmlns:p14="http://schemas.microsoft.com/office/powerpoint/2010/main" xmlns:p15="http://schemas.microsoft.com/office/powerpoint/2012/main" xmlns:mc="http://schemas.openxmlformats.org/markup-compatibility/2006" type="tx" preserve="1">
-  <p:cSld name="Title Slide">
-    <p:spTree>
-      <p:nvGrpSpPr>
-        <p:cNvPr id="1" name=""/>
-        <p:cNvGrpSpPr/>
-        <p:nvPr/>
-      </p:nvGrpSpPr>
-      <p:grpSpPr>
-        <a:xfrm>
-          <a:off x="0" y="0"/>
-          <a:ext cx="0" cy="0"/>
-          <a:chOff x="0" y="0"/>
-          <a:chExt cx="0" cy="0"/>
-        </a:xfrm>
-      </p:grpSpPr>
-      <p:sp>
-        <p:nvSpPr>
-          <p:cNvPr id="84" name="PlaceHolder 1"/>
-          <p:cNvSpPr>
-            <a:spLocks noGrp="1"/>
-          </p:cNvSpPr>
-          <p:nvPr>
-            <p:ph type="title"/>
-          </p:nvPr>
-        </p:nvSpPr>
-        <p:spPr>
-          <a:xfrm>
-            <a:off x="504000" y="301320"/>
-            <a:ext cx="9072000" cy="1261800"/>
-          </a:xfrm>
-          <a:prstGeom prst="rect">
-            <a:avLst/>
-          </a:prstGeom>
-          <a:noFill/>
-          <a:ln w="0">
-            <a:noFill/>
-          </a:ln>
-        </p:spPr>
-        <p:txBody>
-          <a:bodyPr lIns="0" rIns="0" tIns="0" bIns="0" anchor="ctr">
-            <a:noAutofit/>
-          </a:bodyPr>
-          <a:p>
-            <a:pPr algn="ctr">
-              <a:buNone/>
-            </a:pPr>
-            <a:endParaRPr b="0" lang="pt-BR" sz="4400" spc="-1" strike="noStrike">
-              <a:latin typeface="Arial"/>
-            </a:endParaRPr>
-          </a:p>
-        </p:txBody>
-      </p:sp>
-      <p:sp>
-        <p:nvSpPr>
-          <p:cNvPr id="85" name="PlaceHolder 2"/>
-          <p:cNvSpPr>
-            <a:spLocks noGrp="1"/>
-          </p:cNvSpPr>
-          <p:nvPr>
-            <p:ph type="subTitle"/>
-          </p:nvPr>
-        </p:nvSpPr>
-        <p:spPr>
-          <a:xfrm>
-            <a:off x="504000" y="1768680"/>
-            <a:ext cx="9072000" cy="4384080"/>
-          </a:xfrm>
-          <a:prstGeom prst="rect">
-            <a:avLst/>
-          </a:prstGeom>
-          <a:noFill/>
-          <a:ln w="0">
-            <a:noFill/>
-          </a:ln>
-        </p:spPr>
-        <p:txBody>
-          <a:bodyPr lIns="0" rIns="0" tIns="0" bIns="0" anchor="ctr">
-            <a:noAutofit/>
-          </a:bodyPr>
-          <a:p>
-            <a:pPr algn="ctr">
-              <a:buNone/>
-            </a:pPr>
-            <a:endParaRPr b="0" lang="pt-BR" sz="3200" spc="-1" strike="noStrike">
-              <a:latin typeface="Arial"/>
-            </a:endParaRPr>
-          </a:p>
-        </p:txBody>
-      </p:sp>
-    </p:spTree>
-  </p:cSld>
-</p:sldLayout>
-</file>
-
-<file path=ppt/slideLayouts/slideLayout27.xml><?xml version="1.0" encoding="utf-8"?>
-<p:sldLayout xmlns:a="http://schemas.openxmlformats.org/drawingml/2006/main" xmlns:p="http://schemas.openxmlformats.org/presentationml/2006/main" xmlns:r="http://schemas.openxmlformats.org/officeDocument/2006/relationships" xmlns:p14="http://schemas.microsoft.com/office/powerpoint/2010/main" xmlns:p15="http://schemas.microsoft.com/office/powerpoint/2012/main" xmlns:mc="http://schemas.openxmlformats.org/markup-compatibility/2006" type="obj" preserve="1">
-  <p:cSld name="Title, Content">
-    <p:spTree>
-      <p:nvGrpSpPr>
-        <p:cNvPr id="1" name=""/>
-        <p:cNvGrpSpPr/>
-        <p:nvPr/>
-      </p:nvGrpSpPr>
-      <p:grpSpPr>
-        <a:xfrm>
-          <a:off x="0" y="0"/>
-          <a:ext cx="0" cy="0"/>
-          <a:chOff x="0" y="0"/>
-          <a:chExt cx="0" cy="0"/>
-        </a:xfrm>
-      </p:grpSpPr>
-      <p:sp>
-        <p:nvSpPr>
-          <p:cNvPr id="86" name="PlaceHolder 1"/>
-          <p:cNvSpPr>
-            <a:spLocks noGrp="1"/>
-          </p:cNvSpPr>
-          <p:nvPr>
-            <p:ph type="title"/>
-          </p:nvPr>
-        </p:nvSpPr>
-        <p:spPr>
-          <a:xfrm>
-            <a:off x="504000" y="301320"/>
-            <a:ext cx="9072000" cy="1261800"/>
-          </a:xfrm>
-          <a:prstGeom prst="rect">
-            <a:avLst/>
-          </a:prstGeom>
-          <a:noFill/>
-          <a:ln w="0">
-            <a:noFill/>
-          </a:ln>
-        </p:spPr>
-        <p:txBody>
-          <a:bodyPr lIns="0" rIns="0" tIns="0" bIns="0" anchor="ctr">
-            <a:noAutofit/>
-          </a:bodyPr>
-          <a:p>
-            <a:pPr algn="ctr">
-              <a:buNone/>
-            </a:pPr>
-            <a:endParaRPr b="0" lang="pt-BR" sz="4400" spc="-1" strike="noStrike">
-              <a:latin typeface="Arial"/>
-            </a:endParaRPr>
-          </a:p>
-        </p:txBody>
-      </p:sp>
-      <p:sp>
-        <p:nvSpPr>
-          <p:cNvPr id="87" name="PlaceHolder 2"/>
-          <p:cNvSpPr>
-            <a:spLocks noGrp="1"/>
-          </p:cNvSpPr>
-          <p:nvPr>
-            <p:ph/>
-          </p:nvPr>
-        </p:nvSpPr>
-        <p:spPr>
-          <a:xfrm>
-            <a:off x="504000" y="1768680"/>
-            <a:ext cx="9072000" cy="4384080"/>
-          </a:xfrm>
-          <a:prstGeom prst="rect">
-            <a:avLst/>
-          </a:prstGeom>
-          <a:noFill/>
-          <a:ln w="0">
-            <a:noFill/>
-          </a:ln>
-        </p:spPr>
-        <p:txBody>
-          <a:bodyPr lIns="0" rIns="0" tIns="0" bIns="0" anchor="t">
-            <a:normAutofit/>
-          </a:bodyPr>
-          <a:p>
-            <a:endParaRPr b="0" lang="pt-BR" sz="3200" spc="-1" strike="noStrike">
-              <a:latin typeface="Arial"/>
-            </a:endParaRPr>
-          </a:p>
-        </p:txBody>
-      </p:sp>
-    </p:spTree>
-  </p:cSld>
-</p:sldLayout>
-</file>
-
-<file path=ppt/slideLayouts/slideLayout28.xml><?xml version="1.0" encoding="utf-8"?>
-<p:sldLayout xmlns:a="http://schemas.openxmlformats.org/drawingml/2006/main" xmlns:p="http://schemas.openxmlformats.org/presentationml/2006/main" xmlns:r="http://schemas.openxmlformats.org/officeDocument/2006/relationships" xmlns:p14="http://schemas.microsoft.com/office/powerpoint/2010/main" xmlns:p15="http://schemas.microsoft.com/office/powerpoint/2012/main" xmlns:mc="http://schemas.openxmlformats.org/markup-compatibility/2006" type="twoObj" preserve="1">
-  <p:cSld name="Title, 2 Content">
-    <p:spTree>
-      <p:nvGrpSpPr>
-        <p:cNvPr id="1" name=""/>
-        <p:cNvGrpSpPr/>
-        <p:nvPr/>
-      </p:nvGrpSpPr>
-      <p:grpSpPr>
-        <a:xfrm>
-          <a:off x="0" y="0"/>
-          <a:ext cx="0" cy="0"/>
-          <a:chOff x="0" y="0"/>
-          <a:chExt cx="0" cy="0"/>
-        </a:xfrm>
-      </p:grpSpPr>
-      <p:sp>
-        <p:nvSpPr>
-          <p:cNvPr id="88" name="PlaceHolder 1"/>
-          <p:cNvSpPr>
-            <a:spLocks noGrp="1"/>
-          </p:cNvSpPr>
-          <p:nvPr>
-            <p:ph type="title"/>
-          </p:nvPr>
-        </p:nvSpPr>
-        <p:spPr>
-          <a:xfrm>
-            <a:off x="504000" y="301320"/>
-            <a:ext cx="9072000" cy="1261800"/>
-          </a:xfrm>
-          <a:prstGeom prst="rect">
-            <a:avLst/>
-          </a:prstGeom>
-          <a:noFill/>
-          <a:ln w="0">
-            <a:noFill/>
-          </a:ln>
-        </p:spPr>
-        <p:txBody>
-          <a:bodyPr lIns="0" rIns="0" tIns="0" bIns="0" anchor="ctr">
-            <a:noAutofit/>
-          </a:bodyPr>
-          <a:p>
-            <a:pPr algn="ctr">
-              <a:buNone/>
-            </a:pPr>
-            <a:endParaRPr b="0" lang="pt-BR" sz="4400" spc="-1" strike="noStrike">
-              <a:latin typeface="Arial"/>
-            </a:endParaRPr>
-          </a:p>
-        </p:txBody>
-      </p:sp>
-      <p:sp>
-        <p:nvSpPr>
-          <p:cNvPr id="89" name="PlaceHolder 2"/>
-          <p:cNvSpPr>
-            <a:spLocks noGrp="1"/>
-          </p:cNvSpPr>
-          <p:nvPr>
-            <p:ph/>
-          </p:nvPr>
-        </p:nvSpPr>
-        <p:spPr>
-          <a:xfrm>
-            <a:off x="504000" y="1768680"/>
-            <a:ext cx="4426920" cy="4384080"/>
-          </a:xfrm>
-          <a:prstGeom prst="rect">
-            <a:avLst/>
-          </a:prstGeom>
-          <a:noFill/>
-          <a:ln w="0">
-            <a:noFill/>
-          </a:ln>
-        </p:spPr>
-        <p:txBody>
-          <a:bodyPr lIns="0" rIns="0" tIns="0" bIns="0" anchor="t">
-            <a:normAutofit/>
-          </a:bodyPr>
-          <a:p>
-            <a:endParaRPr b="0" lang="pt-BR" sz="3200" spc="-1" strike="noStrike">
-              <a:latin typeface="Arial"/>
-            </a:endParaRPr>
-          </a:p>
-        </p:txBody>
-      </p:sp>
-      <p:sp>
-        <p:nvSpPr>
-          <p:cNvPr id="90" name="PlaceHolder 3"/>
-          <p:cNvSpPr>
-            <a:spLocks noGrp="1"/>
-          </p:cNvSpPr>
-          <p:nvPr>
-            <p:ph/>
-          </p:nvPr>
-        </p:nvSpPr>
-        <p:spPr>
-          <a:xfrm>
-            <a:off x="5152680" y="1768680"/>
-            <a:ext cx="4426920" cy="4384080"/>
-          </a:xfrm>
-          <a:prstGeom prst="rect">
-            <a:avLst/>
-          </a:prstGeom>
-          <a:noFill/>
-          <a:ln w="0">
-            <a:noFill/>
-          </a:ln>
-        </p:spPr>
-        <p:txBody>
-          <a:bodyPr lIns="0" rIns="0" tIns="0" bIns="0" anchor="t">
-            <a:normAutofit/>
-          </a:bodyPr>
-          <a:p>
-            <a:endParaRPr b="0" lang="pt-BR" sz="3200" spc="-1" strike="noStrike">
-              <a:latin typeface="Arial"/>
-            </a:endParaRPr>
-          </a:p>
-        </p:txBody>
-      </p:sp>
-    </p:spTree>
-  </p:cSld>
-</p:sldLayout>
-</file>
-
-<file path=ppt/slideLayouts/slideLayout29.xml><?xml version="1.0" encoding="utf-8"?>
-<p:sldLayout xmlns:a="http://schemas.openxmlformats.org/drawingml/2006/main" xmlns:p="http://schemas.openxmlformats.org/presentationml/2006/main" xmlns:r="http://schemas.openxmlformats.org/officeDocument/2006/relationships" xmlns:p14="http://schemas.microsoft.com/office/powerpoint/2010/main" xmlns:p15="http://schemas.microsoft.com/office/powerpoint/2012/main" xmlns:mc="http://schemas.openxmlformats.org/markup-compatibility/2006" type="titleOnly" preserve="1">
-  <p:cSld name="Title Only">
-    <p:spTree>
-      <p:nvGrpSpPr>
-        <p:cNvPr id="1" name=""/>
-        <p:cNvGrpSpPr/>
-        <p:nvPr/>
-      </p:nvGrpSpPr>
-      <p:grpSpPr>
-        <a:xfrm>
-          <a:off x="0" y="0"/>
-          <a:ext cx="0" cy="0"/>
-          <a:chOff x="0" y="0"/>
-          <a:chExt cx="0" cy="0"/>
-        </a:xfrm>
-      </p:grpSpPr>
-      <p:sp>
-        <p:nvSpPr>
-          <p:cNvPr id="91" name="PlaceHolder 1"/>
-          <p:cNvSpPr>
-            <a:spLocks noGrp="1"/>
-          </p:cNvSpPr>
-          <p:nvPr>
-            <p:ph type="title"/>
-          </p:nvPr>
-        </p:nvSpPr>
-        <p:spPr>
-          <a:xfrm>
-            <a:off x="504000" y="301320"/>
-            <a:ext cx="9072000" cy="1261800"/>
-          </a:xfrm>
-          <a:prstGeom prst="rect">
-            <a:avLst/>
-          </a:prstGeom>
-          <a:noFill/>
-          <a:ln w="0">
-            <a:noFill/>
-          </a:ln>
-        </p:spPr>
-        <p:txBody>
-          <a:bodyPr lIns="0" rIns="0" tIns="0" bIns="0" anchor="ctr">
-            <a:noAutofit/>
-          </a:bodyPr>
-          <a:p>
-            <a:pPr algn="ctr">
-              <a:buNone/>
-            </a:pPr>
-            <a:endParaRPr b="0" lang="pt-BR" sz="4400" spc="-1" strike="noStrike">
-              <a:latin typeface="Arial"/>
-            </a:endParaRPr>
-          </a:p>
-        </p:txBody>
-      </p:sp>
-    </p:spTree>
-  </p:cSld>
-</p:sldLayout>
-</file>
-
 <file path=ppt/slideLayouts/slideLayout3.xml><?xml version="1.0" encoding="utf-8"?>
 <p:sldLayout xmlns:a="http://schemas.openxmlformats.org/drawingml/2006/main" xmlns:p="http://schemas.openxmlformats.org/presentationml/2006/main" xmlns:r="http://schemas.openxmlformats.org/officeDocument/2006/relationships" xmlns:p14="http://schemas.microsoft.com/office/powerpoint/2010/main" xmlns:p15="http://schemas.microsoft.com/office/powerpoint/2012/main" xmlns:mc="http://schemas.openxmlformats.org/markup-compatibility/2006" type="obj" preserve="1">
   <p:cSld name="Title, Content">
@@ -5553,1133 +5113,6 @@
           <a:xfrm>
             <a:off x="504000" y="1768680"/>
             <a:ext cx="9072000" cy="4384080"/>
-          </a:xfrm>
-          <a:prstGeom prst="rect">
-            <a:avLst/>
-          </a:prstGeom>
-          <a:noFill/>
-          <a:ln w="0">
-            <a:noFill/>
-          </a:ln>
-        </p:spPr>
-        <p:txBody>
-          <a:bodyPr lIns="0" rIns="0" tIns="0" bIns="0" anchor="t">
-            <a:normAutofit/>
-          </a:bodyPr>
-          <a:p>
-            <a:endParaRPr b="0" lang="pt-BR" sz="3200" spc="-1" strike="noStrike">
-              <a:latin typeface="Arial"/>
-            </a:endParaRPr>
-          </a:p>
-        </p:txBody>
-      </p:sp>
-    </p:spTree>
-  </p:cSld>
-</p:sldLayout>
-</file>
-
-<file path=ppt/slideLayouts/slideLayout30.xml><?xml version="1.0" encoding="utf-8"?>
-<p:sldLayout xmlns:a="http://schemas.openxmlformats.org/drawingml/2006/main" xmlns:p="http://schemas.openxmlformats.org/presentationml/2006/main" xmlns:r="http://schemas.openxmlformats.org/officeDocument/2006/relationships" xmlns:p14="http://schemas.microsoft.com/office/powerpoint/2010/main" xmlns:p15="http://schemas.microsoft.com/office/powerpoint/2012/main" xmlns:mc="http://schemas.openxmlformats.org/markup-compatibility/2006" type="objOnly" preserve="1">
-  <p:cSld name="Centered Text">
-    <p:spTree>
-      <p:nvGrpSpPr>
-        <p:cNvPr id="1" name=""/>
-        <p:cNvGrpSpPr/>
-        <p:nvPr/>
-      </p:nvGrpSpPr>
-      <p:grpSpPr>
-        <a:xfrm>
-          <a:off x="0" y="0"/>
-          <a:ext cx="0" cy="0"/>
-          <a:chOff x="0" y="0"/>
-          <a:chExt cx="0" cy="0"/>
-        </a:xfrm>
-      </p:grpSpPr>
-      <p:sp>
-        <p:nvSpPr>
-          <p:cNvPr id="92" name="PlaceHolder 1"/>
-          <p:cNvSpPr>
-            <a:spLocks noGrp="1"/>
-          </p:cNvSpPr>
-          <p:nvPr>
-            <p:ph type="subTitle"/>
-          </p:nvPr>
-        </p:nvSpPr>
-        <p:spPr>
-          <a:xfrm>
-            <a:off x="504000" y="301320"/>
-            <a:ext cx="9072000" cy="5850360"/>
-          </a:xfrm>
-          <a:prstGeom prst="rect">
-            <a:avLst/>
-          </a:prstGeom>
-          <a:noFill/>
-          <a:ln w="0">
-            <a:noFill/>
-          </a:ln>
-        </p:spPr>
-        <p:txBody>
-          <a:bodyPr lIns="0" rIns="0" tIns="0" bIns="0" anchor="ctr">
-            <a:noAutofit/>
-          </a:bodyPr>
-          <a:p>
-            <a:pPr algn="ctr">
-              <a:buNone/>
-            </a:pPr>
-            <a:endParaRPr b="0" lang="pt-BR" sz="3200" spc="-1" strike="noStrike">
-              <a:latin typeface="Arial"/>
-            </a:endParaRPr>
-          </a:p>
-        </p:txBody>
-      </p:sp>
-    </p:spTree>
-  </p:cSld>
-</p:sldLayout>
-</file>
-
-<file path=ppt/slideLayouts/slideLayout31.xml><?xml version="1.0" encoding="utf-8"?>
-<p:sldLayout xmlns:a="http://schemas.openxmlformats.org/drawingml/2006/main" xmlns:p="http://schemas.openxmlformats.org/presentationml/2006/main" xmlns:r="http://schemas.openxmlformats.org/officeDocument/2006/relationships" xmlns:p14="http://schemas.microsoft.com/office/powerpoint/2010/main" xmlns:p15="http://schemas.microsoft.com/office/powerpoint/2012/main" xmlns:mc="http://schemas.openxmlformats.org/markup-compatibility/2006" type="twoObjAndObj" preserve="1">
-  <p:cSld name="Title, 2 Content and Content">
-    <p:spTree>
-      <p:nvGrpSpPr>
-        <p:cNvPr id="1" name=""/>
-        <p:cNvGrpSpPr/>
-        <p:nvPr/>
-      </p:nvGrpSpPr>
-      <p:grpSpPr>
-        <a:xfrm>
-          <a:off x="0" y="0"/>
-          <a:ext cx="0" cy="0"/>
-          <a:chOff x="0" y="0"/>
-          <a:chExt cx="0" cy="0"/>
-        </a:xfrm>
-      </p:grpSpPr>
-      <p:sp>
-        <p:nvSpPr>
-          <p:cNvPr id="93" name="PlaceHolder 1"/>
-          <p:cNvSpPr>
-            <a:spLocks noGrp="1"/>
-          </p:cNvSpPr>
-          <p:nvPr>
-            <p:ph type="title"/>
-          </p:nvPr>
-        </p:nvSpPr>
-        <p:spPr>
-          <a:xfrm>
-            <a:off x="504000" y="301320"/>
-            <a:ext cx="9072000" cy="1261800"/>
-          </a:xfrm>
-          <a:prstGeom prst="rect">
-            <a:avLst/>
-          </a:prstGeom>
-          <a:noFill/>
-          <a:ln w="0">
-            <a:noFill/>
-          </a:ln>
-        </p:spPr>
-        <p:txBody>
-          <a:bodyPr lIns="0" rIns="0" tIns="0" bIns="0" anchor="ctr">
-            <a:noAutofit/>
-          </a:bodyPr>
-          <a:p>
-            <a:pPr algn="ctr">
-              <a:buNone/>
-            </a:pPr>
-            <a:endParaRPr b="0" lang="pt-BR" sz="4400" spc="-1" strike="noStrike">
-              <a:latin typeface="Arial"/>
-            </a:endParaRPr>
-          </a:p>
-        </p:txBody>
-      </p:sp>
-      <p:sp>
-        <p:nvSpPr>
-          <p:cNvPr id="94" name="PlaceHolder 2"/>
-          <p:cNvSpPr>
-            <a:spLocks noGrp="1"/>
-          </p:cNvSpPr>
-          <p:nvPr>
-            <p:ph/>
-          </p:nvPr>
-        </p:nvSpPr>
-        <p:spPr>
-          <a:xfrm>
-            <a:off x="504000" y="1768680"/>
-            <a:ext cx="4426920" cy="2090880"/>
-          </a:xfrm>
-          <a:prstGeom prst="rect">
-            <a:avLst/>
-          </a:prstGeom>
-          <a:noFill/>
-          <a:ln w="0">
-            <a:noFill/>
-          </a:ln>
-        </p:spPr>
-        <p:txBody>
-          <a:bodyPr lIns="0" rIns="0" tIns="0" bIns="0" anchor="t">
-            <a:normAutofit/>
-          </a:bodyPr>
-          <a:p>
-            <a:endParaRPr b="0" lang="pt-BR" sz="3200" spc="-1" strike="noStrike">
-              <a:latin typeface="Arial"/>
-            </a:endParaRPr>
-          </a:p>
-        </p:txBody>
-      </p:sp>
-      <p:sp>
-        <p:nvSpPr>
-          <p:cNvPr id="95" name="PlaceHolder 3"/>
-          <p:cNvSpPr>
-            <a:spLocks noGrp="1"/>
-          </p:cNvSpPr>
-          <p:nvPr>
-            <p:ph/>
-          </p:nvPr>
-        </p:nvSpPr>
-        <p:spPr>
-          <a:xfrm>
-            <a:off x="5152680" y="1768680"/>
-            <a:ext cx="4426920" cy="4384080"/>
-          </a:xfrm>
-          <a:prstGeom prst="rect">
-            <a:avLst/>
-          </a:prstGeom>
-          <a:noFill/>
-          <a:ln w="0">
-            <a:noFill/>
-          </a:ln>
-        </p:spPr>
-        <p:txBody>
-          <a:bodyPr lIns="0" rIns="0" tIns="0" bIns="0" anchor="t">
-            <a:normAutofit/>
-          </a:bodyPr>
-          <a:p>
-            <a:endParaRPr b="0" lang="pt-BR" sz="3200" spc="-1" strike="noStrike">
-              <a:latin typeface="Arial"/>
-            </a:endParaRPr>
-          </a:p>
-        </p:txBody>
-      </p:sp>
-      <p:sp>
-        <p:nvSpPr>
-          <p:cNvPr id="96" name="PlaceHolder 4"/>
-          <p:cNvSpPr>
-            <a:spLocks noGrp="1"/>
-          </p:cNvSpPr>
-          <p:nvPr>
-            <p:ph/>
-          </p:nvPr>
-        </p:nvSpPr>
-        <p:spPr>
-          <a:xfrm>
-            <a:off x="504000" y="4058640"/>
-            <a:ext cx="4426920" cy="2090880"/>
-          </a:xfrm>
-          <a:prstGeom prst="rect">
-            <a:avLst/>
-          </a:prstGeom>
-          <a:noFill/>
-          <a:ln w="0">
-            <a:noFill/>
-          </a:ln>
-        </p:spPr>
-        <p:txBody>
-          <a:bodyPr lIns="0" rIns="0" tIns="0" bIns="0" anchor="t">
-            <a:normAutofit/>
-          </a:bodyPr>
-          <a:p>
-            <a:endParaRPr b="0" lang="pt-BR" sz="3200" spc="-1" strike="noStrike">
-              <a:latin typeface="Arial"/>
-            </a:endParaRPr>
-          </a:p>
-        </p:txBody>
-      </p:sp>
-    </p:spTree>
-  </p:cSld>
-</p:sldLayout>
-</file>
-
-<file path=ppt/slideLayouts/slideLayout32.xml><?xml version="1.0" encoding="utf-8"?>
-<p:sldLayout xmlns:a="http://schemas.openxmlformats.org/drawingml/2006/main" xmlns:p="http://schemas.openxmlformats.org/presentationml/2006/main" xmlns:r="http://schemas.openxmlformats.org/officeDocument/2006/relationships" xmlns:p14="http://schemas.microsoft.com/office/powerpoint/2010/main" xmlns:p15="http://schemas.microsoft.com/office/powerpoint/2012/main" xmlns:mc="http://schemas.openxmlformats.org/markup-compatibility/2006" type="objAndTwoObj" preserve="1">
-  <p:cSld name="Title Content and 2 Content">
-    <p:spTree>
-      <p:nvGrpSpPr>
-        <p:cNvPr id="1" name=""/>
-        <p:cNvGrpSpPr/>
-        <p:nvPr/>
-      </p:nvGrpSpPr>
-      <p:grpSpPr>
-        <a:xfrm>
-          <a:off x="0" y="0"/>
-          <a:ext cx="0" cy="0"/>
-          <a:chOff x="0" y="0"/>
-          <a:chExt cx="0" cy="0"/>
-        </a:xfrm>
-      </p:grpSpPr>
-      <p:sp>
-        <p:nvSpPr>
-          <p:cNvPr id="97" name="PlaceHolder 1"/>
-          <p:cNvSpPr>
-            <a:spLocks noGrp="1"/>
-          </p:cNvSpPr>
-          <p:nvPr>
-            <p:ph type="title"/>
-          </p:nvPr>
-        </p:nvSpPr>
-        <p:spPr>
-          <a:xfrm>
-            <a:off x="504000" y="301320"/>
-            <a:ext cx="9072000" cy="1261800"/>
-          </a:xfrm>
-          <a:prstGeom prst="rect">
-            <a:avLst/>
-          </a:prstGeom>
-          <a:noFill/>
-          <a:ln w="0">
-            <a:noFill/>
-          </a:ln>
-        </p:spPr>
-        <p:txBody>
-          <a:bodyPr lIns="0" rIns="0" tIns="0" bIns="0" anchor="ctr">
-            <a:noAutofit/>
-          </a:bodyPr>
-          <a:p>
-            <a:pPr algn="ctr">
-              <a:buNone/>
-            </a:pPr>
-            <a:endParaRPr b="0" lang="pt-BR" sz="4400" spc="-1" strike="noStrike">
-              <a:latin typeface="Arial"/>
-            </a:endParaRPr>
-          </a:p>
-        </p:txBody>
-      </p:sp>
-      <p:sp>
-        <p:nvSpPr>
-          <p:cNvPr id="98" name="PlaceHolder 2"/>
-          <p:cNvSpPr>
-            <a:spLocks noGrp="1"/>
-          </p:cNvSpPr>
-          <p:nvPr>
-            <p:ph/>
-          </p:nvPr>
-        </p:nvSpPr>
-        <p:spPr>
-          <a:xfrm>
-            <a:off x="504000" y="1768680"/>
-            <a:ext cx="4426920" cy="4384080"/>
-          </a:xfrm>
-          <a:prstGeom prst="rect">
-            <a:avLst/>
-          </a:prstGeom>
-          <a:noFill/>
-          <a:ln w="0">
-            <a:noFill/>
-          </a:ln>
-        </p:spPr>
-        <p:txBody>
-          <a:bodyPr lIns="0" rIns="0" tIns="0" bIns="0" anchor="t">
-            <a:normAutofit/>
-          </a:bodyPr>
-          <a:p>
-            <a:endParaRPr b="0" lang="pt-BR" sz="3200" spc="-1" strike="noStrike">
-              <a:latin typeface="Arial"/>
-            </a:endParaRPr>
-          </a:p>
-        </p:txBody>
-      </p:sp>
-      <p:sp>
-        <p:nvSpPr>
-          <p:cNvPr id="99" name="PlaceHolder 3"/>
-          <p:cNvSpPr>
-            <a:spLocks noGrp="1"/>
-          </p:cNvSpPr>
-          <p:nvPr>
-            <p:ph/>
-          </p:nvPr>
-        </p:nvSpPr>
-        <p:spPr>
-          <a:xfrm>
-            <a:off x="5152680" y="1768680"/>
-            <a:ext cx="4426920" cy="2090880"/>
-          </a:xfrm>
-          <a:prstGeom prst="rect">
-            <a:avLst/>
-          </a:prstGeom>
-          <a:noFill/>
-          <a:ln w="0">
-            <a:noFill/>
-          </a:ln>
-        </p:spPr>
-        <p:txBody>
-          <a:bodyPr lIns="0" rIns="0" tIns="0" bIns="0" anchor="t">
-            <a:normAutofit/>
-          </a:bodyPr>
-          <a:p>
-            <a:endParaRPr b="0" lang="pt-BR" sz="3200" spc="-1" strike="noStrike">
-              <a:latin typeface="Arial"/>
-            </a:endParaRPr>
-          </a:p>
-        </p:txBody>
-      </p:sp>
-      <p:sp>
-        <p:nvSpPr>
-          <p:cNvPr id="100" name="PlaceHolder 4"/>
-          <p:cNvSpPr>
-            <a:spLocks noGrp="1"/>
-          </p:cNvSpPr>
-          <p:nvPr>
-            <p:ph/>
-          </p:nvPr>
-        </p:nvSpPr>
-        <p:spPr>
-          <a:xfrm>
-            <a:off x="5152680" y="4058640"/>
-            <a:ext cx="4426920" cy="2090880"/>
-          </a:xfrm>
-          <a:prstGeom prst="rect">
-            <a:avLst/>
-          </a:prstGeom>
-          <a:noFill/>
-          <a:ln w="0">
-            <a:noFill/>
-          </a:ln>
-        </p:spPr>
-        <p:txBody>
-          <a:bodyPr lIns="0" rIns="0" tIns="0" bIns="0" anchor="t">
-            <a:normAutofit/>
-          </a:bodyPr>
-          <a:p>
-            <a:endParaRPr b="0" lang="pt-BR" sz="3200" spc="-1" strike="noStrike">
-              <a:latin typeface="Arial"/>
-            </a:endParaRPr>
-          </a:p>
-        </p:txBody>
-      </p:sp>
-    </p:spTree>
-  </p:cSld>
-</p:sldLayout>
-</file>
-
-<file path=ppt/slideLayouts/slideLayout33.xml><?xml version="1.0" encoding="utf-8"?>
-<p:sldLayout xmlns:a="http://schemas.openxmlformats.org/drawingml/2006/main" xmlns:p="http://schemas.openxmlformats.org/presentationml/2006/main" xmlns:r="http://schemas.openxmlformats.org/officeDocument/2006/relationships" xmlns:p14="http://schemas.microsoft.com/office/powerpoint/2010/main" xmlns:p15="http://schemas.microsoft.com/office/powerpoint/2012/main" xmlns:mc="http://schemas.openxmlformats.org/markup-compatibility/2006" type="twoObjOverTx" preserve="1">
-  <p:cSld name="Title, 2 Content over Content">
-    <p:spTree>
-      <p:nvGrpSpPr>
-        <p:cNvPr id="1" name=""/>
-        <p:cNvGrpSpPr/>
-        <p:nvPr/>
-      </p:nvGrpSpPr>
-      <p:grpSpPr>
-        <a:xfrm>
-          <a:off x="0" y="0"/>
-          <a:ext cx="0" cy="0"/>
-          <a:chOff x="0" y="0"/>
-          <a:chExt cx="0" cy="0"/>
-        </a:xfrm>
-      </p:grpSpPr>
-      <p:sp>
-        <p:nvSpPr>
-          <p:cNvPr id="101" name="PlaceHolder 1"/>
-          <p:cNvSpPr>
-            <a:spLocks noGrp="1"/>
-          </p:cNvSpPr>
-          <p:nvPr>
-            <p:ph type="title"/>
-          </p:nvPr>
-        </p:nvSpPr>
-        <p:spPr>
-          <a:xfrm>
-            <a:off x="504000" y="301320"/>
-            <a:ext cx="9072000" cy="1261800"/>
-          </a:xfrm>
-          <a:prstGeom prst="rect">
-            <a:avLst/>
-          </a:prstGeom>
-          <a:noFill/>
-          <a:ln w="0">
-            <a:noFill/>
-          </a:ln>
-        </p:spPr>
-        <p:txBody>
-          <a:bodyPr lIns="0" rIns="0" tIns="0" bIns="0" anchor="ctr">
-            <a:noAutofit/>
-          </a:bodyPr>
-          <a:p>
-            <a:pPr algn="ctr">
-              <a:buNone/>
-            </a:pPr>
-            <a:endParaRPr b="0" lang="pt-BR" sz="4400" spc="-1" strike="noStrike">
-              <a:latin typeface="Arial"/>
-            </a:endParaRPr>
-          </a:p>
-        </p:txBody>
-      </p:sp>
-      <p:sp>
-        <p:nvSpPr>
-          <p:cNvPr id="102" name="PlaceHolder 2"/>
-          <p:cNvSpPr>
-            <a:spLocks noGrp="1"/>
-          </p:cNvSpPr>
-          <p:nvPr>
-            <p:ph/>
-          </p:nvPr>
-        </p:nvSpPr>
-        <p:spPr>
-          <a:xfrm>
-            <a:off x="504000" y="1768680"/>
-            <a:ext cx="4426920" cy="2090880"/>
-          </a:xfrm>
-          <a:prstGeom prst="rect">
-            <a:avLst/>
-          </a:prstGeom>
-          <a:noFill/>
-          <a:ln w="0">
-            <a:noFill/>
-          </a:ln>
-        </p:spPr>
-        <p:txBody>
-          <a:bodyPr lIns="0" rIns="0" tIns="0" bIns="0" anchor="t">
-            <a:normAutofit/>
-          </a:bodyPr>
-          <a:p>
-            <a:endParaRPr b="0" lang="pt-BR" sz="3200" spc="-1" strike="noStrike">
-              <a:latin typeface="Arial"/>
-            </a:endParaRPr>
-          </a:p>
-        </p:txBody>
-      </p:sp>
-      <p:sp>
-        <p:nvSpPr>
-          <p:cNvPr id="103" name="PlaceHolder 3"/>
-          <p:cNvSpPr>
-            <a:spLocks noGrp="1"/>
-          </p:cNvSpPr>
-          <p:nvPr>
-            <p:ph/>
-          </p:nvPr>
-        </p:nvSpPr>
-        <p:spPr>
-          <a:xfrm>
-            <a:off x="5152680" y="1768680"/>
-            <a:ext cx="4426920" cy="2090880"/>
-          </a:xfrm>
-          <a:prstGeom prst="rect">
-            <a:avLst/>
-          </a:prstGeom>
-          <a:noFill/>
-          <a:ln w="0">
-            <a:noFill/>
-          </a:ln>
-        </p:spPr>
-        <p:txBody>
-          <a:bodyPr lIns="0" rIns="0" tIns="0" bIns="0" anchor="t">
-            <a:normAutofit/>
-          </a:bodyPr>
-          <a:p>
-            <a:endParaRPr b="0" lang="pt-BR" sz="3200" spc="-1" strike="noStrike">
-              <a:latin typeface="Arial"/>
-            </a:endParaRPr>
-          </a:p>
-        </p:txBody>
-      </p:sp>
-      <p:sp>
-        <p:nvSpPr>
-          <p:cNvPr id="104" name="PlaceHolder 4"/>
-          <p:cNvSpPr>
-            <a:spLocks noGrp="1"/>
-          </p:cNvSpPr>
-          <p:nvPr>
-            <p:ph/>
-          </p:nvPr>
-        </p:nvSpPr>
-        <p:spPr>
-          <a:xfrm>
-            <a:off x="504000" y="4058640"/>
-            <a:ext cx="9072000" cy="2090880"/>
-          </a:xfrm>
-          <a:prstGeom prst="rect">
-            <a:avLst/>
-          </a:prstGeom>
-          <a:noFill/>
-          <a:ln w="0">
-            <a:noFill/>
-          </a:ln>
-        </p:spPr>
-        <p:txBody>
-          <a:bodyPr lIns="0" rIns="0" tIns="0" bIns="0" anchor="t">
-            <a:normAutofit/>
-          </a:bodyPr>
-          <a:p>
-            <a:endParaRPr b="0" lang="pt-BR" sz="3200" spc="-1" strike="noStrike">
-              <a:latin typeface="Arial"/>
-            </a:endParaRPr>
-          </a:p>
-        </p:txBody>
-      </p:sp>
-    </p:spTree>
-  </p:cSld>
-</p:sldLayout>
-</file>
-
-<file path=ppt/slideLayouts/slideLayout34.xml><?xml version="1.0" encoding="utf-8"?>
-<p:sldLayout xmlns:a="http://schemas.openxmlformats.org/drawingml/2006/main" xmlns:p="http://schemas.openxmlformats.org/presentationml/2006/main" xmlns:r="http://schemas.openxmlformats.org/officeDocument/2006/relationships" xmlns:p14="http://schemas.microsoft.com/office/powerpoint/2010/main" xmlns:p15="http://schemas.microsoft.com/office/powerpoint/2012/main" xmlns:mc="http://schemas.openxmlformats.org/markup-compatibility/2006" type="objOverTx" preserve="1">
-  <p:cSld name="Title, Content over Content">
-    <p:spTree>
-      <p:nvGrpSpPr>
-        <p:cNvPr id="1" name=""/>
-        <p:cNvGrpSpPr/>
-        <p:nvPr/>
-      </p:nvGrpSpPr>
-      <p:grpSpPr>
-        <a:xfrm>
-          <a:off x="0" y="0"/>
-          <a:ext cx="0" cy="0"/>
-          <a:chOff x="0" y="0"/>
-          <a:chExt cx="0" cy="0"/>
-        </a:xfrm>
-      </p:grpSpPr>
-      <p:sp>
-        <p:nvSpPr>
-          <p:cNvPr id="105" name="PlaceHolder 1"/>
-          <p:cNvSpPr>
-            <a:spLocks noGrp="1"/>
-          </p:cNvSpPr>
-          <p:nvPr>
-            <p:ph type="title"/>
-          </p:nvPr>
-        </p:nvSpPr>
-        <p:spPr>
-          <a:xfrm>
-            <a:off x="504000" y="301320"/>
-            <a:ext cx="9072000" cy="1261800"/>
-          </a:xfrm>
-          <a:prstGeom prst="rect">
-            <a:avLst/>
-          </a:prstGeom>
-          <a:noFill/>
-          <a:ln w="0">
-            <a:noFill/>
-          </a:ln>
-        </p:spPr>
-        <p:txBody>
-          <a:bodyPr lIns="0" rIns="0" tIns="0" bIns="0" anchor="ctr">
-            <a:noAutofit/>
-          </a:bodyPr>
-          <a:p>
-            <a:pPr algn="ctr">
-              <a:buNone/>
-            </a:pPr>
-            <a:endParaRPr b="0" lang="pt-BR" sz="4400" spc="-1" strike="noStrike">
-              <a:latin typeface="Arial"/>
-            </a:endParaRPr>
-          </a:p>
-        </p:txBody>
-      </p:sp>
-      <p:sp>
-        <p:nvSpPr>
-          <p:cNvPr id="106" name="PlaceHolder 2"/>
-          <p:cNvSpPr>
-            <a:spLocks noGrp="1"/>
-          </p:cNvSpPr>
-          <p:nvPr>
-            <p:ph/>
-          </p:nvPr>
-        </p:nvSpPr>
-        <p:spPr>
-          <a:xfrm>
-            <a:off x="504000" y="1768680"/>
-            <a:ext cx="9072000" cy="2090880"/>
-          </a:xfrm>
-          <a:prstGeom prst="rect">
-            <a:avLst/>
-          </a:prstGeom>
-          <a:noFill/>
-          <a:ln w="0">
-            <a:noFill/>
-          </a:ln>
-        </p:spPr>
-        <p:txBody>
-          <a:bodyPr lIns="0" rIns="0" tIns="0" bIns="0" anchor="t">
-            <a:normAutofit/>
-          </a:bodyPr>
-          <a:p>
-            <a:endParaRPr b="0" lang="pt-BR" sz="3200" spc="-1" strike="noStrike">
-              <a:latin typeface="Arial"/>
-            </a:endParaRPr>
-          </a:p>
-        </p:txBody>
-      </p:sp>
-      <p:sp>
-        <p:nvSpPr>
-          <p:cNvPr id="107" name="PlaceHolder 3"/>
-          <p:cNvSpPr>
-            <a:spLocks noGrp="1"/>
-          </p:cNvSpPr>
-          <p:nvPr>
-            <p:ph/>
-          </p:nvPr>
-        </p:nvSpPr>
-        <p:spPr>
-          <a:xfrm>
-            <a:off x="504000" y="4058640"/>
-            <a:ext cx="9072000" cy="2090880"/>
-          </a:xfrm>
-          <a:prstGeom prst="rect">
-            <a:avLst/>
-          </a:prstGeom>
-          <a:noFill/>
-          <a:ln w="0">
-            <a:noFill/>
-          </a:ln>
-        </p:spPr>
-        <p:txBody>
-          <a:bodyPr lIns="0" rIns="0" tIns="0" bIns="0" anchor="t">
-            <a:normAutofit/>
-          </a:bodyPr>
-          <a:p>
-            <a:endParaRPr b="0" lang="pt-BR" sz="3200" spc="-1" strike="noStrike">
-              <a:latin typeface="Arial"/>
-            </a:endParaRPr>
-          </a:p>
-        </p:txBody>
-      </p:sp>
-    </p:spTree>
-  </p:cSld>
-</p:sldLayout>
-</file>
-
-<file path=ppt/slideLayouts/slideLayout35.xml><?xml version="1.0" encoding="utf-8"?>
-<p:sldLayout xmlns:a="http://schemas.openxmlformats.org/drawingml/2006/main" xmlns:p="http://schemas.openxmlformats.org/presentationml/2006/main" xmlns:r="http://schemas.openxmlformats.org/officeDocument/2006/relationships" xmlns:p14="http://schemas.microsoft.com/office/powerpoint/2010/main" xmlns:p15="http://schemas.microsoft.com/office/powerpoint/2012/main" xmlns:mc="http://schemas.openxmlformats.org/markup-compatibility/2006" type="fourObj" preserve="1">
-  <p:cSld name="Title, 4 Content">
-    <p:spTree>
-      <p:nvGrpSpPr>
-        <p:cNvPr id="1" name=""/>
-        <p:cNvGrpSpPr/>
-        <p:nvPr/>
-      </p:nvGrpSpPr>
-      <p:grpSpPr>
-        <a:xfrm>
-          <a:off x="0" y="0"/>
-          <a:ext cx="0" cy="0"/>
-          <a:chOff x="0" y="0"/>
-          <a:chExt cx="0" cy="0"/>
-        </a:xfrm>
-      </p:grpSpPr>
-      <p:sp>
-        <p:nvSpPr>
-          <p:cNvPr id="108" name="PlaceHolder 1"/>
-          <p:cNvSpPr>
-            <a:spLocks noGrp="1"/>
-          </p:cNvSpPr>
-          <p:nvPr>
-            <p:ph type="title"/>
-          </p:nvPr>
-        </p:nvSpPr>
-        <p:spPr>
-          <a:xfrm>
-            <a:off x="504000" y="301320"/>
-            <a:ext cx="9072000" cy="1261800"/>
-          </a:xfrm>
-          <a:prstGeom prst="rect">
-            <a:avLst/>
-          </a:prstGeom>
-          <a:noFill/>
-          <a:ln w="0">
-            <a:noFill/>
-          </a:ln>
-        </p:spPr>
-        <p:txBody>
-          <a:bodyPr lIns="0" rIns="0" tIns="0" bIns="0" anchor="ctr">
-            <a:noAutofit/>
-          </a:bodyPr>
-          <a:p>
-            <a:pPr algn="ctr">
-              <a:buNone/>
-            </a:pPr>
-            <a:endParaRPr b="0" lang="pt-BR" sz="4400" spc="-1" strike="noStrike">
-              <a:latin typeface="Arial"/>
-            </a:endParaRPr>
-          </a:p>
-        </p:txBody>
-      </p:sp>
-      <p:sp>
-        <p:nvSpPr>
-          <p:cNvPr id="109" name="PlaceHolder 2"/>
-          <p:cNvSpPr>
-            <a:spLocks noGrp="1"/>
-          </p:cNvSpPr>
-          <p:nvPr>
-            <p:ph/>
-          </p:nvPr>
-        </p:nvSpPr>
-        <p:spPr>
-          <a:xfrm>
-            <a:off x="504000" y="1768680"/>
-            <a:ext cx="4426920" cy="2090880"/>
-          </a:xfrm>
-          <a:prstGeom prst="rect">
-            <a:avLst/>
-          </a:prstGeom>
-          <a:noFill/>
-          <a:ln w="0">
-            <a:noFill/>
-          </a:ln>
-        </p:spPr>
-        <p:txBody>
-          <a:bodyPr lIns="0" rIns="0" tIns="0" bIns="0" anchor="t">
-            <a:normAutofit/>
-          </a:bodyPr>
-          <a:p>
-            <a:endParaRPr b="0" lang="pt-BR" sz="3200" spc="-1" strike="noStrike">
-              <a:latin typeface="Arial"/>
-            </a:endParaRPr>
-          </a:p>
-        </p:txBody>
-      </p:sp>
-      <p:sp>
-        <p:nvSpPr>
-          <p:cNvPr id="110" name="PlaceHolder 3"/>
-          <p:cNvSpPr>
-            <a:spLocks noGrp="1"/>
-          </p:cNvSpPr>
-          <p:nvPr>
-            <p:ph/>
-          </p:nvPr>
-        </p:nvSpPr>
-        <p:spPr>
-          <a:xfrm>
-            <a:off x="5152680" y="1768680"/>
-            <a:ext cx="4426920" cy="2090880"/>
-          </a:xfrm>
-          <a:prstGeom prst="rect">
-            <a:avLst/>
-          </a:prstGeom>
-          <a:noFill/>
-          <a:ln w="0">
-            <a:noFill/>
-          </a:ln>
-        </p:spPr>
-        <p:txBody>
-          <a:bodyPr lIns="0" rIns="0" tIns="0" bIns="0" anchor="t">
-            <a:normAutofit/>
-          </a:bodyPr>
-          <a:p>
-            <a:endParaRPr b="0" lang="pt-BR" sz="3200" spc="-1" strike="noStrike">
-              <a:latin typeface="Arial"/>
-            </a:endParaRPr>
-          </a:p>
-        </p:txBody>
-      </p:sp>
-      <p:sp>
-        <p:nvSpPr>
-          <p:cNvPr id="111" name="PlaceHolder 4"/>
-          <p:cNvSpPr>
-            <a:spLocks noGrp="1"/>
-          </p:cNvSpPr>
-          <p:nvPr>
-            <p:ph/>
-          </p:nvPr>
-        </p:nvSpPr>
-        <p:spPr>
-          <a:xfrm>
-            <a:off x="504000" y="4058640"/>
-            <a:ext cx="4426920" cy="2090880"/>
-          </a:xfrm>
-          <a:prstGeom prst="rect">
-            <a:avLst/>
-          </a:prstGeom>
-          <a:noFill/>
-          <a:ln w="0">
-            <a:noFill/>
-          </a:ln>
-        </p:spPr>
-        <p:txBody>
-          <a:bodyPr lIns="0" rIns="0" tIns="0" bIns="0" anchor="t">
-            <a:normAutofit/>
-          </a:bodyPr>
-          <a:p>
-            <a:endParaRPr b="0" lang="pt-BR" sz="3200" spc="-1" strike="noStrike">
-              <a:latin typeface="Arial"/>
-            </a:endParaRPr>
-          </a:p>
-        </p:txBody>
-      </p:sp>
-      <p:sp>
-        <p:nvSpPr>
-          <p:cNvPr id="112" name="PlaceHolder 5"/>
-          <p:cNvSpPr>
-            <a:spLocks noGrp="1"/>
-          </p:cNvSpPr>
-          <p:nvPr>
-            <p:ph/>
-          </p:nvPr>
-        </p:nvSpPr>
-        <p:spPr>
-          <a:xfrm>
-            <a:off x="5152680" y="4058640"/>
-            <a:ext cx="4426920" cy="2090880"/>
-          </a:xfrm>
-          <a:prstGeom prst="rect">
-            <a:avLst/>
-          </a:prstGeom>
-          <a:noFill/>
-          <a:ln w="0">
-            <a:noFill/>
-          </a:ln>
-        </p:spPr>
-        <p:txBody>
-          <a:bodyPr lIns="0" rIns="0" tIns="0" bIns="0" anchor="t">
-            <a:normAutofit/>
-          </a:bodyPr>
-          <a:p>
-            <a:endParaRPr b="0" lang="pt-BR" sz="3200" spc="-1" strike="noStrike">
-              <a:latin typeface="Arial"/>
-            </a:endParaRPr>
-          </a:p>
-        </p:txBody>
-      </p:sp>
-    </p:spTree>
-  </p:cSld>
-</p:sldLayout>
-</file>
-
-<file path=ppt/slideLayouts/slideLayout36.xml><?xml version="1.0" encoding="utf-8"?>
-<p:sldLayout xmlns:a="http://schemas.openxmlformats.org/drawingml/2006/main" xmlns:p="http://schemas.openxmlformats.org/presentationml/2006/main" xmlns:r="http://schemas.openxmlformats.org/officeDocument/2006/relationships" xmlns:p14="http://schemas.microsoft.com/office/powerpoint/2010/main" xmlns:p15="http://schemas.microsoft.com/office/powerpoint/2012/main" xmlns:mc="http://schemas.openxmlformats.org/markup-compatibility/2006" type="blank" preserve="1">
-  <p:cSld name="Title, 6 Content">
-    <p:spTree>
-      <p:nvGrpSpPr>
-        <p:cNvPr id="1" name=""/>
-        <p:cNvGrpSpPr/>
-        <p:nvPr/>
-      </p:nvGrpSpPr>
-      <p:grpSpPr>
-        <a:xfrm>
-          <a:off x="0" y="0"/>
-          <a:ext cx="0" cy="0"/>
-          <a:chOff x="0" y="0"/>
-          <a:chExt cx="0" cy="0"/>
-        </a:xfrm>
-      </p:grpSpPr>
-      <p:sp>
-        <p:nvSpPr>
-          <p:cNvPr id="113" name="PlaceHolder 1"/>
-          <p:cNvSpPr>
-            <a:spLocks noGrp="1"/>
-          </p:cNvSpPr>
-          <p:nvPr>
-            <p:ph type="title"/>
-          </p:nvPr>
-        </p:nvSpPr>
-        <p:spPr>
-          <a:xfrm>
-            <a:off x="504000" y="301320"/>
-            <a:ext cx="9072000" cy="1261800"/>
-          </a:xfrm>
-          <a:prstGeom prst="rect">
-            <a:avLst/>
-          </a:prstGeom>
-          <a:noFill/>
-          <a:ln w="0">
-            <a:noFill/>
-          </a:ln>
-        </p:spPr>
-        <p:txBody>
-          <a:bodyPr lIns="0" rIns="0" tIns="0" bIns="0" anchor="ctr">
-            <a:noAutofit/>
-          </a:bodyPr>
-          <a:p>
-            <a:pPr algn="ctr">
-              <a:buNone/>
-            </a:pPr>
-            <a:endParaRPr b="0" lang="pt-BR" sz="4400" spc="-1" strike="noStrike">
-              <a:latin typeface="Arial"/>
-            </a:endParaRPr>
-          </a:p>
-        </p:txBody>
-      </p:sp>
-      <p:sp>
-        <p:nvSpPr>
-          <p:cNvPr id="114" name="PlaceHolder 2"/>
-          <p:cNvSpPr>
-            <a:spLocks noGrp="1"/>
-          </p:cNvSpPr>
-          <p:nvPr>
-            <p:ph/>
-          </p:nvPr>
-        </p:nvSpPr>
-        <p:spPr>
-          <a:xfrm>
-            <a:off x="504000" y="1768680"/>
-            <a:ext cx="2921040" cy="2090880"/>
-          </a:xfrm>
-          <a:prstGeom prst="rect">
-            <a:avLst/>
-          </a:prstGeom>
-          <a:noFill/>
-          <a:ln w="0">
-            <a:noFill/>
-          </a:ln>
-        </p:spPr>
-        <p:txBody>
-          <a:bodyPr lIns="0" rIns="0" tIns="0" bIns="0" anchor="t">
-            <a:normAutofit/>
-          </a:bodyPr>
-          <a:p>
-            <a:endParaRPr b="0" lang="pt-BR" sz="3200" spc="-1" strike="noStrike">
-              <a:latin typeface="Arial"/>
-            </a:endParaRPr>
-          </a:p>
-        </p:txBody>
-      </p:sp>
-      <p:sp>
-        <p:nvSpPr>
-          <p:cNvPr id="115" name="PlaceHolder 3"/>
-          <p:cNvSpPr>
-            <a:spLocks noGrp="1"/>
-          </p:cNvSpPr>
-          <p:nvPr>
-            <p:ph/>
-          </p:nvPr>
-        </p:nvSpPr>
-        <p:spPr>
-          <a:xfrm>
-            <a:off x="3571560" y="1768680"/>
-            <a:ext cx="2921040" cy="2090880"/>
-          </a:xfrm>
-          <a:prstGeom prst="rect">
-            <a:avLst/>
-          </a:prstGeom>
-          <a:noFill/>
-          <a:ln w="0">
-            <a:noFill/>
-          </a:ln>
-        </p:spPr>
-        <p:txBody>
-          <a:bodyPr lIns="0" rIns="0" tIns="0" bIns="0" anchor="t">
-            <a:normAutofit/>
-          </a:bodyPr>
-          <a:p>
-            <a:endParaRPr b="0" lang="pt-BR" sz="3200" spc="-1" strike="noStrike">
-              <a:latin typeface="Arial"/>
-            </a:endParaRPr>
-          </a:p>
-        </p:txBody>
-      </p:sp>
-      <p:sp>
-        <p:nvSpPr>
-          <p:cNvPr id="116" name="PlaceHolder 4"/>
-          <p:cNvSpPr>
-            <a:spLocks noGrp="1"/>
-          </p:cNvSpPr>
-          <p:nvPr>
-            <p:ph/>
-          </p:nvPr>
-        </p:nvSpPr>
-        <p:spPr>
-          <a:xfrm>
-            <a:off x="6639120" y="1768680"/>
-            <a:ext cx="2921040" cy="2090880"/>
-          </a:xfrm>
-          <a:prstGeom prst="rect">
-            <a:avLst/>
-          </a:prstGeom>
-          <a:noFill/>
-          <a:ln w="0">
-            <a:noFill/>
-          </a:ln>
-        </p:spPr>
-        <p:txBody>
-          <a:bodyPr lIns="0" rIns="0" tIns="0" bIns="0" anchor="t">
-            <a:normAutofit/>
-          </a:bodyPr>
-          <a:p>
-            <a:endParaRPr b="0" lang="pt-BR" sz="3200" spc="-1" strike="noStrike">
-              <a:latin typeface="Arial"/>
-            </a:endParaRPr>
-          </a:p>
-        </p:txBody>
-      </p:sp>
-      <p:sp>
-        <p:nvSpPr>
-          <p:cNvPr id="117" name="PlaceHolder 5"/>
-          <p:cNvSpPr>
-            <a:spLocks noGrp="1"/>
-          </p:cNvSpPr>
-          <p:nvPr>
-            <p:ph/>
-          </p:nvPr>
-        </p:nvSpPr>
-        <p:spPr>
-          <a:xfrm>
-            <a:off x="504000" y="4058640"/>
-            <a:ext cx="2921040" cy="2090880"/>
-          </a:xfrm>
-          <a:prstGeom prst="rect">
-            <a:avLst/>
-          </a:prstGeom>
-          <a:noFill/>
-          <a:ln w="0">
-            <a:noFill/>
-          </a:ln>
-        </p:spPr>
-        <p:txBody>
-          <a:bodyPr lIns="0" rIns="0" tIns="0" bIns="0" anchor="t">
-            <a:normAutofit/>
-          </a:bodyPr>
-          <a:p>
-            <a:endParaRPr b="0" lang="pt-BR" sz="3200" spc="-1" strike="noStrike">
-              <a:latin typeface="Arial"/>
-            </a:endParaRPr>
-          </a:p>
-        </p:txBody>
-      </p:sp>
-      <p:sp>
-        <p:nvSpPr>
-          <p:cNvPr id="118" name="PlaceHolder 6"/>
-          <p:cNvSpPr>
-            <a:spLocks noGrp="1"/>
-          </p:cNvSpPr>
-          <p:nvPr>
-            <p:ph/>
-          </p:nvPr>
-        </p:nvSpPr>
-        <p:spPr>
-          <a:xfrm>
-            <a:off x="3571560" y="4058640"/>
-            <a:ext cx="2921040" cy="2090880"/>
-          </a:xfrm>
-          <a:prstGeom prst="rect">
-            <a:avLst/>
-          </a:prstGeom>
-          <a:noFill/>
-          <a:ln w="0">
-            <a:noFill/>
-          </a:ln>
-        </p:spPr>
-        <p:txBody>
-          <a:bodyPr lIns="0" rIns="0" tIns="0" bIns="0" anchor="t">
-            <a:normAutofit/>
-          </a:bodyPr>
-          <a:p>
-            <a:endParaRPr b="0" lang="pt-BR" sz="3200" spc="-1" strike="noStrike">
-              <a:latin typeface="Arial"/>
-            </a:endParaRPr>
-          </a:p>
-        </p:txBody>
-      </p:sp>
-      <p:sp>
-        <p:nvSpPr>
-          <p:cNvPr id="119" name="PlaceHolder 7"/>
-          <p:cNvSpPr>
-            <a:spLocks noGrp="1"/>
-          </p:cNvSpPr>
-          <p:nvPr>
-            <p:ph/>
-          </p:nvPr>
-        </p:nvSpPr>
-        <p:spPr>
-          <a:xfrm>
-            <a:off x="6639120" y="4058640"/>
-            <a:ext cx="2921040" cy="2090880"/>
           </a:xfrm>
           <a:prstGeom prst="rect">
             <a:avLst/>
@@ -7466,7 +5899,7 @@
         <p:spPr>
           <a:xfrm>
             <a:off x="0" y="3150000"/>
-            <a:ext cx="9708840" cy="1248840"/>
+            <a:ext cx="9708480" cy="1248480"/>
           </a:xfrm>
           <a:prstGeom prst="rect">
             <a:avLst/>
@@ -7764,7 +6197,7 @@
         <p:spPr>
           <a:xfrm>
             <a:off x="0" y="180000"/>
-            <a:ext cx="9708840" cy="1248840"/>
+            <a:ext cx="9708480" cy="1248480"/>
           </a:xfrm>
           <a:prstGeom prst="rect">
             <a:avLst/>
@@ -7792,7 +6225,7 @@
         <p:spPr>
           <a:xfrm>
             <a:off x="7560000" y="6840000"/>
-            <a:ext cx="2508840" cy="528840"/>
+            <a:ext cx="2508480" cy="528480"/>
           </a:xfrm>
           <a:prstGeom prst="rect">
             <a:avLst/>
@@ -7820,7 +6253,7 @@
         <p:spPr>
           <a:xfrm>
             <a:off x="900000" y="6840000"/>
-            <a:ext cx="6468840" cy="528840"/>
+            <a:ext cx="6468480" cy="528480"/>
           </a:xfrm>
           <a:prstGeom prst="rect">
             <a:avLst/>
@@ -7848,7 +6281,7 @@
         <p:spPr>
           <a:xfrm>
             <a:off x="180000" y="6840000"/>
-            <a:ext cx="528840" cy="528840"/>
+            <a:ext cx="528480" cy="528480"/>
           </a:xfrm>
           <a:prstGeom prst="rect">
             <a:avLst/>
@@ -7900,211 +6333,7 @@
               <a:rPr b="0" lang="pt-BR" sz="4400" spc="-1" strike="noStrike">
                 <a:latin typeface="Arial"/>
               </a:rPr>
-              <a:t>C</a:t>
-            </a:r>
-            <a:r>
-              <a:rPr b="0" lang="pt-BR" sz="4400" spc="-1" strike="noStrike">
-                <a:latin typeface="Arial"/>
-              </a:rPr>
-              <a:t>l</a:t>
-            </a:r>
-            <a:r>
-              <a:rPr b="0" lang="pt-BR" sz="4400" spc="-1" strike="noStrike">
-                <a:latin typeface="Arial"/>
-              </a:rPr>
-              <a:t>i</a:t>
-            </a:r>
-            <a:r>
-              <a:rPr b="0" lang="pt-BR" sz="4400" spc="-1" strike="noStrike">
-                <a:latin typeface="Arial"/>
-              </a:rPr>
-              <a:t>c</a:t>
-            </a:r>
-            <a:r>
-              <a:rPr b="0" lang="pt-BR" sz="4400" spc="-1" strike="noStrike">
-                <a:latin typeface="Arial"/>
-              </a:rPr>
-              <a:t>k</a:t>
-            </a:r>
-            <a:r>
-              <a:rPr b="0" lang="pt-BR" sz="4400" spc="-1" strike="noStrike">
-                <a:latin typeface="Arial"/>
-              </a:rPr>
-              <a:t> </a:t>
-            </a:r>
-            <a:r>
-              <a:rPr b="0" lang="pt-BR" sz="4400" spc="-1" strike="noStrike">
-                <a:latin typeface="Arial"/>
-              </a:rPr>
-              <a:t>t</a:t>
-            </a:r>
-            <a:r>
-              <a:rPr b="0" lang="pt-BR" sz="4400" spc="-1" strike="noStrike">
-                <a:latin typeface="Arial"/>
-              </a:rPr>
-              <a:t>o</a:t>
-            </a:r>
-            <a:r>
-              <a:rPr b="0" lang="pt-BR" sz="4400" spc="-1" strike="noStrike">
-                <a:latin typeface="Arial"/>
-              </a:rPr>
-              <a:t> </a:t>
-            </a:r>
-            <a:r>
-              <a:rPr b="0" lang="pt-BR" sz="4400" spc="-1" strike="noStrike">
-                <a:latin typeface="Arial"/>
-              </a:rPr>
-              <a:t>e</a:t>
-            </a:r>
-            <a:r>
-              <a:rPr b="0" lang="pt-BR" sz="4400" spc="-1" strike="noStrike">
-                <a:latin typeface="Arial"/>
-              </a:rPr>
-              <a:t>d</a:t>
-            </a:r>
-            <a:r>
-              <a:rPr b="0" lang="pt-BR" sz="4400" spc="-1" strike="noStrike">
-                <a:latin typeface="Arial"/>
-              </a:rPr>
-              <a:t>i</a:t>
-            </a:r>
-            <a:r>
-              <a:rPr b="0" lang="pt-BR" sz="4400" spc="-1" strike="noStrike">
-                <a:latin typeface="Arial"/>
-              </a:rPr>
-              <a:t>t</a:t>
-            </a:r>
-            <a:r>
-              <a:rPr b="0" lang="pt-BR" sz="4400" spc="-1" strike="noStrike">
-                <a:latin typeface="Arial"/>
-              </a:rPr>
-              <a:t> </a:t>
-            </a:r>
-            <a:r>
-              <a:rPr b="0" lang="pt-BR" sz="4400" spc="-1" strike="noStrike">
-                <a:latin typeface="Arial"/>
-              </a:rPr>
-              <a:t>t</a:t>
-            </a:r>
-            <a:r>
-              <a:rPr b="0" lang="pt-BR" sz="4400" spc="-1" strike="noStrike">
-                <a:latin typeface="Arial"/>
-              </a:rPr>
-              <a:t>h</a:t>
-            </a:r>
-            <a:r>
-              <a:rPr b="0" lang="pt-BR" sz="4400" spc="-1" strike="noStrike">
-                <a:latin typeface="Arial"/>
-              </a:rPr>
-              <a:t>e</a:t>
-            </a:r>
-            <a:r>
-              <a:rPr b="0" lang="pt-BR" sz="4400" spc="-1" strike="noStrike">
-                <a:latin typeface="Arial"/>
-              </a:rPr>
-              <a:t> </a:t>
-            </a:r>
-            <a:r>
-              <a:rPr b="0" lang="pt-BR" sz="4400" spc="-1" strike="noStrike">
-                <a:latin typeface="Arial"/>
-              </a:rPr>
-              <a:t>t</a:t>
-            </a:r>
-            <a:r>
-              <a:rPr b="0" lang="pt-BR" sz="4400" spc="-1" strike="noStrike">
-                <a:latin typeface="Arial"/>
-              </a:rPr>
-              <a:t>i</a:t>
-            </a:r>
-            <a:r>
-              <a:rPr b="0" lang="pt-BR" sz="4400" spc="-1" strike="noStrike">
-                <a:latin typeface="Arial"/>
-              </a:rPr>
-              <a:t>t</a:t>
-            </a:r>
-            <a:r>
-              <a:rPr b="0" lang="pt-BR" sz="4400" spc="-1" strike="noStrike">
-                <a:latin typeface="Arial"/>
-              </a:rPr>
-              <a:t>l</a:t>
-            </a:r>
-            <a:r>
-              <a:rPr b="0" lang="pt-BR" sz="4400" spc="-1" strike="noStrike">
-                <a:latin typeface="Arial"/>
-              </a:rPr>
-              <a:t>e</a:t>
-            </a:r>
-            <a:r>
-              <a:rPr b="0" lang="pt-BR" sz="4400" spc="-1" strike="noStrike">
-                <a:latin typeface="Arial"/>
-              </a:rPr>
-              <a:t> </a:t>
-            </a:r>
-            <a:r>
-              <a:rPr b="0" lang="pt-BR" sz="4400" spc="-1" strike="noStrike">
-                <a:latin typeface="Arial"/>
-              </a:rPr>
-              <a:t>t</a:t>
-            </a:r>
-            <a:r>
-              <a:rPr b="0" lang="pt-BR" sz="4400" spc="-1" strike="noStrike">
-                <a:latin typeface="Arial"/>
-              </a:rPr>
-              <a:t>e</a:t>
-            </a:r>
-            <a:r>
-              <a:rPr b="0" lang="pt-BR" sz="4400" spc="-1" strike="noStrike">
-                <a:latin typeface="Arial"/>
-              </a:rPr>
-              <a:t>x</a:t>
-            </a:r>
-            <a:r>
-              <a:rPr b="0" lang="pt-BR" sz="4400" spc="-1" strike="noStrike">
-                <a:latin typeface="Arial"/>
-              </a:rPr>
-              <a:t>t</a:t>
-            </a:r>
-            <a:r>
-              <a:rPr b="0" lang="pt-BR" sz="4400" spc="-1" strike="noStrike">
-                <a:latin typeface="Arial"/>
-              </a:rPr>
-              <a:t> </a:t>
-            </a:r>
-            <a:r>
-              <a:rPr b="0" lang="pt-BR" sz="4400" spc="-1" strike="noStrike">
-                <a:latin typeface="Arial"/>
-              </a:rPr>
-              <a:t>f</a:t>
-            </a:r>
-            <a:r>
-              <a:rPr b="0" lang="pt-BR" sz="4400" spc="-1" strike="noStrike">
-                <a:latin typeface="Arial"/>
-              </a:rPr>
-              <a:t>o</a:t>
-            </a:r>
-            <a:r>
-              <a:rPr b="0" lang="pt-BR" sz="4400" spc="-1" strike="noStrike">
-                <a:latin typeface="Arial"/>
-              </a:rPr>
-              <a:t>r</a:t>
-            </a:r>
-            <a:r>
-              <a:rPr b="0" lang="pt-BR" sz="4400" spc="-1" strike="noStrike">
-                <a:latin typeface="Arial"/>
-              </a:rPr>
-              <a:t>m</a:t>
-            </a:r>
-            <a:r>
-              <a:rPr b="0" lang="pt-BR" sz="4400" spc="-1" strike="noStrike">
-                <a:latin typeface="Arial"/>
-              </a:rPr>
-              <a:t>a</a:t>
-            </a:r>
-            <a:r>
-              <a:rPr b="0" lang="pt-BR" sz="4400" spc="-1" strike="noStrike">
-                <a:latin typeface="Arial"/>
-              </a:rPr>
-              <a:t>t</a:t>
+              <a:t>Click to edit the title text format</a:t>
             </a:r>
             <a:endParaRPr b="0" lang="pt-BR" sz="4400" spc="-1" strike="noStrike">
               <a:latin typeface="Arial"/>
@@ -8311,304 +6540,6 @@
     <p:sldLayoutId id="2147483671" r:id="rId11"/>
     <p:sldLayoutId id="2147483672" r:id="rId12"/>
     <p:sldLayoutId id="2147483673" r:id="rId13"/>
-  </p:sldLayoutIdLst>
-</p:sldMaster>
-</file>
-
-<file path=ppt/slideMasters/slideMaster3.xml><?xml version="1.0" encoding="utf-8"?>
-<p:sldMaster xmlns:a="http://schemas.openxmlformats.org/drawingml/2006/main" xmlns:p="http://schemas.openxmlformats.org/presentationml/2006/main" xmlns:r="http://schemas.openxmlformats.org/officeDocument/2006/relationships" xmlns:p14="http://schemas.microsoft.com/office/powerpoint/2010/main" xmlns:p15="http://schemas.microsoft.com/office/powerpoint/2012/main" xmlns:mc="http://schemas.openxmlformats.org/markup-compatibility/2006">
-  <p:cSld>
-    <p:bg>
-      <p:bgPr>
-        <a:solidFill>
-          <a:srgbClr val="ffffff"/>
-        </a:solidFill>
-      </p:bgPr>
-    </p:bg>
-    <p:spTree>
-      <p:nvGrpSpPr>
-        <p:cNvPr id="1" name=""/>
-        <p:cNvGrpSpPr/>
-        <p:nvPr/>
-      </p:nvGrpSpPr>
-      <p:grpSpPr>
-        <a:xfrm>
-          <a:off x="0" y="0"/>
-          <a:ext cx="0" cy="0"/>
-          <a:chOff x="0" y="0"/>
-          <a:chExt cx="0" cy="0"/>
-        </a:xfrm>
-      </p:grpSpPr>
-      <p:sp>
-        <p:nvSpPr>
-          <p:cNvPr id="81" name="CustomShape 1"/>
-          <p:cNvSpPr/>
-          <p:nvPr/>
-        </p:nvSpPr>
-        <p:spPr>
-          <a:xfrm>
-            <a:off x="0" y="3150000"/>
-            <a:ext cx="9708840" cy="1248840"/>
-          </a:xfrm>
-          <a:prstGeom prst="rect">
-            <a:avLst/>
-          </a:prstGeom>
-          <a:solidFill>
-            <a:srgbClr val="e74c3c"/>
-          </a:solidFill>
-          <a:ln w="0">
-            <a:noFill/>
-          </a:ln>
-        </p:spPr>
-        <p:style>
-          <a:lnRef idx="0"/>
-          <a:fillRef idx="0"/>
-          <a:effectRef idx="0"/>
-          <a:fontRef idx="minor"/>
-        </p:style>
-      </p:sp>
-      <p:sp>
-        <p:nvSpPr>
-          <p:cNvPr id="82" name="PlaceHolder 1"/>
-          <p:cNvSpPr>
-            <a:spLocks noGrp="1"/>
-          </p:cNvSpPr>
-          <p:nvPr>
-            <p:ph type="title"/>
-          </p:nvPr>
-        </p:nvSpPr>
-        <p:spPr>
-          <a:xfrm>
-            <a:off x="504000" y="301320"/>
-            <a:ext cx="9072000" cy="1261800"/>
-          </a:xfrm>
-          <a:prstGeom prst="rect">
-            <a:avLst/>
-          </a:prstGeom>
-          <a:noFill/>
-          <a:ln w="0">
-            <a:noFill/>
-          </a:ln>
-        </p:spPr>
-        <p:txBody>
-          <a:bodyPr lIns="0" rIns="0" tIns="0" bIns="0" anchor="ctr">
-            <a:noAutofit/>
-          </a:bodyPr>
-          <a:p>
-            <a:pPr algn="ctr">
-              <a:buNone/>
-            </a:pPr>
-            <a:r>
-              <a:rPr b="0" lang="pt-BR" sz="4400" spc="-1" strike="noStrike">
-                <a:latin typeface="Arial"/>
-              </a:rPr>
-              <a:t>Click to edit the title text format</a:t>
-            </a:r>
-            <a:endParaRPr b="0" lang="pt-BR" sz="4400" spc="-1" strike="noStrike">
-              <a:latin typeface="Arial"/>
-            </a:endParaRPr>
-          </a:p>
-        </p:txBody>
-      </p:sp>
-      <p:sp>
-        <p:nvSpPr>
-          <p:cNvPr id="83" name="PlaceHolder 2"/>
-          <p:cNvSpPr>
-            <a:spLocks noGrp="1"/>
-          </p:cNvSpPr>
-          <p:nvPr>
-            <p:ph type="body"/>
-          </p:nvPr>
-        </p:nvSpPr>
-        <p:spPr>
-          <a:xfrm>
-            <a:off x="504000" y="1768680"/>
-            <a:ext cx="9072000" cy="4384080"/>
-          </a:xfrm>
-          <a:prstGeom prst="rect">
-            <a:avLst/>
-          </a:prstGeom>
-          <a:noFill/>
-          <a:ln w="0">
-            <a:noFill/>
-          </a:ln>
-        </p:spPr>
-        <p:txBody>
-          <a:bodyPr lIns="0" rIns="0" tIns="0" bIns="0" anchor="t">
-            <a:normAutofit/>
-          </a:bodyPr>
-          <a:p>
-            <a:pPr marL="432000" indent="-324000">
-              <a:spcBef>
-                <a:spcPts val="1417"/>
-              </a:spcBef>
-              <a:buClr>
-                <a:srgbClr val="000000"/>
-              </a:buClr>
-              <a:buSzPct val="45000"/>
-              <a:buFont typeface="Wingdings" charset="2"/>
-              <a:buChar char=""/>
-            </a:pPr>
-            <a:r>
-              <a:rPr b="0" lang="pt-BR" sz="3200" spc="-1" strike="noStrike">
-                <a:latin typeface="Arial"/>
-              </a:rPr>
-              <a:t>Click to edit the outline text format</a:t>
-            </a:r>
-            <a:endParaRPr b="0" lang="pt-BR" sz="3200" spc="-1" strike="noStrike">
-              <a:latin typeface="Arial"/>
-            </a:endParaRPr>
-          </a:p>
-          <a:p>
-            <a:pPr lvl="1" marL="864000" indent="-324000">
-              <a:spcBef>
-                <a:spcPts val="1134"/>
-              </a:spcBef>
-              <a:buClr>
-                <a:srgbClr val="000000"/>
-              </a:buClr>
-              <a:buSzPct val="75000"/>
-              <a:buFont typeface="Symbol" charset="2"/>
-              <a:buChar char=""/>
-            </a:pPr>
-            <a:r>
-              <a:rPr b="0" lang="pt-BR" sz="2800" spc="-1" strike="noStrike">
-                <a:latin typeface="Arial"/>
-              </a:rPr>
-              <a:t>Second Outline Level</a:t>
-            </a:r>
-            <a:endParaRPr b="0" lang="pt-BR" sz="2800" spc="-1" strike="noStrike">
-              <a:latin typeface="Arial"/>
-            </a:endParaRPr>
-          </a:p>
-          <a:p>
-            <a:pPr lvl="2" marL="1296000" indent="-288000">
-              <a:spcBef>
-                <a:spcPts val="850"/>
-              </a:spcBef>
-              <a:buClr>
-                <a:srgbClr val="000000"/>
-              </a:buClr>
-              <a:buSzPct val="45000"/>
-              <a:buFont typeface="Wingdings" charset="2"/>
-              <a:buChar char=""/>
-            </a:pPr>
-            <a:r>
-              <a:rPr b="0" lang="pt-BR" sz="2400" spc="-1" strike="noStrike">
-                <a:latin typeface="Arial"/>
-              </a:rPr>
-              <a:t>Third Outline Level</a:t>
-            </a:r>
-            <a:endParaRPr b="0" lang="pt-BR" sz="2400" spc="-1" strike="noStrike">
-              <a:latin typeface="Arial"/>
-            </a:endParaRPr>
-          </a:p>
-          <a:p>
-            <a:pPr lvl="3" marL="1728000" indent="-216000">
-              <a:spcBef>
-                <a:spcPts val="567"/>
-              </a:spcBef>
-              <a:buClr>
-                <a:srgbClr val="000000"/>
-              </a:buClr>
-              <a:buSzPct val="75000"/>
-              <a:buFont typeface="Symbol" charset="2"/>
-              <a:buChar char=""/>
-            </a:pPr>
-            <a:r>
-              <a:rPr b="0" lang="pt-BR" sz="2000" spc="-1" strike="noStrike">
-                <a:latin typeface="Arial"/>
-              </a:rPr>
-              <a:t>Fourth Outline Level</a:t>
-            </a:r>
-            <a:endParaRPr b="0" lang="pt-BR" sz="2000" spc="-1" strike="noStrike">
-              <a:latin typeface="Arial"/>
-            </a:endParaRPr>
-          </a:p>
-          <a:p>
-            <a:pPr lvl="4" marL="2160000" indent="-216000">
-              <a:spcBef>
-                <a:spcPts val="283"/>
-              </a:spcBef>
-              <a:buClr>
-                <a:srgbClr val="000000"/>
-              </a:buClr>
-              <a:buSzPct val="45000"/>
-              <a:buFont typeface="Wingdings" charset="2"/>
-              <a:buChar char=""/>
-            </a:pPr>
-            <a:r>
-              <a:rPr b="0" lang="pt-BR" sz="2000" spc="-1" strike="noStrike">
-                <a:latin typeface="Arial"/>
-              </a:rPr>
-              <a:t>Fifth Outline Level</a:t>
-            </a:r>
-            <a:endParaRPr b="0" lang="pt-BR" sz="2000" spc="-1" strike="noStrike">
-              <a:latin typeface="Arial"/>
-            </a:endParaRPr>
-          </a:p>
-          <a:p>
-            <a:pPr lvl="5" marL="2592000" indent="-216000">
-              <a:spcBef>
-                <a:spcPts val="283"/>
-              </a:spcBef>
-              <a:buClr>
-                <a:srgbClr val="000000"/>
-              </a:buClr>
-              <a:buSzPct val="45000"/>
-              <a:buFont typeface="Wingdings" charset="2"/>
-              <a:buChar char=""/>
-            </a:pPr>
-            <a:r>
-              <a:rPr b="0" lang="pt-BR" sz="2000" spc="-1" strike="noStrike">
-                <a:latin typeface="Arial"/>
-              </a:rPr>
-              <a:t>Sixth Outline Level</a:t>
-            </a:r>
-            <a:endParaRPr b="0" lang="pt-BR" sz="2000" spc="-1" strike="noStrike">
-              <a:latin typeface="Arial"/>
-            </a:endParaRPr>
-          </a:p>
-          <a:p>
-            <a:pPr lvl="6" marL="3024000" indent="-216000">
-              <a:spcBef>
-                <a:spcPts val="283"/>
-              </a:spcBef>
-              <a:buClr>
-                <a:srgbClr val="000000"/>
-              </a:buClr>
-              <a:buSzPct val="45000"/>
-              <a:buFont typeface="Wingdings" charset="2"/>
-              <a:buChar char=""/>
-            </a:pPr>
-            <a:r>
-              <a:rPr b="0" lang="pt-BR" sz="2000" spc="-1" strike="noStrike">
-                <a:latin typeface="Arial"/>
-              </a:rPr>
-              <a:t>Seventh Outline Level</a:t>
-            </a:r>
-            <a:endParaRPr b="0" lang="pt-BR" sz="2000" spc="-1" strike="noStrike">
-              <a:latin typeface="Arial"/>
-            </a:endParaRPr>
-          </a:p>
-        </p:txBody>
-      </p:sp>
-    </p:spTree>
-  </p:cSld>
-  <p:clrMap bg1="lt1" bg2="lt2" tx1="dk1" tx2="dk2" accent1="accent1" accent2="accent2" accent3="accent3" accent4="accent4" accent5="accent5" accent6="accent6" hlink="hlink" folHlink="folHlink"/>
-  <p:sldLayoutIdLst>
-    <p:sldLayoutId id="2147483675" r:id="rId2"/>
-    <p:sldLayoutId id="2147483676" r:id="rId3"/>
-    <p:sldLayoutId id="2147483677" r:id="rId4"/>
-    <p:sldLayoutId id="2147483678" r:id="rId5"/>
-    <p:sldLayoutId id="2147483679" r:id="rId6"/>
-    <p:sldLayoutId id="2147483680" r:id="rId7"/>
-    <p:sldLayoutId id="2147483681" r:id="rId8"/>
-    <p:sldLayoutId id="2147483682" r:id="rId9"/>
-    <p:sldLayoutId id="2147483683" r:id="rId10"/>
-    <p:sldLayoutId id="2147483684" r:id="rId11"/>
-    <p:sldLayoutId id="2147483685" r:id="rId12"/>
-    <p:sldLayoutId id="2147483686" r:id="rId13"/>
   </p:sldLayoutIdLst>
 </p:sldMaster>
 </file>
@@ -8632,14 +6563,14 @@
       </p:grpSpPr>
       <p:sp>
         <p:nvSpPr>
-          <p:cNvPr id="126" name="CustomShape 1"/>
+          <p:cNvPr id="87" name="CustomShape 1"/>
           <p:cNvSpPr/>
           <p:nvPr/>
         </p:nvSpPr>
         <p:spPr>
           <a:xfrm>
             <a:off x="360000" y="3330000"/>
-            <a:ext cx="9348840" cy="888840"/>
+            <a:ext cx="9348480" cy="888480"/>
           </a:xfrm>
           <a:prstGeom prst="rect">
             <a:avLst/>
@@ -8684,14 +6615,14 @@
       </p:sp>
       <p:sp>
         <p:nvSpPr>
-          <p:cNvPr id="127" name="CustomShape 2"/>
+          <p:cNvPr id="88" name="CustomShape 2"/>
           <p:cNvSpPr/>
           <p:nvPr/>
         </p:nvSpPr>
         <p:spPr>
           <a:xfrm>
             <a:off x="540000" y="4680000"/>
-            <a:ext cx="9168840" cy="2508840"/>
+            <a:ext cx="9168480" cy="2508480"/>
           </a:xfrm>
           <a:prstGeom prst="rect">
             <a:avLst/>
@@ -8923,14 +6854,14 @@
       </p:grpSpPr>
       <p:sp>
         <p:nvSpPr>
-          <p:cNvPr id="185" name="CustomShape 40"/>
+          <p:cNvPr id="146" name="CustomShape 40"/>
           <p:cNvSpPr/>
           <p:nvPr/>
         </p:nvSpPr>
         <p:spPr>
           <a:xfrm>
             <a:off x="360000" y="360000"/>
-            <a:ext cx="9348840" cy="888840"/>
+            <a:ext cx="9348480" cy="888480"/>
           </a:xfrm>
           <a:prstGeom prst="rect">
             <a:avLst/>
@@ -8975,14 +6906,14 @@
       </p:sp>
       <p:sp>
         <p:nvSpPr>
-          <p:cNvPr id="186" name="CustomShape 41"/>
+          <p:cNvPr id="147" name="CustomShape 41"/>
           <p:cNvSpPr/>
           <p:nvPr/>
         </p:nvSpPr>
         <p:spPr>
           <a:xfrm>
             <a:off x="360000" y="1980000"/>
-            <a:ext cx="9168840" cy="4668840"/>
+            <a:ext cx="9168480" cy="4668480"/>
           </a:xfrm>
           <a:prstGeom prst="rect">
             <a:avLst/>
@@ -9034,14 +6965,14 @@
       </p:sp>
       <p:sp>
         <p:nvSpPr>
-          <p:cNvPr id="187" name="CustomShape 42"/>
+          <p:cNvPr id="148" name="CustomShape 42"/>
           <p:cNvSpPr/>
           <p:nvPr/>
         </p:nvSpPr>
         <p:spPr>
           <a:xfrm>
             <a:off x="897120" y="6886080"/>
-            <a:ext cx="6436080" cy="353880"/>
+            <a:ext cx="6435720" cy="353520"/>
           </a:xfrm>
           <a:prstGeom prst="rect">
             <a:avLst/>
@@ -9086,14 +7017,14 @@
       </p:sp>
       <p:sp>
         <p:nvSpPr>
-          <p:cNvPr id="188" name="CustomShape 43"/>
+          <p:cNvPr id="149" name="CustomShape 43"/>
           <p:cNvSpPr/>
           <p:nvPr/>
         </p:nvSpPr>
         <p:spPr>
           <a:xfrm>
             <a:off x="7608600" y="6886080"/>
-            <a:ext cx="2274120" cy="353880"/>
+            <a:ext cx="2273760" cy="353520"/>
           </a:xfrm>
           <a:prstGeom prst="rect">
             <a:avLst/>
@@ -9138,14 +7069,14 @@
       </p:sp>
       <p:sp>
         <p:nvSpPr>
-          <p:cNvPr id="189" name=""/>
+          <p:cNvPr id="150" name=""/>
           <p:cNvSpPr/>
           <p:nvPr/>
         </p:nvSpPr>
         <p:spPr>
           <a:xfrm>
             <a:off x="342360" y="1529280"/>
-            <a:ext cx="9375120" cy="5358600"/>
+            <a:ext cx="9374760" cy="5358240"/>
           </a:xfrm>
           <a:prstGeom prst="rect">
             <a:avLst/>
@@ -9191,172 +7122,117 @@
                 <a:latin typeface="Latin Modern Sans"/>
                 <a:ea typeface="DejaVu Sans"/>
               </a:rPr>
-              <a:t>Desvio </a:t>
+              <a:t>Desvio padrão para dois atributos:</a:t>
             </a:r>
-            <a:r>
-              <a:rPr b="0" lang="pt-BR" sz="1600" spc="-1" strike="noStrike">
-                <a:solidFill>
-                  <a:srgbClr val="1c1c1c"/>
-                </a:solidFill>
-                <a:latin typeface="Latin Modern Sans"/>
-                <a:ea typeface="DejaVu Sans"/>
-              </a:rPr>
-              <a:t>padrão </a:t>
-            </a:r>
-            <a:r>
-              <a:rPr b="0" lang="pt-BR" sz="1600" spc="-1" strike="noStrike">
-                <a:solidFill>
-                  <a:srgbClr val="1c1c1c"/>
-                </a:solidFill>
-                <a:latin typeface="Latin Modern Sans"/>
-                <a:ea typeface="DejaVu Sans"/>
-              </a:rPr>
-              <a:t>para </a:t>
-            </a:r>
-            <a:r>
-              <a:rPr b="0" lang="pt-BR" sz="1600" spc="-1" strike="noStrike">
-                <a:solidFill>
-                  <a:srgbClr val="1c1c1c"/>
-                </a:solidFill>
-                <a:latin typeface="Latin Modern Sans"/>
-                <a:ea typeface="DejaVu Sans"/>
-              </a:rPr>
-              <a:t>dois </a:t>
-            </a:r>
-            <a:r>
-              <a:rPr b="0" lang="pt-BR" sz="1600" spc="-1" strike="noStrike">
-                <a:solidFill>
-                  <a:srgbClr val="1c1c1c"/>
-                </a:solidFill>
-                <a:latin typeface="Latin Modern Sans"/>
-                <a:ea typeface="DejaVu Sans"/>
-              </a:rPr>
-              <a:t>atributo</a:t>
-            </a:r>
-            <a:r>
-              <a:rPr b="0" lang="pt-BR" sz="1600" spc="-1" strike="noStrike">
-                <a:solidFill>
-                  <a:srgbClr val="1c1c1c"/>
-                </a:solidFill>
-                <a:latin typeface="Latin Modern Sans"/>
-                <a:ea typeface="DejaVu Sans"/>
-              </a:rPr>
-              <a:t>s:</a:t>
-            </a:r>
-            <a:endParaRPr b="0" lang="pt-BR" sz="1600" spc="-1" strike="noStrike">
-              <a:latin typeface="Arial"/>
-            </a:endParaRPr>
-          </a:p>
-          <a:p>
-            <a:pPr>
-              <a:lnSpc>
-                <a:spcPct val="100000"/>
-              </a:lnSpc>
-              <a:buNone/>
-            </a:pPr>
-            <a:endParaRPr b="0" lang="pt-BR" sz="1600" spc="-1" strike="noStrike">
-              <a:latin typeface="Arial"/>
-            </a:endParaRPr>
-          </a:p>
-          <a:p>
-            <a:pPr>
-              <a:lnSpc>
-                <a:spcPct val="100000"/>
-              </a:lnSpc>
-              <a:buNone/>
-            </a:pPr>
-            <a:endParaRPr b="0" lang="pt-BR" sz="1600" spc="-1" strike="noStrike">
-              <a:latin typeface="Arial"/>
-            </a:endParaRPr>
-          </a:p>
-          <a:p>
-            <a:pPr>
-              <a:lnSpc>
-                <a:spcPct val="100000"/>
-              </a:lnSpc>
-              <a:buNone/>
-            </a:pPr>
-            <a:endParaRPr b="0" lang="pt-BR" sz="1600" spc="-1" strike="noStrike">
-              <a:latin typeface="Arial"/>
-            </a:endParaRPr>
-          </a:p>
-          <a:p>
-            <a:pPr>
-              <a:lnSpc>
-                <a:spcPct val="100000"/>
-              </a:lnSpc>
-              <a:buNone/>
-            </a:pPr>
-            <a:endParaRPr b="0" lang="pt-BR" sz="1600" spc="-1" strike="noStrike">
-              <a:latin typeface="Arial"/>
-            </a:endParaRPr>
-          </a:p>
-          <a:p>
-            <a:pPr>
-              <a:lnSpc>
-                <a:spcPct val="100000"/>
-              </a:lnSpc>
-              <a:buNone/>
-            </a:pPr>
-            <a:endParaRPr b="0" lang="pt-BR" sz="1600" spc="-1" strike="noStrike">
-              <a:latin typeface="Arial"/>
-            </a:endParaRPr>
-          </a:p>
-          <a:p>
-            <a:pPr>
-              <a:lnSpc>
-                <a:spcPct val="100000"/>
-              </a:lnSpc>
-              <a:buNone/>
-            </a:pPr>
-            <a:endParaRPr b="0" lang="pt-BR" sz="1600" spc="-1" strike="noStrike">
-              <a:latin typeface="Arial"/>
-            </a:endParaRPr>
-          </a:p>
-          <a:p>
-            <a:pPr>
-              <a:lnSpc>
-                <a:spcPct val="100000"/>
-              </a:lnSpc>
-              <a:buNone/>
-            </a:pPr>
-            <a:endParaRPr b="0" lang="pt-BR" sz="1600" spc="-1" strike="noStrike">
-              <a:latin typeface="Arial"/>
-            </a:endParaRPr>
-          </a:p>
-          <a:p>
-            <a:pPr>
-              <a:lnSpc>
-                <a:spcPct val="100000"/>
-              </a:lnSpc>
-              <a:buNone/>
-            </a:pPr>
-            <a:endParaRPr b="0" lang="pt-BR" sz="1600" spc="-1" strike="noStrike">
-              <a:latin typeface="Arial"/>
-            </a:endParaRPr>
-          </a:p>
-          <a:p>
-            <a:pPr>
-              <a:lnSpc>
-                <a:spcPct val="100000"/>
-              </a:lnSpc>
-              <a:buNone/>
-            </a:pPr>
-            <a:endParaRPr b="0" lang="pt-BR" sz="1600" spc="-1" strike="noStrike">
-              <a:latin typeface="Arial"/>
-            </a:endParaRPr>
-          </a:p>
-          <a:p>
-            <a:pPr lvl="1" marL="432000" indent="-216000">
-              <a:lnSpc>
-                <a:spcPct val="100000"/>
-              </a:lnSpc>
-              <a:buClr>
-                <a:srgbClr val="000000"/>
-              </a:buClr>
-              <a:buSzPct val="45000"/>
-              <a:buFont typeface="Wingdings" charset="2"/>
-              <a:buChar char=""/>
+            <a:endParaRPr b="0" lang="pt-BR" sz="1600" spc="-1" strike="noStrike">
+              <a:latin typeface="Arial"/>
+            </a:endParaRPr>
+          </a:p>
+          <a:p>
+            <a:pPr>
+              <a:lnSpc>
+                <a:spcPct val="100000"/>
+              </a:lnSpc>
+              <a:buNone/>
+            </a:pPr>
+            <a:endParaRPr b="0" lang="pt-BR" sz="1600" spc="-1" strike="noStrike">
+              <a:latin typeface="Arial"/>
+            </a:endParaRPr>
+          </a:p>
+          <a:p>
+            <a:pPr>
+              <a:lnSpc>
+                <a:spcPct val="100000"/>
+              </a:lnSpc>
+              <a:buNone/>
+            </a:pPr>
+            <a:endParaRPr b="0" lang="pt-BR" sz="1600" spc="-1" strike="noStrike">
+              <a:latin typeface="Arial"/>
+            </a:endParaRPr>
+          </a:p>
+          <a:p>
+            <a:pPr>
+              <a:lnSpc>
+                <a:spcPct val="100000"/>
+              </a:lnSpc>
+              <a:buNone/>
+            </a:pPr>
+            <a:endParaRPr b="0" lang="pt-BR" sz="1600" spc="-1" strike="noStrike">
+              <a:latin typeface="Arial"/>
+            </a:endParaRPr>
+          </a:p>
+          <a:p>
+            <a:pPr>
+              <a:lnSpc>
+                <a:spcPct val="100000"/>
+              </a:lnSpc>
+              <a:buNone/>
+            </a:pPr>
+            <a:endParaRPr b="0" lang="pt-BR" sz="1600" spc="-1" strike="noStrike">
+              <a:latin typeface="Arial"/>
+            </a:endParaRPr>
+          </a:p>
+          <a:p>
+            <a:pPr>
+              <a:lnSpc>
+                <a:spcPct val="100000"/>
+              </a:lnSpc>
+              <a:buNone/>
+            </a:pPr>
+            <a:endParaRPr b="0" lang="pt-BR" sz="1600" spc="-1" strike="noStrike">
+              <a:latin typeface="Arial"/>
+            </a:endParaRPr>
+          </a:p>
+          <a:p>
+            <a:pPr>
+              <a:lnSpc>
+                <a:spcPct val="100000"/>
+              </a:lnSpc>
+              <a:buNone/>
+            </a:pPr>
+            <a:endParaRPr b="0" lang="pt-BR" sz="1600" spc="-1" strike="noStrike">
+              <a:latin typeface="Arial"/>
+            </a:endParaRPr>
+          </a:p>
+          <a:p>
+            <a:pPr>
+              <a:lnSpc>
+                <a:spcPct val="100000"/>
+              </a:lnSpc>
+              <a:buNone/>
+            </a:pPr>
+            <a:endParaRPr b="0" lang="pt-BR" sz="1600" spc="-1" strike="noStrike">
+              <a:latin typeface="Arial"/>
+            </a:endParaRPr>
+          </a:p>
+          <a:p>
+            <a:pPr>
+              <a:lnSpc>
+                <a:spcPct val="100000"/>
+              </a:lnSpc>
+              <a:buNone/>
+            </a:pPr>
+            <a:endParaRPr b="0" lang="pt-BR" sz="1600" spc="-1" strike="noStrike">
+              <a:latin typeface="Arial"/>
+            </a:endParaRPr>
+          </a:p>
+          <a:p>
+            <a:pPr>
+              <a:lnSpc>
+                <a:spcPct val="100000"/>
+              </a:lnSpc>
+              <a:buNone/>
+            </a:pPr>
+            <a:endParaRPr b="0" lang="pt-BR" sz="1600" spc="-1" strike="noStrike">
+              <a:latin typeface="Arial"/>
+            </a:endParaRPr>
+          </a:p>
+          <a:p>
+            <a:pPr>
+              <a:lnSpc>
+                <a:spcPct val="100000"/>
+              </a:lnSpc>
+              <a:buNone/>
             </a:pPr>
             <a:endParaRPr b="0" lang="pt-BR" sz="1600" spc="-1" strike="noStrike">
               <a:latin typeface="Arial"/>
@@ -9652,7 +7528,7 @@
       </p:sp>
       <p:pic>
         <p:nvPicPr>
-          <p:cNvPr id="190" name="" descr=""/>
+          <p:cNvPr id="151" name="" descr=""/>
           <p:cNvPicPr/>
           <p:nvPr/>
         </p:nvPicPr>
@@ -9664,7 +7540,7 @@
         <p:spPr>
           <a:xfrm>
             <a:off x="720000" y="2520000"/>
-            <a:ext cx="7388280" cy="4140000"/>
+            <a:ext cx="7387920" cy="4139640"/>
           </a:xfrm>
           <a:prstGeom prst="rect">
             <a:avLst/>
@@ -9706,14 +7582,14 @@
       </p:grpSpPr>
       <p:sp>
         <p:nvSpPr>
-          <p:cNvPr id="191" name="CustomShape 45"/>
+          <p:cNvPr id="152" name="CustomShape 45"/>
           <p:cNvSpPr/>
           <p:nvPr/>
         </p:nvSpPr>
         <p:spPr>
           <a:xfrm>
             <a:off x="360000" y="360000"/>
-            <a:ext cx="9348840" cy="888840"/>
+            <a:ext cx="9348480" cy="888480"/>
           </a:xfrm>
           <a:prstGeom prst="rect">
             <a:avLst/>
@@ -9748,27 +7624,7 @@
                 <a:latin typeface="Source Sans Pro Black"/>
                 <a:ea typeface="DejaVu Sans"/>
               </a:rPr>
-              <a:t>Reg</a:t>
-            </a:r>
-            <a:r>
-              <a:rPr b="1" lang="pt-BR" sz="2600" spc="-1" strike="noStrike">
-                <a:solidFill>
-                  <a:srgbClr val="ffffff"/>
-                </a:solidFill>
-                <a:latin typeface="Source Sans Pro Black"/>
-                <a:ea typeface="DejaVu Sans"/>
-              </a:rPr>
-              <a:t>ress</a:t>
-            </a:r>
-            <a:r>
-              <a:rPr b="1" lang="pt-BR" sz="2600" spc="-1" strike="noStrike">
-                <a:solidFill>
-                  <a:srgbClr val="ffffff"/>
-                </a:solidFill>
-                <a:latin typeface="Source Sans Pro Black"/>
-                <a:ea typeface="DejaVu Sans"/>
-              </a:rPr>
-              <a:t>ão </a:t>
+              <a:t>Regressão </a:t>
             </a:r>
             <a:endParaRPr b="0" lang="pt-BR" sz="2600" spc="-1" strike="noStrike">
               <a:latin typeface="Arial"/>
@@ -9778,14 +7634,14 @@
       </p:sp>
       <p:sp>
         <p:nvSpPr>
-          <p:cNvPr id="192" name="CustomShape 46"/>
+          <p:cNvPr id="153" name="CustomShape 46"/>
           <p:cNvSpPr/>
           <p:nvPr/>
         </p:nvSpPr>
         <p:spPr>
           <a:xfrm>
             <a:off x="360000" y="1980000"/>
-            <a:ext cx="9168840" cy="4668840"/>
+            <a:ext cx="9168480" cy="4668480"/>
           </a:xfrm>
           <a:prstGeom prst="rect">
             <a:avLst/>
@@ -9837,14 +7693,14 @@
       </p:sp>
       <p:sp>
         <p:nvSpPr>
-          <p:cNvPr id="193" name="CustomShape 47"/>
+          <p:cNvPr id="154" name="CustomShape 47"/>
           <p:cNvSpPr/>
           <p:nvPr/>
         </p:nvSpPr>
         <p:spPr>
           <a:xfrm>
             <a:off x="897120" y="6886080"/>
-            <a:ext cx="6436080" cy="353880"/>
+            <a:ext cx="6435720" cy="353520"/>
           </a:xfrm>
           <a:prstGeom prst="rect">
             <a:avLst/>
@@ -9879,57 +7735,7 @@
                 <a:latin typeface="Arial"/>
                 <a:ea typeface="DejaVu Sans"/>
               </a:rPr>
-              <a:t>Aprendi</a:t>
-            </a:r>
-            <a:r>
-              <a:rPr b="0" lang="pt-BR" sz="1800" spc="-1" strike="noStrike">
-                <a:solidFill>
-                  <a:srgbClr val="000000"/>
-                </a:solidFill>
-                <a:latin typeface="Arial"/>
-                <a:ea typeface="DejaVu Sans"/>
-              </a:rPr>
-              <a:t>zado de </a:t>
-            </a:r>
-            <a:r>
-              <a:rPr b="0" lang="pt-BR" sz="1800" spc="-1" strike="noStrike">
-                <a:solidFill>
-                  <a:srgbClr val="000000"/>
-                </a:solidFill>
-                <a:latin typeface="Arial"/>
-                <a:ea typeface="DejaVu Sans"/>
-              </a:rPr>
-              <a:t>Máquina </a:t>
-            </a:r>
-            <a:r>
-              <a:rPr b="0" lang="pt-BR" sz="1800" spc="-1" strike="noStrike">
-                <a:solidFill>
-                  <a:srgbClr val="000000"/>
-                </a:solidFill>
-                <a:latin typeface="Arial"/>
-                <a:ea typeface="DejaVu Sans"/>
-              </a:rPr>
-              <a:t>- Prof. </a:t>
-            </a:r>
-            <a:r>
-              <a:rPr b="0" lang="pt-BR" sz="1800" spc="-1" strike="noStrike">
-                <a:solidFill>
-                  <a:srgbClr val="000000"/>
-                </a:solidFill>
-                <a:latin typeface="Arial"/>
-                <a:ea typeface="DejaVu Sans"/>
-              </a:rPr>
-              <a:t>André </a:t>
-            </a:r>
-            <a:r>
-              <a:rPr b="0" lang="pt-BR" sz="1800" spc="-1" strike="noStrike">
-                <a:solidFill>
-                  <a:srgbClr val="000000"/>
-                </a:solidFill>
-                <a:latin typeface="Arial"/>
-                <a:ea typeface="DejaVu Sans"/>
-              </a:rPr>
-              <a:t>Hochuli</a:t>
+              <a:t>Aprendizado de Máquina - Prof. André Hochuli</a:t>
             </a:r>
             <a:endParaRPr b="0" lang="pt-BR" sz="1800" spc="-1" strike="noStrike">
               <a:latin typeface="Arial"/>
@@ -9939,14 +7745,14 @@
       </p:sp>
       <p:sp>
         <p:nvSpPr>
-          <p:cNvPr id="194" name="CustomShape 48"/>
+          <p:cNvPr id="155" name="CustomShape 48"/>
           <p:cNvSpPr/>
           <p:nvPr/>
         </p:nvSpPr>
         <p:spPr>
           <a:xfrm>
             <a:off x="7608600" y="6886080"/>
-            <a:ext cx="2274120" cy="353880"/>
+            <a:ext cx="2273760" cy="353520"/>
           </a:xfrm>
           <a:prstGeom prst="rect">
             <a:avLst/>
@@ -9991,14 +7797,14 @@
       </p:sp>
       <p:sp>
         <p:nvSpPr>
-          <p:cNvPr id="195" name=""/>
+          <p:cNvPr id="156" name=""/>
           <p:cNvSpPr/>
           <p:nvPr/>
         </p:nvSpPr>
         <p:spPr>
           <a:xfrm>
             <a:off x="342360" y="1529280"/>
-            <a:ext cx="9375120" cy="5358600"/>
+            <a:ext cx="9374760" cy="5358240"/>
           </a:xfrm>
           <a:prstGeom prst="rect">
             <a:avLst/>
@@ -10066,8 +7872,41 @@
                 <a:latin typeface="Latin Modern Sans"/>
                 <a:ea typeface="DejaVu Sans"/>
               </a:rPr>
-              <a:t>Reduçã</a:t>
+              <a:t>Redução do Desvio Padrão</a:t>
             </a:r>
+            <a:endParaRPr b="0" lang="pt-BR" sz="1600" spc="-1" strike="noStrike">
+              <a:latin typeface="Arial"/>
+            </a:endParaRPr>
+          </a:p>
+          <a:p>
+            <a:pPr>
+              <a:lnSpc>
+                <a:spcPct val="100000"/>
+              </a:lnSpc>
+              <a:buNone/>
+            </a:pPr>
+            <a:endParaRPr b="0" lang="pt-BR" sz="1600" spc="-1" strike="noStrike">
+              <a:latin typeface="Arial"/>
+            </a:endParaRPr>
+          </a:p>
+          <a:p>
+            <a:pPr>
+              <a:lnSpc>
+                <a:spcPct val="100000"/>
+              </a:lnSpc>
+              <a:buNone/>
+            </a:pPr>
+            <a:endParaRPr b="0" lang="pt-BR" sz="1600" spc="-1" strike="noStrike">
+              <a:latin typeface="Arial"/>
+            </a:endParaRPr>
+          </a:p>
+          <a:p>
+            <a:pPr>
+              <a:lnSpc>
+                <a:spcPct val="100000"/>
+              </a:lnSpc>
+              <a:buNone/>
+            </a:pPr>
             <a:r>
               <a:rPr b="0" lang="pt-BR" sz="1600" spc="-1" strike="noStrike">
                 <a:solidFill>
@@ -10076,214 +7915,106 @@
                 <a:latin typeface="Latin Modern Sans"/>
                 <a:ea typeface="DejaVu Sans"/>
               </a:rPr>
-              <a:t>o do </a:t>
+              <a:t>O maior SDR é escolhido como raiz</a:t>
             </a:r>
-            <a:r>
-              <a:rPr b="0" lang="pt-BR" sz="1600" spc="-1" strike="noStrike">
-                <a:solidFill>
-                  <a:srgbClr val="1c1c1c"/>
-                </a:solidFill>
-                <a:latin typeface="Latin Modern Sans"/>
-                <a:ea typeface="DejaVu Sans"/>
-              </a:rPr>
-              <a:t>Desvio </a:t>
-            </a:r>
-            <a:r>
-              <a:rPr b="0" lang="pt-BR" sz="1600" spc="-1" strike="noStrike">
-                <a:solidFill>
-                  <a:srgbClr val="1c1c1c"/>
-                </a:solidFill>
-                <a:latin typeface="Latin Modern Sans"/>
-                <a:ea typeface="DejaVu Sans"/>
-              </a:rPr>
-              <a:t>Padrão</a:t>
-            </a:r>
-            <a:endParaRPr b="0" lang="pt-BR" sz="1600" spc="-1" strike="noStrike">
-              <a:latin typeface="Arial"/>
-            </a:endParaRPr>
-          </a:p>
-          <a:p>
-            <a:pPr>
-              <a:lnSpc>
-                <a:spcPct val="100000"/>
-              </a:lnSpc>
-              <a:buNone/>
-            </a:pPr>
-            <a:endParaRPr b="0" lang="pt-BR" sz="1600" spc="-1" strike="noStrike">
-              <a:latin typeface="Arial"/>
-            </a:endParaRPr>
-          </a:p>
-          <a:p>
-            <a:pPr>
-              <a:lnSpc>
-                <a:spcPct val="100000"/>
-              </a:lnSpc>
-              <a:buNone/>
-            </a:pPr>
-            <a:endParaRPr b="0" lang="pt-BR" sz="1600" spc="-1" strike="noStrike">
-              <a:latin typeface="Arial"/>
-            </a:endParaRPr>
-          </a:p>
-          <a:p>
-            <a:pPr>
-              <a:lnSpc>
-                <a:spcPct val="100000"/>
-              </a:lnSpc>
-              <a:buNone/>
-            </a:pPr>
-            <a:r>
-              <a:rPr b="0" lang="pt-BR" sz="1600" spc="-1" strike="noStrike">
-                <a:solidFill>
-                  <a:srgbClr val="1c1c1c"/>
-                </a:solidFill>
-                <a:latin typeface="Latin Modern Sans"/>
-                <a:ea typeface="DejaVu Sans"/>
-              </a:rPr>
-              <a:t>O maior </a:t>
-            </a:r>
-            <a:r>
-              <a:rPr b="0" lang="pt-BR" sz="1600" spc="-1" strike="noStrike">
-                <a:solidFill>
-                  <a:srgbClr val="1c1c1c"/>
-                </a:solidFill>
-                <a:latin typeface="Latin Modern Sans"/>
-                <a:ea typeface="DejaVu Sans"/>
-              </a:rPr>
-              <a:t>SDR é </a:t>
-            </a:r>
-            <a:r>
-              <a:rPr b="0" lang="pt-BR" sz="1600" spc="-1" strike="noStrike">
-                <a:solidFill>
-                  <a:srgbClr val="1c1c1c"/>
-                </a:solidFill>
-                <a:latin typeface="Latin Modern Sans"/>
-                <a:ea typeface="DejaVu Sans"/>
-              </a:rPr>
-              <a:t>escolhid</a:t>
-            </a:r>
-            <a:r>
-              <a:rPr b="0" lang="pt-BR" sz="1600" spc="-1" strike="noStrike">
-                <a:solidFill>
-                  <a:srgbClr val="1c1c1c"/>
-                </a:solidFill>
-                <a:latin typeface="Latin Modern Sans"/>
-                <a:ea typeface="DejaVu Sans"/>
-              </a:rPr>
-              <a:t>o como </a:t>
-            </a:r>
-            <a:r>
-              <a:rPr b="0" lang="pt-BR" sz="1600" spc="-1" strike="noStrike">
-                <a:solidFill>
-                  <a:srgbClr val="1c1c1c"/>
-                </a:solidFill>
-                <a:latin typeface="Latin Modern Sans"/>
-                <a:ea typeface="DejaVu Sans"/>
-              </a:rPr>
-              <a:t>raiz</a:t>
-            </a:r>
-            <a:endParaRPr b="0" lang="pt-BR" sz="1600" spc="-1" strike="noStrike">
-              <a:latin typeface="Arial"/>
-            </a:endParaRPr>
-          </a:p>
-          <a:p>
-            <a:pPr>
-              <a:lnSpc>
-                <a:spcPct val="100000"/>
-              </a:lnSpc>
-              <a:buNone/>
-            </a:pPr>
-            <a:endParaRPr b="0" lang="pt-BR" sz="1600" spc="-1" strike="noStrike">
-              <a:latin typeface="Arial"/>
-            </a:endParaRPr>
-          </a:p>
-          <a:p>
-            <a:pPr>
-              <a:lnSpc>
-                <a:spcPct val="100000"/>
-              </a:lnSpc>
-              <a:buNone/>
-            </a:pPr>
-            <a:endParaRPr b="0" lang="pt-BR" sz="1600" spc="-1" strike="noStrike">
-              <a:latin typeface="Arial"/>
-            </a:endParaRPr>
-          </a:p>
-          <a:p>
-            <a:pPr>
-              <a:lnSpc>
-                <a:spcPct val="100000"/>
-              </a:lnSpc>
-              <a:buNone/>
-            </a:pPr>
-            <a:endParaRPr b="0" lang="pt-BR" sz="1600" spc="-1" strike="noStrike">
-              <a:latin typeface="Arial"/>
-            </a:endParaRPr>
-          </a:p>
-          <a:p>
-            <a:pPr>
-              <a:lnSpc>
-                <a:spcPct val="100000"/>
-              </a:lnSpc>
-              <a:buNone/>
-            </a:pPr>
-            <a:endParaRPr b="0" lang="pt-BR" sz="1600" spc="-1" strike="noStrike">
-              <a:latin typeface="Arial"/>
-            </a:endParaRPr>
-          </a:p>
-          <a:p>
-            <a:pPr>
-              <a:lnSpc>
-                <a:spcPct val="100000"/>
-              </a:lnSpc>
-              <a:buNone/>
-            </a:pPr>
-            <a:endParaRPr b="0" lang="pt-BR" sz="1600" spc="-1" strike="noStrike">
-              <a:latin typeface="Arial"/>
-            </a:endParaRPr>
-          </a:p>
-          <a:p>
-            <a:pPr>
-              <a:lnSpc>
-                <a:spcPct val="100000"/>
-              </a:lnSpc>
-              <a:buNone/>
-            </a:pPr>
-            <a:endParaRPr b="0" lang="pt-BR" sz="1600" spc="-1" strike="noStrike">
-              <a:latin typeface="Arial"/>
-            </a:endParaRPr>
-          </a:p>
-          <a:p>
-            <a:pPr>
-              <a:lnSpc>
-                <a:spcPct val="100000"/>
-              </a:lnSpc>
-              <a:buNone/>
-            </a:pPr>
-            <a:endParaRPr b="0" lang="pt-BR" sz="1600" spc="-1" strike="noStrike">
-              <a:latin typeface="Arial"/>
-            </a:endParaRPr>
-          </a:p>
-          <a:p>
-            <a:pPr>
-              <a:lnSpc>
-                <a:spcPct val="100000"/>
-              </a:lnSpc>
-              <a:buNone/>
-            </a:pPr>
-            <a:endParaRPr b="0" lang="pt-BR" sz="1600" spc="-1" strike="noStrike">
-              <a:latin typeface="Arial"/>
-            </a:endParaRPr>
-          </a:p>
-          <a:p>
-            <a:pPr lvl="1" marL="432000" indent="-216000">
-              <a:lnSpc>
-                <a:spcPct val="100000"/>
-              </a:lnSpc>
-              <a:buClr>
-                <a:srgbClr val="000000"/>
-              </a:buClr>
-              <a:buSzPct val="45000"/>
-              <a:buFont typeface="Wingdings" charset="2"/>
-              <a:buChar char=""/>
+            <a:endParaRPr b="0" lang="pt-BR" sz="1600" spc="-1" strike="noStrike">
+              <a:latin typeface="Arial"/>
+            </a:endParaRPr>
+          </a:p>
+          <a:p>
+            <a:pPr>
+              <a:lnSpc>
+                <a:spcPct val="100000"/>
+              </a:lnSpc>
+              <a:buNone/>
+            </a:pPr>
+            <a:endParaRPr b="0" lang="pt-BR" sz="1600" spc="-1" strike="noStrike">
+              <a:latin typeface="Arial"/>
+            </a:endParaRPr>
+          </a:p>
+          <a:p>
+            <a:pPr>
+              <a:lnSpc>
+                <a:spcPct val="100000"/>
+              </a:lnSpc>
+              <a:buNone/>
+            </a:pPr>
+            <a:endParaRPr b="0" lang="pt-BR" sz="1600" spc="-1" strike="noStrike">
+              <a:latin typeface="Arial"/>
+            </a:endParaRPr>
+          </a:p>
+          <a:p>
+            <a:pPr>
+              <a:lnSpc>
+                <a:spcPct val="100000"/>
+              </a:lnSpc>
+              <a:buNone/>
+            </a:pPr>
+            <a:endParaRPr b="0" lang="pt-BR" sz="1600" spc="-1" strike="noStrike">
+              <a:latin typeface="Arial"/>
+            </a:endParaRPr>
+          </a:p>
+          <a:p>
+            <a:pPr>
+              <a:lnSpc>
+                <a:spcPct val="100000"/>
+              </a:lnSpc>
+              <a:buNone/>
+            </a:pPr>
+            <a:endParaRPr b="0" lang="pt-BR" sz="1600" spc="-1" strike="noStrike">
+              <a:latin typeface="Arial"/>
+            </a:endParaRPr>
+          </a:p>
+          <a:p>
+            <a:pPr>
+              <a:lnSpc>
+                <a:spcPct val="100000"/>
+              </a:lnSpc>
+              <a:buNone/>
+            </a:pPr>
+            <a:endParaRPr b="0" lang="pt-BR" sz="1600" spc="-1" strike="noStrike">
+              <a:latin typeface="Arial"/>
+            </a:endParaRPr>
+          </a:p>
+          <a:p>
+            <a:pPr>
+              <a:lnSpc>
+                <a:spcPct val="100000"/>
+              </a:lnSpc>
+              <a:buNone/>
+            </a:pPr>
+            <a:endParaRPr b="0" lang="pt-BR" sz="1600" spc="-1" strike="noStrike">
+              <a:latin typeface="Arial"/>
+            </a:endParaRPr>
+          </a:p>
+          <a:p>
+            <a:pPr>
+              <a:lnSpc>
+                <a:spcPct val="100000"/>
+              </a:lnSpc>
+              <a:buNone/>
+            </a:pPr>
+            <a:endParaRPr b="0" lang="pt-BR" sz="1600" spc="-1" strike="noStrike">
+              <a:latin typeface="Arial"/>
+            </a:endParaRPr>
+          </a:p>
+          <a:p>
+            <a:pPr>
+              <a:lnSpc>
+                <a:spcPct val="100000"/>
+              </a:lnSpc>
+              <a:buNone/>
+            </a:pPr>
+            <a:endParaRPr b="0" lang="pt-BR" sz="1600" spc="-1" strike="noStrike">
+              <a:latin typeface="Arial"/>
+            </a:endParaRPr>
+          </a:p>
+          <a:p>
+            <a:pPr>
+              <a:lnSpc>
+                <a:spcPct val="100000"/>
+              </a:lnSpc>
+              <a:buNone/>
             </a:pPr>
             <a:endParaRPr b="0" lang="pt-BR" sz="1600" spc="-1" strike="noStrike">
               <a:latin typeface="Arial"/>
@@ -10579,7 +8310,7 @@
       </p:sp>
       <p:pic>
         <p:nvPicPr>
-          <p:cNvPr id="196" name="" descr=""/>
+          <p:cNvPr id="157" name="" descr=""/>
           <p:cNvPicPr/>
           <p:nvPr/>
         </p:nvPicPr>
@@ -10590,7 +8321,7 @@
         <p:spPr>
           <a:xfrm>
             <a:off x="4680000" y="1725840"/>
-            <a:ext cx="3780000" cy="578160"/>
+            <a:ext cx="3779640" cy="577800"/>
           </a:xfrm>
           <a:prstGeom prst="rect">
             <a:avLst/>
@@ -10602,7 +8333,7 @@
       </p:pic>
       <p:pic>
         <p:nvPicPr>
-          <p:cNvPr id="197" name="" descr=""/>
+          <p:cNvPr id="158" name="" descr=""/>
           <p:cNvPicPr/>
           <p:nvPr/>
         </p:nvPicPr>
@@ -10613,7 +8344,7 @@
         <p:spPr>
           <a:xfrm>
             <a:off x="4289040" y="2196000"/>
-            <a:ext cx="4710960" cy="750960"/>
+            <a:ext cx="4710600" cy="750600"/>
           </a:xfrm>
           <a:prstGeom prst="rect">
             <a:avLst/>
@@ -10625,7 +8356,7 @@
       </p:pic>
       <p:pic>
         <p:nvPicPr>
-          <p:cNvPr id="198" name="" descr=""/>
+          <p:cNvPr id="159" name="" descr=""/>
           <p:cNvPicPr/>
           <p:nvPr/>
         </p:nvPicPr>
@@ -10636,7 +8367,7 @@
         <p:spPr>
           <a:xfrm>
             <a:off x="2223000" y="3456720"/>
-            <a:ext cx="5589000" cy="3300120"/>
+            <a:ext cx="5588640" cy="3299760"/>
           </a:xfrm>
           <a:prstGeom prst="rect">
             <a:avLst/>
@@ -10678,14 +8409,14 @@
       </p:grpSpPr>
       <p:sp>
         <p:nvSpPr>
-          <p:cNvPr id="199" name="CustomShape 50"/>
+          <p:cNvPr id="160" name="CustomShape 50"/>
           <p:cNvSpPr/>
           <p:nvPr/>
         </p:nvSpPr>
         <p:spPr>
           <a:xfrm>
             <a:off x="360000" y="360000"/>
-            <a:ext cx="9348840" cy="888840"/>
+            <a:ext cx="9348480" cy="888480"/>
           </a:xfrm>
           <a:prstGeom prst="rect">
             <a:avLst/>
@@ -10730,14 +8461,14 @@
       </p:sp>
       <p:sp>
         <p:nvSpPr>
-          <p:cNvPr id="200" name="CustomShape 51"/>
+          <p:cNvPr id="161" name="CustomShape 51"/>
           <p:cNvSpPr/>
           <p:nvPr/>
         </p:nvSpPr>
         <p:spPr>
           <a:xfrm>
             <a:off x="360000" y="1980000"/>
-            <a:ext cx="9168840" cy="4668840"/>
+            <a:ext cx="9168480" cy="4668480"/>
           </a:xfrm>
           <a:prstGeom prst="rect">
             <a:avLst/>
@@ -10789,14 +8520,14 @@
       </p:sp>
       <p:sp>
         <p:nvSpPr>
-          <p:cNvPr id="201" name="CustomShape 52"/>
+          <p:cNvPr id="162" name="CustomShape 52"/>
           <p:cNvSpPr/>
           <p:nvPr/>
         </p:nvSpPr>
         <p:spPr>
           <a:xfrm>
             <a:off x="897120" y="6886080"/>
-            <a:ext cx="6436080" cy="353880"/>
+            <a:ext cx="6435720" cy="353520"/>
           </a:xfrm>
           <a:prstGeom prst="rect">
             <a:avLst/>
@@ -10841,14 +8572,14 @@
       </p:sp>
       <p:sp>
         <p:nvSpPr>
-          <p:cNvPr id="202" name="CustomShape 53"/>
+          <p:cNvPr id="163" name="CustomShape 53"/>
           <p:cNvSpPr/>
           <p:nvPr/>
         </p:nvSpPr>
         <p:spPr>
           <a:xfrm>
             <a:off x="7608600" y="6886080"/>
-            <a:ext cx="2274120" cy="353880"/>
+            <a:ext cx="2273760" cy="353520"/>
           </a:xfrm>
           <a:prstGeom prst="rect">
             <a:avLst/>
@@ -10883,17 +8614,7 @@
                 <a:latin typeface="Arial"/>
                 <a:ea typeface="DejaVu Sans"/>
               </a:rPr>
-              <a:t>Regress</a:t>
-            </a:r>
-            <a:r>
-              <a:rPr b="0" lang="pt-BR" sz="1800" spc="-1" strike="noStrike">
-                <a:solidFill>
-                  <a:srgbClr val="000000"/>
-                </a:solidFill>
-                <a:latin typeface="Arial"/>
-                <a:ea typeface="DejaVu Sans"/>
-              </a:rPr>
-              <a:t>ão</a:t>
+              <a:t>Regressão</a:t>
             </a:r>
             <a:endParaRPr b="0" lang="pt-BR" sz="1800" spc="-1" strike="noStrike">
               <a:latin typeface="Arial"/>
@@ -10903,14 +8624,14 @@
       </p:sp>
       <p:sp>
         <p:nvSpPr>
-          <p:cNvPr id="203" name=""/>
+          <p:cNvPr id="164" name=""/>
           <p:cNvSpPr/>
           <p:nvPr/>
         </p:nvSpPr>
         <p:spPr>
           <a:xfrm>
             <a:off x="342360" y="1529280"/>
-            <a:ext cx="9375120" cy="5358600"/>
+            <a:ext cx="9374760" cy="5358240"/>
           </a:xfrm>
           <a:prstGeom prst="rect">
             <a:avLst/>
@@ -11051,16 +8772,11 @@
             </a:endParaRPr>
           </a:p>
           <a:p>
-            <a:pPr lvl="1" marL="432000" indent="-216000">
-              <a:lnSpc>
-                <a:spcPct val="100000"/>
-              </a:lnSpc>
-              <a:buClr>
-                <a:srgbClr val="000000"/>
-              </a:buClr>
-              <a:buSzPct val="45000"/>
-              <a:buFont typeface="Wingdings" charset="2"/>
-              <a:buChar char=""/>
+            <a:pPr>
+              <a:lnSpc>
+                <a:spcPct val="100000"/>
+              </a:lnSpc>
+              <a:buNone/>
             </a:pPr>
             <a:endParaRPr b="0" lang="pt-BR" sz="1600" spc="-1" strike="noStrike">
               <a:latin typeface="Arial"/>
@@ -11356,7 +9072,7 @@
       </p:sp>
       <p:pic>
         <p:nvPicPr>
-          <p:cNvPr id="204" name="" descr=""/>
+          <p:cNvPr id="165" name="" descr=""/>
           <p:cNvPicPr/>
           <p:nvPr/>
         </p:nvPicPr>
@@ -11367,7 +9083,7 @@
         <p:spPr>
           <a:xfrm>
             <a:off x="900000" y="2404800"/>
-            <a:ext cx="7724520" cy="3895200"/>
+            <a:ext cx="7724160" cy="3894840"/>
           </a:xfrm>
           <a:prstGeom prst="rect">
             <a:avLst/>
@@ -11409,14 +9125,14 @@
       </p:grpSpPr>
       <p:sp>
         <p:nvSpPr>
-          <p:cNvPr id="205" name="CustomShape 55"/>
+          <p:cNvPr id="166" name="CustomShape 55"/>
           <p:cNvSpPr/>
           <p:nvPr/>
         </p:nvSpPr>
         <p:spPr>
           <a:xfrm>
             <a:off x="360000" y="360000"/>
-            <a:ext cx="9348840" cy="888840"/>
+            <a:ext cx="9348480" cy="888480"/>
           </a:xfrm>
           <a:prstGeom prst="rect">
             <a:avLst/>
@@ -11461,14 +9177,14 @@
       </p:sp>
       <p:sp>
         <p:nvSpPr>
-          <p:cNvPr id="206" name="CustomShape 56"/>
+          <p:cNvPr id="167" name="CustomShape 56"/>
           <p:cNvSpPr/>
           <p:nvPr/>
         </p:nvSpPr>
         <p:spPr>
           <a:xfrm>
             <a:off x="360000" y="1980000"/>
-            <a:ext cx="9168840" cy="4668840"/>
+            <a:ext cx="9168480" cy="4668480"/>
           </a:xfrm>
           <a:prstGeom prst="rect">
             <a:avLst/>
@@ -11520,14 +9236,14 @@
       </p:sp>
       <p:sp>
         <p:nvSpPr>
-          <p:cNvPr id="207" name="CustomShape 57"/>
+          <p:cNvPr id="168" name="CustomShape 57"/>
           <p:cNvSpPr/>
           <p:nvPr/>
         </p:nvSpPr>
         <p:spPr>
           <a:xfrm>
             <a:off x="897120" y="6886080"/>
-            <a:ext cx="6436080" cy="353880"/>
+            <a:ext cx="6435720" cy="353520"/>
           </a:xfrm>
           <a:prstGeom prst="rect">
             <a:avLst/>
@@ -11572,14 +9288,14 @@
       </p:sp>
       <p:sp>
         <p:nvSpPr>
-          <p:cNvPr id="208" name="CustomShape 58"/>
+          <p:cNvPr id="169" name="CustomShape 58"/>
           <p:cNvSpPr/>
           <p:nvPr/>
         </p:nvSpPr>
         <p:spPr>
           <a:xfrm>
             <a:off x="7608600" y="6886080"/>
-            <a:ext cx="2274120" cy="353880"/>
+            <a:ext cx="2273760" cy="353520"/>
           </a:xfrm>
           <a:prstGeom prst="rect">
             <a:avLst/>
@@ -11624,14 +9340,14 @@
       </p:sp>
       <p:sp>
         <p:nvSpPr>
-          <p:cNvPr id="209" name=""/>
+          <p:cNvPr id="170" name=""/>
           <p:cNvSpPr/>
           <p:nvPr/>
         </p:nvSpPr>
         <p:spPr>
           <a:xfrm>
             <a:off x="342360" y="1529280"/>
-            <a:ext cx="9375120" cy="5358600"/>
+            <a:ext cx="9374760" cy="5358240"/>
           </a:xfrm>
           <a:prstGeom prst="rect">
             <a:avLst/>
@@ -11847,16 +9563,11 @@
             </a:endParaRPr>
           </a:p>
           <a:p>
-            <a:pPr lvl="1" marL="432000" indent="-216000">
-              <a:lnSpc>
-                <a:spcPct val="100000"/>
-              </a:lnSpc>
-              <a:buClr>
-                <a:srgbClr val="000000"/>
-              </a:buClr>
-              <a:buSzPct val="45000"/>
-              <a:buFont typeface="Wingdings" charset="2"/>
-              <a:buChar char=""/>
+            <a:pPr>
+              <a:lnSpc>
+                <a:spcPct val="100000"/>
+              </a:lnSpc>
+              <a:buNone/>
             </a:pPr>
             <a:endParaRPr b="0" lang="pt-BR" sz="1600" spc="-1" strike="noStrike">
               <a:latin typeface="Arial"/>
@@ -12152,7 +9863,7 @@
       </p:sp>
       <p:pic>
         <p:nvPicPr>
-          <p:cNvPr id="210" name="" descr=""/>
+          <p:cNvPr id="171" name="" descr=""/>
           <p:cNvPicPr/>
           <p:nvPr/>
         </p:nvPicPr>
@@ -12163,7 +9874,7 @@
         <p:spPr>
           <a:xfrm>
             <a:off x="408600" y="3585960"/>
-            <a:ext cx="8771400" cy="2354040"/>
+            <a:ext cx="8771040" cy="2353680"/>
           </a:xfrm>
           <a:prstGeom prst="rect">
             <a:avLst/>
@@ -12205,14 +9916,14 @@
       </p:grpSpPr>
       <p:sp>
         <p:nvSpPr>
-          <p:cNvPr id="211" name="CustomShape 60"/>
+          <p:cNvPr id="172" name="CustomShape 60"/>
           <p:cNvSpPr/>
           <p:nvPr/>
         </p:nvSpPr>
         <p:spPr>
           <a:xfrm>
             <a:off x="360000" y="360000"/>
-            <a:ext cx="9348840" cy="888840"/>
+            <a:ext cx="9348480" cy="888480"/>
           </a:xfrm>
           <a:prstGeom prst="rect">
             <a:avLst/>
@@ -12257,14 +9968,14 @@
       </p:sp>
       <p:sp>
         <p:nvSpPr>
-          <p:cNvPr id="212" name="CustomShape 61"/>
+          <p:cNvPr id="173" name="CustomShape 61"/>
           <p:cNvSpPr/>
           <p:nvPr/>
         </p:nvSpPr>
         <p:spPr>
           <a:xfrm>
             <a:off x="360000" y="1980000"/>
-            <a:ext cx="9168840" cy="4668840"/>
+            <a:ext cx="9168480" cy="4668480"/>
           </a:xfrm>
           <a:prstGeom prst="rect">
             <a:avLst/>
@@ -12316,14 +10027,14 @@
       </p:sp>
       <p:sp>
         <p:nvSpPr>
-          <p:cNvPr id="213" name="CustomShape 62"/>
+          <p:cNvPr id="174" name="CustomShape 62"/>
           <p:cNvSpPr/>
           <p:nvPr/>
         </p:nvSpPr>
         <p:spPr>
           <a:xfrm>
             <a:off x="897120" y="6886080"/>
-            <a:ext cx="6436080" cy="353880"/>
+            <a:ext cx="6435720" cy="353520"/>
           </a:xfrm>
           <a:prstGeom prst="rect">
             <a:avLst/>
@@ -12368,14 +10079,14 @@
       </p:sp>
       <p:sp>
         <p:nvSpPr>
-          <p:cNvPr id="214" name="CustomShape 63"/>
+          <p:cNvPr id="175" name="CustomShape 63"/>
           <p:cNvSpPr/>
           <p:nvPr/>
         </p:nvSpPr>
         <p:spPr>
           <a:xfrm>
             <a:off x="7608600" y="6886080"/>
-            <a:ext cx="2274120" cy="353880"/>
+            <a:ext cx="2273760" cy="353520"/>
           </a:xfrm>
           <a:prstGeom prst="rect">
             <a:avLst/>
@@ -12420,14 +10131,14 @@
       </p:sp>
       <p:sp>
         <p:nvSpPr>
-          <p:cNvPr id="215" name=""/>
+          <p:cNvPr id="176" name=""/>
           <p:cNvSpPr/>
           <p:nvPr/>
         </p:nvSpPr>
         <p:spPr>
           <a:xfrm>
             <a:off x="342360" y="1529280"/>
-            <a:ext cx="9375120" cy="5358600"/>
+            <a:ext cx="9374760" cy="5358240"/>
           </a:xfrm>
           <a:prstGeom prst="rect">
             <a:avLst/>
@@ -12473,17 +10184,7 @@
                 <a:latin typeface="Latin Modern Sans"/>
                 <a:ea typeface="DejaVu Sans"/>
               </a:rPr>
-              <a:t>Sunn</a:t>
-            </a:r>
-            <a:r>
-              <a:rPr b="0" lang="pt-BR" sz="1600" spc="-1" strike="noStrike">
-                <a:solidFill>
-                  <a:srgbClr val="1c1c1c"/>
-                </a:solidFill>
-                <a:latin typeface="Latin Modern Sans"/>
-                <a:ea typeface="DejaVu Sans"/>
-              </a:rPr>
-              <a:t>y:</a:t>
+              <a:t>Sunny:</a:t>
             </a:r>
             <a:endParaRPr b="0" lang="pt-BR" sz="1600" spc="-1" strike="noStrike">
               <a:latin typeface="Arial"/>
@@ -12525,8 +10226,30 @@
                 <a:latin typeface="Latin Modern Sans"/>
                 <a:ea typeface="DejaVu Sans"/>
               </a:rPr>
-              <a:t>Win</a:t>
+              <a:t>Windy’ é determinante</a:t>
             </a:r>
+            <a:endParaRPr b="0" lang="pt-BR" sz="1600" spc="-1" strike="noStrike">
+              <a:latin typeface="Arial"/>
+            </a:endParaRPr>
+          </a:p>
+          <a:p>
+            <a:pPr>
+              <a:lnSpc>
+                <a:spcPct val="100000"/>
+              </a:lnSpc>
+              <a:buNone/>
+            </a:pPr>
+            <a:endParaRPr b="0" lang="pt-BR" sz="1600" spc="-1" strike="noStrike">
+              <a:latin typeface="Arial"/>
+            </a:endParaRPr>
+          </a:p>
+          <a:p>
+            <a:pPr>
+              <a:lnSpc>
+                <a:spcPct val="100000"/>
+              </a:lnSpc>
+              <a:buNone/>
+            </a:pPr>
             <a:r>
               <a:rPr b="0" lang="pt-BR" sz="1600" spc="-1" strike="noStrike">
                 <a:solidFill>
@@ -12535,8 +10258,30 @@
                 <a:latin typeface="Latin Modern Sans"/>
                 <a:ea typeface="DejaVu Sans"/>
               </a:rPr>
-              <a:t>dy’ é </a:t>
+              <a:t>Maior SDR</a:t>
             </a:r>
+            <a:endParaRPr b="0" lang="pt-BR" sz="1600" spc="-1" strike="noStrike">
+              <a:latin typeface="Arial"/>
+            </a:endParaRPr>
+          </a:p>
+          <a:p>
+            <a:pPr>
+              <a:lnSpc>
+                <a:spcPct val="100000"/>
+              </a:lnSpc>
+              <a:buNone/>
+            </a:pPr>
+            <a:endParaRPr b="0" lang="pt-BR" sz="1600" spc="-1" strike="noStrike">
+              <a:latin typeface="Arial"/>
+            </a:endParaRPr>
+          </a:p>
+          <a:p>
+            <a:pPr>
+              <a:lnSpc>
+                <a:spcPct val="100000"/>
+              </a:lnSpc>
+              <a:buNone/>
+            </a:pPr>
             <a:r>
               <a:rPr b="0" lang="pt-BR" sz="1600" spc="-1" strike="noStrike">
                 <a:solidFill>
@@ -12545,309 +10290,150 @@
                 <a:latin typeface="Latin Modern Sans"/>
                 <a:ea typeface="DejaVu Sans"/>
               </a:rPr>
-              <a:t>deter</a:t>
+              <a:t>CV &gt; 8% ou count &lt;= 3</a:t>
             </a:r>
-            <a:r>
-              <a:rPr b="0" lang="pt-BR" sz="1600" spc="-1" strike="noStrike">
-                <a:solidFill>
-                  <a:srgbClr val="1c1c1c"/>
-                </a:solidFill>
-                <a:latin typeface="Latin Modern Sans"/>
-                <a:ea typeface="DejaVu Sans"/>
-              </a:rPr>
-              <a:t>mina</a:t>
-            </a:r>
-            <a:r>
-              <a:rPr b="0" lang="pt-BR" sz="1600" spc="-1" strike="noStrike">
-                <a:solidFill>
-                  <a:srgbClr val="1c1c1c"/>
-                </a:solidFill>
-                <a:latin typeface="Latin Modern Sans"/>
-                <a:ea typeface="DejaVu Sans"/>
-              </a:rPr>
-              <a:t>nte</a:t>
-            </a:r>
-            <a:endParaRPr b="0" lang="pt-BR" sz="1600" spc="-1" strike="noStrike">
-              <a:latin typeface="Arial"/>
-            </a:endParaRPr>
-          </a:p>
-          <a:p>
-            <a:pPr>
-              <a:lnSpc>
-                <a:spcPct val="100000"/>
-              </a:lnSpc>
-              <a:buNone/>
-            </a:pPr>
-            <a:endParaRPr b="0" lang="pt-BR" sz="1600" spc="-1" strike="noStrike">
-              <a:latin typeface="Arial"/>
-            </a:endParaRPr>
-          </a:p>
-          <a:p>
-            <a:pPr>
-              <a:lnSpc>
-                <a:spcPct val="100000"/>
-              </a:lnSpc>
-              <a:buNone/>
-            </a:pPr>
-            <a:r>
-              <a:rPr b="0" lang="pt-BR" sz="1600" spc="-1" strike="noStrike">
-                <a:solidFill>
-                  <a:srgbClr val="1c1c1c"/>
-                </a:solidFill>
-                <a:latin typeface="Latin Modern Sans"/>
-                <a:ea typeface="DejaVu Sans"/>
-              </a:rPr>
-              <a:t>Maio</a:t>
-            </a:r>
-            <a:r>
-              <a:rPr b="0" lang="pt-BR" sz="1600" spc="-1" strike="noStrike">
-                <a:solidFill>
-                  <a:srgbClr val="1c1c1c"/>
-                </a:solidFill>
-                <a:latin typeface="Latin Modern Sans"/>
-                <a:ea typeface="DejaVu Sans"/>
-              </a:rPr>
-              <a:t>r </a:t>
-            </a:r>
-            <a:r>
-              <a:rPr b="0" lang="pt-BR" sz="1600" spc="-1" strike="noStrike">
-                <a:solidFill>
-                  <a:srgbClr val="1c1c1c"/>
-                </a:solidFill>
-                <a:latin typeface="Latin Modern Sans"/>
-                <a:ea typeface="DejaVu Sans"/>
-              </a:rPr>
-              <a:t>SDR</a:t>
-            </a:r>
-            <a:endParaRPr b="0" lang="pt-BR" sz="1600" spc="-1" strike="noStrike">
-              <a:latin typeface="Arial"/>
-            </a:endParaRPr>
-          </a:p>
-          <a:p>
-            <a:pPr>
-              <a:lnSpc>
-                <a:spcPct val="100000"/>
-              </a:lnSpc>
-              <a:buNone/>
-            </a:pPr>
-            <a:endParaRPr b="0" lang="pt-BR" sz="1600" spc="-1" strike="noStrike">
-              <a:latin typeface="Arial"/>
-            </a:endParaRPr>
-          </a:p>
-          <a:p>
-            <a:pPr>
-              <a:lnSpc>
-                <a:spcPct val="100000"/>
-              </a:lnSpc>
-              <a:buNone/>
-            </a:pPr>
-            <a:r>
-              <a:rPr b="0" lang="pt-BR" sz="1600" spc="-1" strike="noStrike">
-                <a:solidFill>
-                  <a:srgbClr val="1c1c1c"/>
-                </a:solidFill>
-                <a:latin typeface="Latin Modern Sans"/>
-                <a:ea typeface="DejaVu Sans"/>
-              </a:rPr>
-              <a:t>CV &gt; </a:t>
-            </a:r>
-            <a:r>
-              <a:rPr b="0" lang="pt-BR" sz="1600" spc="-1" strike="noStrike">
-                <a:solidFill>
-                  <a:srgbClr val="1c1c1c"/>
-                </a:solidFill>
-                <a:latin typeface="Latin Modern Sans"/>
-                <a:ea typeface="DejaVu Sans"/>
-              </a:rPr>
-              <a:t>8% </a:t>
-            </a:r>
-            <a:r>
-              <a:rPr b="0" lang="pt-BR" sz="1600" spc="-1" strike="noStrike">
-                <a:solidFill>
-                  <a:srgbClr val="1c1c1c"/>
-                </a:solidFill>
-                <a:latin typeface="Latin Modern Sans"/>
-                <a:ea typeface="DejaVu Sans"/>
-              </a:rPr>
-              <a:t>ou </a:t>
-            </a:r>
-            <a:r>
-              <a:rPr b="0" lang="pt-BR" sz="1600" spc="-1" strike="noStrike">
-                <a:solidFill>
-                  <a:srgbClr val="1c1c1c"/>
-                </a:solidFill>
-                <a:latin typeface="Latin Modern Sans"/>
-                <a:ea typeface="DejaVu Sans"/>
-              </a:rPr>
-              <a:t>coun</a:t>
-            </a:r>
-            <a:r>
-              <a:rPr b="0" lang="pt-BR" sz="1600" spc="-1" strike="noStrike">
-                <a:solidFill>
-                  <a:srgbClr val="1c1c1c"/>
-                </a:solidFill>
-                <a:latin typeface="Latin Modern Sans"/>
-                <a:ea typeface="DejaVu Sans"/>
-              </a:rPr>
-              <a:t>t &lt;= </a:t>
-            </a:r>
-            <a:r>
-              <a:rPr b="0" lang="pt-BR" sz="1600" spc="-1" strike="noStrike">
-                <a:solidFill>
-                  <a:srgbClr val="1c1c1c"/>
-                </a:solidFill>
-                <a:latin typeface="Latin Modern Sans"/>
-                <a:ea typeface="DejaVu Sans"/>
-              </a:rPr>
-              <a:t>3</a:t>
-            </a:r>
-            <a:endParaRPr b="0" lang="pt-BR" sz="1600" spc="-1" strike="noStrike">
-              <a:latin typeface="Arial"/>
-            </a:endParaRPr>
-          </a:p>
-          <a:p>
-            <a:pPr>
-              <a:lnSpc>
-                <a:spcPct val="100000"/>
-              </a:lnSpc>
-              <a:buNone/>
-            </a:pPr>
-            <a:endParaRPr b="0" lang="pt-BR" sz="1600" spc="-1" strike="noStrike">
-              <a:latin typeface="Arial"/>
-            </a:endParaRPr>
-          </a:p>
-          <a:p>
-            <a:pPr>
-              <a:lnSpc>
-                <a:spcPct val="100000"/>
-              </a:lnSpc>
-              <a:buNone/>
-            </a:pPr>
-            <a:endParaRPr b="0" lang="pt-BR" sz="1600" spc="-1" strike="noStrike">
-              <a:latin typeface="Arial"/>
-            </a:endParaRPr>
-          </a:p>
-          <a:p>
-            <a:pPr>
-              <a:lnSpc>
-                <a:spcPct val="100000"/>
-              </a:lnSpc>
-              <a:buNone/>
-            </a:pPr>
-            <a:endParaRPr b="0" lang="pt-BR" sz="1600" spc="-1" strike="noStrike">
-              <a:latin typeface="Arial"/>
-            </a:endParaRPr>
-          </a:p>
-          <a:p>
-            <a:pPr>
-              <a:lnSpc>
-                <a:spcPct val="100000"/>
-              </a:lnSpc>
-              <a:buNone/>
-            </a:pPr>
-            <a:endParaRPr b="0" lang="pt-BR" sz="1600" spc="-1" strike="noStrike">
-              <a:latin typeface="Arial"/>
-            </a:endParaRPr>
-          </a:p>
-          <a:p>
-            <a:pPr>
-              <a:lnSpc>
-                <a:spcPct val="100000"/>
-              </a:lnSpc>
-              <a:buNone/>
-            </a:pPr>
-            <a:endParaRPr b="0" lang="pt-BR" sz="1600" spc="-1" strike="noStrike">
-              <a:latin typeface="Arial"/>
-            </a:endParaRPr>
-          </a:p>
-          <a:p>
-            <a:pPr>
-              <a:lnSpc>
-                <a:spcPct val="100000"/>
-              </a:lnSpc>
-              <a:buNone/>
-            </a:pPr>
-            <a:endParaRPr b="0" lang="pt-BR" sz="1600" spc="-1" strike="noStrike">
-              <a:latin typeface="Arial"/>
-            </a:endParaRPr>
-          </a:p>
-          <a:p>
-            <a:pPr>
-              <a:lnSpc>
-                <a:spcPct val="100000"/>
-              </a:lnSpc>
-              <a:buNone/>
-            </a:pPr>
-            <a:endParaRPr b="0" lang="pt-BR" sz="1600" spc="-1" strike="noStrike">
-              <a:latin typeface="Arial"/>
-            </a:endParaRPr>
-          </a:p>
-          <a:p>
-            <a:pPr>
-              <a:lnSpc>
-                <a:spcPct val="100000"/>
-              </a:lnSpc>
-              <a:buNone/>
-            </a:pPr>
-            <a:endParaRPr b="0" lang="pt-BR" sz="1600" spc="-1" strike="noStrike">
-              <a:latin typeface="Arial"/>
-            </a:endParaRPr>
-          </a:p>
-          <a:p>
-            <a:pPr>
-              <a:lnSpc>
-                <a:spcPct val="100000"/>
-              </a:lnSpc>
-              <a:buNone/>
-            </a:pPr>
-            <a:endParaRPr b="0" lang="pt-BR" sz="1600" spc="-1" strike="noStrike">
-              <a:latin typeface="Arial"/>
-            </a:endParaRPr>
-          </a:p>
-          <a:p>
-            <a:pPr>
-              <a:lnSpc>
-                <a:spcPct val="100000"/>
-              </a:lnSpc>
-              <a:buNone/>
-            </a:pPr>
-            <a:endParaRPr b="0" lang="pt-BR" sz="1600" spc="-1" strike="noStrike">
-              <a:latin typeface="Arial"/>
-            </a:endParaRPr>
-          </a:p>
-          <a:p>
-            <a:pPr>
-              <a:lnSpc>
-                <a:spcPct val="100000"/>
-              </a:lnSpc>
-              <a:buNone/>
-            </a:pPr>
-            <a:endParaRPr b="0" lang="pt-BR" sz="1600" spc="-1" strike="noStrike">
-              <a:latin typeface="Arial"/>
-            </a:endParaRPr>
-          </a:p>
-          <a:p>
-            <a:pPr>
-              <a:lnSpc>
-                <a:spcPct val="100000"/>
-              </a:lnSpc>
-              <a:buNone/>
-            </a:pPr>
-            <a:endParaRPr b="0" lang="pt-BR" sz="1600" spc="-1" strike="noStrike">
-              <a:latin typeface="Arial"/>
-            </a:endParaRPr>
-          </a:p>
-          <a:p>
-            <a:pPr lvl="1" marL="432000" indent="-216000">
-              <a:lnSpc>
-                <a:spcPct val="100000"/>
-              </a:lnSpc>
-              <a:buClr>
-                <a:srgbClr val="000000"/>
-              </a:buClr>
-              <a:buSzPct val="45000"/>
-              <a:buFont typeface="Wingdings" charset="2"/>
-              <a:buChar char=""/>
+            <a:endParaRPr b="0" lang="pt-BR" sz="1600" spc="-1" strike="noStrike">
+              <a:latin typeface="Arial"/>
+            </a:endParaRPr>
+          </a:p>
+          <a:p>
+            <a:pPr>
+              <a:lnSpc>
+                <a:spcPct val="100000"/>
+              </a:lnSpc>
+              <a:buNone/>
+            </a:pPr>
+            <a:endParaRPr b="0" lang="pt-BR" sz="1600" spc="-1" strike="noStrike">
+              <a:latin typeface="Arial"/>
+            </a:endParaRPr>
+          </a:p>
+          <a:p>
+            <a:pPr>
+              <a:lnSpc>
+                <a:spcPct val="100000"/>
+              </a:lnSpc>
+              <a:buNone/>
+            </a:pPr>
+            <a:endParaRPr b="0" lang="pt-BR" sz="1600" spc="-1" strike="noStrike">
+              <a:latin typeface="Arial"/>
+            </a:endParaRPr>
+          </a:p>
+          <a:p>
+            <a:pPr>
+              <a:lnSpc>
+                <a:spcPct val="100000"/>
+              </a:lnSpc>
+              <a:buNone/>
+            </a:pPr>
+            <a:endParaRPr b="0" lang="pt-BR" sz="1600" spc="-1" strike="noStrike">
+              <a:latin typeface="Arial"/>
+            </a:endParaRPr>
+          </a:p>
+          <a:p>
+            <a:pPr>
+              <a:lnSpc>
+                <a:spcPct val="100000"/>
+              </a:lnSpc>
+              <a:buNone/>
+            </a:pPr>
+            <a:endParaRPr b="0" lang="pt-BR" sz="1600" spc="-1" strike="noStrike">
+              <a:latin typeface="Arial"/>
+            </a:endParaRPr>
+          </a:p>
+          <a:p>
+            <a:pPr>
+              <a:lnSpc>
+                <a:spcPct val="100000"/>
+              </a:lnSpc>
+              <a:buNone/>
+            </a:pPr>
+            <a:endParaRPr b="0" lang="pt-BR" sz="1600" spc="-1" strike="noStrike">
+              <a:latin typeface="Arial"/>
+            </a:endParaRPr>
+          </a:p>
+          <a:p>
+            <a:pPr>
+              <a:lnSpc>
+                <a:spcPct val="100000"/>
+              </a:lnSpc>
+              <a:buNone/>
+            </a:pPr>
+            <a:endParaRPr b="0" lang="pt-BR" sz="1600" spc="-1" strike="noStrike">
+              <a:latin typeface="Arial"/>
+            </a:endParaRPr>
+          </a:p>
+          <a:p>
+            <a:pPr>
+              <a:lnSpc>
+                <a:spcPct val="100000"/>
+              </a:lnSpc>
+              <a:buNone/>
+            </a:pPr>
+            <a:endParaRPr b="0" lang="pt-BR" sz="1600" spc="-1" strike="noStrike">
+              <a:latin typeface="Arial"/>
+            </a:endParaRPr>
+          </a:p>
+          <a:p>
+            <a:pPr>
+              <a:lnSpc>
+                <a:spcPct val="100000"/>
+              </a:lnSpc>
+              <a:buNone/>
+            </a:pPr>
+            <a:endParaRPr b="0" lang="pt-BR" sz="1600" spc="-1" strike="noStrike">
+              <a:latin typeface="Arial"/>
+            </a:endParaRPr>
+          </a:p>
+          <a:p>
+            <a:pPr>
+              <a:lnSpc>
+                <a:spcPct val="100000"/>
+              </a:lnSpc>
+              <a:buNone/>
+            </a:pPr>
+            <a:endParaRPr b="0" lang="pt-BR" sz="1600" spc="-1" strike="noStrike">
+              <a:latin typeface="Arial"/>
+            </a:endParaRPr>
+          </a:p>
+          <a:p>
+            <a:pPr>
+              <a:lnSpc>
+                <a:spcPct val="100000"/>
+              </a:lnSpc>
+              <a:buNone/>
+            </a:pPr>
+            <a:endParaRPr b="0" lang="pt-BR" sz="1600" spc="-1" strike="noStrike">
+              <a:latin typeface="Arial"/>
+            </a:endParaRPr>
+          </a:p>
+          <a:p>
+            <a:pPr>
+              <a:lnSpc>
+                <a:spcPct val="100000"/>
+              </a:lnSpc>
+              <a:buNone/>
+            </a:pPr>
+            <a:endParaRPr b="0" lang="pt-BR" sz="1600" spc="-1" strike="noStrike">
+              <a:latin typeface="Arial"/>
+            </a:endParaRPr>
+          </a:p>
+          <a:p>
+            <a:pPr>
+              <a:lnSpc>
+                <a:spcPct val="100000"/>
+              </a:lnSpc>
+              <a:buNone/>
+            </a:pPr>
+            <a:endParaRPr b="0" lang="pt-BR" sz="1600" spc="-1" strike="noStrike">
+              <a:latin typeface="Arial"/>
+            </a:endParaRPr>
+          </a:p>
+          <a:p>
+            <a:pPr>
+              <a:lnSpc>
+                <a:spcPct val="100000"/>
+              </a:lnSpc>
+              <a:buNone/>
             </a:pPr>
             <a:endParaRPr b="0" lang="pt-BR" sz="1600" spc="-1" strike="noStrike">
               <a:latin typeface="Arial"/>
@@ -13143,7 +10729,7 @@
       </p:sp>
       <p:pic>
         <p:nvPicPr>
-          <p:cNvPr id="216" name="" descr=""/>
+          <p:cNvPr id="177" name="" descr=""/>
           <p:cNvPicPr/>
           <p:nvPr/>
         </p:nvPicPr>
@@ -13154,7 +10740,7 @@
         <p:spPr>
           <a:xfrm>
             <a:off x="3240000" y="867960"/>
-            <a:ext cx="5940000" cy="3272040"/>
+            <a:ext cx="5939640" cy="3271680"/>
           </a:xfrm>
           <a:prstGeom prst="rect">
             <a:avLst/>
@@ -13166,7 +10752,7 @@
       </p:pic>
       <p:pic>
         <p:nvPicPr>
-          <p:cNvPr id="217" name="" descr=""/>
+          <p:cNvPr id="178" name="" descr=""/>
           <p:cNvPicPr/>
           <p:nvPr/>
         </p:nvPicPr>
@@ -13177,7 +10763,7 @@
         <p:spPr>
           <a:xfrm>
             <a:off x="360000" y="3960000"/>
-            <a:ext cx="5652000" cy="2688840"/>
+            <a:ext cx="5651640" cy="2688480"/>
           </a:xfrm>
           <a:prstGeom prst="rect">
             <a:avLst/>
@@ -13219,7 +10805,7 @@
       </p:grpSpPr>
       <p:pic>
         <p:nvPicPr>
-          <p:cNvPr id="218" name="" descr=""/>
+          <p:cNvPr id="179" name="" descr=""/>
           <p:cNvPicPr/>
           <p:nvPr/>
         </p:nvPicPr>
@@ -13230,7 +10816,7 @@
         <p:spPr>
           <a:xfrm>
             <a:off x="342360" y="3780000"/>
-            <a:ext cx="6300000" cy="2876400"/>
+            <a:ext cx="6299640" cy="2876040"/>
           </a:xfrm>
           <a:prstGeom prst="rect">
             <a:avLst/>
@@ -13242,14 +10828,14 @@
       </p:pic>
       <p:sp>
         <p:nvSpPr>
-          <p:cNvPr id="219" name="CustomShape 65"/>
+          <p:cNvPr id="180" name="CustomShape 65"/>
           <p:cNvSpPr/>
           <p:nvPr/>
         </p:nvSpPr>
         <p:spPr>
           <a:xfrm>
             <a:off x="360000" y="360000"/>
-            <a:ext cx="9348840" cy="888840"/>
+            <a:ext cx="9348480" cy="888480"/>
           </a:xfrm>
           <a:prstGeom prst="rect">
             <a:avLst/>
@@ -13294,14 +10880,14 @@
       </p:sp>
       <p:sp>
         <p:nvSpPr>
-          <p:cNvPr id="220" name="CustomShape 66"/>
+          <p:cNvPr id="181" name="CustomShape 66"/>
           <p:cNvSpPr/>
           <p:nvPr/>
         </p:nvSpPr>
         <p:spPr>
           <a:xfrm>
             <a:off x="360000" y="1980000"/>
-            <a:ext cx="9168840" cy="4668840"/>
+            <a:ext cx="9168480" cy="4668480"/>
           </a:xfrm>
           <a:prstGeom prst="rect">
             <a:avLst/>
@@ -13353,14 +10939,14 @@
       </p:sp>
       <p:sp>
         <p:nvSpPr>
-          <p:cNvPr id="221" name="CustomShape 67"/>
+          <p:cNvPr id="182" name="CustomShape 67"/>
           <p:cNvSpPr/>
           <p:nvPr/>
         </p:nvSpPr>
         <p:spPr>
           <a:xfrm>
             <a:off x="897120" y="6886080"/>
-            <a:ext cx="6436080" cy="353880"/>
+            <a:ext cx="6435720" cy="353520"/>
           </a:xfrm>
           <a:prstGeom prst="rect">
             <a:avLst/>
@@ -13405,14 +10991,14 @@
       </p:sp>
       <p:sp>
         <p:nvSpPr>
-          <p:cNvPr id="222" name="CustomShape 68"/>
+          <p:cNvPr id="183" name="CustomShape 68"/>
           <p:cNvSpPr/>
           <p:nvPr/>
         </p:nvSpPr>
         <p:spPr>
           <a:xfrm>
             <a:off x="7608600" y="6886080"/>
-            <a:ext cx="2274120" cy="353880"/>
+            <a:ext cx="2273760" cy="353520"/>
           </a:xfrm>
           <a:prstGeom prst="rect">
             <a:avLst/>
@@ -13457,14 +11043,14 @@
       </p:sp>
       <p:sp>
         <p:nvSpPr>
-          <p:cNvPr id="223" name=""/>
+          <p:cNvPr id="184" name=""/>
           <p:cNvSpPr/>
           <p:nvPr/>
         </p:nvSpPr>
         <p:spPr>
           <a:xfrm>
             <a:off x="342360" y="1529280"/>
-            <a:ext cx="9375120" cy="5358600"/>
+            <a:ext cx="9374760" cy="5358240"/>
           </a:xfrm>
           <a:prstGeom prst="rect">
             <a:avLst/>
@@ -13733,16 +11319,11 @@
             </a:endParaRPr>
           </a:p>
           <a:p>
-            <a:pPr lvl="1" marL="432000" indent="-216000">
-              <a:lnSpc>
-                <a:spcPct val="100000"/>
-              </a:lnSpc>
-              <a:buClr>
-                <a:srgbClr val="000000"/>
-              </a:buClr>
-              <a:buSzPct val="45000"/>
-              <a:buFont typeface="Wingdings" charset="2"/>
-              <a:buChar char=""/>
+            <a:pPr>
+              <a:lnSpc>
+                <a:spcPct val="100000"/>
+              </a:lnSpc>
+              <a:buNone/>
             </a:pPr>
             <a:endParaRPr b="0" lang="pt-BR" sz="1600" spc="-1" strike="noStrike">
               <a:latin typeface="Arial"/>
@@ -14038,7 +11619,7 @@
       </p:sp>
       <p:pic>
         <p:nvPicPr>
-          <p:cNvPr id="224" name="" descr=""/>
+          <p:cNvPr id="185" name="" descr=""/>
           <p:cNvPicPr/>
           <p:nvPr/>
         </p:nvPicPr>
@@ -14049,7 +11630,7 @@
         <p:spPr>
           <a:xfrm>
             <a:off x="3361680" y="900000"/>
-            <a:ext cx="6167160" cy="3488040"/>
+            <a:ext cx="6166800" cy="3487680"/>
           </a:xfrm>
           <a:prstGeom prst="rect">
             <a:avLst/>
@@ -14091,14 +11672,14 @@
       </p:grpSpPr>
       <p:sp>
         <p:nvSpPr>
-          <p:cNvPr id="225" name="CustomShape 70"/>
+          <p:cNvPr id="186" name="CustomShape 70"/>
           <p:cNvSpPr/>
           <p:nvPr/>
         </p:nvSpPr>
         <p:spPr>
           <a:xfrm>
             <a:off x="360000" y="360000"/>
-            <a:ext cx="9348840" cy="888840"/>
+            <a:ext cx="9348480" cy="888480"/>
           </a:xfrm>
           <a:prstGeom prst="rect">
             <a:avLst/>
@@ -14143,14 +11724,14 @@
       </p:sp>
       <p:sp>
         <p:nvSpPr>
-          <p:cNvPr id="226" name="CustomShape 71"/>
+          <p:cNvPr id="187" name="CustomShape 71"/>
           <p:cNvSpPr/>
           <p:nvPr/>
         </p:nvSpPr>
         <p:spPr>
           <a:xfrm>
             <a:off x="360000" y="1980000"/>
-            <a:ext cx="9168840" cy="4668840"/>
+            <a:ext cx="9168480" cy="4668480"/>
           </a:xfrm>
           <a:prstGeom prst="rect">
             <a:avLst/>
@@ -14202,14 +11783,14 @@
       </p:sp>
       <p:sp>
         <p:nvSpPr>
-          <p:cNvPr id="227" name="CustomShape 72"/>
+          <p:cNvPr id="188" name="CustomShape 72"/>
           <p:cNvSpPr/>
           <p:nvPr/>
         </p:nvSpPr>
         <p:spPr>
           <a:xfrm>
             <a:off x="897120" y="6886080"/>
-            <a:ext cx="6436080" cy="353880"/>
+            <a:ext cx="6435720" cy="353520"/>
           </a:xfrm>
           <a:prstGeom prst="rect">
             <a:avLst/>
@@ -14254,14 +11835,14 @@
       </p:sp>
       <p:sp>
         <p:nvSpPr>
-          <p:cNvPr id="228" name="CustomShape 73"/>
+          <p:cNvPr id="189" name="CustomShape 73"/>
           <p:cNvSpPr/>
           <p:nvPr/>
         </p:nvSpPr>
         <p:spPr>
           <a:xfrm>
             <a:off x="7608600" y="6886080"/>
-            <a:ext cx="2274120" cy="353880"/>
+            <a:ext cx="2273760" cy="353520"/>
           </a:xfrm>
           <a:prstGeom prst="rect">
             <a:avLst/>
@@ -14306,14 +11887,14 @@
       </p:sp>
       <p:sp>
         <p:nvSpPr>
-          <p:cNvPr id="229" name=""/>
+          <p:cNvPr id="190" name=""/>
           <p:cNvSpPr/>
           <p:nvPr/>
         </p:nvSpPr>
         <p:spPr>
           <a:xfrm>
             <a:off x="342360" y="1529280"/>
-            <a:ext cx="9375120" cy="5358600"/>
+            <a:ext cx="9374760" cy="5358240"/>
           </a:xfrm>
           <a:prstGeom prst="rect">
             <a:avLst/>
@@ -14477,16 +12058,11 @@
             </a:endParaRPr>
           </a:p>
           <a:p>
-            <a:pPr lvl="1" marL="432000" indent="-216000">
-              <a:lnSpc>
-                <a:spcPct val="100000"/>
-              </a:lnSpc>
-              <a:buClr>
-                <a:srgbClr val="000000"/>
-              </a:buClr>
-              <a:buSzPct val="45000"/>
-              <a:buFont typeface="Wingdings" charset="2"/>
-              <a:buChar char=""/>
+            <a:pPr>
+              <a:lnSpc>
+                <a:spcPct val="100000"/>
+              </a:lnSpc>
+              <a:buNone/>
             </a:pPr>
             <a:endParaRPr b="0" lang="pt-BR" sz="1600" spc="-1" strike="noStrike">
               <a:latin typeface="Arial"/>
@@ -14782,7 +12358,7 @@
       </p:sp>
       <p:pic>
         <p:nvPicPr>
-          <p:cNvPr id="230" name="" descr=""/>
+          <p:cNvPr id="191" name="" descr=""/>
           <p:cNvPicPr/>
           <p:nvPr/>
         </p:nvPicPr>
@@ -14793,7 +12369,7 @@
         <p:spPr>
           <a:xfrm>
             <a:off x="2160000" y="2038680"/>
-            <a:ext cx="5858280" cy="4261320"/>
+            <a:ext cx="5857920" cy="4260960"/>
           </a:xfrm>
           <a:prstGeom prst="rect">
             <a:avLst/>
@@ -14835,14 +12411,14 @@
       </p:grpSpPr>
       <p:sp>
         <p:nvSpPr>
-          <p:cNvPr id="231" name="CustomShape 80"/>
+          <p:cNvPr id="192" name="CustomShape 80"/>
           <p:cNvSpPr/>
           <p:nvPr/>
         </p:nvSpPr>
         <p:spPr>
           <a:xfrm>
             <a:off x="360000" y="360000"/>
-            <a:ext cx="9348840" cy="888840"/>
+            <a:ext cx="9348480" cy="888480"/>
           </a:xfrm>
           <a:prstGeom prst="rect">
             <a:avLst/>
@@ -14877,157 +12453,7 @@
                 <a:latin typeface="Source Sans Pro Black"/>
                 <a:ea typeface="DejaVu Sans"/>
               </a:rPr>
-              <a:t>R</a:t>
-            </a:r>
-            <a:r>
-              <a:rPr b="1" lang="pt-BR" sz="2600" spc="-1" strike="noStrike">
-                <a:solidFill>
-                  <a:srgbClr val="ffffff"/>
-                </a:solidFill>
-                <a:latin typeface="Source Sans Pro Black"/>
-                <a:ea typeface="DejaVu Sans"/>
-              </a:rPr>
-              <a:t>e</a:t>
-            </a:r>
-            <a:r>
-              <a:rPr b="1" lang="pt-BR" sz="2600" spc="-1" strike="noStrike">
-                <a:solidFill>
-                  <a:srgbClr val="ffffff"/>
-                </a:solidFill>
-                <a:latin typeface="Source Sans Pro Black"/>
-                <a:ea typeface="DejaVu Sans"/>
-              </a:rPr>
-              <a:t>g</a:t>
-            </a:r>
-            <a:r>
-              <a:rPr b="1" lang="pt-BR" sz="2600" spc="-1" strike="noStrike">
-                <a:solidFill>
-                  <a:srgbClr val="ffffff"/>
-                </a:solidFill>
-                <a:latin typeface="Source Sans Pro Black"/>
-                <a:ea typeface="DejaVu Sans"/>
-              </a:rPr>
-              <a:t>r</a:t>
-            </a:r>
-            <a:r>
-              <a:rPr b="1" lang="pt-BR" sz="2600" spc="-1" strike="noStrike">
-                <a:solidFill>
-                  <a:srgbClr val="ffffff"/>
-                </a:solidFill>
-                <a:latin typeface="Source Sans Pro Black"/>
-                <a:ea typeface="DejaVu Sans"/>
-              </a:rPr>
-              <a:t>e</a:t>
-            </a:r>
-            <a:r>
-              <a:rPr b="1" lang="pt-BR" sz="2600" spc="-1" strike="noStrike">
-                <a:solidFill>
-                  <a:srgbClr val="ffffff"/>
-                </a:solidFill>
-                <a:latin typeface="Source Sans Pro Black"/>
-                <a:ea typeface="DejaVu Sans"/>
-              </a:rPr>
-              <a:t>s</a:t>
-            </a:r>
-            <a:r>
-              <a:rPr b="1" lang="pt-BR" sz="2600" spc="-1" strike="noStrike">
-                <a:solidFill>
-                  <a:srgbClr val="ffffff"/>
-                </a:solidFill>
-                <a:latin typeface="Source Sans Pro Black"/>
-                <a:ea typeface="DejaVu Sans"/>
-              </a:rPr>
-              <a:t>s</a:t>
-            </a:r>
-            <a:r>
-              <a:rPr b="1" lang="pt-BR" sz="2600" spc="-1" strike="noStrike">
-                <a:solidFill>
-                  <a:srgbClr val="ffffff"/>
-                </a:solidFill>
-                <a:latin typeface="Source Sans Pro Black"/>
-                <a:ea typeface="DejaVu Sans"/>
-              </a:rPr>
-              <a:t>ã</a:t>
-            </a:r>
-            <a:r>
-              <a:rPr b="1" lang="pt-BR" sz="2600" spc="-1" strike="noStrike">
-                <a:solidFill>
-                  <a:srgbClr val="ffffff"/>
-                </a:solidFill>
-                <a:latin typeface="Source Sans Pro Black"/>
-                <a:ea typeface="DejaVu Sans"/>
-              </a:rPr>
-              <a:t>o</a:t>
-            </a:r>
-            <a:r>
-              <a:rPr b="1" lang="pt-BR" sz="2600" spc="-1" strike="noStrike">
-                <a:solidFill>
-                  <a:srgbClr val="ffffff"/>
-                </a:solidFill>
-                <a:latin typeface="Source Sans Pro Black"/>
-                <a:ea typeface="DejaVu Sans"/>
-              </a:rPr>
-              <a:t> </a:t>
-            </a:r>
-            <a:r>
-              <a:rPr b="1" lang="pt-BR" sz="2600" spc="-1" strike="noStrike">
-                <a:solidFill>
-                  <a:srgbClr val="ffffff"/>
-                </a:solidFill>
-                <a:latin typeface="Source Sans Pro Black"/>
-                <a:ea typeface="DejaVu Sans"/>
-              </a:rPr>
-              <a:t>–</a:t>
-            </a:r>
-            <a:r>
-              <a:rPr b="1" lang="pt-BR" sz="2600" spc="-1" strike="noStrike">
-                <a:solidFill>
-                  <a:srgbClr val="ffffff"/>
-                </a:solidFill>
-                <a:latin typeface="Source Sans Pro Black"/>
-                <a:ea typeface="DejaVu Sans"/>
-              </a:rPr>
-              <a:t> </a:t>
-            </a:r>
-            <a:r>
-              <a:rPr b="1" lang="pt-BR" sz="2600" spc="-1" strike="noStrike">
-                <a:solidFill>
-                  <a:srgbClr val="ffffff"/>
-                </a:solidFill>
-                <a:latin typeface="Source Sans Pro Black"/>
-                <a:ea typeface="DejaVu Sans"/>
-              </a:rPr>
-              <a:t>M</a:t>
-            </a:r>
-            <a:r>
-              <a:rPr b="1" lang="pt-BR" sz="2600" spc="-1" strike="noStrike">
-                <a:solidFill>
-                  <a:srgbClr val="ffffff"/>
-                </a:solidFill>
-                <a:latin typeface="Source Sans Pro Black"/>
-                <a:ea typeface="DejaVu Sans"/>
-              </a:rPr>
-              <a:t>L</a:t>
-            </a:r>
-            <a:r>
-              <a:rPr b="1" lang="pt-BR" sz="2600" spc="-1" strike="noStrike">
-                <a:solidFill>
-                  <a:srgbClr val="ffffff"/>
-                </a:solidFill>
-                <a:latin typeface="Source Sans Pro Black"/>
-                <a:ea typeface="DejaVu Sans"/>
-              </a:rPr>
-              <a:t>P</a:t>
-            </a:r>
-            <a:r>
-              <a:rPr b="1" lang="pt-BR" sz="2600" spc="-1" strike="noStrike">
-                <a:solidFill>
-                  <a:srgbClr val="ffffff"/>
-                </a:solidFill>
-                <a:latin typeface="Source Sans Pro Black"/>
-                <a:ea typeface="DejaVu Sans"/>
-              </a:rPr>
-              <a:t> </a:t>
+              <a:t>Regressão – MLP </a:t>
             </a:r>
             <a:endParaRPr b="0" lang="pt-BR" sz="2600" spc="-1" strike="noStrike">
               <a:latin typeface="Arial"/>
@@ -15037,14 +12463,14 @@
       </p:sp>
       <p:sp>
         <p:nvSpPr>
-          <p:cNvPr id="232" name="CustomShape 81"/>
+          <p:cNvPr id="193" name="CustomShape 81"/>
           <p:cNvSpPr/>
           <p:nvPr/>
         </p:nvSpPr>
         <p:spPr>
           <a:xfrm>
             <a:off x="360000" y="1980000"/>
-            <a:ext cx="9168840" cy="4668840"/>
+            <a:ext cx="9168480" cy="4668480"/>
           </a:xfrm>
           <a:prstGeom prst="rect">
             <a:avLst/>
@@ -15096,14 +12522,14 @@
       </p:sp>
       <p:sp>
         <p:nvSpPr>
-          <p:cNvPr id="233" name="CustomShape 82"/>
+          <p:cNvPr id="194" name="CustomShape 82"/>
           <p:cNvSpPr/>
           <p:nvPr/>
         </p:nvSpPr>
         <p:spPr>
           <a:xfrm>
             <a:off x="897120" y="6886080"/>
-            <a:ext cx="6436080" cy="353880"/>
+            <a:ext cx="6435720" cy="353520"/>
           </a:xfrm>
           <a:prstGeom prst="rect">
             <a:avLst/>
@@ -15138,57 +12564,7 @@
                 <a:latin typeface="Arial"/>
                 <a:ea typeface="DejaVu Sans"/>
               </a:rPr>
-              <a:t>Aprendi</a:t>
-            </a:r>
-            <a:r>
-              <a:rPr b="0" lang="pt-BR" sz="1800" spc="-1" strike="noStrike">
-                <a:solidFill>
-                  <a:srgbClr val="000000"/>
-                </a:solidFill>
-                <a:latin typeface="Arial"/>
-                <a:ea typeface="DejaVu Sans"/>
-              </a:rPr>
-              <a:t>zado de </a:t>
-            </a:r>
-            <a:r>
-              <a:rPr b="0" lang="pt-BR" sz="1800" spc="-1" strike="noStrike">
-                <a:solidFill>
-                  <a:srgbClr val="000000"/>
-                </a:solidFill>
-                <a:latin typeface="Arial"/>
-                <a:ea typeface="DejaVu Sans"/>
-              </a:rPr>
-              <a:t>Máquina </a:t>
-            </a:r>
-            <a:r>
-              <a:rPr b="0" lang="pt-BR" sz="1800" spc="-1" strike="noStrike">
-                <a:solidFill>
-                  <a:srgbClr val="000000"/>
-                </a:solidFill>
-                <a:latin typeface="Arial"/>
-                <a:ea typeface="DejaVu Sans"/>
-              </a:rPr>
-              <a:t>- Prof. </a:t>
-            </a:r>
-            <a:r>
-              <a:rPr b="0" lang="pt-BR" sz="1800" spc="-1" strike="noStrike">
-                <a:solidFill>
-                  <a:srgbClr val="000000"/>
-                </a:solidFill>
-                <a:latin typeface="Arial"/>
-                <a:ea typeface="DejaVu Sans"/>
-              </a:rPr>
-              <a:t>André </a:t>
-            </a:r>
-            <a:r>
-              <a:rPr b="0" lang="pt-BR" sz="1800" spc="-1" strike="noStrike">
-                <a:solidFill>
-                  <a:srgbClr val="000000"/>
-                </a:solidFill>
-                <a:latin typeface="Arial"/>
-                <a:ea typeface="DejaVu Sans"/>
-              </a:rPr>
-              <a:t>Hochuli</a:t>
+              <a:t>Aprendizado de Máquina - Prof. André Hochuli</a:t>
             </a:r>
             <a:endParaRPr b="0" lang="pt-BR" sz="1800" spc="-1" strike="noStrike">
               <a:latin typeface="Arial"/>
@@ -15198,14 +12574,14 @@
       </p:sp>
       <p:sp>
         <p:nvSpPr>
-          <p:cNvPr id="234" name="CustomShape 83"/>
+          <p:cNvPr id="195" name="CustomShape 83"/>
           <p:cNvSpPr/>
           <p:nvPr/>
         </p:nvSpPr>
         <p:spPr>
           <a:xfrm>
             <a:off x="7608600" y="6886080"/>
-            <a:ext cx="2274120" cy="353880"/>
+            <a:ext cx="2273760" cy="353520"/>
           </a:xfrm>
           <a:prstGeom prst="rect">
             <a:avLst/>
@@ -15250,14 +12626,14 @@
       </p:sp>
       <p:sp>
         <p:nvSpPr>
-          <p:cNvPr id="235" name=""/>
+          <p:cNvPr id="196" name=""/>
           <p:cNvSpPr/>
           <p:nvPr/>
         </p:nvSpPr>
         <p:spPr>
           <a:xfrm>
             <a:off x="342360" y="1529280"/>
-            <a:ext cx="9375120" cy="5358600"/>
+            <a:ext cx="9374760" cy="5358240"/>
           </a:xfrm>
           <a:prstGeom prst="rect">
             <a:avLst/>
@@ -15421,16 +12797,11 @@
             </a:endParaRPr>
           </a:p>
           <a:p>
-            <a:pPr lvl="1" marL="432000" indent="-216000">
-              <a:lnSpc>
-                <a:spcPct val="100000"/>
-              </a:lnSpc>
-              <a:buClr>
-                <a:srgbClr val="000000"/>
-              </a:buClr>
-              <a:buSzPct val="45000"/>
-              <a:buFont typeface="Wingdings" charset="2"/>
-              <a:buChar char=""/>
+            <a:pPr>
+              <a:lnSpc>
+                <a:spcPct val="100000"/>
+              </a:lnSpc>
+              <a:buNone/>
             </a:pPr>
             <a:endParaRPr b="0" lang="pt-BR" sz="1600" spc="-1" strike="noStrike">
               <a:latin typeface="Arial"/>
@@ -15726,14 +13097,14 @@
       </p:sp>
       <p:sp>
         <p:nvSpPr>
-          <p:cNvPr id="236" name=""/>
+          <p:cNvPr id="197" name=""/>
           <p:cNvSpPr/>
           <p:nvPr/>
         </p:nvSpPr>
         <p:spPr>
           <a:xfrm>
             <a:off x="159840" y="1475280"/>
-            <a:ext cx="9375120" cy="5358600"/>
+            <a:ext cx="9374760" cy="5358240"/>
           </a:xfrm>
           <a:prstGeom prst="rect">
             <a:avLst/>
@@ -16005,16 +13376,11 @@
             </a:endParaRPr>
           </a:p>
           <a:p>
-            <a:pPr lvl="1" marL="432000" indent="-216000">
-              <a:lnSpc>
-                <a:spcPct val="100000"/>
-              </a:lnSpc>
-              <a:buClr>
-                <a:srgbClr val="000000"/>
-              </a:buClr>
-              <a:buSzPct val="45000"/>
-              <a:buFont typeface="Wingdings" charset="2"/>
-              <a:buChar char=""/>
+            <a:pPr>
+              <a:lnSpc>
+                <a:spcPct val="100000"/>
+              </a:lnSpc>
+              <a:buNone/>
             </a:pPr>
             <a:endParaRPr b="0" lang="pt-BR" sz="1600" spc="-1" strike="noStrike">
               <a:latin typeface="Arial"/>
@@ -16310,7 +13676,7 @@
       </p:sp>
       <p:pic>
         <p:nvPicPr>
-          <p:cNvPr id="237" name="" descr=""/>
+          <p:cNvPr id="198" name="" descr=""/>
           <p:cNvPicPr/>
           <p:nvPr/>
         </p:nvPicPr>
@@ -16321,7 +13687,7 @@
         <p:spPr>
           <a:xfrm>
             <a:off x="2520000" y="2207160"/>
-            <a:ext cx="4320000" cy="1932840"/>
+            <a:ext cx="4319640" cy="1932480"/>
           </a:xfrm>
           <a:prstGeom prst="rect">
             <a:avLst/>
@@ -16333,7 +13699,7 @@
       </p:pic>
       <p:pic>
         <p:nvPicPr>
-          <p:cNvPr id="238" name="" descr=""/>
+          <p:cNvPr id="199" name="" descr=""/>
           <p:cNvPicPr/>
           <p:nvPr/>
         </p:nvPicPr>
@@ -16344,7 +13710,7 @@
         <p:spPr>
           <a:xfrm>
             <a:off x="2551680" y="4696200"/>
-            <a:ext cx="4288320" cy="1934280"/>
+            <a:ext cx="4287960" cy="1933920"/>
           </a:xfrm>
           <a:prstGeom prst="rect">
             <a:avLst/>
@@ -16386,14 +13752,14 @@
       </p:grpSpPr>
       <p:sp>
         <p:nvSpPr>
-          <p:cNvPr id="239" name="CustomShape 75"/>
+          <p:cNvPr id="200" name="CustomShape 75"/>
           <p:cNvSpPr/>
           <p:nvPr/>
         </p:nvSpPr>
         <p:spPr>
           <a:xfrm>
             <a:off x="360000" y="360000"/>
-            <a:ext cx="9348840" cy="888840"/>
+            <a:ext cx="9348480" cy="888480"/>
           </a:xfrm>
           <a:prstGeom prst="rect">
             <a:avLst/>
@@ -16438,14 +13804,14 @@
       </p:sp>
       <p:sp>
         <p:nvSpPr>
-          <p:cNvPr id="240" name="CustomShape 76"/>
+          <p:cNvPr id="201" name="CustomShape 76"/>
           <p:cNvSpPr/>
           <p:nvPr/>
         </p:nvSpPr>
         <p:spPr>
           <a:xfrm>
             <a:off x="360000" y="1980000"/>
-            <a:ext cx="9168840" cy="4668840"/>
+            <a:ext cx="9168480" cy="4668480"/>
           </a:xfrm>
           <a:prstGeom prst="rect">
             <a:avLst/>
@@ -16497,14 +13863,14 @@
       </p:sp>
       <p:sp>
         <p:nvSpPr>
-          <p:cNvPr id="241" name="CustomShape 77"/>
+          <p:cNvPr id="202" name="CustomShape 77"/>
           <p:cNvSpPr/>
           <p:nvPr/>
         </p:nvSpPr>
         <p:spPr>
           <a:xfrm>
             <a:off x="897120" y="6886080"/>
-            <a:ext cx="6436080" cy="353880"/>
+            <a:ext cx="6435720" cy="353520"/>
           </a:xfrm>
           <a:prstGeom prst="rect">
             <a:avLst/>
@@ -16539,57 +13905,7 @@
                 <a:latin typeface="Arial"/>
                 <a:ea typeface="DejaVu Sans"/>
               </a:rPr>
-              <a:t>Aprendi</a:t>
-            </a:r>
-            <a:r>
-              <a:rPr b="0" lang="pt-BR" sz="1800" spc="-1" strike="noStrike">
-                <a:solidFill>
-                  <a:srgbClr val="000000"/>
-                </a:solidFill>
-                <a:latin typeface="Arial"/>
-                <a:ea typeface="DejaVu Sans"/>
-              </a:rPr>
-              <a:t>zado de </a:t>
-            </a:r>
-            <a:r>
-              <a:rPr b="0" lang="pt-BR" sz="1800" spc="-1" strike="noStrike">
-                <a:solidFill>
-                  <a:srgbClr val="000000"/>
-                </a:solidFill>
-                <a:latin typeface="Arial"/>
-                <a:ea typeface="DejaVu Sans"/>
-              </a:rPr>
-              <a:t>Máquina </a:t>
-            </a:r>
-            <a:r>
-              <a:rPr b="0" lang="pt-BR" sz="1800" spc="-1" strike="noStrike">
-                <a:solidFill>
-                  <a:srgbClr val="000000"/>
-                </a:solidFill>
-                <a:latin typeface="Arial"/>
-                <a:ea typeface="DejaVu Sans"/>
-              </a:rPr>
-              <a:t>- Prof. </a:t>
-            </a:r>
-            <a:r>
-              <a:rPr b="0" lang="pt-BR" sz="1800" spc="-1" strike="noStrike">
-                <a:solidFill>
-                  <a:srgbClr val="000000"/>
-                </a:solidFill>
-                <a:latin typeface="Arial"/>
-                <a:ea typeface="DejaVu Sans"/>
-              </a:rPr>
-              <a:t>André </a:t>
-            </a:r>
-            <a:r>
-              <a:rPr b="0" lang="pt-BR" sz="1800" spc="-1" strike="noStrike">
-                <a:solidFill>
-                  <a:srgbClr val="000000"/>
-                </a:solidFill>
-                <a:latin typeface="Arial"/>
-                <a:ea typeface="DejaVu Sans"/>
-              </a:rPr>
-              <a:t>Hochuli</a:t>
+              <a:t>Aprendizado de Máquina - Prof. André Hochuli</a:t>
             </a:r>
             <a:endParaRPr b="0" lang="pt-BR" sz="1800" spc="-1" strike="noStrike">
               <a:latin typeface="Arial"/>
@@ -16599,14 +13915,14 @@
       </p:sp>
       <p:sp>
         <p:nvSpPr>
-          <p:cNvPr id="242" name="CustomShape 78"/>
+          <p:cNvPr id="203" name="CustomShape 78"/>
           <p:cNvSpPr/>
           <p:nvPr/>
         </p:nvSpPr>
         <p:spPr>
           <a:xfrm>
             <a:off x="7608600" y="6886080"/>
-            <a:ext cx="2274120" cy="353880"/>
+            <a:ext cx="2273760" cy="353520"/>
           </a:xfrm>
           <a:prstGeom prst="rect">
             <a:avLst/>
@@ -16651,14 +13967,14 @@
       </p:sp>
       <p:sp>
         <p:nvSpPr>
-          <p:cNvPr id="243" name=""/>
+          <p:cNvPr id="204" name=""/>
           <p:cNvSpPr/>
           <p:nvPr/>
         </p:nvSpPr>
         <p:spPr>
           <a:xfrm>
             <a:off x="342360" y="1529280"/>
-            <a:ext cx="9375120" cy="5358600"/>
+            <a:ext cx="9374760" cy="5358240"/>
           </a:xfrm>
           <a:prstGeom prst="rect">
             <a:avLst/>
@@ -16822,16 +14138,11 @@
             </a:endParaRPr>
           </a:p>
           <a:p>
-            <a:pPr lvl="1" marL="432000" indent="-216000">
-              <a:lnSpc>
-                <a:spcPct val="100000"/>
-              </a:lnSpc>
-              <a:buClr>
-                <a:srgbClr val="000000"/>
-              </a:buClr>
-              <a:buSzPct val="45000"/>
-              <a:buFont typeface="Wingdings" charset="2"/>
-              <a:buChar char=""/>
+            <a:pPr>
+              <a:lnSpc>
+                <a:spcPct val="100000"/>
+              </a:lnSpc>
+              <a:buNone/>
             </a:pPr>
             <a:endParaRPr b="0" lang="pt-BR" sz="1600" spc="-1" strike="noStrike">
               <a:latin typeface="Arial"/>
@@ -17127,14 +14438,14 @@
       </p:sp>
       <p:sp>
         <p:nvSpPr>
-          <p:cNvPr id="244" name=""/>
+          <p:cNvPr id="205" name=""/>
           <p:cNvSpPr/>
           <p:nvPr/>
         </p:nvSpPr>
         <p:spPr>
           <a:xfrm>
             <a:off x="159840" y="1475280"/>
-            <a:ext cx="9375120" cy="5358600"/>
+            <a:ext cx="9374760" cy="5358240"/>
           </a:xfrm>
           <a:prstGeom prst="rect">
             <a:avLst/>
@@ -17396,16 +14707,11 @@
             </a:endParaRPr>
           </a:p>
           <a:p>
-            <a:pPr lvl="1" marL="432000" indent="-216000">
-              <a:lnSpc>
-                <a:spcPct val="100000"/>
-              </a:lnSpc>
-              <a:buClr>
-                <a:srgbClr val="000000"/>
-              </a:buClr>
-              <a:buSzPct val="45000"/>
-              <a:buFont typeface="Wingdings" charset="2"/>
-              <a:buChar char=""/>
+            <a:pPr>
+              <a:lnSpc>
+                <a:spcPct val="100000"/>
+              </a:lnSpc>
+              <a:buNone/>
             </a:pPr>
             <a:endParaRPr b="0" lang="pt-BR" sz="1600" spc="-1" strike="noStrike">
               <a:latin typeface="Arial"/>
@@ -17701,7 +15007,7 @@
       </p:sp>
       <p:pic>
         <p:nvPicPr>
-          <p:cNvPr id="245" name="" descr=""/>
+          <p:cNvPr id="206" name="" descr=""/>
           <p:cNvPicPr/>
           <p:nvPr/>
         </p:nvPicPr>
@@ -17712,7 +15018,7 @@
         <p:spPr>
           <a:xfrm>
             <a:off x="3056400" y="2592360"/>
-            <a:ext cx="4047120" cy="3647160"/>
+            <a:ext cx="4046760" cy="3646800"/>
           </a:xfrm>
           <a:prstGeom prst="rect">
             <a:avLst/>
@@ -17754,14 +15060,14 @@
       </p:grpSpPr>
       <p:sp>
         <p:nvSpPr>
-          <p:cNvPr id="246" name="CustomShape 85"/>
+          <p:cNvPr id="207" name="CustomShape 85"/>
           <p:cNvSpPr/>
           <p:nvPr/>
         </p:nvSpPr>
         <p:spPr>
           <a:xfrm>
             <a:off x="360000" y="360000"/>
-            <a:ext cx="9348840" cy="888840"/>
+            <a:ext cx="9348480" cy="888480"/>
           </a:xfrm>
           <a:prstGeom prst="rect">
             <a:avLst/>
@@ -17806,14 +15112,14 @@
       </p:sp>
       <p:sp>
         <p:nvSpPr>
-          <p:cNvPr id="247" name="CustomShape 86"/>
+          <p:cNvPr id="208" name="CustomShape 86"/>
           <p:cNvSpPr/>
           <p:nvPr/>
         </p:nvSpPr>
         <p:spPr>
           <a:xfrm>
             <a:off x="360000" y="1980000"/>
-            <a:ext cx="9168840" cy="4668840"/>
+            <a:ext cx="9168480" cy="4668480"/>
           </a:xfrm>
           <a:prstGeom prst="rect">
             <a:avLst/>
@@ -17865,14 +15171,14 @@
       </p:sp>
       <p:sp>
         <p:nvSpPr>
-          <p:cNvPr id="248" name="CustomShape 87"/>
+          <p:cNvPr id="209" name="CustomShape 87"/>
           <p:cNvSpPr/>
           <p:nvPr/>
         </p:nvSpPr>
         <p:spPr>
           <a:xfrm>
             <a:off x="897120" y="6886080"/>
-            <a:ext cx="6436080" cy="353880"/>
+            <a:ext cx="6435720" cy="353520"/>
           </a:xfrm>
           <a:prstGeom prst="rect">
             <a:avLst/>
@@ -17917,14 +15223,14 @@
       </p:sp>
       <p:sp>
         <p:nvSpPr>
-          <p:cNvPr id="249" name="CustomShape 88"/>
+          <p:cNvPr id="210" name="CustomShape 88"/>
           <p:cNvSpPr/>
           <p:nvPr/>
         </p:nvSpPr>
         <p:spPr>
           <a:xfrm>
             <a:off x="7608600" y="6886080"/>
-            <a:ext cx="2274120" cy="353880"/>
+            <a:ext cx="2273760" cy="353520"/>
           </a:xfrm>
           <a:prstGeom prst="rect">
             <a:avLst/>
@@ -17969,14 +15275,14 @@
       </p:sp>
       <p:sp>
         <p:nvSpPr>
-          <p:cNvPr id="250" name=""/>
+          <p:cNvPr id="211" name=""/>
           <p:cNvSpPr/>
           <p:nvPr/>
         </p:nvSpPr>
         <p:spPr>
           <a:xfrm>
             <a:off x="342360" y="1529280"/>
-            <a:ext cx="9375120" cy="5358600"/>
+            <a:ext cx="9374760" cy="5358240"/>
           </a:xfrm>
           <a:prstGeom prst="rect">
             <a:avLst/>
@@ -18140,16 +15446,11 @@
             </a:endParaRPr>
           </a:p>
           <a:p>
-            <a:pPr lvl="1" marL="432000" indent="-216000">
-              <a:lnSpc>
-                <a:spcPct val="100000"/>
-              </a:lnSpc>
-              <a:buClr>
-                <a:srgbClr val="000000"/>
-              </a:buClr>
-              <a:buSzPct val="45000"/>
-              <a:buFont typeface="Wingdings" charset="2"/>
-              <a:buChar char=""/>
+            <a:pPr>
+              <a:lnSpc>
+                <a:spcPct val="100000"/>
+              </a:lnSpc>
+              <a:buNone/>
             </a:pPr>
             <a:endParaRPr b="0" lang="pt-BR" sz="1600" spc="-1" strike="noStrike">
               <a:latin typeface="Arial"/>
@@ -18445,14 +15746,14 @@
       </p:sp>
       <p:sp>
         <p:nvSpPr>
-          <p:cNvPr id="251" name=""/>
+          <p:cNvPr id="212" name=""/>
           <p:cNvSpPr/>
           <p:nvPr/>
         </p:nvSpPr>
         <p:spPr>
           <a:xfrm>
             <a:off x="159840" y="1475280"/>
-            <a:ext cx="9375120" cy="5358600"/>
+            <a:ext cx="9374760" cy="5358240"/>
           </a:xfrm>
           <a:prstGeom prst="rect">
             <a:avLst/>
@@ -18562,232 +15863,261 @@
                 <a:latin typeface="Latin Modern Sans"/>
                 <a:ea typeface="DejaVu Sans"/>
               </a:rPr>
-              <a:t>Código base em: </a:t>
+              <a:t>Código base em:  </a:t>
             </a:r>
-            <a:endParaRPr b="0" lang="pt-BR" sz="1600" spc="-1" strike="noStrike">
-              <a:latin typeface="Arial"/>
-            </a:endParaRPr>
-          </a:p>
-          <a:p>
-            <a:pPr>
-              <a:lnSpc>
-                <a:spcPct val="100000"/>
-              </a:lnSpc>
-              <a:buNone/>
-            </a:pPr>
-            <a:endParaRPr b="0" lang="pt-BR" sz="1600" spc="-1" strike="noStrike">
-              <a:latin typeface="Arial"/>
-            </a:endParaRPr>
-          </a:p>
-          <a:p>
-            <a:pPr>
-              <a:lnSpc>
-                <a:spcPct val="100000"/>
-              </a:lnSpc>
-              <a:buNone/>
-            </a:pPr>
-            <a:endParaRPr b="0" lang="pt-BR" sz="1600" spc="-1" strike="noStrike">
-              <a:latin typeface="Arial"/>
-            </a:endParaRPr>
-          </a:p>
-          <a:p>
-            <a:pPr>
-              <a:lnSpc>
-                <a:spcPct val="100000"/>
-              </a:lnSpc>
-              <a:buNone/>
-            </a:pPr>
-            <a:endParaRPr b="0" lang="pt-BR" sz="1600" spc="-1" strike="noStrike">
-              <a:latin typeface="Arial"/>
-            </a:endParaRPr>
-          </a:p>
-          <a:p>
-            <a:pPr>
-              <a:lnSpc>
-                <a:spcPct val="100000"/>
-              </a:lnSpc>
-              <a:buNone/>
-            </a:pPr>
-            <a:endParaRPr b="0" lang="pt-BR" sz="1600" spc="-1" strike="noStrike">
-              <a:latin typeface="Arial"/>
-            </a:endParaRPr>
-          </a:p>
-          <a:p>
-            <a:pPr>
-              <a:lnSpc>
-                <a:spcPct val="100000"/>
-              </a:lnSpc>
-              <a:buNone/>
-            </a:pPr>
-            <a:endParaRPr b="0" lang="pt-BR" sz="1600" spc="-1" strike="noStrike">
-              <a:latin typeface="Arial"/>
-            </a:endParaRPr>
-          </a:p>
-          <a:p>
-            <a:pPr>
-              <a:lnSpc>
-                <a:spcPct val="100000"/>
-              </a:lnSpc>
-              <a:buNone/>
-            </a:pPr>
-            <a:endParaRPr b="0" lang="pt-BR" sz="1600" spc="-1" strike="noStrike">
-              <a:latin typeface="Arial"/>
-            </a:endParaRPr>
-          </a:p>
-          <a:p>
-            <a:pPr>
-              <a:lnSpc>
-                <a:spcPct val="100000"/>
-              </a:lnSpc>
-              <a:buNone/>
-            </a:pPr>
-            <a:endParaRPr b="0" lang="pt-BR" sz="1600" spc="-1" strike="noStrike">
-              <a:latin typeface="Arial"/>
-            </a:endParaRPr>
-          </a:p>
-          <a:p>
-            <a:pPr>
-              <a:lnSpc>
-                <a:spcPct val="100000"/>
-              </a:lnSpc>
-              <a:buNone/>
-            </a:pPr>
-            <a:endParaRPr b="0" lang="pt-BR" sz="1600" spc="-1" strike="noStrike">
-              <a:latin typeface="Arial"/>
-            </a:endParaRPr>
-          </a:p>
-          <a:p>
-            <a:pPr>
-              <a:lnSpc>
-                <a:spcPct val="100000"/>
-              </a:lnSpc>
-              <a:buNone/>
-            </a:pPr>
-            <a:endParaRPr b="0" lang="pt-BR" sz="1600" spc="-1" strike="noStrike">
-              <a:latin typeface="Arial"/>
-            </a:endParaRPr>
-          </a:p>
-          <a:p>
-            <a:pPr>
-              <a:lnSpc>
-                <a:spcPct val="100000"/>
-              </a:lnSpc>
-              <a:buNone/>
-            </a:pPr>
-            <a:endParaRPr b="0" lang="pt-BR" sz="1600" spc="-1" strike="noStrike">
-              <a:latin typeface="Arial"/>
-            </a:endParaRPr>
-          </a:p>
-          <a:p>
-            <a:pPr>
-              <a:lnSpc>
-                <a:spcPct val="100000"/>
-              </a:lnSpc>
-              <a:buNone/>
-            </a:pPr>
-            <a:endParaRPr b="0" lang="pt-BR" sz="1600" spc="-1" strike="noStrike">
-              <a:latin typeface="Arial"/>
-            </a:endParaRPr>
-          </a:p>
-          <a:p>
-            <a:pPr>
-              <a:lnSpc>
-                <a:spcPct val="100000"/>
-              </a:lnSpc>
-              <a:buNone/>
-            </a:pPr>
-            <a:endParaRPr b="0" lang="pt-BR" sz="1600" spc="-1" strike="noStrike">
-              <a:latin typeface="Arial"/>
-            </a:endParaRPr>
-          </a:p>
-          <a:p>
-            <a:pPr>
-              <a:lnSpc>
-                <a:spcPct val="100000"/>
-              </a:lnSpc>
-              <a:buNone/>
-            </a:pPr>
-            <a:endParaRPr b="0" lang="pt-BR" sz="1600" spc="-1" strike="noStrike">
-              <a:latin typeface="Arial"/>
-            </a:endParaRPr>
-          </a:p>
-          <a:p>
-            <a:pPr>
-              <a:lnSpc>
-                <a:spcPct val="100000"/>
-              </a:lnSpc>
-              <a:buNone/>
-            </a:pPr>
-            <a:endParaRPr b="0" lang="pt-BR" sz="1600" spc="-1" strike="noStrike">
-              <a:latin typeface="Arial"/>
-            </a:endParaRPr>
-          </a:p>
-          <a:p>
-            <a:pPr>
-              <a:lnSpc>
-                <a:spcPct val="100000"/>
-              </a:lnSpc>
-              <a:buNone/>
-            </a:pPr>
-            <a:endParaRPr b="0" lang="pt-BR" sz="1600" spc="-1" strike="noStrike">
-              <a:latin typeface="Arial"/>
-            </a:endParaRPr>
-          </a:p>
-          <a:p>
-            <a:pPr>
-              <a:lnSpc>
-                <a:spcPct val="100000"/>
-              </a:lnSpc>
-              <a:buNone/>
-            </a:pPr>
-            <a:endParaRPr b="0" lang="pt-BR" sz="1600" spc="-1" strike="noStrike">
-              <a:latin typeface="Arial"/>
-            </a:endParaRPr>
-          </a:p>
-          <a:p>
-            <a:pPr>
-              <a:lnSpc>
-                <a:spcPct val="100000"/>
-              </a:lnSpc>
-              <a:buNone/>
-            </a:pPr>
-            <a:endParaRPr b="0" lang="pt-BR" sz="1600" spc="-1" strike="noStrike">
-              <a:latin typeface="Arial"/>
-            </a:endParaRPr>
-          </a:p>
-          <a:p>
-            <a:pPr>
-              <a:lnSpc>
-                <a:spcPct val="100000"/>
-              </a:lnSpc>
-              <a:buNone/>
-            </a:pPr>
-            <a:endParaRPr b="0" lang="pt-BR" sz="1600" spc="-1" strike="noStrike">
-              <a:latin typeface="Arial"/>
-            </a:endParaRPr>
-          </a:p>
-          <a:p>
-            <a:pPr>
-              <a:lnSpc>
-                <a:spcPct val="100000"/>
-              </a:lnSpc>
-              <a:buNone/>
-            </a:pPr>
-            <a:endParaRPr b="0" lang="pt-BR" sz="1600" spc="-1" strike="noStrike">
-              <a:latin typeface="Arial"/>
-            </a:endParaRPr>
-          </a:p>
-          <a:p>
-            <a:pPr lvl="1" marL="432000" indent="-216000">
-              <a:lnSpc>
-                <a:spcPct val="100000"/>
-              </a:lnSpc>
-              <a:buClr>
-                <a:srgbClr val="000000"/>
-              </a:buClr>
-              <a:buSzPct val="45000"/>
-              <a:buFont typeface="Wingdings" charset="2"/>
-              <a:buChar char=""/>
+            <a:r>
+              <a:rPr b="0" lang="pt-BR" sz="1600" spc="-1" strike="noStrike" u="sng">
+                <a:solidFill>
+                  <a:srgbClr val="729fcf"/>
+                </a:solidFill>
+                <a:uFillTx/>
+                <a:latin typeface="Latin Modern Sans"/>
+                <a:ea typeface="DejaVu Sans"/>
+                <a:hlinkClick r:id="rId1"/>
+              </a:rPr>
+              <a:t>Tópico 02 - Regressão.ipynb </a:t>
+            </a:r>
+            <a:endParaRPr b="0" lang="pt-BR" sz="1600" spc="-1" strike="noStrike">
+              <a:latin typeface="Arial"/>
+            </a:endParaRPr>
+          </a:p>
+          <a:p>
+            <a:pPr>
+              <a:lnSpc>
+                <a:spcPct val="100000"/>
+              </a:lnSpc>
+              <a:buNone/>
+            </a:pPr>
+            <a:endParaRPr b="0" lang="pt-BR" sz="1600" spc="-1" strike="noStrike">
+              <a:latin typeface="Arial"/>
+            </a:endParaRPr>
+          </a:p>
+          <a:p>
+            <a:pPr>
+              <a:lnSpc>
+                <a:spcPct val="100000"/>
+              </a:lnSpc>
+              <a:buNone/>
+            </a:pPr>
+            <a:endParaRPr b="0" lang="pt-BR" sz="1600" spc="-1" strike="noStrike">
+              <a:latin typeface="Arial"/>
+            </a:endParaRPr>
+          </a:p>
+          <a:p>
+            <a:pPr>
+              <a:lnSpc>
+                <a:spcPct val="100000"/>
+              </a:lnSpc>
+              <a:buNone/>
+            </a:pPr>
+            <a:endParaRPr b="0" lang="pt-BR" sz="1600" spc="-1" strike="noStrike">
+              <a:latin typeface="Arial"/>
+            </a:endParaRPr>
+          </a:p>
+          <a:p>
+            <a:pPr>
+              <a:lnSpc>
+                <a:spcPct val="100000"/>
+              </a:lnSpc>
+              <a:buNone/>
+            </a:pPr>
+            <a:endParaRPr b="0" lang="pt-BR" sz="1600" spc="-1" strike="noStrike">
+              <a:latin typeface="Arial"/>
+            </a:endParaRPr>
+          </a:p>
+          <a:p>
+            <a:pPr>
+              <a:lnSpc>
+                <a:spcPct val="100000"/>
+              </a:lnSpc>
+              <a:buNone/>
+            </a:pPr>
+            <a:endParaRPr b="0" lang="pt-BR" sz="1600" spc="-1" strike="noStrike">
+              <a:latin typeface="Arial"/>
+            </a:endParaRPr>
+          </a:p>
+          <a:p>
+            <a:pPr>
+              <a:lnSpc>
+                <a:spcPct val="100000"/>
+              </a:lnSpc>
+              <a:buNone/>
+            </a:pPr>
+            <a:endParaRPr b="0" lang="pt-BR" sz="1600" spc="-1" strike="noStrike">
+              <a:latin typeface="Arial"/>
+            </a:endParaRPr>
+          </a:p>
+          <a:p>
+            <a:pPr>
+              <a:lnSpc>
+                <a:spcPct val="100000"/>
+              </a:lnSpc>
+              <a:buNone/>
+            </a:pPr>
+            <a:endParaRPr b="0" lang="pt-BR" sz="1600" spc="-1" strike="noStrike">
+              <a:latin typeface="Arial"/>
+            </a:endParaRPr>
+          </a:p>
+          <a:p>
+            <a:pPr>
+              <a:lnSpc>
+                <a:spcPct val="100000"/>
+              </a:lnSpc>
+              <a:buNone/>
+            </a:pPr>
+            <a:endParaRPr b="0" lang="pt-BR" sz="1600" spc="-1" strike="noStrike">
+              <a:latin typeface="Arial"/>
+            </a:endParaRPr>
+          </a:p>
+          <a:p>
+            <a:pPr>
+              <a:lnSpc>
+                <a:spcPct val="100000"/>
+              </a:lnSpc>
+              <a:buNone/>
+            </a:pPr>
+            <a:endParaRPr b="0" lang="pt-BR" sz="1600" spc="-1" strike="noStrike">
+              <a:latin typeface="Arial"/>
+            </a:endParaRPr>
+          </a:p>
+          <a:p>
+            <a:pPr>
+              <a:lnSpc>
+                <a:spcPct val="100000"/>
+              </a:lnSpc>
+              <a:buNone/>
+            </a:pPr>
+            <a:endParaRPr b="0" lang="pt-BR" sz="1600" spc="-1" strike="noStrike">
+              <a:latin typeface="Arial"/>
+            </a:endParaRPr>
+          </a:p>
+          <a:p>
+            <a:pPr>
+              <a:lnSpc>
+                <a:spcPct val="100000"/>
+              </a:lnSpc>
+              <a:buNone/>
+            </a:pPr>
+            <a:endParaRPr b="0" lang="pt-BR" sz="1600" spc="-1" strike="noStrike">
+              <a:latin typeface="Arial"/>
+            </a:endParaRPr>
+          </a:p>
+          <a:p>
+            <a:pPr>
+              <a:lnSpc>
+                <a:spcPct val="100000"/>
+              </a:lnSpc>
+              <a:buNone/>
+            </a:pPr>
+            <a:endParaRPr b="0" lang="pt-BR" sz="1600" spc="-1" strike="noStrike">
+              <a:latin typeface="Arial"/>
+            </a:endParaRPr>
+          </a:p>
+          <a:p>
+            <a:pPr>
+              <a:lnSpc>
+                <a:spcPct val="100000"/>
+              </a:lnSpc>
+              <a:buNone/>
+            </a:pPr>
+            <a:endParaRPr b="0" lang="pt-BR" sz="1600" spc="-1" strike="noStrike">
+              <a:latin typeface="Arial"/>
+            </a:endParaRPr>
+          </a:p>
+          <a:p>
+            <a:pPr>
+              <a:lnSpc>
+                <a:spcPct val="100000"/>
+              </a:lnSpc>
+              <a:buNone/>
+            </a:pPr>
+            <a:endParaRPr b="0" lang="pt-BR" sz="1600" spc="-1" strike="noStrike">
+              <a:latin typeface="Arial"/>
+            </a:endParaRPr>
+          </a:p>
+          <a:p>
+            <a:pPr>
+              <a:lnSpc>
+                <a:spcPct val="100000"/>
+              </a:lnSpc>
+              <a:buNone/>
+            </a:pPr>
+            <a:endParaRPr b="0" lang="pt-BR" sz="1600" spc="-1" strike="noStrike">
+              <a:latin typeface="Arial"/>
+            </a:endParaRPr>
+          </a:p>
+          <a:p>
+            <a:pPr>
+              <a:lnSpc>
+                <a:spcPct val="100000"/>
+              </a:lnSpc>
+              <a:buNone/>
+            </a:pPr>
+            <a:endParaRPr b="0" lang="pt-BR" sz="1600" spc="-1" strike="noStrike">
+              <a:latin typeface="Arial"/>
+            </a:endParaRPr>
+          </a:p>
+          <a:p>
+            <a:pPr>
+              <a:lnSpc>
+                <a:spcPct val="100000"/>
+              </a:lnSpc>
+              <a:buNone/>
+            </a:pPr>
+            <a:endParaRPr b="0" lang="pt-BR" sz="1600" spc="-1" strike="noStrike">
+              <a:latin typeface="Arial"/>
+            </a:endParaRPr>
+          </a:p>
+          <a:p>
+            <a:pPr>
+              <a:lnSpc>
+                <a:spcPct val="100000"/>
+              </a:lnSpc>
+              <a:buNone/>
+            </a:pPr>
+            <a:endParaRPr b="0" lang="pt-BR" sz="1600" spc="-1" strike="noStrike">
+              <a:latin typeface="Arial"/>
+            </a:endParaRPr>
+          </a:p>
+          <a:p>
+            <a:pPr>
+              <a:lnSpc>
+                <a:spcPct val="100000"/>
+              </a:lnSpc>
+              <a:buNone/>
+            </a:pPr>
+            <a:endParaRPr b="0" lang="pt-BR" sz="1600" spc="-1" strike="noStrike">
+              <a:latin typeface="Arial"/>
+            </a:endParaRPr>
+          </a:p>
+          <a:p>
+            <a:pPr>
+              <a:lnSpc>
+                <a:spcPct val="100000"/>
+              </a:lnSpc>
+              <a:buNone/>
+            </a:pPr>
+            <a:endParaRPr b="0" lang="pt-BR" sz="1600" spc="-1" strike="noStrike">
+              <a:latin typeface="Arial"/>
+            </a:endParaRPr>
+          </a:p>
+          <a:p>
+            <a:pPr>
+              <a:lnSpc>
+                <a:spcPct val="100000"/>
+              </a:lnSpc>
+              <a:buNone/>
+            </a:pPr>
+            <a:endParaRPr b="0" lang="pt-BR" sz="1600" spc="-1" strike="noStrike">
+              <a:latin typeface="Arial"/>
+            </a:endParaRPr>
+          </a:p>
+          <a:p>
+            <a:pPr>
+              <a:lnSpc>
+                <a:spcPct val="100000"/>
+              </a:lnSpc>
+              <a:buNone/>
             </a:pPr>
             <a:endParaRPr b="0" lang="pt-BR" sz="1600" spc="-1" strike="noStrike">
               <a:latin typeface="Arial"/>
@@ -19113,14 +16443,14 @@
       </p:grpSpPr>
       <p:sp>
         <p:nvSpPr>
-          <p:cNvPr id="128" name="CustomShape 1"/>
+          <p:cNvPr id="89" name="CustomShape 1"/>
           <p:cNvSpPr/>
           <p:nvPr/>
         </p:nvSpPr>
         <p:spPr>
           <a:xfrm>
             <a:off x="360000" y="360000"/>
-            <a:ext cx="9348840" cy="888840"/>
+            <a:ext cx="9348480" cy="888480"/>
           </a:xfrm>
           <a:prstGeom prst="rect">
             <a:avLst/>
@@ -19165,14 +16495,14 @@
       </p:sp>
       <p:sp>
         <p:nvSpPr>
-          <p:cNvPr id="129" name="CustomShape 4"/>
+          <p:cNvPr id="90" name="CustomShape 4"/>
           <p:cNvSpPr/>
           <p:nvPr/>
         </p:nvSpPr>
         <p:spPr>
           <a:xfrm>
             <a:off x="360000" y="1980000"/>
-            <a:ext cx="9168840" cy="4668840"/>
+            <a:ext cx="9168480" cy="4668480"/>
           </a:xfrm>
           <a:prstGeom prst="rect">
             <a:avLst/>
@@ -19297,14 +16627,14 @@
       </p:sp>
       <p:sp>
         <p:nvSpPr>
-          <p:cNvPr id="130" name="CustomShape 2"/>
+          <p:cNvPr id="91" name="CustomShape 2"/>
           <p:cNvSpPr/>
           <p:nvPr/>
         </p:nvSpPr>
         <p:spPr>
           <a:xfrm>
             <a:off x="897120" y="6886080"/>
-            <a:ext cx="6436080" cy="353880"/>
+            <a:ext cx="6435720" cy="353520"/>
           </a:xfrm>
           <a:prstGeom prst="rect">
             <a:avLst/>
@@ -19349,14 +16679,14 @@
       </p:sp>
       <p:sp>
         <p:nvSpPr>
-          <p:cNvPr id="131" name="CustomShape 3"/>
+          <p:cNvPr id="92" name="CustomShape 3"/>
           <p:cNvSpPr/>
           <p:nvPr/>
         </p:nvSpPr>
         <p:spPr>
           <a:xfrm>
             <a:off x="7608600" y="6886080"/>
-            <a:ext cx="2274120" cy="353880"/>
+            <a:ext cx="2273760" cy="353520"/>
           </a:xfrm>
           <a:prstGeom prst="rect">
             <a:avLst/>
@@ -19401,14 +16731,14 @@
       </p:sp>
       <p:sp>
         <p:nvSpPr>
-          <p:cNvPr id="132" name=""/>
+          <p:cNvPr id="93" name=""/>
           <p:cNvSpPr/>
           <p:nvPr/>
         </p:nvSpPr>
         <p:spPr>
           <a:xfrm>
             <a:off x="2520360" y="5508360"/>
-            <a:ext cx="263520" cy="263520"/>
+            <a:ext cx="263160" cy="263160"/>
           </a:xfrm>
           <a:prstGeom prst="ellipse">
             <a:avLst/>
@@ -19431,14 +16761,14 @@
       </p:sp>
       <p:sp>
         <p:nvSpPr>
-          <p:cNvPr id="133" name=""/>
+          <p:cNvPr id="94" name=""/>
           <p:cNvSpPr/>
           <p:nvPr/>
         </p:nvSpPr>
         <p:spPr>
           <a:xfrm>
             <a:off x="2052360" y="5508360"/>
-            <a:ext cx="263520" cy="263520"/>
+            <a:ext cx="263160" cy="263160"/>
           </a:xfrm>
           <a:prstGeom prst="ellipse">
             <a:avLst/>
@@ -19461,14 +16791,14 @@
       </p:sp>
       <p:sp>
         <p:nvSpPr>
-          <p:cNvPr id="134" name=""/>
+          <p:cNvPr id="95" name=""/>
           <p:cNvSpPr/>
           <p:nvPr/>
         </p:nvSpPr>
         <p:spPr>
           <a:xfrm>
             <a:off x="2988720" y="5508360"/>
-            <a:ext cx="263520" cy="263520"/>
+            <a:ext cx="263160" cy="263160"/>
           </a:xfrm>
           <a:prstGeom prst="ellipse">
             <a:avLst/>
@@ -19491,7 +16821,7 @@
       </p:sp>
       <p:pic>
         <p:nvPicPr>
-          <p:cNvPr id="135" name="" descr=""/>
+          <p:cNvPr id="96" name="" descr=""/>
           <p:cNvPicPr/>
           <p:nvPr/>
         </p:nvPicPr>
@@ -19502,7 +16832,7 @@
         <p:spPr>
           <a:xfrm>
             <a:off x="1523880" y="3819240"/>
-            <a:ext cx="7425720" cy="2215440"/>
+            <a:ext cx="7425360" cy="2215080"/>
           </a:xfrm>
           <a:prstGeom prst="rect">
             <a:avLst/>
@@ -19514,7 +16844,7 @@
       </p:pic>
       <p:pic>
         <p:nvPicPr>
-          <p:cNvPr id="136" name="" descr=""/>
+          <p:cNvPr id="97" name="" descr=""/>
           <p:cNvPicPr/>
           <p:nvPr/>
         </p:nvPicPr>
@@ -19525,7 +16855,7 @@
         <p:spPr>
           <a:xfrm>
             <a:off x="3254760" y="5589720"/>
-            <a:ext cx="416160" cy="444960"/>
+            <a:ext cx="415800" cy="444600"/>
           </a:xfrm>
           <a:prstGeom prst="rect">
             <a:avLst/>
@@ -19567,14 +16897,14 @@
       </p:grpSpPr>
       <p:sp>
         <p:nvSpPr>
-          <p:cNvPr id="137" name="CustomShape 8"/>
+          <p:cNvPr id="98" name="CustomShape 8"/>
           <p:cNvSpPr/>
           <p:nvPr/>
         </p:nvSpPr>
         <p:spPr>
           <a:xfrm>
             <a:off x="360000" y="360000"/>
-            <a:ext cx="9348840" cy="888840"/>
+            <a:ext cx="9348480" cy="888480"/>
           </a:xfrm>
           <a:prstGeom prst="rect">
             <a:avLst/>
@@ -19619,14 +16949,14 @@
       </p:sp>
       <p:sp>
         <p:nvSpPr>
-          <p:cNvPr id="138" name="CustomShape 9"/>
+          <p:cNvPr id="99" name="CustomShape 9"/>
           <p:cNvSpPr/>
           <p:nvPr/>
         </p:nvSpPr>
         <p:spPr>
           <a:xfrm>
             <a:off x="360000" y="1980000"/>
-            <a:ext cx="9168840" cy="4668840"/>
+            <a:ext cx="9168480" cy="4668480"/>
           </a:xfrm>
           <a:prstGeom prst="rect">
             <a:avLst/>
@@ -19678,14 +17008,14 @@
       </p:sp>
       <p:sp>
         <p:nvSpPr>
-          <p:cNvPr id="139" name="CustomShape 10"/>
+          <p:cNvPr id="100" name="CustomShape 10"/>
           <p:cNvSpPr/>
           <p:nvPr/>
         </p:nvSpPr>
         <p:spPr>
           <a:xfrm>
             <a:off x="897120" y="6886080"/>
-            <a:ext cx="6436080" cy="353880"/>
+            <a:ext cx="6435720" cy="353520"/>
           </a:xfrm>
           <a:prstGeom prst="rect">
             <a:avLst/>
@@ -19730,14 +17060,14 @@
       </p:sp>
       <p:sp>
         <p:nvSpPr>
-          <p:cNvPr id="140" name="CustomShape 11"/>
+          <p:cNvPr id="101" name="CustomShape 11"/>
           <p:cNvSpPr/>
           <p:nvPr/>
         </p:nvSpPr>
         <p:spPr>
           <a:xfrm>
             <a:off x="7608600" y="6886080"/>
-            <a:ext cx="2274120" cy="353880"/>
+            <a:ext cx="2273760" cy="353520"/>
           </a:xfrm>
           <a:prstGeom prst="rect">
             <a:avLst/>
@@ -19782,14 +17112,14 @@
       </p:sp>
       <p:sp>
         <p:nvSpPr>
-          <p:cNvPr id="141" name=""/>
+          <p:cNvPr id="102" name=""/>
           <p:cNvSpPr/>
           <p:nvPr/>
         </p:nvSpPr>
         <p:spPr>
           <a:xfrm>
             <a:off x="342360" y="1529280"/>
-            <a:ext cx="9375120" cy="5358600"/>
+            <a:ext cx="9374760" cy="5358240"/>
           </a:xfrm>
           <a:prstGeom prst="rect">
             <a:avLst/>
@@ -19873,16 +17203,11 @@
             </a:endParaRPr>
           </a:p>
           <a:p>
-            <a:pPr lvl="1" marL="432000" indent="-216000">
-              <a:lnSpc>
-                <a:spcPct val="100000"/>
-              </a:lnSpc>
-              <a:buClr>
-                <a:srgbClr val="000000"/>
-              </a:buClr>
-              <a:buSzPct val="45000"/>
-              <a:buFont typeface="Wingdings" charset="2"/>
-              <a:buChar char=""/>
+            <a:pPr>
+              <a:lnSpc>
+                <a:spcPct val="100000"/>
+              </a:lnSpc>
+              <a:buNone/>
             </a:pPr>
             <a:endParaRPr b="0" lang="pt-BR" sz="1600" spc="-1" strike="noStrike">
               <a:latin typeface="Arial"/>
@@ -20178,7 +17503,7 @@
       </p:sp>
       <p:pic>
         <p:nvPicPr>
-          <p:cNvPr id="142" name="" descr=""/>
+          <p:cNvPr id="103" name="" descr=""/>
           <p:cNvPicPr/>
           <p:nvPr/>
         </p:nvPicPr>
@@ -20189,7 +17514,7 @@
         <p:spPr>
           <a:xfrm>
             <a:off x="2004480" y="2880000"/>
-            <a:ext cx="6095520" cy="3047760"/>
+            <a:ext cx="6095160" cy="3047400"/>
           </a:xfrm>
           <a:prstGeom prst="rect">
             <a:avLst/>
@@ -20231,14 +17556,14 @@
       </p:grpSpPr>
       <p:sp>
         <p:nvSpPr>
-          <p:cNvPr id="143" name="CustomShape 6"/>
+          <p:cNvPr id="104" name="CustomShape 6"/>
           <p:cNvSpPr/>
           <p:nvPr/>
         </p:nvSpPr>
         <p:spPr>
           <a:xfrm>
             <a:off x="360000" y="360000"/>
-            <a:ext cx="9348840" cy="888840"/>
+            <a:ext cx="9348480" cy="888480"/>
           </a:xfrm>
           <a:prstGeom prst="rect">
             <a:avLst/>
@@ -20283,14 +17608,14 @@
       </p:sp>
       <p:sp>
         <p:nvSpPr>
-          <p:cNvPr id="144" name="CustomShape 7"/>
+          <p:cNvPr id="105" name="CustomShape 7"/>
           <p:cNvSpPr/>
           <p:nvPr/>
         </p:nvSpPr>
         <p:spPr>
           <a:xfrm>
             <a:off x="360000" y="1980000"/>
-            <a:ext cx="9168840" cy="4668840"/>
+            <a:ext cx="9168480" cy="4668480"/>
           </a:xfrm>
           <a:prstGeom prst="rect">
             <a:avLst/>
@@ -20342,14 +17667,14 @@
       </p:sp>
       <p:sp>
         <p:nvSpPr>
-          <p:cNvPr id="145" name="CustomShape 12"/>
+          <p:cNvPr id="106" name="CustomShape 12"/>
           <p:cNvSpPr/>
           <p:nvPr/>
         </p:nvSpPr>
         <p:spPr>
           <a:xfrm>
             <a:off x="897120" y="6886080"/>
-            <a:ext cx="6436080" cy="353880"/>
+            <a:ext cx="6435720" cy="353520"/>
           </a:xfrm>
           <a:prstGeom prst="rect">
             <a:avLst/>
@@ -20394,14 +17719,14 @@
       </p:sp>
       <p:sp>
         <p:nvSpPr>
-          <p:cNvPr id="146" name="CustomShape 13"/>
+          <p:cNvPr id="107" name="CustomShape 13"/>
           <p:cNvSpPr/>
           <p:nvPr/>
         </p:nvSpPr>
         <p:spPr>
           <a:xfrm>
             <a:off x="7608600" y="6886080"/>
-            <a:ext cx="2274120" cy="353880"/>
+            <a:ext cx="2273760" cy="353520"/>
           </a:xfrm>
           <a:prstGeom prst="rect">
             <a:avLst/>
@@ -20446,14 +17771,14 @@
       </p:sp>
       <p:sp>
         <p:nvSpPr>
-          <p:cNvPr id="147" name=""/>
+          <p:cNvPr id="108" name=""/>
           <p:cNvSpPr/>
           <p:nvPr/>
         </p:nvSpPr>
         <p:spPr>
           <a:xfrm>
             <a:off x="342360" y="1529280"/>
-            <a:ext cx="9375120" cy="5358600"/>
+            <a:ext cx="9374760" cy="5358240"/>
           </a:xfrm>
           <a:prstGeom prst="rect">
             <a:avLst/>
@@ -20499,17 +17824,7 @@
                 <a:latin typeface="Latin Modern Sans"/>
                 <a:ea typeface="DejaVu Sans"/>
               </a:rPr>
-              <a:t>Regressão: Compreender a relação entre as características dos dados e a variável </a:t>
-            </a:r>
-            <a:r>
-              <a:rPr b="0" lang="pt-BR" sz="1600" spc="-1" strike="noStrike">
-                <a:solidFill>
-                  <a:srgbClr val="1c1c1c"/>
-                </a:solidFill>
-                <a:latin typeface="Latin Modern Sans"/>
-                <a:ea typeface="DejaVu Sans"/>
-              </a:rPr>
-              <a:t>dependente (target).</a:t>
+              <a:t>Regressão: Compreender a relação entre as características dos dados e a variável dependente (target).</a:t>
             </a:r>
             <a:endParaRPr b="0" lang="pt-BR" sz="1600" spc="-1" strike="noStrike">
               <a:latin typeface="Arial"/>
@@ -20645,16 +17960,11 @@
             </a:endParaRPr>
           </a:p>
           <a:p>
-            <a:pPr lvl="1" marL="432000" indent="-216000">
-              <a:lnSpc>
-                <a:spcPct val="100000"/>
-              </a:lnSpc>
-              <a:buClr>
-                <a:srgbClr val="000000"/>
-              </a:buClr>
-              <a:buSzPct val="45000"/>
-              <a:buFont typeface="Wingdings" charset="2"/>
-              <a:buChar char=""/>
+            <a:pPr>
+              <a:lnSpc>
+                <a:spcPct val="100000"/>
+              </a:lnSpc>
+              <a:buNone/>
             </a:pPr>
             <a:endParaRPr b="0" lang="pt-BR" sz="1600" spc="-1" strike="noStrike">
               <a:latin typeface="Arial"/>
@@ -20950,7 +18260,7 @@
       </p:sp>
       <p:pic>
         <p:nvPicPr>
-          <p:cNvPr id="148" name="" descr=""/>
+          <p:cNvPr id="109" name="" descr=""/>
           <p:cNvPicPr/>
           <p:nvPr/>
         </p:nvPicPr>
@@ -20961,7 +18271,7 @@
         <p:spPr>
           <a:xfrm>
             <a:off x="2880000" y="3060000"/>
-            <a:ext cx="5631120" cy="2930400"/>
+            <a:ext cx="5630760" cy="2930040"/>
           </a:xfrm>
           <a:prstGeom prst="rect">
             <a:avLst/>
@@ -21003,14 +18313,14 @@
       </p:grpSpPr>
       <p:sp>
         <p:nvSpPr>
-          <p:cNvPr id="149" name="CustomShape 15"/>
+          <p:cNvPr id="110" name="CustomShape 15"/>
           <p:cNvSpPr/>
           <p:nvPr/>
         </p:nvSpPr>
         <p:spPr>
           <a:xfrm>
             <a:off x="360000" y="360000"/>
-            <a:ext cx="9348840" cy="888840"/>
+            <a:ext cx="9348480" cy="888480"/>
           </a:xfrm>
           <a:prstGeom prst="rect">
             <a:avLst/>
@@ -21055,14 +18365,14 @@
       </p:sp>
       <p:sp>
         <p:nvSpPr>
-          <p:cNvPr id="150" name="CustomShape 16"/>
+          <p:cNvPr id="111" name="CustomShape 16"/>
           <p:cNvSpPr/>
           <p:nvPr/>
         </p:nvSpPr>
         <p:spPr>
           <a:xfrm>
             <a:off x="360000" y="1980000"/>
-            <a:ext cx="9168840" cy="4668840"/>
+            <a:ext cx="9168480" cy="4668480"/>
           </a:xfrm>
           <a:prstGeom prst="rect">
             <a:avLst/>
@@ -21114,14 +18424,14 @@
       </p:sp>
       <p:sp>
         <p:nvSpPr>
-          <p:cNvPr id="151" name="CustomShape 17"/>
+          <p:cNvPr id="112" name="CustomShape 17"/>
           <p:cNvSpPr/>
           <p:nvPr/>
         </p:nvSpPr>
         <p:spPr>
           <a:xfrm>
             <a:off x="897120" y="6886080"/>
-            <a:ext cx="6436080" cy="353880"/>
+            <a:ext cx="6435720" cy="353520"/>
           </a:xfrm>
           <a:prstGeom prst="rect">
             <a:avLst/>
@@ -21166,14 +18476,14 @@
       </p:sp>
       <p:sp>
         <p:nvSpPr>
-          <p:cNvPr id="152" name="CustomShape 18"/>
+          <p:cNvPr id="113" name="CustomShape 18"/>
           <p:cNvSpPr/>
           <p:nvPr/>
         </p:nvSpPr>
         <p:spPr>
           <a:xfrm>
             <a:off x="7608600" y="6886080"/>
-            <a:ext cx="2274120" cy="353880"/>
+            <a:ext cx="2273760" cy="353520"/>
           </a:xfrm>
           <a:prstGeom prst="rect">
             <a:avLst/>
@@ -21218,14 +18528,14 @@
       </p:sp>
       <p:sp>
         <p:nvSpPr>
-          <p:cNvPr id="153" name=""/>
+          <p:cNvPr id="114" name=""/>
           <p:cNvSpPr/>
           <p:nvPr/>
         </p:nvSpPr>
         <p:spPr>
           <a:xfrm>
             <a:off x="342360" y="1529280"/>
-            <a:ext cx="9375120" cy="5358600"/>
+            <a:ext cx="9374760" cy="5358240"/>
           </a:xfrm>
           <a:prstGeom prst="rect">
             <a:avLst/>
@@ -21454,16 +18764,11 @@
             </a:endParaRPr>
           </a:p>
           <a:p>
-            <a:pPr lvl="1" marL="432000" indent="-216000">
-              <a:lnSpc>
-                <a:spcPct val="100000"/>
-              </a:lnSpc>
-              <a:buClr>
-                <a:srgbClr val="000000"/>
-              </a:buClr>
-              <a:buSzPct val="45000"/>
-              <a:buFont typeface="Wingdings" charset="2"/>
-              <a:buChar char=""/>
+            <a:pPr>
+              <a:lnSpc>
+                <a:spcPct val="100000"/>
+              </a:lnSpc>
+              <a:buNone/>
             </a:pPr>
             <a:endParaRPr b="0" lang="pt-BR" sz="1600" spc="-1" strike="noStrike">
               <a:latin typeface="Arial"/>
@@ -21759,7 +19064,7 @@
       </p:sp>
       <p:pic>
         <p:nvPicPr>
-          <p:cNvPr id="154" name="" descr=""/>
+          <p:cNvPr id="115" name="" descr=""/>
           <p:cNvPicPr/>
           <p:nvPr/>
         </p:nvPicPr>
@@ -21770,7 +19075,7 @@
         <p:spPr>
           <a:xfrm>
             <a:off x="360000" y="2700000"/>
-            <a:ext cx="4370760" cy="2448000"/>
+            <a:ext cx="4370400" cy="2447640"/>
           </a:xfrm>
           <a:prstGeom prst="rect">
             <a:avLst/>
@@ -21782,7 +19087,7 @@
       </p:pic>
       <p:pic>
         <p:nvPicPr>
-          <p:cNvPr id="155" name="" descr=""/>
+          <p:cNvPr id="116" name="" descr=""/>
           <p:cNvPicPr/>
           <p:nvPr/>
         </p:nvPicPr>
@@ -21793,7 +19098,7 @@
         <p:spPr>
           <a:xfrm>
             <a:off x="4860000" y="2532600"/>
-            <a:ext cx="4680000" cy="2867400"/>
+            <a:ext cx="4679640" cy="2867040"/>
           </a:xfrm>
           <a:prstGeom prst="rect">
             <a:avLst/>
@@ -21835,14 +19140,14 @@
       </p:grpSpPr>
       <p:sp>
         <p:nvSpPr>
-          <p:cNvPr id="156" name="CustomShape 25"/>
+          <p:cNvPr id="117" name="CustomShape 25"/>
           <p:cNvSpPr/>
           <p:nvPr/>
         </p:nvSpPr>
         <p:spPr>
           <a:xfrm>
             <a:off x="360000" y="360000"/>
-            <a:ext cx="9348840" cy="888840"/>
+            <a:ext cx="9348480" cy="888480"/>
           </a:xfrm>
           <a:prstGeom prst="rect">
             <a:avLst/>
@@ -21887,14 +19192,14 @@
       </p:sp>
       <p:sp>
         <p:nvSpPr>
-          <p:cNvPr id="157" name="CustomShape 26"/>
+          <p:cNvPr id="118" name="CustomShape 26"/>
           <p:cNvSpPr/>
           <p:nvPr/>
         </p:nvSpPr>
         <p:spPr>
           <a:xfrm>
             <a:off x="360000" y="1980000"/>
-            <a:ext cx="9168840" cy="4668840"/>
+            <a:ext cx="9168480" cy="4668480"/>
           </a:xfrm>
           <a:prstGeom prst="rect">
             <a:avLst/>
@@ -21946,14 +19251,14 @@
       </p:sp>
       <p:sp>
         <p:nvSpPr>
-          <p:cNvPr id="158" name="CustomShape 27"/>
+          <p:cNvPr id="119" name="CustomShape 27"/>
           <p:cNvSpPr/>
           <p:nvPr/>
         </p:nvSpPr>
         <p:spPr>
           <a:xfrm>
             <a:off x="897120" y="6886080"/>
-            <a:ext cx="6436080" cy="353880"/>
+            <a:ext cx="6435720" cy="353520"/>
           </a:xfrm>
           <a:prstGeom prst="rect">
             <a:avLst/>
@@ -21998,14 +19303,14 @@
       </p:sp>
       <p:sp>
         <p:nvSpPr>
-          <p:cNvPr id="159" name="CustomShape 28"/>
+          <p:cNvPr id="120" name="CustomShape 28"/>
           <p:cNvSpPr/>
           <p:nvPr/>
         </p:nvSpPr>
         <p:spPr>
           <a:xfrm>
             <a:off x="7608600" y="6886080"/>
-            <a:ext cx="2274120" cy="353880"/>
+            <a:ext cx="2273760" cy="353520"/>
           </a:xfrm>
           <a:prstGeom prst="rect">
             <a:avLst/>
@@ -22050,14 +19355,14 @@
       </p:sp>
       <p:sp>
         <p:nvSpPr>
-          <p:cNvPr id="160" name=""/>
+          <p:cNvPr id="121" name=""/>
           <p:cNvSpPr/>
           <p:nvPr/>
         </p:nvSpPr>
         <p:spPr>
           <a:xfrm>
             <a:off x="342360" y="1529280"/>
-            <a:ext cx="9375120" cy="5358600"/>
+            <a:ext cx="9374760" cy="5358240"/>
           </a:xfrm>
           <a:prstGeom prst="rect">
             <a:avLst/>
@@ -22317,16 +19622,11 @@
             </a:endParaRPr>
           </a:p>
           <a:p>
-            <a:pPr lvl="1" marL="432000" indent="-216000">
-              <a:lnSpc>
-                <a:spcPct val="100000"/>
-              </a:lnSpc>
-              <a:buClr>
-                <a:srgbClr val="000000"/>
-              </a:buClr>
-              <a:buSzPct val="45000"/>
-              <a:buFont typeface="Wingdings" charset="2"/>
-              <a:buChar char=""/>
+            <a:pPr>
+              <a:lnSpc>
+                <a:spcPct val="100000"/>
+              </a:lnSpc>
+              <a:buNone/>
             </a:pPr>
             <a:endParaRPr b="0" lang="pt-BR" sz="1600" spc="-1" strike="noStrike">
               <a:latin typeface="Arial"/>
@@ -22622,7 +19922,7 @@
       </p:sp>
       <p:pic>
         <p:nvPicPr>
-          <p:cNvPr id="161" name="" descr=""/>
+          <p:cNvPr id="122" name="" descr=""/>
           <p:cNvPicPr/>
           <p:nvPr/>
         </p:nvPicPr>
@@ -22633,7 +19933,7 @@
         <p:spPr>
           <a:xfrm>
             <a:off x="4140000" y="2103120"/>
-            <a:ext cx="5438520" cy="4628880"/>
+            <a:ext cx="5438160" cy="4628520"/>
           </a:xfrm>
           <a:prstGeom prst="rect">
             <a:avLst/>
@@ -22645,7 +19945,7 @@
       </p:pic>
       <p:pic>
         <p:nvPicPr>
-          <p:cNvPr id="162" name="" descr=""/>
+          <p:cNvPr id="123" name="" descr=""/>
           <p:cNvPicPr/>
           <p:nvPr/>
         </p:nvPicPr>
@@ -22656,7 +19956,7 @@
         <p:spPr>
           <a:xfrm>
             <a:off x="540000" y="2700000"/>
-            <a:ext cx="1771200" cy="704520"/>
+            <a:ext cx="1770840" cy="704160"/>
           </a:xfrm>
           <a:prstGeom prst="rect">
             <a:avLst/>
@@ -22668,7 +19968,7 @@
       </p:pic>
       <p:pic>
         <p:nvPicPr>
-          <p:cNvPr id="163" name="" descr=""/>
+          <p:cNvPr id="124" name="" descr=""/>
           <p:cNvPicPr/>
           <p:nvPr/>
         </p:nvPicPr>
@@ -22679,7 +19979,7 @@
         <p:spPr>
           <a:xfrm>
             <a:off x="540000" y="4140000"/>
-            <a:ext cx="2571480" cy="713880"/>
+            <a:ext cx="2571120" cy="713520"/>
           </a:xfrm>
           <a:prstGeom prst="rect">
             <a:avLst/>
@@ -22691,7 +19991,7 @@
       </p:pic>
       <p:pic>
         <p:nvPicPr>
-          <p:cNvPr id="164" name="" descr=""/>
+          <p:cNvPr id="125" name="" descr=""/>
           <p:cNvPicPr/>
           <p:nvPr/>
         </p:nvPicPr>
@@ -22703,7 +20003,7 @@
         <p:spPr>
           <a:xfrm>
             <a:off x="7457040" y="4140000"/>
-            <a:ext cx="2210400" cy="910440"/>
+            <a:ext cx="2210040" cy="910080"/>
           </a:xfrm>
           <a:prstGeom prst="rect">
             <a:avLst/>
@@ -22745,14 +20045,14 @@
       </p:grpSpPr>
       <p:sp>
         <p:nvSpPr>
-          <p:cNvPr id="165" name="CustomShape 20"/>
+          <p:cNvPr id="126" name="CustomShape 20"/>
           <p:cNvSpPr/>
           <p:nvPr/>
         </p:nvSpPr>
         <p:spPr>
           <a:xfrm>
             <a:off x="360000" y="360000"/>
-            <a:ext cx="9348840" cy="888840"/>
+            <a:ext cx="9348480" cy="888480"/>
           </a:xfrm>
           <a:prstGeom prst="rect">
             <a:avLst/>
@@ -22797,14 +20097,14 @@
       </p:sp>
       <p:sp>
         <p:nvSpPr>
-          <p:cNvPr id="166" name="CustomShape 21"/>
+          <p:cNvPr id="127" name="CustomShape 21"/>
           <p:cNvSpPr/>
           <p:nvPr/>
         </p:nvSpPr>
         <p:spPr>
           <a:xfrm>
             <a:off x="360000" y="1980000"/>
-            <a:ext cx="9168840" cy="4668840"/>
+            <a:ext cx="9168480" cy="4668480"/>
           </a:xfrm>
           <a:prstGeom prst="rect">
             <a:avLst/>
@@ -22856,14 +20156,14 @@
       </p:sp>
       <p:sp>
         <p:nvSpPr>
-          <p:cNvPr id="167" name="CustomShape 22"/>
+          <p:cNvPr id="128" name="CustomShape 22"/>
           <p:cNvSpPr/>
           <p:nvPr/>
         </p:nvSpPr>
         <p:spPr>
           <a:xfrm>
             <a:off x="897120" y="6886080"/>
-            <a:ext cx="6436080" cy="353880"/>
+            <a:ext cx="6435720" cy="353520"/>
           </a:xfrm>
           <a:prstGeom prst="rect">
             <a:avLst/>
@@ -22908,14 +20208,14 @@
       </p:sp>
       <p:sp>
         <p:nvSpPr>
-          <p:cNvPr id="168" name="CustomShape 23"/>
+          <p:cNvPr id="129" name="CustomShape 23"/>
           <p:cNvSpPr/>
           <p:nvPr/>
         </p:nvSpPr>
         <p:spPr>
           <a:xfrm>
             <a:off x="7608600" y="6886080"/>
-            <a:ext cx="2274120" cy="353880"/>
+            <a:ext cx="2273760" cy="353520"/>
           </a:xfrm>
           <a:prstGeom prst="rect">
             <a:avLst/>
@@ -22960,14 +20260,14 @@
       </p:sp>
       <p:sp>
         <p:nvSpPr>
-          <p:cNvPr id="169" name=""/>
+          <p:cNvPr id="130" name=""/>
           <p:cNvSpPr/>
           <p:nvPr/>
         </p:nvSpPr>
         <p:spPr>
           <a:xfrm>
             <a:off x="342360" y="1529280"/>
-            <a:ext cx="9375120" cy="5358600"/>
+            <a:ext cx="9374760" cy="5358240"/>
           </a:xfrm>
           <a:prstGeom prst="rect">
             <a:avLst/>
@@ -23151,16 +20451,11 @@
             </a:endParaRPr>
           </a:p>
           <a:p>
-            <a:pPr lvl="1" marL="432000" indent="-216000">
-              <a:lnSpc>
-                <a:spcPct val="100000"/>
-              </a:lnSpc>
-              <a:buClr>
-                <a:srgbClr val="000000"/>
-              </a:buClr>
-              <a:buSzPct val="45000"/>
-              <a:buFont typeface="Wingdings" charset="2"/>
-              <a:buChar char=""/>
+            <a:pPr>
+              <a:lnSpc>
+                <a:spcPct val="100000"/>
+              </a:lnSpc>
+              <a:buNone/>
             </a:pPr>
             <a:endParaRPr b="0" lang="pt-BR" sz="1600" spc="-1" strike="noStrike">
               <a:latin typeface="Arial"/>
@@ -23456,7 +20751,7 @@
       </p:sp>
       <p:pic>
         <p:nvPicPr>
-          <p:cNvPr id="170" name="" descr=""/>
+          <p:cNvPr id="131" name="" descr=""/>
           <p:cNvPicPr/>
           <p:nvPr/>
         </p:nvPicPr>
@@ -23467,7 +20762,7 @@
         <p:spPr>
           <a:xfrm>
             <a:off x="500040" y="2880000"/>
-            <a:ext cx="2559960" cy="1440000"/>
+            <a:ext cx="2559600" cy="1439640"/>
           </a:xfrm>
           <a:prstGeom prst="rect">
             <a:avLst/>
@@ -23479,13 +20774,13 @@
       </p:pic>
       <p:graphicFrame>
         <p:nvGraphicFramePr>
-          <p:cNvPr id="171" name=""/>
+          <p:cNvPr id="132" name=""/>
           <p:cNvGraphicFramePr/>
           <p:nvPr/>
         </p:nvGraphicFramePr>
         <p:xfrm>
           <a:off x="3960000" y="2018160"/>
-          <a:ext cx="5400000" cy="2705040"/>
+          <a:ext cx="5399640" cy="347040"/>
         </p:xfrm>
         <a:graphic>
           <a:graphicData uri="http://schemas.openxmlformats.org/drawingml/2006/table">
@@ -23498,14 +20793,17 @@
                 <a:gridCol w="1243800"/>
                 <a:gridCol w="1040760"/>
               </a:tblGrid>
-              <a:tr h="347400">
+              <a:tr h="347760">
                 <a:tc>
                   <a:txBody>
-                    <a:bodyPr lIns="90000" rIns="90000" tIns="46800" bIns="46800" anchor="t">
+                    <a:bodyPr lIns="90000" rIns="90000" anchor="t">
                       <a:noAutofit/>
                     </a:bodyPr>
                     <a:p>
                       <a:pPr algn="ctr">
+                        <a:lnSpc>
+                          <a:spcPct val="100000"/>
+                        </a:lnSpc>
                         <a:buNone/>
                       </a:pPr>
                       <a:r>
@@ -23514,7 +20812,7 @@
                         </a:rPr>
                         <a:t>Height</a:t>
                       </a:r>
-                      <a:endParaRPr b="1" lang="pt-BR" sz="1800" spc="-1" strike="noStrike">
+                      <a:endParaRPr b="0" lang="pt-BR" sz="1800" spc="-1" strike="noStrike">
                         <a:latin typeface="Arial"/>
                       </a:endParaRPr>
                     </a:p>
@@ -23547,11 +20845,14 @@
                 </a:tc>
                 <a:tc>
                   <a:txBody>
-                    <a:bodyPr lIns="90000" rIns="90000" tIns="46800" bIns="46800" anchor="t">
+                    <a:bodyPr lIns="90000" rIns="90000" anchor="t">
                       <a:noAutofit/>
                     </a:bodyPr>
                     <a:p>
                       <a:pPr algn="ctr">
+                        <a:lnSpc>
+                          <a:spcPct val="100000"/>
+                        </a:lnSpc>
                         <a:buNone/>
                       </a:pPr>
                       <a:r>
@@ -23560,7 +20861,7 @@
                         </a:rPr>
                         <a:t>Age</a:t>
                       </a:r>
-                      <a:endParaRPr b="1" lang="pt-BR" sz="1800" spc="-1" strike="noStrike">
+                      <a:endParaRPr b="0" lang="pt-BR" sz="1800" spc="-1" strike="noStrike">
                         <a:latin typeface="Arial"/>
                       </a:endParaRPr>
                     </a:p>
@@ -23593,11 +20894,14 @@
                 </a:tc>
                 <a:tc>
                   <a:txBody>
-                    <a:bodyPr lIns="90000" rIns="90000" tIns="46800" bIns="46800" anchor="t">
+                    <a:bodyPr lIns="90000" rIns="90000" anchor="t">
                       <a:noAutofit/>
                     </a:bodyPr>
                     <a:p>
                       <a:pPr algn="ctr">
+                        <a:lnSpc>
+                          <a:spcPct val="100000"/>
+                        </a:lnSpc>
                         <a:buNone/>
                       </a:pPr>
                       <a:r>
@@ -23606,7 +20910,7 @@
                         </a:rPr>
                         <a:t>Weight</a:t>
                       </a:r>
-                      <a:endParaRPr b="1" lang="pt-BR" sz="1800" spc="-1" strike="noStrike">
+                      <a:endParaRPr b="0" lang="pt-BR" sz="1800" spc="-1" strike="noStrike">
                         <a:latin typeface="Arial"/>
                       </a:endParaRPr>
                     </a:p>
@@ -23639,26 +20943,23 @@
                 </a:tc>
                 <a:tc>
                   <a:txBody>
-                    <a:bodyPr lIns="90000" rIns="90000" tIns="46800" bIns="46800" anchor="t">
+                    <a:bodyPr lIns="90000" rIns="90000" anchor="t">
                       <a:noAutofit/>
                     </a:bodyPr>
                     <a:p>
                       <a:pPr algn="ctr">
+                        <a:lnSpc>
+                          <a:spcPct val="100000"/>
+                        </a:lnSpc>
                         <a:buNone/>
                       </a:pPr>
                       <a:r>
                         <a:rPr b="1" lang="pt-BR" sz="1800" spc="-1" strike="noStrike">
                           <a:latin typeface="Arial"/>
                         </a:rPr>
-                        <a:t>Predict</a:t>
+                        <a:t>Predicted</a:t>
                       </a:r>
-                      <a:r>
-                        <a:rPr b="1" lang="pt-BR" sz="1800" spc="-1" strike="noStrike">
-                          <a:latin typeface="Arial"/>
-                        </a:rPr>
-                        <a:t>ed</a:t>
-                      </a:r>
-                      <a:endParaRPr b="1" lang="pt-BR" sz="1800" spc="-1" strike="noStrike">
+                      <a:endParaRPr b="0" lang="pt-BR" sz="1800" spc="-1" strike="noStrike">
                         <a:latin typeface="Arial"/>
                       </a:endParaRPr>
                     </a:p>
@@ -23691,11 +20992,14 @@
                 </a:tc>
                 <a:tc>
                   <a:txBody>
-                    <a:bodyPr lIns="90000" rIns="90000" tIns="46800" bIns="46800" anchor="t">
+                    <a:bodyPr lIns="90000" rIns="90000" anchor="t">
                       <a:noAutofit/>
                     </a:bodyPr>
                     <a:p>
                       <a:pPr algn="ctr">
+                        <a:lnSpc>
+                          <a:spcPct val="100000"/>
+                        </a:lnSpc>
                         <a:buNone/>
                       </a:pPr>
                       <a:r>
@@ -23704,7 +21008,7 @@
                         </a:rPr>
                         <a:t>Diff</a:t>
                       </a:r>
-                      <a:endParaRPr b="1" lang="pt-BR" sz="1800" spc="-1" strike="noStrike">
+                      <a:endParaRPr b="0" lang="pt-BR" sz="1800" spc="-1" strike="noStrike">
                         <a:latin typeface="Arial"/>
                       </a:endParaRPr>
                     </a:p>
@@ -23736,14 +21040,17 @@
                   </a:tcPr>
                 </a:tc>
               </a:tr>
-              <a:tr h="0">
+              <a:tr h="347760">
                 <a:tc>
                   <a:txBody>
-                    <a:bodyPr lIns="90000" rIns="90000" tIns="46800" bIns="46800" anchor="t">
+                    <a:bodyPr lIns="90000" rIns="90000" anchor="t">
                       <a:noAutofit/>
                     </a:bodyPr>
                     <a:p>
                       <a:pPr algn="ctr">
+                        <a:lnSpc>
+                          <a:spcPct val="100000"/>
+                        </a:lnSpc>
                         <a:buNone/>
                       </a:pPr>
                       <a:r>
@@ -23785,11 +21092,14 @@
                 </a:tc>
                 <a:tc>
                   <a:txBody>
-                    <a:bodyPr lIns="90000" rIns="90000" tIns="46800" bIns="46800" anchor="t">
+                    <a:bodyPr lIns="90000" rIns="90000" anchor="t">
                       <a:noAutofit/>
                     </a:bodyPr>
                     <a:p>
                       <a:pPr algn="ctr">
+                        <a:lnSpc>
+                          <a:spcPct val="100000"/>
+                        </a:lnSpc>
                         <a:buNone/>
                       </a:pPr>
                       <a:r>
@@ -23831,11 +21141,14 @@
                 </a:tc>
                 <a:tc>
                   <a:txBody>
-                    <a:bodyPr lIns="90000" rIns="90000" tIns="46800" bIns="46800" anchor="t">
+                    <a:bodyPr lIns="90000" rIns="90000" anchor="t">
                       <a:noAutofit/>
                     </a:bodyPr>
                     <a:p>
                       <a:pPr algn="ctr">
+                        <a:lnSpc>
+                          <a:spcPct val="100000"/>
+                        </a:lnSpc>
                         <a:buNone/>
                       </a:pPr>
                       <a:r>
@@ -23877,11 +21190,14 @@
                 </a:tc>
                 <a:tc>
                   <a:txBody>
-                    <a:bodyPr lIns="90000" rIns="90000" tIns="46800" bIns="46800" anchor="t">
+                    <a:bodyPr lIns="90000" rIns="90000" anchor="t">
                       <a:noAutofit/>
                     </a:bodyPr>
                     <a:p>
                       <a:pPr algn="ctr">
+                        <a:lnSpc>
+                          <a:spcPct val="100000"/>
+                        </a:lnSpc>
                         <a:buNone/>
                       </a:pPr>
                       <a:r>
@@ -23923,11 +21239,14 @@
                 </a:tc>
                 <a:tc>
                   <a:txBody>
-                    <a:bodyPr lIns="90000" rIns="90000" tIns="46800" bIns="46800" anchor="t">
+                    <a:bodyPr lIns="90000" rIns="90000" anchor="t">
                       <a:noAutofit/>
                     </a:bodyPr>
                     <a:p>
                       <a:pPr algn="ctr">
+                        <a:lnSpc>
+                          <a:spcPct val="100000"/>
+                        </a:lnSpc>
                         <a:buNone/>
                       </a:pPr>
                       <a:r>
@@ -23968,14 +21287,17 @@
                   </a:tcPr>
                 </a:tc>
               </a:tr>
-              <a:tr h="0">
+              <a:tr h="347760">
                 <a:tc>
                   <a:txBody>
-                    <a:bodyPr lIns="90000" rIns="90000" tIns="46800" bIns="46800" anchor="t">
+                    <a:bodyPr lIns="90000" rIns="90000" anchor="t">
                       <a:noAutofit/>
                     </a:bodyPr>
                     <a:p>
                       <a:pPr algn="ctr">
+                        <a:lnSpc>
+                          <a:spcPct val="100000"/>
+                        </a:lnSpc>
                         <a:buNone/>
                       </a:pPr>
                       <a:r>
@@ -24017,11 +21339,14 @@
                 </a:tc>
                 <a:tc>
                   <a:txBody>
-                    <a:bodyPr lIns="90000" rIns="90000" tIns="46800" bIns="46800" anchor="t">
+                    <a:bodyPr lIns="90000" rIns="90000" anchor="t">
                       <a:noAutofit/>
                     </a:bodyPr>
                     <a:p>
                       <a:pPr algn="ctr">
+                        <a:lnSpc>
+                          <a:spcPct val="100000"/>
+                        </a:lnSpc>
                         <a:buNone/>
                       </a:pPr>
                       <a:r>
@@ -24063,11 +21388,14 @@
                 </a:tc>
                 <a:tc>
                   <a:txBody>
-                    <a:bodyPr lIns="90000" rIns="90000" tIns="46800" bIns="46800" anchor="t">
+                    <a:bodyPr lIns="90000" rIns="90000" anchor="t">
                       <a:noAutofit/>
                     </a:bodyPr>
                     <a:p>
                       <a:pPr algn="ctr">
+                        <a:lnSpc>
+                          <a:spcPct val="100000"/>
+                        </a:lnSpc>
                         <a:buNone/>
                       </a:pPr>
                       <a:r>
@@ -24109,11 +21437,14 @@
                 </a:tc>
                 <a:tc>
                   <a:txBody>
-                    <a:bodyPr lIns="90000" rIns="90000" tIns="46800" bIns="46800" anchor="t">
+                    <a:bodyPr lIns="90000" rIns="90000" anchor="t">
                       <a:noAutofit/>
                     </a:bodyPr>
                     <a:p>
                       <a:pPr algn="ctr">
+                        <a:lnSpc>
+                          <a:spcPct val="100000"/>
+                        </a:lnSpc>
                         <a:buNone/>
                       </a:pPr>
                       <a:r>
@@ -24155,11 +21486,14 @@
                 </a:tc>
                 <a:tc>
                   <a:txBody>
-                    <a:bodyPr lIns="90000" rIns="90000" tIns="46800" bIns="46800" anchor="t">
+                    <a:bodyPr lIns="90000" rIns="90000" anchor="t">
                       <a:noAutofit/>
                     </a:bodyPr>
                     <a:p>
                       <a:pPr algn="ctr">
+                        <a:lnSpc>
+                          <a:spcPct val="100000"/>
+                        </a:lnSpc>
                         <a:buNone/>
                       </a:pPr>
                       <a:r>
@@ -24200,14 +21534,17 @@
                   </a:tcPr>
                 </a:tc>
               </a:tr>
-              <a:tr h="0">
+              <a:tr h="347760">
                 <a:tc>
                   <a:txBody>
-                    <a:bodyPr lIns="90000" rIns="90000" tIns="46800" bIns="46800" anchor="t">
+                    <a:bodyPr lIns="90000" rIns="90000" anchor="t">
                       <a:noAutofit/>
                     </a:bodyPr>
                     <a:p>
                       <a:pPr algn="ctr">
+                        <a:lnSpc>
+                          <a:spcPct val="100000"/>
+                        </a:lnSpc>
                         <a:buNone/>
                       </a:pPr>
                       <a:r>
@@ -24249,11 +21586,14 @@
                 </a:tc>
                 <a:tc>
                   <a:txBody>
-                    <a:bodyPr lIns="90000" rIns="90000" tIns="46800" bIns="46800" anchor="t">
+                    <a:bodyPr lIns="90000" rIns="90000" anchor="t">
                       <a:noAutofit/>
                     </a:bodyPr>
                     <a:p>
                       <a:pPr algn="ctr">
+                        <a:lnSpc>
+                          <a:spcPct val="100000"/>
+                        </a:lnSpc>
                         <a:buNone/>
                       </a:pPr>
                       <a:r>
@@ -24295,11 +21635,14 @@
                 </a:tc>
                 <a:tc>
                   <a:txBody>
-                    <a:bodyPr lIns="90000" rIns="90000" tIns="46800" bIns="46800" anchor="t">
+                    <a:bodyPr lIns="90000" rIns="90000" anchor="t">
                       <a:noAutofit/>
                     </a:bodyPr>
                     <a:p>
                       <a:pPr algn="ctr">
+                        <a:lnSpc>
+                          <a:spcPct val="100000"/>
+                        </a:lnSpc>
                         <a:buNone/>
                       </a:pPr>
                       <a:r>
@@ -24341,11 +21684,14 @@
                 </a:tc>
                 <a:tc>
                   <a:txBody>
-                    <a:bodyPr lIns="90000" rIns="90000" tIns="46800" bIns="46800" anchor="t">
+                    <a:bodyPr lIns="90000" rIns="90000" anchor="t">
                       <a:noAutofit/>
                     </a:bodyPr>
                     <a:p>
                       <a:pPr algn="ctr">
+                        <a:lnSpc>
+                          <a:spcPct val="100000"/>
+                        </a:lnSpc>
                         <a:buNone/>
                       </a:pPr>
                       <a:r>
@@ -24387,11 +21733,14 @@
                 </a:tc>
                 <a:tc>
                   <a:txBody>
-                    <a:bodyPr lIns="90000" rIns="90000" tIns="46800" bIns="46800" anchor="t">
+                    <a:bodyPr lIns="90000" rIns="90000" anchor="t">
                       <a:noAutofit/>
                     </a:bodyPr>
                     <a:p>
                       <a:pPr algn="ctr">
+                        <a:lnSpc>
+                          <a:spcPct val="100000"/>
+                        </a:lnSpc>
                         <a:buNone/>
                       </a:pPr>
                       <a:r>
@@ -24432,14 +21781,17 @@
                   </a:tcPr>
                 </a:tc>
               </a:tr>
-              <a:tr h="0">
+              <a:tr h="347760">
                 <a:tc>
                   <a:txBody>
-                    <a:bodyPr lIns="90000" rIns="90000" tIns="46800" bIns="46800" anchor="t">
+                    <a:bodyPr lIns="90000" rIns="90000" anchor="t">
                       <a:noAutofit/>
                     </a:bodyPr>
                     <a:p>
                       <a:pPr algn="ctr">
+                        <a:lnSpc>
+                          <a:spcPct val="100000"/>
+                        </a:lnSpc>
                         <a:buNone/>
                       </a:pPr>
                       <a:r>
@@ -24481,11 +21833,14 @@
                 </a:tc>
                 <a:tc>
                   <a:txBody>
-                    <a:bodyPr lIns="90000" rIns="90000" tIns="46800" bIns="46800" anchor="t">
+                    <a:bodyPr lIns="90000" rIns="90000" anchor="t">
                       <a:noAutofit/>
                     </a:bodyPr>
                     <a:p>
                       <a:pPr algn="ctr">
+                        <a:lnSpc>
+                          <a:spcPct val="100000"/>
+                        </a:lnSpc>
                         <a:buNone/>
                       </a:pPr>
                       <a:r>
@@ -24527,11 +21882,14 @@
                 </a:tc>
                 <a:tc>
                   <a:txBody>
-                    <a:bodyPr lIns="90000" rIns="90000" tIns="46800" bIns="46800" anchor="t">
+                    <a:bodyPr lIns="90000" rIns="90000" anchor="t">
                       <a:noAutofit/>
                     </a:bodyPr>
                     <a:p>
                       <a:pPr algn="ctr">
+                        <a:lnSpc>
+                          <a:spcPct val="100000"/>
+                        </a:lnSpc>
                         <a:buNone/>
                       </a:pPr>
                       <a:r>
@@ -24573,11 +21931,14 @@
                 </a:tc>
                 <a:tc>
                   <a:txBody>
-                    <a:bodyPr lIns="90000" rIns="90000" tIns="46800" bIns="46800" anchor="t">
+                    <a:bodyPr lIns="90000" rIns="90000" anchor="t">
                       <a:noAutofit/>
                     </a:bodyPr>
                     <a:p>
                       <a:pPr algn="ctr">
+                        <a:lnSpc>
+                          <a:spcPct val="100000"/>
+                        </a:lnSpc>
                         <a:buNone/>
                       </a:pPr>
                       <a:r>
@@ -24619,11 +21980,14 @@
                 </a:tc>
                 <a:tc>
                   <a:txBody>
-                    <a:bodyPr lIns="90000" rIns="90000" tIns="46800" bIns="46800" anchor="t">
+                    <a:bodyPr lIns="90000" rIns="90000" anchor="t">
                       <a:noAutofit/>
                     </a:bodyPr>
                     <a:p>
                       <a:pPr algn="ctr">
+                        <a:lnSpc>
+                          <a:spcPct val="100000"/>
+                        </a:lnSpc>
                         <a:buNone/>
                       </a:pPr>
                       <a:r>
@@ -24664,14 +22028,17 @@
                   </a:tcPr>
                 </a:tc>
               </a:tr>
-              <a:tr h="0">
+              <a:tr h="347760">
                 <a:tc>
                   <a:txBody>
-                    <a:bodyPr lIns="90000" rIns="90000" tIns="46800" bIns="46800" anchor="t">
+                    <a:bodyPr lIns="90000" rIns="90000" anchor="t">
                       <a:noAutofit/>
                     </a:bodyPr>
                     <a:p>
                       <a:pPr algn="ctr">
+                        <a:lnSpc>
+                          <a:spcPct val="100000"/>
+                        </a:lnSpc>
                         <a:buNone/>
                       </a:pPr>
                       <a:r>
@@ -24713,11 +22080,14 @@
                 </a:tc>
                 <a:tc>
                   <a:txBody>
-                    <a:bodyPr lIns="90000" rIns="90000" tIns="46800" bIns="46800" anchor="t">
+                    <a:bodyPr lIns="90000" rIns="90000" anchor="t">
                       <a:noAutofit/>
                     </a:bodyPr>
                     <a:p>
                       <a:pPr algn="ctr">
+                        <a:lnSpc>
+                          <a:spcPct val="100000"/>
+                        </a:lnSpc>
                         <a:buNone/>
                       </a:pPr>
                       <a:r>
@@ -24759,11 +22129,14 @@
                 </a:tc>
                 <a:tc>
                   <a:txBody>
-                    <a:bodyPr lIns="90000" rIns="90000" tIns="46800" bIns="46800" anchor="t">
+                    <a:bodyPr lIns="90000" rIns="90000" anchor="t">
                       <a:noAutofit/>
                     </a:bodyPr>
                     <a:p>
                       <a:pPr algn="ctr">
+                        <a:lnSpc>
+                          <a:spcPct val="100000"/>
+                        </a:lnSpc>
                         <a:buNone/>
                       </a:pPr>
                       <a:r>
@@ -24805,11 +22178,14 @@
                 </a:tc>
                 <a:tc>
                   <a:txBody>
-                    <a:bodyPr lIns="90000" rIns="90000" tIns="46800" bIns="46800" anchor="t">
+                    <a:bodyPr lIns="90000" rIns="90000" anchor="t">
                       <a:noAutofit/>
                     </a:bodyPr>
                     <a:p>
                       <a:pPr algn="ctr">
+                        <a:lnSpc>
+                          <a:spcPct val="100000"/>
+                        </a:lnSpc>
                         <a:buNone/>
                       </a:pPr>
                       <a:r>
@@ -24851,11 +22227,14 @@
                 </a:tc>
                 <a:tc>
                   <a:txBody>
-                    <a:bodyPr lIns="90000" rIns="90000" tIns="46800" bIns="46800" anchor="t">
+                    <a:bodyPr lIns="90000" rIns="90000" anchor="t">
                       <a:noAutofit/>
                     </a:bodyPr>
                     <a:p>
                       <a:pPr algn="ctr">
+                        <a:lnSpc>
+                          <a:spcPct val="100000"/>
+                        </a:lnSpc>
                         <a:buNone/>
                       </a:pPr>
                       <a:r>
@@ -24896,7 +22275,7 @@
                   </a:tcPr>
                 </a:tc>
               </a:tr>
-              <a:tr h="0">
+              <a:tr h="347760">
                 <a:tc>
                   <a:tcPr anchor="t" marL="90000" marR="90000">
                     <a:lnL w="720">
@@ -24980,11 +22359,14 @@
                 </a:tc>
                 <a:tc>
                   <a:txBody>
-                    <a:bodyPr lIns="90000" rIns="90000" tIns="46800" bIns="46800" anchor="t">
+                    <a:bodyPr lIns="90000" rIns="90000" anchor="t">
                       <a:noAutofit/>
                     </a:bodyPr>
                     <a:p>
                       <a:pPr algn="ctr">
+                        <a:lnSpc>
+                          <a:spcPct val="100000"/>
+                        </a:lnSpc>
                         <a:buNone/>
                       </a:pPr>
                       <a:r>
@@ -25026,11 +22408,14 @@
                 </a:tc>
                 <a:tc>
                   <a:txBody>
-                    <a:bodyPr lIns="90000" rIns="90000" tIns="46800" bIns="46800" anchor="t">
+                    <a:bodyPr lIns="90000" rIns="90000" anchor="t">
                       <a:noAutofit/>
                     </a:bodyPr>
                     <a:p>
                       <a:pPr algn="ctr">
+                        <a:lnSpc>
+                          <a:spcPct val="100000"/>
+                        </a:lnSpc>
                         <a:buNone/>
                       </a:pPr>
                       <a:r>
@@ -25107,14 +22492,14 @@
       </p:grpSpPr>
       <p:sp>
         <p:nvSpPr>
-          <p:cNvPr id="172" name="CustomShape 30"/>
+          <p:cNvPr id="133" name="CustomShape 30"/>
           <p:cNvSpPr/>
           <p:nvPr/>
         </p:nvSpPr>
         <p:spPr>
           <a:xfrm>
             <a:off x="360000" y="360000"/>
-            <a:ext cx="9348840" cy="888840"/>
+            <a:ext cx="9348480" cy="888480"/>
           </a:xfrm>
           <a:prstGeom prst="rect">
             <a:avLst/>
@@ -25149,47 +22534,7 @@
                 <a:latin typeface="Source Sans Pro Black"/>
                 <a:ea typeface="DejaVu Sans"/>
               </a:rPr>
-              <a:t>Reg</a:t>
-            </a:r>
-            <a:r>
-              <a:rPr b="1" lang="pt-BR" sz="2600" spc="-1" strike="noStrike">
-                <a:solidFill>
-                  <a:srgbClr val="ffffff"/>
-                </a:solidFill>
-                <a:latin typeface="Source Sans Pro Black"/>
-                <a:ea typeface="DejaVu Sans"/>
-              </a:rPr>
-              <a:t>ress</a:t>
-            </a:r>
-            <a:r>
-              <a:rPr b="1" lang="pt-BR" sz="2600" spc="-1" strike="noStrike">
-                <a:solidFill>
-                  <a:srgbClr val="ffffff"/>
-                </a:solidFill>
-                <a:latin typeface="Source Sans Pro Black"/>
-                <a:ea typeface="DejaVu Sans"/>
-              </a:rPr>
-              <a:t>ão - </a:t>
-            </a:r>
-            <a:r>
-              <a:rPr b="1" lang="pt-BR" sz="2600" spc="-1" strike="noStrike">
-                <a:solidFill>
-                  <a:srgbClr val="ffffff"/>
-                </a:solidFill>
-                <a:latin typeface="Source Sans Pro Black"/>
-                <a:ea typeface="DejaVu Sans"/>
-              </a:rPr>
-              <a:t>Árv</a:t>
-            </a:r>
-            <a:r>
-              <a:rPr b="1" lang="pt-BR" sz="2600" spc="-1" strike="noStrike">
-                <a:solidFill>
-                  <a:srgbClr val="ffffff"/>
-                </a:solidFill>
-                <a:latin typeface="Source Sans Pro Black"/>
-                <a:ea typeface="DejaVu Sans"/>
-              </a:rPr>
-              <a:t>ores</a:t>
+              <a:t>Regressão - Árvores</a:t>
             </a:r>
             <a:endParaRPr b="0" lang="pt-BR" sz="2600" spc="-1" strike="noStrike">
               <a:latin typeface="Arial"/>
@@ -25199,14 +22544,14 @@
       </p:sp>
       <p:sp>
         <p:nvSpPr>
-          <p:cNvPr id="173" name="CustomShape 31"/>
+          <p:cNvPr id="134" name="CustomShape 31"/>
           <p:cNvSpPr/>
           <p:nvPr/>
         </p:nvSpPr>
         <p:spPr>
           <a:xfrm>
             <a:off x="360000" y="1980000"/>
-            <a:ext cx="9168840" cy="4668840"/>
+            <a:ext cx="9168480" cy="4668480"/>
           </a:xfrm>
           <a:prstGeom prst="rect">
             <a:avLst/>
@@ -25258,14 +22603,14 @@
       </p:sp>
       <p:sp>
         <p:nvSpPr>
-          <p:cNvPr id="174" name="CustomShape 32"/>
+          <p:cNvPr id="135" name="CustomShape 32"/>
           <p:cNvSpPr/>
           <p:nvPr/>
         </p:nvSpPr>
         <p:spPr>
           <a:xfrm>
             <a:off x="897120" y="6886080"/>
-            <a:ext cx="6436080" cy="353880"/>
+            <a:ext cx="6435720" cy="353520"/>
           </a:xfrm>
           <a:prstGeom prst="rect">
             <a:avLst/>
@@ -25300,57 +22645,7 @@
                 <a:latin typeface="Arial"/>
                 <a:ea typeface="DejaVu Sans"/>
               </a:rPr>
-              <a:t>Aprendi</a:t>
-            </a:r>
-            <a:r>
-              <a:rPr b="0" lang="pt-BR" sz="1800" spc="-1" strike="noStrike">
-                <a:solidFill>
-                  <a:srgbClr val="000000"/>
-                </a:solidFill>
-                <a:latin typeface="Arial"/>
-                <a:ea typeface="DejaVu Sans"/>
-              </a:rPr>
-              <a:t>zado de </a:t>
-            </a:r>
-            <a:r>
-              <a:rPr b="0" lang="pt-BR" sz="1800" spc="-1" strike="noStrike">
-                <a:solidFill>
-                  <a:srgbClr val="000000"/>
-                </a:solidFill>
-                <a:latin typeface="Arial"/>
-                <a:ea typeface="DejaVu Sans"/>
-              </a:rPr>
-              <a:t>Máquina </a:t>
-            </a:r>
-            <a:r>
-              <a:rPr b="0" lang="pt-BR" sz="1800" spc="-1" strike="noStrike">
-                <a:solidFill>
-                  <a:srgbClr val="000000"/>
-                </a:solidFill>
-                <a:latin typeface="Arial"/>
-                <a:ea typeface="DejaVu Sans"/>
-              </a:rPr>
-              <a:t>- Prof. </a:t>
-            </a:r>
-            <a:r>
-              <a:rPr b="0" lang="pt-BR" sz="1800" spc="-1" strike="noStrike">
-                <a:solidFill>
-                  <a:srgbClr val="000000"/>
-                </a:solidFill>
-                <a:latin typeface="Arial"/>
-                <a:ea typeface="DejaVu Sans"/>
-              </a:rPr>
-              <a:t>André </a:t>
-            </a:r>
-            <a:r>
-              <a:rPr b="0" lang="pt-BR" sz="1800" spc="-1" strike="noStrike">
-                <a:solidFill>
-                  <a:srgbClr val="000000"/>
-                </a:solidFill>
-                <a:latin typeface="Arial"/>
-                <a:ea typeface="DejaVu Sans"/>
-              </a:rPr>
-              <a:t>Hochuli</a:t>
+              <a:t>Aprendizado de Máquina - Prof. André Hochuli</a:t>
             </a:r>
             <a:endParaRPr b="0" lang="pt-BR" sz="1800" spc="-1" strike="noStrike">
               <a:latin typeface="Arial"/>
@@ -25360,14 +22655,14 @@
       </p:sp>
       <p:sp>
         <p:nvSpPr>
-          <p:cNvPr id="175" name="CustomShape 33"/>
+          <p:cNvPr id="136" name="CustomShape 33"/>
           <p:cNvSpPr/>
           <p:nvPr/>
         </p:nvSpPr>
         <p:spPr>
           <a:xfrm>
             <a:off x="7608600" y="6886080"/>
-            <a:ext cx="2274120" cy="353880"/>
+            <a:ext cx="2273760" cy="353520"/>
           </a:xfrm>
           <a:prstGeom prst="rect">
             <a:avLst/>
@@ -25402,17 +22697,7 @@
                 <a:latin typeface="Arial"/>
                 <a:ea typeface="DejaVu Sans"/>
               </a:rPr>
-              <a:t>Regress</a:t>
-            </a:r>
-            <a:r>
-              <a:rPr b="0" lang="pt-BR" sz="1800" spc="-1" strike="noStrike">
-                <a:solidFill>
-                  <a:srgbClr val="000000"/>
-                </a:solidFill>
-                <a:latin typeface="Arial"/>
-                <a:ea typeface="DejaVu Sans"/>
-              </a:rPr>
-              <a:t>ão</a:t>
+              <a:t>Regressão</a:t>
             </a:r>
             <a:endParaRPr b="0" lang="pt-BR" sz="1800" spc="-1" strike="noStrike">
               <a:latin typeface="Arial"/>
@@ -25422,14 +22707,14 @@
       </p:sp>
       <p:sp>
         <p:nvSpPr>
-          <p:cNvPr id="176" name=""/>
+          <p:cNvPr id="137" name=""/>
           <p:cNvSpPr/>
           <p:nvPr/>
         </p:nvSpPr>
         <p:spPr>
           <a:xfrm>
             <a:off x="342360" y="1529280"/>
-            <a:ext cx="9375120" cy="5358600"/>
+            <a:ext cx="9374760" cy="5358240"/>
           </a:xfrm>
           <a:prstGeom prst="rect">
             <a:avLst/>
@@ -25549,16 +22834,11 @@
             </a:endParaRPr>
           </a:p>
           <a:p>
-            <a:pPr lvl="1" marL="432000" indent="-216000">
-              <a:lnSpc>
-                <a:spcPct val="100000"/>
-              </a:lnSpc>
-              <a:buClr>
-                <a:srgbClr val="000000"/>
-              </a:buClr>
-              <a:buSzPct val="45000"/>
-              <a:buFont typeface="Wingdings" charset="2"/>
-              <a:buChar char=""/>
+            <a:pPr>
+              <a:lnSpc>
+                <a:spcPct val="100000"/>
+              </a:lnSpc>
+              <a:buNone/>
             </a:pPr>
             <a:endParaRPr b="0" lang="pt-BR" sz="1600" spc="-1" strike="noStrike">
               <a:latin typeface="Arial"/>
@@ -25854,7 +23134,7 @@
       </p:sp>
       <p:pic>
         <p:nvPicPr>
-          <p:cNvPr id="177" name="" descr=""/>
+          <p:cNvPr id="138" name="" descr=""/>
           <p:cNvPicPr/>
           <p:nvPr/>
         </p:nvPicPr>
@@ -25865,7 +23145,7 @@
         <p:spPr>
           <a:xfrm>
             <a:off x="180000" y="2160000"/>
-            <a:ext cx="4680000" cy="3255840"/>
+            <a:ext cx="4679640" cy="3255480"/>
           </a:xfrm>
           <a:prstGeom prst="rect">
             <a:avLst/>
@@ -25877,7 +23157,7 @@
       </p:pic>
       <p:pic>
         <p:nvPicPr>
-          <p:cNvPr id="178" name="" descr=""/>
+          <p:cNvPr id="139" name="" descr=""/>
           <p:cNvPicPr/>
           <p:nvPr/>
         </p:nvPicPr>
@@ -25888,7 +23168,7 @@
         <p:spPr>
           <a:xfrm>
             <a:off x="5299560" y="2520000"/>
-            <a:ext cx="4060440" cy="2801880"/>
+            <a:ext cx="4060080" cy="2801520"/>
           </a:xfrm>
           <a:prstGeom prst="rect">
             <a:avLst/>
@@ -25930,14 +23210,14 @@
       </p:grpSpPr>
       <p:sp>
         <p:nvSpPr>
-          <p:cNvPr id="179" name="CustomShape 35"/>
+          <p:cNvPr id="140" name="CustomShape 35"/>
           <p:cNvSpPr/>
           <p:nvPr/>
         </p:nvSpPr>
         <p:spPr>
           <a:xfrm>
             <a:off x="360000" y="360000"/>
-            <a:ext cx="9348840" cy="888840"/>
+            <a:ext cx="9348480" cy="888480"/>
           </a:xfrm>
           <a:prstGeom prst="rect">
             <a:avLst/>
@@ -25972,47 +23252,7 @@
                 <a:latin typeface="Source Sans Pro Black"/>
                 <a:ea typeface="DejaVu Sans"/>
               </a:rPr>
-              <a:t>Reg</a:t>
-            </a:r>
-            <a:r>
-              <a:rPr b="1" lang="pt-BR" sz="2600" spc="-1" strike="noStrike">
-                <a:solidFill>
-                  <a:srgbClr val="ffffff"/>
-                </a:solidFill>
-                <a:latin typeface="Source Sans Pro Black"/>
-                <a:ea typeface="DejaVu Sans"/>
-              </a:rPr>
-              <a:t>ress</a:t>
-            </a:r>
-            <a:r>
-              <a:rPr b="1" lang="pt-BR" sz="2600" spc="-1" strike="noStrike">
-                <a:solidFill>
-                  <a:srgbClr val="ffffff"/>
-                </a:solidFill>
-                <a:latin typeface="Source Sans Pro Black"/>
-                <a:ea typeface="DejaVu Sans"/>
-              </a:rPr>
-              <a:t>ão - </a:t>
-            </a:r>
-            <a:r>
-              <a:rPr b="1" lang="pt-BR" sz="2600" spc="-1" strike="noStrike">
-                <a:solidFill>
-                  <a:srgbClr val="ffffff"/>
-                </a:solidFill>
-                <a:latin typeface="Source Sans Pro Black"/>
-                <a:ea typeface="DejaVu Sans"/>
-              </a:rPr>
-              <a:t>Árv</a:t>
-            </a:r>
-            <a:r>
-              <a:rPr b="1" lang="pt-BR" sz="2600" spc="-1" strike="noStrike">
-                <a:solidFill>
-                  <a:srgbClr val="ffffff"/>
-                </a:solidFill>
-                <a:latin typeface="Source Sans Pro Black"/>
-                <a:ea typeface="DejaVu Sans"/>
-              </a:rPr>
-              <a:t>ores</a:t>
+              <a:t>Regressão - Árvores</a:t>
             </a:r>
             <a:endParaRPr b="0" lang="pt-BR" sz="2600" spc="-1" strike="noStrike">
               <a:latin typeface="Arial"/>
@@ -26022,14 +23262,14 @@
       </p:sp>
       <p:sp>
         <p:nvSpPr>
-          <p:cNvPr id="180" name="CustomShape 36"/>
+          <p:cNvPr id="141" name="CustomShape 36"/>
           <p:cNvSpPr/>
           <p:nvPr/>
         </p:nvSpPr>
         <p:spPr>
           <a:xfrm>
             <a:off x="360000" y="1980000"/>
-            <a:ext cx="9168840" cy="4668840"/>
+            <a:ext cx="9168480" cy="4668480"/>
           </a:xfrm>
           <a:prstGeom prst="rect">
             <a:avLst/>
@@ -26081,14 +23321,14 @@
       </p:sp>
       <p:sp>
         <p:nvSpPr>
-          <p:cNvPr id="181" name="CustomShape 37"/>
+          <p:cNvPr id="142" name="CustomShape 37"/>
           <p:cNvSpPr/>
           <p:nvPr/>
         </p:nvSpPr>
         <p:spPr>
           <a:xfrm>
             <a:off x="897120" y="6886080"/>
-            <a:ext cx="6436080" cy="353880"/>
+            <a:ext cx="6435720" cy="353520"/>
           </a:xfrm>
           <a:prstGeom prst="rect">
             <a:avLst/>
@@ -26123,57 +23363,7 @@
                 <a:latin typeface="Arial"/>
                 <a:ea typeface="DejaVu Sans"/>
               </a:rPr>
-              <a:t>Aprendi</a:t>
-            </a:r>
-            <a:r>
-              <a:rPr b="0" lang="pt-BR" sz="1800" spc="-1" strike="noStrike">
-                <a:solidFill>
-                  <a:srgbClr val="000000"/>
-                </a:solidFill>
-                <a:latin typeface="Arial"/>
-                <a:ea typeface="DejaVu Sans"/>
-              </a:rPr>
-              <a:t>zado de </a:t>
-            </a:r>
-            <a:r>
-              <a:rPr b="0" lang="pt-BR" sz="1800" spc="-1" strike="noStrike">
-                <a:solidFill>
-                  <a:srgbClr val="000000"/>
-                </a:solidFill>
-                <a:latin typeface="Arial"/>
-                <a:ea typeface="DejaVu Sans"/>
-              </a:rPr>
-              <a:t>Máquina </a:t>
-            </a:r>
-            <a:r>
-              <a:rPr b="0" lang="pt-BR" sz="1800" spc="-1" strike="noStrike">
-                <a:solidFill>
-                  <a:srgbClr val="000000"/>
-                </a:solidFill>
-                <a:latin typeface="Arial"/>
-                <a:ea typeface="DejaVu Sans"/>
-              </a:rPr>
-              <a:t>- Prof. </a:t>
-            </a:r>
-            <a:r>
-              <a:rPr b="0" lang="pt-BR" sz="1800" spc="-1" strike="noStrike">
-                <a:solidFill>
-                  <a:srgbClr val="000000"/>
-                </a:solidFill>
-                <a:latin typeface="Arial"/>
-                <a:ea typeface="DejaVu Sans"/>
-              </a:rPr>
-              <a:t>André </a:t>
-            </a:r>
-            <a:r>
-              <a:rPr b="0" lang="pt-BR" sz="1800" spc="-1" strike="noStrike">
-                <a:solidFill>
-                  <a:srgbClr val="000000"/>
-                </a:solidFill>
-                <a:latin typeface="Arial"/>
-                <a:ea typeface="DejaVu Sans"/>
-              </a:rPr>
-              <a:t>Hochuli</a:t>
+              <a:t>Aprendizado de Máquina - Prof. André Hochuli</a:t>
             </a:r>
             <a:endParaRPr b="0" lang="pt-BR" sz="1800" spc="-1" strike="noStrike">
               <a:latin typeface="Arial"/>
@@ -26183,14 +23373,14 @@
       </p:sp>
       <p:sp>
         <p:nvSpPr>
-          <p:cNvPr id="182" name="CustomShape 38"/>
+          <p:cNvPr id="143" name="CustomShape 38"/>
           <p:cNvSpPr/>
           <p:nvPr/>
         </p:nvSpPr>
         <p:spPr>
           <a:xfrm>
             <a:off x="7608600" y="6886080"/>
-            <a:ext cx="2274120" cy="353880"/>
+            <a:ext cx="2273760" cy="353520"/>
           </a:xfrm>
           <a:prstGeom prst="rect">
             <a:avLst/>
@@ -26225,17 +23415,7 @@
                 <a:latin typeface="Arial"/>
                 <a:ea typeface="DejaVu Sans"/>
               </a:rPr>
-              <a:t>Regress</a:t>
-            </a:r>
-            <a:r>
-              <a:rPr b="0" lang="pt-BR" sz="1800" spc="-1" strike="noStrike">
-                <a:solidFill>
-                  <a:srgbClr val="000000"/>
-                </a:solidFill>
-                <a:latin typeface="Arial"/>
-                <a:ea typeface="DejaVu Sans"/>
-              </a:rPr>
-              <a:t>ão</a:t>
+              <a:t>Regressão</a:t>
             </a:r>
             <a:endParaRPr b="0" lang="pt-BR" sz="1800" spc="-1" strike="noStrike">
               <a:latin typeface="Arial"/>
@@ -26245,14 +23425,14 @@
       </p:sp>
       <p:sp>
         <p:nvSpPr>
-          <p:cNvPr id="183" name=""/>
+          <p:cNvPr id="144" name=""/>
           <p:cNvSpPr/>
           <p:nvPr/>
         </p:nvSpPr>
         <p:spPr>
           <a:xfrm>
             <a:off x="342360" y="1529280"/>
-            <a:ext cx="9375120" cy="5358600"/>
+            <a:ext cx="9374760" cy="5358240"/>
           </a:xfrm>
           <a:prstGeom prst="rect">
             <a:avLst/>
@@ -26298,912 +23478,117 @@
                 <a:latin typeface="Latin Modern Sans"/>
                 <a:ea typeface="DejaVu Sans"/>
               </a:rPr>
-              <a:t>D</a:t>
+              <a:t>Determina a homogeneidade pelo do desvio padrão, média e coeficiente de variação</a:t>
             </a:r>
-            <a:r>
-              <a:rPr b="0" lang="pt-BR" sz="1600" spc="-1" strike="noStrike">
-                <a:solidFill>
-                  <a:srgbClr val="1c1c1c"/>
-                </a:solidFill>
-                <a:latin typeface="Latin Modern Sans"/>
-                <a:ea typeface="DejaVu Sans"/>
-              </a:rPr>
-              <a:t>e</a:t>
-            </a:r>
-            <a:r>
-              <a:rPr b="0" lang="pt-BR" sz="1600" spc="-1" strike="noStrike">
-                <a:solidFill>
-                  <a:srgbClr val="1c1c1c"/>
-                </a:solidFill>
-                <a:latin typeface="Latin Modern Sans"/>
-                <a:ea typeface="DejaVu Sans"/>
-              </a:rPr>
-              <a:t>t</a:t>
-            </a:r>
-            <a:r>
-              <a:rPr b="0" lang="pt-BR" sz="1600" spc="-1" strike="noStrike">
-                <a:solidFill>
-                  <a:srgbClr val="1c1c1c"/>
-                </a:solidFill>
-                <a:latin typeface="Latin Modern Sans"/>
-                <a:ea typeface="DejaVu Sans"/>
-              </a:rPr>
-              <a:t>e</a:t>
-            </a:r>
-            <a:r>
-              <a:rPr b="0" lang="pt-BR" sz="1600" spc="-1" strike="noStrike">
-                <a:solidFill>
-                  <a:srgbClr val="1c1c1c"/>
-                </a:solidFill>
-                <a:latin typeface="Latin Modern Sans"/>
-                <a:ea typeface="DejaVu Sans"/>
-              </a:rPr>
-              <a:t>r</a:t>
-            </a:r>
-            <a:r>
-              <a:rPr b="0" lang="pt-BR" sz="1600" spc="-1" strike="noStrike">
-                <a:solidFill>
-                  <a:srgbClr val="1c1c1c"/>
-                </a:solidFill>
-                <a:latin typeface="Latin Modern Sans"/>
-                <a:ea typeface="DejaVu Sans"/>
-              </a:rPr>
-              <a:t>m</a:t>
-            </a:r>
-            <a:r>
-              <a:rPr b="0" lang="pt-BR" sz="1600" spc="-1" strike="noStrike">
-                <a:solidFill>
-                  <a:srgbClr val="1c1c1c"/>
-                </a:solidFill>
-                <a:latin typeface="Latin Modern Sans"/>
-                <a:ea typeface="DejaVu Sans"/>
-              </a:rPr>
-              <a:t>i</a:t>
-            </a:r>
-            <a:r>
-              <a:rPr b="0" lang="pt-BR" sz="1600" spc="-1" strike="noStrike">
-                <a:solidFill>
-                  <a:srgbClr val="1c1c1c"/>
-                </a:solidFill>
-                <a:latin typeface="Latin Modern Sans"/>
-                <a:ea typeface="DejaVu Sans"/>
-              </a:rPr>
-              <a:t>n</a:t>
-            </a:r>
-            <a:r>
-              <a:rPr b="0" lang="pt-BR" sz="1600" spc="-1" strike="noStrike">
-                <a:solidFill>
-                  <a:srgbClr val="1c1c1c"/>
-                </a:solidFill>
-                <a:latin typeface="Latin Modern Sans"/>
-                <a:ea typeface="DejaVu Sans"/>
-              </a:rPr>
-              <a:t>a</a:t>
-            </a:r>
-            <a:r>
-              <a:rPr b="0" lang="pt-BR" sz="1600" spc="-1" strike="noStrike">
-                <a:solidFill>
-                  <a:srgbClr val="1c1c1c"/>
-                </a:solidFill>
-                <a:latin typeface="Latin Modern Sans"/>
-                <a:ea typeface="DejaVu Sans"/>
-              </a:rPr>
-              <a:t> </a:t>
-            </a:r>
-            <a:r>
-              <a:rPr b="0" lang="pt-BR" sz="1600" spc="-1" strike="noStrike">
-                <a:solidFill>
-                  <a:srgbClr val="1c1c1c"/>
-                </a:solidFill>
-                <a:latin typeface="Latin Modern Sans"/>
-                <a:ea typeface="DejaVu Sans"/>
-              </a:rPr>
-              <a:t>a</a:t>
-            </a:r>
-            <a:r>
-              <a:rPr b="0" lang="pt-BR" sz="1600" spc="-1" strike="noStrike">
-                <a:solidFill>
-                  <a:srgbClr val="1c1c1c"/>
-                </a:solidFill>
-                <a:latin typeface="Latin Modern Sans"/>
-                <a:ea typeface="DejaVu Sans"/>
-              </a:rPr>
-              <a:t> </a:t>
-            </a:r>
-            <a:r>
-              <a:rPr b="0" lang="pt-BR" sz="1600" spc="-1" strike="noStrike">
-                <a:solidFill>
-                  <a:srgbClr val="1c1c1c"/>
-                </a:solidFill>
-                <a:latin typeface="Latin Modern Sans"/>
-                <a:ea typeface="DejaVu Sans"/>
-              </a:rPr>
-              <a:t>h</a:t>
-            </a:r>
-            <a:r>
-              <a:rPr b="0" lang="pt-BR" sz="1600" spc="-1" strike="noStrike">
-                <a:solidFill>
-                  <a:srgbClr val="1c1c1c"/>
-                </a:solidFill>
-                <a:latin typeface="Latin Modern Sans"/>
-                <a:ea typeface="DejaVu Sans"/>
-              </a:rPr>
-              <a:t>o</a:t>
-            </a:r>
-            <a:r>
-              <a:rPr b="0" lang="pt-BR" sz="1600" spc="-1" strike="noStrike">
-                <a:solidFill>
-                  <a:srgbClr val="1c1c1c"/>
-                </a:solidFill>
-                <a:latin typeface="Latin Modern Sans"/>
-                <a:ea typeface="DejaVu Sans"/>
-              </a:rPr>
-              <a:t>m</a:t>
-            </a:r>
-            <a:r>
-              <a:rPr b="0" lang="pt-BR" sz="1600" spc="-1" strike="noStrike">
-                <a:solidFill>
-                  <a:srgbClr val="1c1c1c"/>
-                </a:solidFill>
-                <a:latin typeface="Latin Modern Sans"/>
-                <a:ea typeface="DejaVu Sans"/>
-              </a:rPr>
-              <a:t>o</a:t>
-            </a:r>
-            <a:r>
-              <a:rPr b="0" lang="pt-BR" sz="1600" spc="-1" strike="noStrike">
-                <a:solidFill>
-                  <a:srgbClr val="1c1c1c"/>
-                </a:solidFill>
-                <a:latin typeface="Latin Modern Sans"/>
-                <a:ea typeface="DejaVu Sans"/>
-              </a:rPr>
-              <a:t>g</a:t>
-            </a:r>
-            <a:r>
-              <a:rPr b="0" lang="pt-BR" sz="1600" spc="-1" strike="noStrike">
-                <a:solidFill>
-                  <a:srgbClr val="1c1c1c"/>
-                </a:solidFill>
-                <a:latin typeface="Latin Modern Sans"/>
-                <a:ea typeface="DejaVu Sans"/>
-              </a:rPr>
-              <a:t>e</a:t>
-            </a:r>
-            <a:r>
-              <a:rPr b="0" lang="pt-BR" sz="1600" spc="-1" strike="noStrike">
-                <a:solidFill>
-                  <a:srgbClr val="1c1c1c"/>
-                </a:solidFill>
-                <a:latin typeface="Latin Modern Sans"/>
-                <a:ea typeface="DejaVu Sans"/>
-              </a:rPr>
-              <a:t>n</a:t>
-            </a:r>
-            <a:r>
-              <a:rPr b="0" lang="pt-BR" sz="1600" spc="-1" strike="noStrike">
-                <a:solidFill>
-                  <a:srgbClr val="1c1c1c"/>
-                </a:solidFill>
-                <a:latin typeface="Latin Modern Sans"/>
-                <a:ea typeface="DejaVu Sans"/>
-              </a:rPr>
-              <a:t>e</a:t>
-            </a:r>
-            <a:r>
-              <a:rPr b="0" lang="pt-BR" sz="1600" spc="-1" strike="noStrike">
-                <a:solidFill>
-                  <a:srgbClr val="1c1c1c"/>
-                </a:solidFill>
-                <a:latin typeface="Latin Modern Sans"/>
-                <a:ea typeface="DejaVu Sans"/>
-              </a:rPr>
-              <a:t>i</a:t>
-            </a:r>
-            <a:r>
-              <a:rPr b="0" lang="pt-BR" sz="1600" spc="-1" strike="noStrike">
-                <a:solidFill>
-                  <a:srgbClr val="1c1c1c"/>
-                </a:solidFill>
-                <a:latin typeface="Latin Modern Sans"/>
-                <a:ea typeface="DejaVu Sans"/>
-              </a:rPr>
-              <a:t>d</a:t>
-            </a:r>
-            <a:r>
-              <a:rPr b="0" lang="pt-BR" sz="1600" spc="-1" strike="noStrike">
-                <a:solidFill>
-                  <a:srgbClr val="1c1c1c"/>
-                </a:solidFill>
-                <a:latin typeface="Latin Modern Sans"/>
-                <a:ea typeface="DejaVu Sans"/>
-              </a:rPr>
-              <a:t>a</a:t>
-            </a:r>
-            <a:r>
-              <a:rPr b="0" lang="pt-BR" sz="1600" spc="-1" strike="noStrike">
-                <a:solidFill>
-                  <a:srgbClr val="1c1c1c"/>
-                </a:solidFill>
-                <a:latin typeface="Latin Modern Sans"/>
-                <a:ea typeface="DejaVu Sans"/>
-              </a:rPr>
-              <a:t>d</a:t>
-            </a:r>
-            <a:r>
-              <a:rPr b="0" lang="pt-BR" sz="1600" spc="-1" strike="noStrike">
-                <a:solidFill>
-                  <a:srgbClr val="1c1c1c"/>
-                </a:solidFill>
-                <a:latin typeface="Latin Modern Sans"/>
-                <a:ea typeface="DejaVu Sans"/>
-              </a:rPr>
-              <a:t>e</a:t>
-            </a:r>
-            <a:r>
-              <a:rPr b="0" lang="pt-BR" sz="1600" spc="-1" strike="noStrike">
-                <a:solidFill>
-                  <a:srgbClr val="1c1c1c"/>
-                </a:solidFill>
-                <a:latin typeface="Latin Modern Sans"/>
-                <a:ea typeface="DejaVu Sans"/>
-              </a:rPr>
-              <a:t> </a:t>
-            </a:r>
-            <a:r>
-              <a:rPr b="0" lang="pt-BR" sz="1600" spc="-1" strike="noStrike">
-                <a:solidFill>
-                  <a:srgbClr val="1c1c1c"/>
-                </a:solidFill>
-                <a:latin typeface="Latin Modern Sans"/>
-                <a:ea typeface="DejaVu Sans"/>
-              </a:rPr>
-              <a:t>p</a:t>
-            </a:r>
-            <a:r>
-              <a:rPr b="0" lang="pt-BR" sz="1600" spc="-1" strike="noStrike">
-                <a:solidFill>
-                  <a:srgbClr val="1c1c1c"/>
-                </a:solidFill>
-                <a:latin typeface="Latin Modern Sans"/>
-                <a:ea typeface="DejaVu Sans"/>
-              </a:rPr>
-              <a:t>e</a:t>
-            </a:r>
-            <a:r>
-              <a:rPr b="0" lang="pt-BR" sz="1600" spc="-1" strike="noStrike">
-                <a:solidFill>
-                  <a:srgbClr val="1c1c1c"/>
-                </a:solidFill>
-                <a:latin typeface="Latin Modern Sans"/>
-                <a:ea typeface="DejaVu Sans"/>
-              </a:rPr>
-              <a:t>l</a:t>
-            </a:r>
-            <a:r>
-              <a:rPr b="0" lang="pt-BR" sz="1600" spc="-1" strike="noStrike">
-                <a:solidFill>
-                  <a:srgbClr val="1c1c1c"/>
-                </a:solidFill>
-                <a:latin typeface="Latin Modern Sans"/>
-                <a:ea typeface="DejaVu Sans"/>
-              </a:rPr>
-              <a:t>o</a:t>
-            </a:r>
-            <a:r>
-              <a:rPr b="0" lang="pt-BR" sz="1600" spc="-1" strike="noStrike">
-                <a:solidFill>
-                  <a:srgbClr val="1c1c1c"/>
-                </a:solidFill>
-                <a:latin typeface="Latin Modern Sans"/>
-                <a:ea typeface="DejaVu Sans"/>
-              </a:rPr>
-              <a:t> </a:t>
-            </a:r>
-            <a:r>
-              <a:rPr b="0" lang="pt-BR" sz="1600" spc="-1" strike="noStrike">
-                <a:solidFill>
-                  <a:srgbClr val="1c1c1c"/>
-                </a:solidFill>
-                <a:latin typeface="Latin Modern Sans"/>
-                <a:ea typeface="DejaVu Sans"/>
-              </a:rPr>
-              <a:t>d</a:t>
-            </a:r>
-            <a:r>
-              <a:rPr b="0" lang="pt-BR" sz="1600" spc="-1" strike="noStrike">
-                <a:solidFill>
-                  <a:srgbClr val="1c1c1c"/>
-                </a:solidFill>
-                <a:latin typeface="Latin Modern Sans"/>
-                <a:ea typeface="DejaVu Sans"/>
-              </a:rPr>
-              <a:t>o</a:t>
-            </a:r>
-            <a:r>
-              <a:rPr b="0" lang="pt-BR" sz="1600" spc="-1" strike="noStrike">
-                <a:solidFill>
-                  <a:srgbClr val="1c1c1c"/>
-                </a:solidFill>
-                <a:latin typeface="Latin Modern Sans"/>
-                <a:ea typeface="DejaVu Sans"/>
-              </a:rPr>
-              <a:t> </a:t>
-            </a:r>
-            <a:r>
-              <a:rPr b="0" lang="pt-BR" sz="1600" spc="-1" strike="noStrike">
-                <a:solidFill>
-                  <a:srgbClr val="1c1c1c"/>
-                </a:solidFill>
-                <a:latin typeface="Latin Modern Sans"/>
-                <a:ea typeface="DejaVu Sans"/>
-              </a:rPr>
-              <a:t>d</a:t>
-            </a:r>
-            <a:r>
-              <a:rPr b="0" lang="pt-BR" sz="1600" spc="-1" strike="noStrike">
-                <a:solidFill>
-                  <a:srgbClr val="1c1c1c"/>
-                </a:solidFill>
-                <a:latin typeface="Latin Modern Sans"/>
-                <a:ea typeface="DejaVu Sans"/>
-              </a:rPr>
-              <a:t>e</a:t>
-            </a:r>
-            <a:r>
-              <a:rPr b="0" lang="pt-BR" sz="1600" spc="-1" strike="noStrike">
-                <a:solidFill>
-                  <a:srgbClr val="1c1c1c"/>
-                </a:solidFill>
-                <a:latin typeface="Latin Modern Sans"/>
-                <a:ea typeface="DejaVu Sans"/>
-              </a:rPr>
-              <a:t>s</a:t>
-            </a:r>
-            <a:r>
-              <a:rPr b="0" lang="pt-BR" sz="1600" spc="-1" strike="noStrike">
-                <a:solidFill>
-                  <a:srgbClr val="1c1c1c"/>
-                </a:solidFill>
-                <a:latin typeface="Latin Modern Sans"/>
-                <a:ea typeface="DejaVu Sans"/>
-              </a:rPr>
-              <a:t>v</a:t>
-            </a:r>
-            <a:r>
-              <a:rPr b="0" lang="pt-BR" sz="1600" spc="-1" strike="noStrike">
-                <a:solidFill>
-                  <a:srgbClr val="1c1c1c"/>
-                </a:solidFill>
-                <a:latin typeface="Latin Modern Sans"/>
-                <a:ea typeface="DejaVu Sans"/>
-              </a:rPr>
-              <a:t>i</a:t>
-            </a:r>
-            <a:r>
-              <a:rPr b="0" lang="pt-BR" sz="1600" spc="-1" strike="noStrike">
-                <a:solidFill>
-                  <a:srgbClr val="1c1c1c"/>
-                </a:solidFill>
-                <a:latin typeface="Latin Modern Sans"/>
-                <a:ea typeface="DejaVu Sans"/>
-              </a:rPr>
-              <a:t>o</a:t>
-            </a:r>
-            <a:r>
-              <a:rPr b="0" lang="pt-BR" sz="1600" spc="-1" strike="noStrike">
-                <a:solidFill>
-                  <a:srgbClr val="1c1c1c"/>
-                </a:solidFill>
-                <a:latin typeface="Latin Modern Sans"/>
-                <a:ea typeface="DejaVu Sans"/>
-              </a:rPr>
-              <a:t> </a:t>
-            </a:r>
-            <a:r>
-              <a:rPr b="0" lang="pt-BR" sz="1600" spc="-1" strike="noStrike">
-                <a:solidFill>
-                  <a:srgbClr val="1c1c1c"/>
-                </a:solidFill>
-                <a:latin typeface="Latin Modern Sans"/>
-                <a:ea typeface="DejaVu Sans"/>
-              </a:rPr>
-              <a:t>p</a:t>
-            </a:r>
-            <a:r>
-              <a:rPr b="0" lang="pt-BR" sz="1600" spc="-1" strike="noStrike">
-                <a:solidFill>
-                  <a:srgbClr val="1c1c1c"/>
-                </a:solidFill>
-                <a:latin typeface="Latin Modern Sans"/>
-                <a:ea typeface="DejaVu Sans"/>
-              </a:rPr>
-              <a:t>a</a:t>
-            </a:r>
-            <a:r>
-              <a:rPr b="0" lang="pt-BR" sz="1600" spc="-1" strike="noStrike">
-                <a:solidFill>
-                  <a:srgbClr val="1c1c1c"/>
-                </a:solidFill>
-                <a:latin typeface="Latin Modern Sans"/>
-                <a:ea typeface="DejaVu Sans"/>
-              </a:rPr>
-              <a:t>d</a:t>
-            </a:r>
-            <a:r>
-              <a:rPr b="0" lang="pt-BR" sz="1600" spc="-1" strike="noStrike">
-                <a:solidFill>
-                  <a:srgbClr val="1c1c1c"/>
-                </a:solidFill>
-                <a:latin typeface="Latin Modern Sans"/>
-                <a:ea typeface="DejaVu Sans"/>
-              </a:rPr>
-              <a:t>r</a:t>
-            </a:r>
-            <a:r>
-              <a:rPr b="0" lang="pt-BR" sz="1600" spc="-1" strike="noStrike">
-                <a:solidFill>
-                  <a:srgbClr val="1c1c1c"/>
-                </a:solidFill>
-                <a:latin typeface="Latin Modern Sans"/>
-                <a:ea typeface="DejaVu Sans"/>
-              </a:rPr>
-              <a:t>ã</a:t>
-            </a:r>
-            <a:r>
-              <a:rPr b="0" lang="pt-BR" sz="1600" spc="-1" strike="noStrike">
-                <a:solidFill>
-                  <a:srgbClr val="1c1c1c"/>
-                </a:solidFill>
-                <a:latin typeface="Latin Modern Sans"/>
-                <a:ea typeface="DejaVu Sans"/>
-              </a:rPr>
-              <a:t>o</a:t>
-            </a:r>
-            <a:r>
-              <a:rPr b="0" lang="pt-BR" sz="1600" spc="-1" strike="noStrike">
-                <a:solidFill>
-                  <a:srgbClr val="1c1c1c"/>
-                </a:solidFill>
-                <a:latin typeface="Latin Modern Sans"/>
-                <a:ea typeface="DejaVu Sans"/>
-              </a:rPr>
-              <a:t>,</a:t>
-            </a:r>
-            <a:r>
-              <a:rPr b="0" lang="pt-BR" sz="1600" spc="-1" strike="noStrike">
-                <a:solidFill>
-                  <a:srgbClr val="1c1c1c"/>
-                </a:solidFill>
-                <a:latin typeface="Latin Modern Sans"/>
-                <a:ea typeface="DejaVu Sans"/>
-              </a:rPr>
-              <a:t> </a:t>
-            </a:r>
-            <a:r>
-              <a:rPr b="0" lang="pt-BR" sz="1600" spc="-1" strike="noStrike">
-                <a:solidFill>
-                  <a:srgbClr val="1c1c1c"/>
-                </a:solidFill>
-                <a:latin typeface="Latin Modern Sans"/>
-                <a:ea typeface="DejaVu Sans"/>
-              </a:rPr>
-              <a:t>m</a:t>
-            </a:r>
-            <a:r>
-              <a:rPr b="0" lang="pt-BR" sz="1600" spc="-1" strike="noStrike">
-                <a:solidFill>
-                  <a:srgbClr val="1c1c1c"/>
-                </a:solidFill>
-                <a:latin typeface="Latin Modern Sans"/>
-                <a:ea typeface="DejaVu Sans"/>
-              </a:rPr>
-              <a:t>é</a:t>
-            </a:r>
-            <a:r>
-              <a:rPr b="0" lang="pt-BR" sz="1600" spc="-1" strike="noStrike">
-                <a:solidFill>
-                  <a:srgbClr val="1c1c1c"/>
-                </a:solidFill>
-                <a:latin typeface="Latin Modern Sans"/>
-                <a:ea typeface="DejaVu Sans"/>
-              </a:rPr>
-              <a:t>d</a:t>
-            </a:r>
-            <a:r>
-              <a:rPr b="0" lang="pt-BR" sz="1600" spc="-1" strike="noStrike">
-                <a:solidFill>
-                  <a:srgbClr val="1c1c1c"/>
-                </a:solidFill>
-                <a:latin typeface="Latin Modern Sans"/>
-                <a:ea typeface="DejaVu Sans"/>
-              </a:rPr>
-              <a:t>i</a:t>
-            </a:r>
-            <a:r>
-              <a:rPr b="0" lang="pt-BR" sz="1600" spc="-1" strike="noStrike">
-                <a:solidFill>
-                  <a:srgbClr val="1c1c1c"/>
-                </a:solidFill>
-                <a:latin typeface="Latin Modern Sans"/>
-                <a:ea typeface="DejaVu Sans"/>
-              </a:rPr>
-              <a:t>a</a:t>
-            </a:r>
-            <a:r>
-              <a:rPr b="0" lang="pt-BR" sz="1600" spc="-1" strike="noStrike">
-                <a:solidFill>
-                  <a:srgbClr val="1c1c1c"/>
-                </a:solidFill>
-                <a:latin typeface="Latin Modern Sans"/>
-                <a:ea typeface="DejaVu Sans"/>
-              </a:rPr>
-              <a:t> </a:t>
-            </a:r>
-            <a:r>
-              <a:rPr b="0" lang="pt-BR" sz="1600" spc="-1" strike="noStrike">
-                <a:solidFill>
-                  <a:srgbClr val="1c1c1c"/>
-                </a:solidFill>
-                <a:latin typeface="Latin Modern Sans"/>
-                <a:ea typeface="DejaVu Sans"/>
-              </a:rPr>
-              <a:t>e</a:t>
-            </a:r>
-            <a:r>
-              <a:rPr b="0" lang="pt-BR" sz="1600" spc="-1" strike="noStrike">
-                <a:solidFill>
-                  <a:srgbClr val="1c1c1c"/>
-                </a:solidFill>
-                <a:latin typeface="Latin Modern Sans"/>
-                <a:ea typeface="DejaVu Sans"/>
-              </a:rPr>
-              <a:t> </a:t>
-            </a:r>
-            <a:r>
-              <a:rPr b="0" lang="pt-BR" sz="1600" spc="-1" strike="noStrike">
-                <a:solidFill>
-                  <a:srgbClr val="1c1c1c"/>
-                </a:solidFill>
-                <a:latin typeface="Latin Modern Sans"/>
-                <a:ea typeface="DejaVu Sans"/>
-              </a:rPr>
-              <a:t>c</a:t>
-            </a:r>
-            <a:r>
-              <a:rPr b="0" lang="pt-BR" sz="1600" spc="-1" strike="noStrike">
-                <a:solidFill>
-                  <a:srgbClr val="1c1c1c"/>
-                </a:solidFill>
-                <a:latin typeface="Latin Modern Sans"/>
-                <a:ea typeface="DejaVu Sans"/>
-              </a:rPr>
-              <a:t>o</a:t>
-            </a:r>
-            <a:r>
-              <a:rPr b="0" lang="pt-BR" sz="1600" spc="-1" strike="noStrike">
-                <a:solidFill>
-                  <a:srgbClr val="1c1c1c"/>
-                </a:solidFill>
-                <a:latin typeface="Latin Modern Sans"/>
-                <a:ea typeface="DejaVu Sans"/>
-              </a:rPr>
-              <a:t>e</a:t>
-            </a:r>
-            <a:r>
-              <a:rPr b="0" lang="pt-BR" sz="1600" spc="-1" strike="noStrike">
-                <a:solidFill>
-                  <a:srgbClr val="1c1c1c"/>
-                </a:solidFill>
-                <a:latin typeface="Latin Modern Sans"/>
-                <a:ea typeface="DejaVu Sans"/>
-              </a:rPr>
-              <a:t>f</a:t>
-            </a:r>
-            <a:r>
-              <a:rPr b="0" lang="pt-BR" sz="1600" spc="-1" strike="noStrike">
-                <a:solidFill>
-                  <a:srgbClr val="1c1c1c"/>
-                </a:solidFill>
-                <a:latin typeface="Latin Modern Sans"/>
-                <a:ea typeface="DejaVu Sans"/>
-              </a:rPr>
-              <a:t>i</a:t>
-            </a:r>
-            <a:r>
-              <a:rPr b="0" lang="pt-BR" sz="1600" spc="-1" strike="noStrike">
-                <a:solidFill>
-                  <a:srgbClr val="1c1c1c"/>
-                </a:solidFill>
-                <a:latin typeface="Latin Modern Sans"/>
-                <a:ea typeface="DejaVu Sans"/>
-              </a:rPr>
-              <a:t>c</a:t>
-            </a:r>
-            <a:r>
-              <a:rPr b="0" lang="pt-BR" sz="1600" spc="-1" strike="noStrike">
-                <a:solidFill>
-                  <a:srgbClr val="1c1c1c"/>
-                </a:solidFill>
-                <a:latin typeface="Latin Modern Sans"/>
-                <a:ea typeface="DejaVu Sans"/>
-              </a:rPr>
-              <a:t>i</a:t>
-            </a:r>
-            <a:r>
-              <a:rPr b="0" lang="pt-BR" sz="1600" spc="-1" strike="noStrike">
-                <a:solidFill>
-                  <a:srgbClr val="1c1c1c"/>
-                </a:solidFill>
-                <a:latin typeface="Latin Modern Sans"/>
-                <a:ea typeface="DejaVu Sans"/>
-              </a:rPr>
-              <a:t>e</a:t>
-            </a:r>
-            <a:r>
-              <a:rPr b="0" lang="pt-BR" sz="1600" spc="-1" strike="noStrike">
-                <a:solidFill>
-                  <a:srgbClr val="1c1c1c"/>
-                </a:solidFill>
-                <a:latin typeface="Latin Modern Sans"/>
-                <a:ea typeface="DejaVu Sans"/>
-              </a:rPr>
-              <a:t>n</a:t>
-            </a:r>
-            <a:r>
-              <a:rPr b="0" lang="pt-BR" sz="1600" spc="-1" strike="noStrike">
-                <a:solidFill>
-                  <a:srgbClr val="1c1c1c"/>
-                </a:solidFill>
-                <a:latin typeface="Latin Modern Sans"/>
-                <a:ea typeface="DejaVu Sans"/>
-              </a:rPr>
-              <a:t>t</a:t>
-            </a:r>
-            <a:r>
-              <a:rPr b="0" lang="pt-BR" sz="1600" spc="-1" strike="noStrike">
-                <a:solidFill>
-                  <a:srgbClr val="1c1c1c"/>
-                </a:solidFill>
-                <a:latin typeface="Latin Modern Sans"/>
-                <a:ea typeface="DejaVu Sans"/>
-              </a:rPr>
-              <a:t>e</a:t>
-            </a:r>
-            <a:r>
-              <a:rPr b="0" lang="pt-BR" sz="1600" spc="-1" strike="noStrike">
-                <a:solidFill>
-                  <a:srgbClr val="1c1c1c"/>
-                </a:solidFill>
-                <a:latin typeface="Latin Modern Sans"/>
-                <a:ea typeface="DejaVu Sans"/>
-              </a:rPr>
-              <a:t> </a:t>
-            </a:r>
-            <a:r>
-              <a:rPr b="0" lang="pt-BR" sz="1600" spc="-1" strike="noStrike">
-                <a:solidFill>
-                  <a:srgbClr val="1c1c1c"/>
-                </a:solidFill>
-                <a:latin typeface="Latin Modern Sans"/>
-                <a:ea typeface="DejaVu Sans"/>
-              </a:rPr>
-              <a:t>d</a:t>
-            </a:r>
-            <a:r>
-              <a:rPr b="0" lang="pt-BR" sz="1600" spc="-1" strike="noStrike">
-                <a:solidFill>
-                  <a:srgbClr val="1c1c1c"/>
-                </a:solidFill>
-                <a:latin typeface="Latin Modern Sans"/>
-                <a:ea typeface="DejaVu Sans"/>
-              </a:rPr>
-              <a:t>e</a:t>
-            </a:r>
-            <a:r>
-              <a:rPr b="0" lang="pt-BR" sz="1600" spc="-1" strike="noStrike">
-                <a:solidFill>
-                  <a:srgbClr val="1c1c1c"/>
-                </a:solidFill>
-                <a:latin typeface="Latin Modern Sans"/>
-                <a:ea typeface="DejaVu Sans"/>
-              </a:rPr>
-              <a:t> </a:t>
-            </a:r>
-            <a:r>
-              <a:rPr b="0" lang="pt-BR" sz="1600" spc="-1" strike="noStrike">
-                <a:solidFill>
-                  <a:srgbClr val="1c1c1c"/>
-                </a:solidFill>
-                <a:latin typeface="Latin Modern Sans"/>
-                <a:ea typeface="DejaVu Sans"/>
-              </a:rPr>
-              <a:t>v</a:t>
-            </a:r>
-            <a:r>
-              <a:rPr b="0" lang="pt-BR" sz="1600" spc="-1" strike="noStrike">
-                <a:solidFill>
-                  <a:srgbClr val="1c1c1c"/>
-                </a:solidFill>
-                <a:latin typeface="Latin Modern Sans"/>
-                <a:ea typeface="DejaVu Sans"/>
-              </a:rPr>
-              <a:t>a</a:t>
-            </a:r>
-            <a:r>
-              <a:rPr b="0" lang="pt-BR" sz="1600" spc="-1" strike="noStrike">
-                <a:solidFill>
-                  <a:srgbClr val="1c1c1c"/>
-                </a:solidFill>
-                <a:latin typeface="Latin Modern Sans"/>
-                <a:ea typeface="DejaVu Sans"/>
-              </a:rPr>
-              <a:t>r</a:t>
-            </a:r>
-            <a:r>
-              <a:rPr b="0" lang="pt-BR" sz="1600" spc="-1" strike="noStrike">
-                <a:solidFill>
-                  <a:srgbClr val="1c1c1c"/>
-                </a:solidFill>
-                <a:latin typeface="Latin Modern Sans"/>
-                <a:ea typeface="DejaVu Sans"/>
-              </a:rPr>
-              <a:t>i</a:t>
-            </a:r>
-            <a:r>
-              <a:rPr b="0" lang="pt-BR" sz="1600" spc="-1" strike="noStrike">
-                <a:solidFill>
-                  <a:srgbClr val="1c1c1c"/>
-                </a:solidFill>
-                <a:latin typeface="Latin Modern Sans"/>
-                <a:ea typeface="DejaVu Sans"/>
-              </a:rPr>
-              <a:t>a</a:t>
-            </a:r>
-            <a:r>
-              <a:rPr b="0" lang="pt-BR" sz="1600" spc="-1" strike="noStrike">
-                <a:solidFill>
-                  <a:srgbClr val="1c1c1c"/>
-                </a:solidFill>
-                <a:latin typeface="Latin Modern Sans"/>
-                <a:ea typeface="DejaVu Sans"/>
-              </a:rPr>
-              <a:t>ç</a:t>
-            </a:r>
-            <a:r>
-              <a:rPr b="0" lang="pt-BR" sz="1600" spc="-1" strike="noStrike">
-                <a:solidFill>
-                  <a:srgbClr val="1c1c1c"/>
-                </a:solidFill>
-                <a:latin typeface="Latin Modern Sans"/>
-                <a:ea typeface="DejaVu Sans"/>
-              </a:rPr>
-              <a:t>ã</a:t>
-            </a:r>
-            <a:r>
-              <a:rPr b="0" lang="pt-BR" sz="1600" spc="-1" strike="noStrike">
-                <a:solidFill>
-                  <a:srgbClr val="1c1c1c"/>
-                </a:solidFill>
-                <a:latin typeface="Latin Modern Sans"/>
-                <a:ea typeface="DejaVu Sans"/>
-              </a:rPr>
-              <a:t>o</a:t>
-            </a:r>
-            <a:endParaRPr b="0" lang="pt-BR" sz="1600" spc="-1" strike="noStrike">
-              <a:latin typeface="Arial"/>
-            </a:endParaRPr>
-          </a:p>
-          <a:p>
-            <a:pPr>
-              <a:lnSpc>
-                <a:spcPct val="100000"/>
-              </a:lnSpc>
-              <a:buNone/>
-            </a:pPr>
-            <a:endParaRPr b="0" lang="pt-BR" sz="1600" spc="-1" strike="noStrike">
-              <a:latin typeface="Arial"/>
-            </a:endParaRPr>
-          </a:p>
-          <a:p>
-            <a:pPr>
-              <a:lnSpc>
-                <a:spcPct val="100000"/>
-              </a:lnSpc>
-              <a:buNone/>
-            </a:pPr>
-            <a:endParaRPr b="0" lang="pt-BR" sz="1600" spc="-1" strike="noStrike">
-              <a:latin typeface="Arial"/>
-            </a:endParaRPr>
-          </a:p>
-          <a:p>
-            <a:pPr>
-              <a:lnSpc>
-                <a:spcPct val="100000"/>
-              </a:lnSpc>
-              <a:buNone/>
-            </a:pPr>
-            <a:endParaRPr b="0" lang="pt-BR" sz="1600" spc="-1" strike="noStrike">
-              <a:latin typeface="Arial"/>
-            </a:endParaRPr>
-          </a:p>
-          <a:p>
-            <a:pPr>
-              <a:lnSpc>
-                <a:spcPct val="100000"/>
-              </a:lnSpc>
-              <a:buNone/>
-            </a:pPr>
-            <a:endParaRPr b="0" lang="pt-BR" sz="1600" spc="-1" strike="noStrike">
-              <a:latin typeface="Arial"/>
-            </a:endParaRPr>
-          </a:p>
-          <a:p>
-            <a:pPr>
-              <a:lnSpc>
-                <a:spcPct val="100000"/>
-              </a:lnSpc>
-              <a:buNone/>
-            </a:pPr>
-            <a:endParaRPr b="0" lang="pt-BR" sz="1600" spc="-1" strike="noStrike">
-              <a:latin typeface="Arial"/>
-            </a:endParaRPr>
-          </a:p>
-          <a:p>
-            <a:pPr>
-              <a:lnSpc>
-                <a:spcPct val="100000"/>
-              </a:lnSpc>
-              <a:buNone/>
-            </a:pPr>
-            <a:endParaRPr b="0" lang="pt-BR" sz="1600" spc="-1" strike="noStrike">
-              <a:latin typeface="Arial"/>
-            </a:endParaRPr>
-          </a:p>
-          <a:p>
-            <a:pPr>
-              <a:lnSpc>
-                <a:spcPct val="100000"/>
-              </a:lnSpc>
-              <a:buNone/>
-            </a:pPr>
-            <a:endParaRPr b="0" lang="pt-BR" sz="1600" spc="-1" strike="noStrike">
-              <a:latin typeface="Arial"/>
-            </a:endParaRPr>
-          </a:p>
-          <a:p>
-            <a:pPr>
-              <a:lnSpc>
-                <a:spcPct val="100000"/>
-              </a:lnSpc>
-              <a:buNone/>
-            </a:pPr>
-            <a:endParaRPr b="0" lang="pt-BR" sz="1600" spc="-1" strike="noStrike">
-              <a:latin typeface="Arial"/>
-            </a:endParaRPr>
-          </a:p>
-          <a:p>
-            <a:pPr>
-              <a:lnSpc>
-                <a:spcPct val="100000"/>
-              </a:lnSpc>
-              <a:buNone/>
-            </a:pPr>
-            <a:endParaRPr b="0" lang="pt-BR" sz="1600" spc="-1" strike="noStrike">
-              <a:latin typeface="Arial"/>
-            </a:endParaRPr>
-          </a:p>
-          <a:p>
-            <a:pPr lvl="1" marL="432000" indent="-216000">
-              <a:lnSpc>
-                <a:spcPct val="100000"/>
-              </a:lnSpc>
-              <a:buClr>
-                <a:srgbClr val="000000"/>
-              </a:buClr>
-              <a:buSzPct val="45000"/>
-              <a:buFont typeface="Wingdings" charset="2"/>
-              <a:buChar char=""/>
+            <a:endParaRPr b="0" lang="pt-BR" sz="1600" spc="-1" strike="noStrike">
+              <a:latin typeface="Arial"/>
+            </a:endParaRPr>
+          </a:p>
+          <a:p>
+            <a:pPr>
+              <a:lnSpc>
+                <a:spcPct val="100000"/>
+              </a:lnSpc>
+              <a:buNone/>
+            </a:pPr>
+            <a:endParaRPr b="0" lang="pt-BR" sz="1600" spc="-1" strike="noStrike">
+              <a:latin typeface="Arial"/>
+            </a:endParaRPr>
+          </a:p>
+          <a:p>
+            <a:pPr>
+              <a:lnSpc>
+                <a:spcPct val="100000"/>
+              </a:lnSpc>
+              <a:buNone/>
+            </a:pPr>
+            <a:endParaRPr b="0" lang="pt-BR" sz="1600" spc="-1" strike="noStrike">
+              <a:latin typeface="Arial"/>
+            </a:endParaRPr>
+          </a:p>
+          <a:p>
+            <a:pPr>
+              <a:lnSpc>
+                <a:spcPct val="100000"/>
+              </a:lnSpc>
+              <a:buNone/>
+            </a:pPr>
+            <a:endParaRPr b="0" lang="pt-BR" sz="1600" spc="-1" strike="noStrike">
+              <a:latin typeface="Arial"/>
+            </a:endParaRPr>
+          </a:p>
+          <a:p>
+            <a:pPr>
+              <a:lnSpc>
+                <a:spcPct val="100000"/>
+              </a:lnSpc>
+              <a:buNone/>
+            </a:pPr>
+            <a:endParaRPr b="0" lang="pt-BR" sz="1600" spc="-1" strike="noStrike">
+              <a:latin typeface="Arial"/>
+            </a:endParaRPr>
+          </a:p>
+          <a:p>
+            <a:pPr>
+              <a:lnSpc>
+                <a:spcPct val="100000"/>
+              </a:lnSpc>
+              <a:buNone/>
+            </a:pPr>
+            <a:endParaRPr b="0" lang="pt-BR" sz="1600" spc="-1" strike="noStrike">
+              <a:latin typeface="Arial"/>
+            </a:endParaRPr>
+          </a:p>
+          <a:p>
+            <a:pPr>
+              <a:lnSpc>
+                <a:spcPct val="100000"/>
+              </a:lnSpc>
+              <a:buNone/>
+            </a:pPr>
+            <a:endParaRPr b="0" lang="pt-BR" sz="1600" spc="-1" strike="noStrike">
+              <a:latin typeface="Arial"/>
+            </a:endParaRPr>
+          </a:p>
+          <a:p>
+            <a:pPr>
+              <a:lnSpc>
+                <a:spcPct val="100000"/>
+              </a:lnSpc>
+              <a:buNone/>
+            </a:pPr>
+            <a:endParaRPr b="0" lang="pt-BR" sz="1600" spc="-1" strike="noStrike">
+              <a:latin typeface="Arial"/>
+            </a:endParaRPr>
+          </a:p>
+          <a:p>
+            <a:pPr>
+              <a:lnSpc>
+                <a:spcPct val="100000"/>
+              </a:lnSpc>
+              <a:buNone/>
+            </a:pPr>
+            <a:endParaRPr b="0" lang="pt-BR" sz="1600" spc="-1" strike="noStrike">
+              <a:latin typeface="Arial"/>
+            </a:endParaRPr>
+          </a:p>
+          <a:p>
+            <a:pPr>
+              <a:lnSpc>
+                <a:spcPct val="100000"/>
+              </a:lnSpc>
+              <a:buNone/>
+            </a:pPr>
+            <a:endParaRPr b="0" lang="pt-BR" sz="1600" spc="-1" strike="noStrike">
+              <a:latin typeface="Arial"/>
+            </a:endParaRPr>
+          </a:p>
+          <a:p>
+            <a:pPr>
+              <a:lnSpc>
+                <a:spcPct val="100000"/>
+              </a:lnSpc>
+              <a:buNone/>
             </a:pPr>
             <a:endParaRPr b="0" lang="pt-BR" sz="1600" spc="-1" strike="noStrike">
               <a:latin typeface="Arial"/>
@@ -27499,7 +23884,7 @@
       </p:sp>
       <p:pic>
         <p:nvPicPr>
-          <p:cNvPr id="184" name="" descr=""/>
+          <p:cNvPr id="145" name="" descr=""/>
           <p:cNvPicPr/>
           <p:nvPr/>
         </p:nvPicPr>
@@ -27510,7 +23895,7 @@
         <p:spPr>
           <a:xfrm>
             <a:off x="1260000" y="2520000"/>
-            <a:ext cx="7360920" cy="3600000"/>
+            <a:ext cx="7360560" cy="3599640"/>
           </a:xfrm>
           <a:prstGeom prst="rect">
             <a:avLst/>
@@ -28209,230 +24594,4 @@
     </a:fmtScheme>
   </a:themeElements>
 </a:theme>
-</file>
-
-<file path=ppt/theme/theme4.xml><?xml version="1.0" encoding="utf-8"?>
-<a:theme xmlns:a="http://schemas.openxmlformats.org/drawingml/2006/main" name="Office Theme">
-  <a:themeElements>
-    <a:clrScheme name="Office">
-      <a:dk1>
-        <a:sysClr val="windowText" lastClr="000000"/>
-      </a:dk1>
-      <a:lt1>
-        <a:sysClr val="window" lastClr="FFFFFF"/>
-      </a:lt1>
-      <a:dk2>
-        <a:srgbClr val="1f497d"/>
-      </a:dk2>
-      <a:lt2>
-        <a:srgbClr val="eeece1"/>
-      </a:lt2>
-      <a:accent1>
-        <a:srgbClr val="4f81bd"/>
-      </a:accent1>
-      <a:accent2>
-        <a:srgbClr val="c0504d"/>
-      </a:accent2>
-      <a:accent3>
-        <a:srgbClr val="9bbb59"/>
-      </a:accent3>
-      <a:accent4>
-        <a:srgbClr val="8064a2"/>
-      </a:accent4>
-      <a:accent5>
-        <a:srgbClr val="4bacc6"/>
-      </a:accent5>
-      <a:accent6>
-        <a:srgbClr val="f79646"/>
-      </a:accent6>
-      <a:hlink>
-        <a:srgbClr val="0000ff"/>
-      </a:hlink>
-      <a:folHlink>
-        <a:srgbClr val="800080"/>
-      </a:folHlink>
-    </a:clrScheme>
-    <a:fontScheme name="Office">
-      <a:majorFont>
-        <a:latin typeface="Arial"/>
-        <a:ea typeface="DejaVu Sans"/>
-        <a:cs typeface="DejaVu Sans"/>
-      </a:majorFont>
-      <a:minorFont>
-        <a:latin typeface="Arial"/>
-        <a:ea typeface="DejaVu Sans"/>
-        <a:cs typeface="DejaVu Sans"/>
-      </a:minorFont>
-    </a:fontScheme>
-    <a:fmtScheme name="Office">
-      <a:fillStyleLst>
-        <a:solidFill>
-          <a:schemeClr val="phClr"/>
-        </a:solidFill>
-        <a:gradFill rotWithShape="1">
-          <a:gsLst>
-            <a:gs pos="0">
-              <a:schemeClr val="phClr">
-                <a:tint val="50000"/>
-                <a:satMod val="300000"/>
-              </a:schemeClr>
-            </a:gs>
-            <a:gs pos="35000">
-              <a:schemeClr val="phClr">
-                <a:tint val="37000"/>
-                <a:satMod val="300000"/>
-              </a:schemeClr>
-            </a:gs>
-            <a:gs pos="100000">
-              <a:schemeClr val="phClr">
-                <a:tint val="15000"/>
-                <a:satMod val="350000"/>
-              </a:schemeClr>
-            </a:gs>
-          </a:gsLst>
-          <a:lin ang="16200000" scaled="1"/>
-        </a:gradFill>
-        <a:gradFill rotWithShape="1">
-          <a:gsLst>
-            <a:gs pos="0">
-              <a:schemeClr val="phClr">
-                <a:shade val="51000"/>
-                <a:satMod val="130000"/>
-              </a:schemeClr>
-            </a:gs>
-            <a:gs pos="80000">
-              <a:schemeClr val="phClr">
-                <a:shade val="93000"/>
-                <a:satMod val="130000"/>
-              </a:schemeClr>
-            </a:gs>
-            <a:gs pos="100000">
-              <a:schemeClr val="phClr">
-                <a:shade val="94000"/>
-                <a:satMod val="135000"/>
-              </a:schemeClr>
-            </a:gs>
-          </a:gsLst>
-          <a:lin ang="16200000" scaled="0"/>
-        </a:gradFill>
-      </a:fillStyleLst>
-      <a:lnStyleLst>
-        <a:ln w="9525" cap="flat" cmpd="sng" algn="ctr">
-          <a:solidFill>
-            <a:schemeClr val="phClr">
-              <a:shade val="95000"/>
-              <a:satMod val="105000"/>
-            </a:schemeClr>
-          </a:solidFill>
-          <a:prstDash val="solid"/>
-          <a:miter/>
-        </a:ln>
-        <a:ln w="25400" cap="flat" cmpd="sng" algn="ctr">
-          <a:solidFill>
-            <a:schemeClr val="phClr"/>
-          </a:solidFill>
-          <a:prstDash val="solid"/>
-          <a:miter/>
-        </a:ln>
-        <a:ln w="38100" cap="flat" cmpd="sng" algn="ctr">
-          <a:solidFill>
-            <a:schemeClr val="phClr"/>
-          </a:solidFill>
-          <a:prstDash val="solid"/>
-          <a:miter/>
-        </a:ln>
-      </a:lnStyleLst>
-      <a:effectStyleLst>
-        <a:effectStyle>
-          <a:effectLst>
-            <a:outerShdw blurRad="40000" dist="20000" dir="5400000" rotWithShape="0">
-              <a:srgbClr val="000000">
-                <a:alpha val="38000"/>
-              </a:srgbClr>
-            </a:outerShdw>
-          </a:effectLst>
-        </a:effectStyle>
-        <a:effectStyle>
-          <a:effectLst>
-            <a:outerShdw blurRad="40000" dist="23000" dir="5400000" rotWithShape="0">
-              <a:srgbClr val="000000">
-                <a:alpha val="35000"/>
-              </a:srgbClr>
-            </a:outerShdw>
-          </a:effectLst>
-        </a:effectStyle>
-        <a:effectStyle>
-          <a:effectLst>
-            <a:outerShdw blurRad="40000" dist="23000" dir="5400000" rotWithShape="0">
-              <a:srgbClr val="000000">
-                <a:alpha val="35000"/>
-              </a:srgbClr>
-            </a:outerShdw>
-          </a:effectLst>
-          <a:scene3d>
-            <a:camera prst="orthographicFront">
-              <a:rot lat="0" lon="0" rev="0"/>
-            </a:camera>
-            <a:lightRig rig="threePt" dir="t">
-              <a:rot lat="0" lon="0" rev="1200000"/>
-            </a:lightRig>
-          </a:scene3d>
-          <a:sp3d>
-            <a:bevelT w="63500" h="25400"/>
-          </a:sp3d>
-        </a:effectStyle>
-      </a:effectStyleLst>
-      <a:bgFillStyleLst>
-        <a:solidFill>
-          <a:schemeClr val="phClr"/>
-        </a:solidFill>
-        <a:gradFill rotWithShape="1">
-          <a:gsLst>
-            <a:gs pos="0">
-              <a:schemeClr val="phClr">
-                <a:tint val="40000"/>
-                <a:satMod val="350000"/>
-              </a:schemeClr>
-            </a:gs>
-            <a:gs pos="40000">
-              <a:schemeClr val="phClr">
-                <a:tint val="45000"/>
-                <a:shade val="99000"/>
-                <a:satMod val="350000"/>
-              </a:schemeClr>
-            </a:gs>
-            <a:gs pos="100000">
-              <a:schemeClr val="phClr">
-                <a:shade val="20000"/>
-                <a:satMod val="255000"/>
-              </a:schemeClr>
-            </a:gs>
-          </a:gsLst>
-          <a:path path="circle">
-            <a:fillToRect l="50000" t="-80000" r="50000" b="180000"/>
-          </a:path>
-        </a:gradFill>
-        <a:gradFill rotWithShape="1">
-          <a:gsLst>
-            <a:gs pos="0">
-              <a:schemeClr val="phClr">
-                <a:tint val="80000"/>
-                <a:satMod val="300000"/>
-              </a:schemeClr>
-            </a:gs>
-            <a:gs pos="100000">
-              <a:schemeClr val="phClr">
-                <a:shade val="30000"/>
-                <a:satMod val="200000"/>
-              </a:schemeClr>
-            </a:gs>
-          </a:gsLst>
-          <a:path path="circle">
-            <a:fillToRect l="50000" t="50000" r="50000" b="50000"/>
-          </a:path>
-        </a:gradFill>
-      </a:bgFillStyleLst>
-    </a:fmtScheme>
-  </a:themeElements>
-</a:theme>
 </file>
--- a/AprendizadoMaquina/Tópico 02 - Aprendizado Supervisionado/Regressão/Tópico 02 - Aprendizado-Supervisionado - Regressao.pptx
+++ b/AprendizadoMaquina/Tópico 02 - Aprendizado Supervisionado/Regressão/Tópico 02 - Aprendizado-Supervisionado - Regressao.pptx
@@ -86,7 +86,49 @@
               <a:rPr b="0" lang="pt-BR" sz="4400" spc="-1" strike="noStrike">
                 <a:latin typeface="Arial"/>
               </a:rPr>
-              <a:t>Click to move the slide</a:t>
+              <a:t>Cli</a:t>
+            </a:r>
+            <a:r>
+              <a:rPr b="0" lang="pt-BR" sz="4400" spc="-1" strike="noStrike">
+                <a:latin typeface="Arial"/>
+              </a:rPr>
+              <a:t>ck </a:t>
+            </a:r>
+            <a:r>
+              <a:rPr b="0" lang="pt-BR" sz="4400" spc="-1" strike="noStrike">
+                <a:latin typeface="Arial"/>
+              </a:rPr>
+              <a:t>to </a:t>
+            </a:r>
+            <a:r>
+              <a:rPr b="0" lang="pt-BR" sz="4400" spc="-1" strike="noStrike">
+                <a:latin typeface="Arial"/>
+              </a:rPr>
+              <a:t>mo</a:t>
+            </a:r>
+            <a:r>
+              <a:rPr b="0" lang="pt-BR" sz="4400" spc="-1" strike="noStrike">
+                <a:latin typeface="Arial"/>
+              </a:rPr>
+              <a:t>ve </a:t>
+            </a:r>
+            <a:r>
+              <a:rPr b="0" lang="pt-BR" sz="4400" spc="-1" strike="noStrike">
+                <a:latin typeface="Arial"/>
+              </a:rPr>
+              <a:t>the </a:t>
+            </a:r>
+            <a:r>
+              <a:rPr b="0" lang="pt-BR" sz="4400" spc="-1" strike="noStrike">
+                <a:latin typeface="Arial"/>
+              </a:rPr>
+              <a:t>slid</a:t>
+            </a:r>
+            <a:r>
+              <a:rPr b="0" lang="pt-BR" sz="4400" spc="-1" strike="noStrike">
+                <a:latin typeface="Arial"/>
+              </a:rPr>
+              <a:t>e</a:t>
             </a:r>
             <a:endParaRPr b="0" lang="pt-BR" sz="4400" spc="-1" strike="noStrike">
               <a:latin typeface="Arial"/>
@@ -126,7 +168,37 @@
               <a:rPr b="0" lang="pt-BR" sz="2000" spc="-1" strike="noStrike">
                 <a:latin typeface="Arial"/>
               </a:rPr>
-              <a:t>Click to edit the notes format</a:t>
+              <a:t>Click to </a:t>
+            </a:r>
+            <a:r>
+              <a:rPr b="0" lang="pt-BR" sz="2000" spc="-1" strike="noStrike">
+                <a:latin typeface="Arial"/>
+              </a:rPr>
+              <a:t>edit </a:t>
+            </a:r>
+            <a:r>
+              <a:rPr b="0" lang="pt-BR" sz="2000" spc="-1" strike="noStrike">
+                <a:latin typeface="Arial"/>
+              </a:rPr>
+              <a:t>the </a:t>
+            </a:r>
+            <a:r>
+              <a:rPr b="0" lang="pt-BR" sz="2000" spc="-1" strike="noStrike">
+                <a:latin typeface="Arial"/>
+              </a:rPr>
+              <a:t>notes </a:t>
+            </a:r>
+            <a:r>
+              <a:rPr b="0" lang="pt-BR" sz="2000" spc="-1" strike="noStrike">
+                <a:latin typeface="Arial"/>
+              </a:rPr>
+              <a:t>form</a:t>
+            </a:r>
+            <a:r>
+              <a:rPr b="0" lang="pt-BR" sz="2000" spc="-1" strike="noStrike">
+                <a:latin typeface="Arial"/>
+              </a:rPr>
+              <a:t>at</a:t>
             </a:r>
             <a:endParaRPr b="0" lang="pt-BR" sz="2000" spc="-1" strike="noStrike">
               <a:latin typeface="Arial"/>
@@ -311,7 +383,7 @@
             <a:pPr algn="r">
               <a:buNone/>
             </a:pPr>
-            <a:fld id="{419B3043-FB25-48FF-B230-32D42F4636F5}" type="slidenum">
+            <a:fld id="{B7D95C09-77A6-41CD-BA4E-02BA4EF5E628}" type="slidenum">
               <a:rPr b="0" lang="pt-BR" sz="1400" spc="-1" strike="noStrike">
                 <a:latin typeface="Times New Roman"/>
               </a:rPr>
@@ -359,7 +431,7 @@
         <p:spPr>
           <a:xfrm>
             <a:off x="1376280" y="1336680"/>
-            <a:ext cx="4795920" cy="3595680"/>
+            <a:ext cx="4795560" cy="3595320"/>
           </a:xfrm>
           <a:prstGeom prst="rect">
             <a:avLst/>
@@ -382,7 +454,7 @@
         <p:spPr>
           <a:xfrm>
             <a:off x="756000" y="5145120"/>
-            <a:ext cx="6036120" cy="4198320"/>
+            <a:ext cx="6035760" cy="4197960"/>
           </a:xfrm>
           <a:prstGeom prst="rect">
             <a:avLst/>
@@ -412,7 +484,7 @@
         <p:spPr>
           <a:xfrm>
             <a:off x="0" y="10155240"/>
-            <a:ext cx="3264480" cy="524880"/>
+            <a:ext cx="3264120" cy="524520"/>
           </a:xfrm>
           <a:prstGeom prst="rect">
             <a:avLst/>
@@ -490,7 +562,7 @@
         <p:spPr>
           <a:xfrm>
             <a:off x="1376280" y="1336680"/>
-            <a:ext cx="4795920" cy="3595680"/>
+            <a:ext cx="4795560" cy="3595320"/>
           </a:xfrm>
           <a:prstGeom prst="rect">
             <a:avLst/>
@@ -513,7 +585,7 @@
         <p:spPr>
           <a:xfrm>
             <a:off x="756000" y="5145120"/>
-            <a:ext cx="6036120" cy="4198320"/>
+            <a:ext cx="6035760" cy="4197960"/>
           </a:xfrm>
           <a:prstGeom prst="rect">
             <a:avLst/>
@@ -543,7 +615,7 @@
         <p:spPr>
           <a:xfrm>
             <a:off x="0" y="10155240"/>
-            <a:ext cx="3264480" cy="524880"/>
+            <a:ext cx="3264120" cy="524520"/>
           </a:xfrm>
           <a:prstGeom prst="rect">
             <a:avLst/>
@@ -621,7 +693,7 @@
         <p:spPr>
           <a:xfrm>
             <a:off x="1376280" y="1336680"/>
-            <a:ext cx="4795920" cy="3595680"/>
+            <a:ext cx="4795560" cy="3595320"/>
           </a:xfrm>
           <a:prstGeom prst="rect">
             <a:avLst/>
@@ -644,7 +716,7 @@
         <p:spPr>
           <a:xfrm>
             <a:off x="756000" y="5145120"/>
-            <a:ext cx="6036120" cy="4198320"/>
+            <a:ext cx="6035760" cy="4197960"/>
           </a:xfrm>
           <a:prstGeom prst="rect">
             <a:avLst/>
@@ -674,7 +746,7 @@
         <p:spPr>
           <a:xfrm>
             <a:off x="0" y="10155240"/>
-            <a:ext cx="3264480" cy="524880"/>
+            <a:ext cx="3264120" cy="524520"/>
           </a:xfrm>
           <a:prstGeom prst="rect">
             <a:avLst/>
@@ -752,7 +824,7 @@
         <p:spPr>
           <a:xfrm>
             <a:off x="1376280" y="1336680"/>
-            <a:ext cx="4795920" cy="3595680"/>
+            <a:ext cx="4795560" cy="3595320"/>
           </a:xfrm>
           <a:prstGeom prst="rect">
             <a:avLst/>
@@ -775,7 +847,7 @@
         <p:spPr>
           <a:xfrm>
             <a:off x="756000" y="5145120"/>
-            <a:ext cx="6036120" cy="4198320"/>
+            <a:ext cx="6035760" cy="4197960"/>
           </a:xfrm>
           <a:prstGeom prst="rect">
             <a:avLst/>
@@ -805,7 +877,7 @@
         <p:spPr>
           <a:xfrm>
             <a:off x="0" y="10155240"/>
-            <a:ext cx="3264480" cy="524880"/>
+            <a:ext cx="3264120" cy="524520"/>
           </a:xfrm>
           <a:prstGeom prst="rect">
             <a:avLst/>
@@ -883,7 +955,7 @@
         <p:spPr>
           <a:xfrm>
             <a:off x="1376280" y="1336680"/>
-            <a:ext cx="4795920" cy="3595680"/>
+            <a:ext cx="4795560" cy="3595320"/>
           </a:xfrm>
           <a:prstGeom prst="rect">
             <a:avLst/>
@@ -906,7 +978,7 @@
         <p:spPr>
           <a:xfrm>
             <a:off x="756000" y="5145120"/>
-            <a:ext cx="6036120" cy="4198320"/>
+            <a:ext cx="6035760" cy="4197960"/>
           </a:xfrm>
           <a:prstGeom prst="rect">
             <a:avLst/>
@@ -936,7 +1008,7 @@
         <p:spPr>
           <a:xfrm>
             <a:off x="0" y="10155240"/>
-            <a:ext cx="3264480" cy="524880"/>
+            <a:ext cx="3264120" cy="524520"/>
           </a:xfrm>
           <a:prstGeom prst="rect">
             <a:avLst/>
@@ -1014,7 +1086,7 @@
         <p:spPr>
           <a:xfrm>
             <a:off x="1376280" y="1336680"/>
-            <a:ext cx="4795920" cy="3595680"/>
+            <a:ext cx="4795560" cy="3595320"/>
           </a:xfrm>
           <a:prstGeom prst="rect">
             <a:avLst/>
@@ -1037,7 +1109,7 @@
         <p:spPr>
           <a:xfrm>
             <a:off x="756000" y="5145120"/>
-            <a:ext cx="6036120" cy="4198320"/>
+            <a:ext cx="6035760" cy="4197960"/>
           </a:xfrm>
           <a:prstGeom prst="rect">
             <a:avLst/>
@@ -1067,7 +1139,7 @@
         <p:spPr>
           <a:xfrm>
             <a:off x="0" y="10155240"/>
-            <a:ext cx="3264480" cy="524880"/>
+            <a:ext cx="3264120" cy="524520"/>
           </a:xfrm>
           <a:prstGeom prst="rect">
             <a:avLst/>
@@ -1145,7 +1217,7 @@
         <p:spPr>
           <a:xfrm>
             <a:off x="1376280" y="1336680"/>
-            <a:ext cx="4795920" cy="3595680"/>
+            <a:ext cx="4795560" cy="3595320"/>
           </a:xfrm>
           <a:prstGeom prst="rect">
             <a:avLst/>
@@ -1168,7 +1240,7 @@
         <p:spPr>
           <a:xfrm>
             <a:off x="756000" y="5145120"/>
-            <a:ext cx="6036120" cy="4198320"/>
+            <a:ext cx="6035760" cy="4197960"/>
           </a:xfrm>
           <a:prstGeom prst="rect">
             <a:avLst/>
@@ -1198,7 +1270,7 @@
         <p:spPr>
           <a:xfrm>
             <a:off x="0" y="10155240"/>
-            <a:ext cx="3264480" cy="524880"/>
+            <a:ext cx="3264120" cy="524520"/>
           </a:xfrm>
           <a:prstGeom prst="rect">
             <a:avLst/>
@@ -1276,7 +1348,7 @@
         <p:spPr>
           <a:xfrm>
             <a:off x="1376280" y="1336680"/>
-            <a:ext cx="4795920" cy="3595680"/>
+            <a:ext cx="4795560" cy="3595320"/>
           </a:xfrm>
           <a:prstGeom prst="rect">
             <a:avLst/>
@@ -1299,7 +1371,7 @@
         <p:spPr>
           <a:xfrm>
             <a:off x="756000" y="5145120"/>
-            <a:ext cx="6036120" cy="4198320"/>
+            <a:ext cx="6035760" cy="4197960"/>
           </a:xfrm>
           <a:prstGeom prst="rect">
             <a:avLst/>
@@ -1329,7 +1401,7 @@
         <p:spPr>
           <a:xfrm>
             <a:off x="0" y="10155240"/>
-            <a:ext cx="3264480" cy="524880"/>
+            <a:ext cx="3264120" cy="524520"/>
           </a:xfrm>
           <a:prstGeom prst="rect">
             <a:avLst/>
@@ -1407,7 +1479,7 @@
         <p:spPr>
           <a:xfrm>
             <a:off x="1376280" y="1336680"/>
-            <a:ext cx="4795920" cy="3595680"/>
+            <a:ext cx="4795560" cy="3595320"/>
           </a:xfrm>
           <a:prstGeom prst="rect">
             <a:avLst/>
@@ -1430,7 +1502,7 @@
         <p:spPr>
           <a:xfrm>
             <a:off x="756000" y="5145120"/>
-            <a:ext cx="6036120" cy="4198320"/>
+            <a:ext cx="6035760" cy="4197960"/>
           </a:xfrm>
           <a:prstGeom prst="rect">
             <a:avLst/>
@@ -1460,7 +1532,7 @@
         <p:spPr>
           <a:xfrm>
             <a:off x="0" y="10155240"/>
-            <a:ext cx="3264480" cy="524880"/>
+            <a:ext cx="3264120" cy="524520"/>
           </a:xfrm>
           <a:prstGeom prst="rect">
             <a:avLst/>
@@ -1538,7 +1610,7 @@
         <p:spPr>
           <a:xfrm>
             <a:off x="1376280" y="1336680"/>
-            <a:ext cx="4795920" cy="3595680"/>
+            <a:ext cx="4795560" cy="3595320"/>
           </a:xfrm>
           <a:prstGeom prst="rect">
             <a:avLst/>
@@ -1561,7 +1633,7 @@
         <p:spPr>
           <a:xfrm>
             <a:off x="756000" y="5145120"/>
-            <a:ext cx="6036120" cy="4198320"/>
+            <a:ext cx="6035760" cy="4197960"/>
           </a:xfrm>
           <a:prstGeom prst="rect">
             <a:avLst/>
@@ -1591,7 +1663,7 @@
         <p:spPr>
           <a:xfrm>
             <a:off x="0" y="10155240"/>
-            <a:ext cx="3264480" cy="524880"/>
+            <a:ext cx="3264120" cy="524520"/>
           </a:xfrm>
           <a:prstGeom prst="rect">
             <a:avLst/>
@@ -1669,7 +1741,7 @@
         <p:spPr>
           <a:xfrm>
             <a:off x="1376280" y="1336680"/>
-            <a:ext cx="4795920" cy="3595680"/>
+            <a:ext cx="4795560" cy="3595320"/>
           </a:xfrm>
           <a:prstGeom prst="rect">
             <a:avLst/>
@@ -1692,7 +1764,7 @@
         <p:spPr>
           <a:xfrm>
             <a:off x="756000" y="5145120"/>
-            <a:ext cx="6036120" cy="4198320"/>
+            <a:ext cx="6035760" cy="4197960"/>
           </a:xfrm>
           <a:prstGeom prst="rect">
             <a:avLst/>
@@ -1722,7 +1794,7 @@
         <p:spPr>
           <a:xfrm>
             <a:off x="0" y="10155240"/>
-            <a:ext cx="3264480" cy="524880"/>
+            <a:ext cx="3264120" cy="524520"/>
           </a:xfrm>
           <a:prstGeom prst="rect">
             <a:avLst/>
@@ -1800,7 +1872,7 @@
         <p:spPr>
           <a:xfrm>
             <a:off x="1376280" y="1336680"/>
-            <a:ext cx="4795920" cy="3595680"/>
+            <a:ext cx="4795560" cy="3595320"/>
           </a:xfrm>
           <a:prstGeom prst="rect">
             <a:avLst/>
@@ -1823,7 +1895,7 @@
         <p:spPr>
           <a:xfrm>
             <a:off x="756000" y="5145120"/>
-            <a:ext cx="6036120" cy="4198320"/>
+            <a:ext cx="6035760" cy="4197960"/>
           </a:xfrm>
           <a:prstGeom prst="rect">
             <a:avLst/>
@@ -1853,7 +1925,7 @@
         <p:spPr>
           <a:xfrm>
             <a:off x="0" y="10155240"/>
-            <a:ext cx="3264480" cy="524880"/>
+            <a:ext cx="3264120" cy="524520"/>
           </a:xfrm>
           <a:prstGeom prst="rect">
             <a:avLst/>
@@ -1931,7 +2003,7 @@
         <p:spPr>
           <a:xfrm>
             <a:off x="1376280" y="1336680"/>
-            <a:ext cx="4795920" cy="3595680"/>
+            <a:ext cx="4795560" cy="3595320"/>
           </a:xfrm>
           <a:prstGeom prst="rect">
             <a:avLst/>
@@ -1954,7 +2026,7 @@
         <p:spPr>
           <a:xfrm>
             <a:off x="756000" y="5145120"/>
-            <a:ext cx="6036120" cy="4198320"/>
+            <a:ext cx="6035760" cy="4197960"/>
           </a:xfrm>
           <a:prstGeom prst="rect">
             <a:avLst/>
@@ -1984,7 +2056,7 @@
         <p:spPr>
           <a:xfrm>
             <a:off x="0" y="10155240"/>
-            <a:ext cx="3264480" cy="524880"/>
+            <a:ext cx="3264120" cy="524520"/>
           </a:xfrm>
           <a:prstGeom prst="rect">
             <a:avLst/>
@@ -2062,7 +2134,7 @@
         <p:spPr>
           <a:xfrm>
             <a:off x="1376280" y="1336680"/>
-            <a:ext cx="4795920" cy="3595680"/>
+            <a:ext cx="4795560" cy="3595320"/>
           </a:xfrm>
           <a:prstGeom prst="rect">
             <a:avLst/>
@@ -2085,7 +2157,7 @@
         <p:spPr>
           <a:xfrm>
             <a:off x="756000" y="5145120"/>
-            <a:ext cx="6036120" cy="4198320"/>
+            <a:ext cx="6035760" cy="4197960"/>
           </a:xfrm>
           <a:prstGeom prst="rect">
             <a:avLst/>
@@ -2115,7 +2187,7 @@
         <p:spPr>
           <a:xfrm>
             <a:off x="0" y="10155240"/>
-            <a:ext cx="3264480" cy="524880"/>
+            <a:ext cx="3264120" cy="524520"/>
           </a:xfrm>
           <a:prstGeom prst="rect">
             <a:avLst/>
@@ -2193,7 +2265,7 @@
         <p:spPr>
           <a:xfrm>
             <a:off x="1376280" y="1336680"/>
-            <a:ext cx="4795920" cy="3595680"/>
+            <a:ext cx="4795560" cy="3595320"/>
           </a:xfrm>
           <a:prstGeom prst="rect">
             <a:avLst/>
@@ -2216,7 +2288,7 @@
         <p:spPr>
           <a:xfrm>
             <a:off x="756000" y="5145120"/>
-            <a:ext cx="6036120" cy="4198320"/>
+            <a:ext cx="6035760" cy="4197960"/>
           </a:xfrm>
           <a:prstGeom prst="rect">
             <a:avLst/>
@@ -2246,7 +2318,7 @@
         <p:spPr>
           <a:xfrm>
             <a:off x="0" y="10155240"/>
-            <a:ext cx="3264480" cy="524880"/>
+            <a:ext cx="3264120" cy="524520"/>
           </a:xfrm>
           <a:prstGeom prst="rect">
             <a:avLst/>
@@ -2324,7 +2396,7 @@
         <p:spPr>
           <a:xfrm>
             <a:off x="1376280" y="1336680"/>
-            <a:ext cx="4795920" cy="3595680"/>
+            <a:ext cx="4795560" cy="3595320"/>
           </a:xfrm>
           <a:prstGeom prst="rect">
             <a:avLst/>
@@ -2347,7 +2419,7 @@
         <p:spPr>
           <a:xfrm>
             <a:off x="756000" y="5145120"/>
-            <a:ext cx="6036120" cy="4198320"/>
+            <a:ext cx="6035760" cy="4197960"/>
           </a:xfrm>
           <a:prstGeom prst="rect">
             <a:avLst/>
@@ -2377,7 +2449,7 @@
         <p:spPr>
           <a:xfrm>
             <a:off x="0" y="10155240"/>
-            <a:ext cx="3264480" cy="524880"/>
+            <a:ext cx="3264120" cy="524520"/>
           </a:xfrm>
           <a:prstGeom prst="rect">
             <a:avLst/>
@@ -2455,7 +2527,7 @@
         <p:spPr>
           <a:xfrm>
             <a:off x="1376280" y="1336680"/>
-            <a:ext cx="4795920" cy="3595680"/>
+            <a:ext cx="4795560" cy="3595320"/>
           </a:xfrm>
           <a:prstGeom prst="rect">
             <a:avLst/>
@@ -2478,7 +2550,7 @@
         <p:spPr>
           <a:xfrm>
             <a:off x="756000" y="5145120"/>
-            <a:ext cx="6036120" cy="4198320"/>
+            <a:ext cx="6035760" cy="4197960"/>
           </a:xfrm>
           <a:prstGeom prst="rect">
             <a:avLst/>
@@ -2508,7 +2580,7 @@
         <p:spPr>
           <a:xfrm>
             <a:off x="0" y="10155240"/>
-            <a:ext cx="3264480" cy="524880"/>
+            <a:ext cx="3264120" cy="524520"/>
           </a:xfrm>
           <a:prstGeom prst="rect">
             <a:avLst/>
@@ -2586,7 +2658,7 @@
         <p:spPr>
           <a:xfrm>
             <a:off x="1376280" y="1336680"/>
-            <a:ext cx="4795920" cy="3595680"/>
+            <a:ext cx="4795560" cy="3595320"/>
           </a:xfrm>
           <a:prstGeom prst="rect">
             <a:avLst/>
@@ -2609,7 +2681,7 @@
         <p:spPr>
           <a:xfrm>
             <a:off x="756000" y="5145120"/>
-            <a:ext cx="6036120" cy="4198320"/>
+            <a:ext cx="6035760" cy="4197960"/>
           </a:xfrm>
           <a:prstGeom prst="rect">
             <a:avLst/>
@@ -2639,7 +2711,7 @@
         <p:spPr>
           <a:xfrm>
             <a:off x="0" y="10155240"/>
-            <a:ext cx="3264480" cy="524880"/>
+            <a:ext cx="3264120" cy="524520"/>
           </a:xfrm>
           <a:prstGeom prst="rect">
             <a:avLst/>
@@ -2717,7 +2789,7 @@
         <p:spPr>
           <a:xfrm>
             <a:off x="1376280" y="1336680"/>
-            <a:ext cx="4795920" cy="3595680"/>
+            <a:ext cx="4795560" cy="3595320"/>
           </a:xfrm>
           <a:prstGeom prst="rect">
             <a:avLst/>
@@ -2740,7 +2812,7 @@
         <p:spPr>
           <a:xfrm>
             <a:off x="756000" y="5145120"/>
-            <a:ext cx="6036120" cy="4198320"/>
+            <a:ext cx="6035760" cy="4197960"/>
           </a:xfrm>
           <a:prstGeom prst="rect">
             <a:avLst/>
@@ -2770,7 +2842,7 @@
         <p:spPr>
           <a:xfrm>
             <a:off x="0" y="10155240"/>
-            <a:ext cx="3264480" cy="524880"/>
+            <a:ext cx="3264120" cy="524520"/>
           </a:xfrm>
           <a:prstGeom prst="rect">
             <a:avLst/>
@@ -5899,7 +5971,7 @@
         <p:spPr>
           <a:xfrm>
             <a:off x="0" y="3150000"/>
-            <a:ext cx="9708480" cy="1248480"/>
+            <a:ext cx="9708120" cy="1248120"/>
           </a:xfrm>
           <a:prstGeom prst="rect">
             <a:avLst/>
@@ -6197,7 +6269,7 @@
         <p:spPr>
           <a:xfrm>
             <a:off x="0" y="180000"/>
-            <a:ext cx="9708480" cy="1248480"/>
+            <a:ext cx="9708120" cy="1248120"/>
           </a:xfrm>
           <a:prstGeom prst="rect">
             <a:avLst/>
@@ -6225,7 +6297,7 @@
         <p:spPr>
           <a:xfrm>
             <a:off x="7560000" y="6840000"/>
-            <a:ext cx="2508480" cy="528480"/>
+            <a:ext cx="2508120" cy="528120"/>
           </a:xfrm>
           <a:prstGeom prst="rect">
             <a:avLst/>
@@ -6253,7 +6325,7 @@
         <p:spPr>
           <a:xfrm>
             <a:off x="900000" y="6840000"/>
-            <a:ext cx="6468480" cy="528480"/>
+            <a:ext cx="6468120" cy="528120"/>
           </a:xfrm>
           <a:prstGeom prst="rect">
             <a:avLst/>
@@ -6281,7 +6353,7 @@
         <p:spPr>
           <a:xfrm>
             <a:off x="180000" y="6840000"/>
-            <a:ext cx="528480" cy="528480"/>
+            <a:ext cx="528120" cy="528120"/>
           </a:xfrm>
           <a:prstGeom prst="rect">
             <a:avLst/>
@@ -6333,7 +6405,79 @@
               <a:rPr b="0" lang="pt-BR" sz="4400" spc="-1" strike="noStrike">
                 <a:latin typeface="Arial"/>
               </a:rPr>
-              <a:t>Click to edit the title text format</a:t>
+              <a:t>Cli</a:t>
+            </a:r>
+            <a:r>
+              <a:rPr b="0" lang="pt-BR" sz="4400" spc="-1" strike="noStrike">
+                <a:latin typeface="Arial"/>
+              </a:rPr>
+              <a:t>ck </a:t>
+            </a:r>
+            <a:r>
+              <a:rPr b="0" lang="pt-BR" sz="4400" spc="-1" strike="noStrike">
+                <a:latin typeface="Arial"/>
+              </a:rPr>
+              <a:t>to </a:t>
+            </a:r>
+            <a:r>
+              <a:rPr b="0" lang="pt-BR" sz="4400" spc="-1" strike="noStrike">
+                <a:latin typeface="Arial"/>
+              </a:rPr>
+              <a:t>edi</a:t>
+            </a:r>
+            <a:r>
+              <a:rPr b="0" lang="pt-BR" sz="4400" spc="-1" strike="noStrike">
+                <a:latin typeface="Arial"/>
+              </a:rPr>
+              <a:t>t </a:t>
+            </a:r>
+            <a:r>
+              <a:rPr b="0" lang="pt-BR" sz="4400" spc="-1" strike="noStrike">
+                <a:latin typeface="Arial"/>
+              </a:rPr>
+              <a:t>the </a:t>
+            </a:r>
+            <a:r>
+              <a:rPr b="0" lang="pt-BR" sz="4400" spc="-1" strike="noStrike">
+                <a:latin typeface="Arial"/>
+              </a:rPr>
+              <a:t>titl</a:t>
+            </a:r>
+            <a:r>
+              <a:rPr b="0" lang="pt-BR" sz="4400" spc="-1" strike="noStrike">
+                <a:latin typeface="Arial"/>
+              </a:rPr>
+              <a:t>e </a:t>
+            </a:r>
+            <a:r>
+              <a:rPr b="0" lang="pt-BR" sz="4400" spc="-1" strike="noStrike">
+                <a:latin typeface="Arial"/>
+              </a:rPr>
+              <a:t>tex</a:t>
+            </a:r>
+            <a:r>
+              <a:rPr b="0" lang="pt-BR" sz="4400" spc="-1" strike="noStrike">
+                <a:latin typeface="Arial"/>
+              </a:rPr>
+              <a:t>t </a:t>
+            </a:r>
+            <a:r>
+              <a:rPr b="0" lang="pt-BR" sz="4400" spc="-1" strike="noStrike">
+                <a:latin typeface="Arial"/>
+              </a:rPr>
+              <a:t>for</a:t>
+            </a:r>
+            <a:r>
+              <a:rPr b="0" lang="pt-BR" sz="4400" spc="-1" strike="noStrike">
+                <a:latin typeface="Arial"/>
+              </a:rPr>
+              <a:t>ma</a:t>
+            </a:r>
+            <a:r>
+              <a:rPr b="0" lang="pt-BR" sz="4400" spc="-1" strike="noStrike">
+                <a:latin typeface="Arial"/>
+              </a:rPr>
+              <a:t>t</a:t>
             </a:r>
             <a:endParaRPr b="0" lang="pt-BR" sz="4400" spc="-1" strike="noStrike">
               <a:latin typeface="Arial"/>
@@ -6570,7 +6714,7 @@
         <p:spPr>
           <a:xfrm>
             <a:off x="360000" y="3330000"/>
-            <a:ext cx="9348480" cy="888480"/>
+            <a:ext cx="9348120" cy="888120"/>
           </a:xfrm>
           <a:prstGeom prst="rect">
             <a:avLst/>
@@ -6605,7 +6749,7 @@
                 <a:latin typeface="Latin Modern Sans"/>
                 <a:ea typeface="DejaVu Sans"/>
               </a:rPr>
-              <a:t>Redes Neurais Artificiais (RNA)</a:t>
+              <a:t>Regressão</a:t>
             </a:r>
             <a:endParaRPr b="0" lang="pt-BR" sz="3200" spc="-1" strike="noStrike">
               <a:latin typeface="Arial"/>
@@ -6622,7 +6766,7 @@
         <p:spPr>
           <a:xfrm>
             <a:off x="540000" y="4680000"/>
-            <a:ext cx="9168480" cy="2508480"/>
+            <a:ext cx="9168120" cy="2508120"/>
           </a:xfrm>
           <a:prstGeom prst="rect">
             <a:avLst/>
@@ -6861,7 +7005,7 @@
         <p:spPr>
           <a:xfrm>
             <a:off x="360000" y="360000"/>
-            <a:ext cx="9348480" cy="888480"/>
+            <a:ext cx="9348120" cy="888120"/>
           </a:xfrm>
           <a:prstGeom prst="rect">
             <a:avLst/>
@@ -6913,7 +7057,7 @@
         <p:spPr>
           <a:xfrm>
             <a:off x="360000" y="1980000"/>
-            <a:ext cx="9168480" cy="4668480"/>
+            <a:ext cx="9168120" cy="4668120"/>
           </a:xfrm>
           <a:prstGeom prst="rect">
             <a:avLst/>
@@ -6972,7 +7116,7 @@
         <p:spPr>
           <a:xfrm>
             <a:off x="897120" y="6886080"/>
-            <a:ext cx="6435720" cy="353520"/>
+            <a:ext cx="6435360" cy="353160"/>
           </a:xfrm>
           <a:prstGeom prst="rect">
             <a:avLst/>
@@ -7024,7 +7168,7 @@
         <p:spPr>
           <a:xfrm>
             <a:off x="7608600" y="6886080"/>
-            <a:ext cx="2273760" cy="353520"/>
+            <a:ext cx="2273400" cy="353160"/>
           </a:xfrm>
           <a:prstGeom prst="rect">
             <a:avLst/>
@@ -7076,7 +7220,7 @@
         <p:spPr>
           <a:xfrm>
             <a:off x="342360" y="1529280"/>
-            <a:ext cx="9374760" cy="5358240"/>
+            <a:ext cx="9374400" cy="5357880"/>
           </a:xfrm>
           <a:prstGeom prst="rect">
             <a:avLst/>
@@ -7540,7 +7684,7 @@
         <p:spPr>
           <a:xfrm>
             <a:off x="720000" y="2520000"/>
-            <a:ext cx="7387920" cy="4139640"/>
+            <a:ext cx="7387560" cy="4139280"/>
           </a:xfrm>
           <a:prstGeom prst="rect">
             <a:avLst/>
@@ -7589,7 +7733,7 @@
         <p:spPr>
           <a:xfrm>
             <a:off x="360000" y="360000"/>
-            <a:ext cx="9348480" cy="888480"/>
+            <a:ext cx="9348120" cy="888120"/>
           </a:xfrm>
           <a:prstGeom prst="rect">
             <a:avLst/>
@@ -7641,7 +7785,7 @@
         <p:spPr>
           <a:xfrm>
             <a:off x="360000" y="1980000"/>
-            <a:ext cx="9168480" cy="4668480"/>
+            <a:ext cx="9168120" cy="4668120"/>
           </a:xfrm>
           <a:prstGeom prst="rect">
             <a:avLst/>
@@ -7700,7 +7844,7 @@
         <p:spPr>
           <a:xfrm>
             <a:off x="897120" y="6886080"/>
-            <a:ext cx="6435720" cy="353520"/>
+            <a:ext cx="6435360" cy="353160"/>
           </a:xfrm>
           <a:prstGeom prst="rect">
             <a:avLst/>
@@ -7752,7 +7896,7 @@
         <p:spPr>
           <a:xfrm>
             <a:off x="7608600" y="6886080"/>
-            <a:ext cx="2273760" cy="353520"/>
+            <a:ext cx="2273400" cy="353160"/>
           </a:xfrm>
           <a:prstGeom prst="rect">
             <a:avLst/>
@@ -7804,7 +7948,7 @@
         <p:spPr>
           <a:xfrm>
             <a:off x="342360" y="1529280"/>
-            <a:ext cx="9374760" cy="5358240"/>
+            <a:ext cx="9374400" cy="5357880"/>
           </a:xfrm>
           <a:prstGeom prst="rect">
             <a:avLst/>
@@ -8321,7 +8465,7 @@
         <p:spPr>
           <a:xfrm>
             <a:off x="4680000" y="1725840"/>
-            <a:ext cx="3779640" cy="577800"/>
+            <a:ext cx="3779280" cy="577440"/>
           </a:xfrm>
           <a:prstGeom prst="rect">
             <a:avLst/>
@@ -8344,7 +8488,7 @@
         <p:spPr>
           <a:xfrm>
             <a:off x="4289040" y="2196000"/>
-            <a:ext cx="4710600" cy="750600"/>
+            <a:ext cx="4710240" cy="750240"/>
           </a:xfrm>
           <a:prstGeom prst="rect">
             <a:avLst/>
@@ -8367,7 +8511,7 @@
         <p:spPr>
           <a:xfrm>
             <a:off x="2223000" y="3456720"/>
-            <a:ext cx="5588640" cy="3299760"/>
+            <a:ext cx="5588280" cy="3299400"/>
           </a:xfrm>
           <a:prstGeom prst="rect">
             <a:avLst/>
@@ -8416,7 +8560,7 @@
         <p:spPr>
           <a:xfrm>
             <a:off x="360000" y="360000"/>
-            <a:ext cx="9348480" cy="888480"/>
+            <a:ext cx="9348120" cy="888120"/>
           </a:xfrm>
           <a:prstGeom prst="rect">
             <a:avLst/>
@@ -8468,7 +8612,7 @@
         <p:spPr>
           <a:xfrm>
             <a:off x="360000" y="1980000"/>
-            <a:ext cx="9168480" cy="4668480"/>
+            <a:ext cx="9168120" cy="4668120"/>
           </a:xfrm>
           <a:prstGeom prst="rect">
             <a:avLst/>
@@ -8527,7 +8671,7 @@
         <p:spPr>
           <a:xfrm>
             <a:off x="897120" y="6886080"/>
-            <a:ext cx="6435720" cy="353520"/>
+            <a:ext cx="6435360" cy="353160"/>
           </a:xfrm>
           <a:prstGeom prst="rect">
             <a:avLst/>
@@ -8579,7 +8723,7 @@
         <p:spPr>
           <a:xfrm>
             <a:off x="7608600" y="6886080"/>
-            <a:ext cx="2273760" cy="353520"/>
+            <a:ext cx="2273400" cy="353160"/>
           </a:xfrm>
           <a:prstGeom prst="rect">
             <a:avLst/>
@@ -8631,7 +8775,7 @@
         <p:spPr>
           <a:xfrm>
             <a:off x="342360" y="1529280"/>
-            <a:ext cx="9374760" cy="5358240"/>
+            <a:ext cx="9374400" cy="5357880"/>
           </a:xfrm>
           <a:prstGeom prst="rect">
             <a:avLst/>
@@ -9083,7 +9227,7 @@
         <p:spPr>
           <a:xfrm>
             <a:off x="900000" y="2404800"/>
-            <a:ext cx="7724160" cy="3894840"/>
+            <a:ext cx="7723800" cy="3894480"/>
           </a:xfrm>
           <a:prstGeom prst="rect">
             <a:avLst/>
@@ -9132,7 +9276,7 @@
         <p:spPr>
           <a:xfrm>
             <a:off x="360000" y="360000"/>
-            <a:ext cx="9348480" cy="888480"/>
+            <a:ext cx="9348120" cy="888120"/>
           </a:xfrm>
           <a:prstGeom prst="rect">
             <a:avLst/>
@@ -9184,7 +9328,7 @@
         <p:spPr>
           <a:xfrm>
             <a:off x="360000" y="1980000"/>
-            <a:ext cx="9168480" cy="4668480"/>
+            <a:ext cx="9168120" cy="4668120"/>
           </a:xfrm>
           <a:prstGeom prst="rect">
             <a:avLst/>
@@ -9243,7 +9387,7 @@
         <p:spPr>
           <a:xfrm>
             <a:off x="897120" y="6886080"/>
-            <a:ext cx="6435720" cy="353520"/>
+            <a:ext cx="6435360" cy="353160"/>
           </a:xfrm>
           <a:prstGeom prst="rect">
             <a:avLst/>
@@ -9295,7 +9439,7 @@
         <p:spPr>
           <a:xfrm>
             <a:off x="7608600" y="6886080"/>
-            <a:ext cx="2273760" cy="353520"/>
+            <a:ext cx="2273400" cy="353160"/>
           </a:xfrm>
           <a:prstGeom prst="rect">
             <a:avLst/>
@@ -9347,7 +9491,7 @@
         <p:spPr>
           <a:xfrm>
             <a:off x="342360" y="1529280"/>
-            <a:ext cx="9374760" cy="5358240"/>
+            <a:ext cx="9374400" cy="5357880"/>
           </a:xfrm>
           <a:prstGeom prst="rect">
             <a:avLst/>
@@ -9874,7 +10018,7 @@
         <p:spPr>
           <a:xfrm>
             <a:off x="408600" y="3585960"/>
-            <a:ext cx="8771040" cy="2353680"/>
+            <a:ext cx="8770680" cy="2353320"/>
           </a:xfrm>
           <a:prstGeom prst="rect">
             <a:avLst/>
@@ -9923,7 +10067,7 @@
         <p:spPr>
           <a:xfrm>
             <a:off x="360000" y="360000"/>
-            <a:ext cx="9348480" cy="888480"/>
+            <a:ext cx="9348120" cy="888120"/>
           </a:xfrm>
           <a:prstGeom prst="rect">
             <a:avLst/>
@@ -9975,7 +10119,7 @@
         <p:spPr>
           <a:xfrm>
             <a:off x="360000" y="1980000"/>
-            <a:ext cx="9168480" cy="4668480"/>
+            <a:ext cx="9168120" cy="4668120"/>
           </a:xfrm>
           <a:prstGeom prst="rect">
             <a:avLst/>
@@ -10034,7 +10178,7 @@
         <p:spPr>
           <a:xfrm>
             <a:off x="897120" y="6886080"/>
-            <a:ext cx="6435720" cy="353520"/>
+            <a:ext cx="6435360" cy="353160"/>
           </a:xfrm>
           <a:prstGeom prst="rect">
             <a:avLst/>
@@ -10086,7 +10230,7 @@
         <p:spPr>
           <a:xfrm>
             <a:off x="7608600" y="6886080"/>
-            <a:ext cx="2273760" cy="353520"/>
+            <a:ext cx="2273400" cy="353160"/>
           </a:xfrm>
           <a:prstGeom prst="rect">
             <a:avLst/>
@@ -10138,7 +10282,7 @@
         <p:spPr>
           <a:xfrm>
             <a:off x="342360" y="1529280"/>
-            <a:ext cx="9374760" cy="5358240"/>
+            <a:ext cx="9374400" cy="5357880"/>
           </a:xfrm>
           <a:prstGeom prst="rect">
             <a:avLst/>
@@ -10740,7 +10884,7 @@
         <p:spPr>
           <a:xfrm>
             <a:off x="3240000" y="867960"/>
-            <a:ext cx="5939640" cy="3271680"/>
+            <a:ext cx="5939280" cy="3271320"/>
           </a:xfrm>
           <a:prstGeom prst="rect">
             <a:avLst/>
@@ -10763,7 +10907,7 @@
         <p:spPr>
           <a:xfrm>
             <a:off x="360000" y="3960000"/>
-            <a:ext cx="5651640" cy="2688480"/>
+            <a:ext cx="5651280" cy="2688120"/>
           </a:xfrm>
           <a:prstGeom prst="rect">
             <a:avLst/>
@@ -10816,7 +10960,7 @@
         <p:spPr>
           <a:xfrm>
             <a:off x="342360" y="3780000"/>
-            <a:ext cx="6299640" cy="2876040"/>
+            <a:ext cx="6299280" cy="2875680"/>
           </a:xfrm>
           <a:prstGeom prst="rect">
             <a:avLst/>
@@ -10835,7 +10979,7 @@
         <p:spPr>
           <a:xfrm>
             <a:off x="360000" y="360000"/>
-            <a:ext cx="9348480" cy="888480"/>
+            <a:ext cx="9348120" cy="888120"/>
           </a:xfrm>
           <a:prstGeom prst="rect">
             <a:avLst/>
@@ -10887,7 +11031,7 @@
         <p:spPr>
           <a:xfrm>
             <a:off x="360000" y="1980000"/>
-            <a:ext cx="9168480" cy="4668480"/>
+            <a:ext cx="9168120" cy="4668120"/>
           </a:xfrm>
           <a:prstGeom prst="rect">
             <a:avLst/>
@@ -10946,7 +11090,7 @@
         <p:spPr>
           <a:xfrm>
             <a:off x="897120" y="6886080"/>
-            <a:ext cx="6435720" cy="353520"/>
+            <a:ext cx="6435360" cy="353160"/>
           </a:xfrm>
           <a:prstGeom prst="rect">
             <a:avLst/>
@@ -10998,7 +11142,7 @@
         <p:spPr>
           <a:xfrm>
             <a:off x="7608600" y="6886080"/>
-            <a:ext cx="2273760" cy="353520"/>
+            <a:ext cx="2273400" cy="353160"/>
           </a:xfrm>
           <a:prstGeom prst="rect">
             <a:avLst/>
@@ -11050,7 +11194,7 @@
         <p:spPr>
           <a:xfrm>
             <a:off x="342360" y="1529280"/>
-            <a:ext cx="9374760" cy="5358240"/>
+            <a:ext cx="9374400" cy="5357880"/>
           </a:xfrm>
           <a:prstGeom prst="rect">
             <a:avLst/>
@@ -11630,7 +11774,7 @@
         <p:spPr>
           <a:xfrm>
             <a:off x="3361680" y="900000"/>
-            <a:ext cx="6166800" cy="3487680"/>
+            <a:ext cx="6166440" cy="3487320"/>
           </a:xfrm>
           <a:prstGeom prst="rect">
             <a:avLst/>
@@ -11679,7 +11823,7 @@
         <p:spPr>
           <a:xfrm>
             <a:off x="360000" y="360000"/>
-            <a:ext cx="9348480" cy="888480"/>
+            <a:ext cx="9348120" cy="888120"/>
           </a:xfrm>
           <a:prstGeom prst="rect">
             <a:avLst/>
@@ -11731,7 +11875,7 @@
         <p:spPr>
           <a:xfrm>
             <a:off x="360000" y="1980000"/>
-            <a:ext cx="9168480" cy="4668480"/>
+            <a:ext cx="9168120" cy="4668120"/>
           </a:xfrm>
           <a:prstGeom prst="rect">
             <a:avLst/>
@@ -11790,7 +11934,7 @@
         <p:spPr>
           <a:xfrm>
             <a:off x="897120" y="6886080"/>
-            <a:ext cx="6435720" cy="353520"/>
+            <a:ext cx="6435360" cy="353160"/>
           </a:xfrm>
           <a:prstGeom prst="rect">
             <a:avLst/>
@@ -11842,7 +11986,7 @@
         <p:spPr>
           <a:xfrm>
             <a:off x="7608600" y="6886080"/>
-            <a:ext cx="2273760" cy="353520"/>
+            <a:ext cx="2273400" cy="353160"/>
           </a:xfrm>
           <a:prstGeom prst="rect">
             <a:avLst/>
@@ -11894,7 +12038,7 @@
         <p:spPr>
           <a:xfrm>
             <a:off x="342360" y="1529280"/>
-            <a:ext cx="9374760" cy="5358240"/>
+            <a:ext cx="9374400" cy="5357880"/>
           </a:xfrm>
           <a:prstGeom prst="rect">
             <a:avLst/>
@@ -12369,7 +12513,7 @@
         <p:spPr>
           <a:xfrm>
             <a:off x="2160000" y="2038680"/>
-            <a:ext cx="5857920" cy="4260960"/>
+            <a:ext cx="5857560" cy="4260600"/>
           </a:xfrm>
           <a:prstGeom prst="rect">
             <a:avLst/>
@@ -12418,7 +12562,7 @@
         <p:spPr>
           <a:xfrm>
             <a:off x="360000" y="360000"/>
-            <a:ext cx="9348480" cy="888480"/>
+            <a:ext cx="9348120" cy="888120"/>
           </a:xfrm>
           <a:prstGeom prst="rect">
             <a:avLst/>
@@ -12470,7 +12614,7 @@
         <p:spPr>
           <a:xfrm>
             <a:off x="360000" y="1980000"/>
-            <a:ext cx="9168480" cy="4668480"/>
+            <a:ext cx="9168120" cy="4668120"/>
           </a:xfrm>
           <a:prstGeom prst="rect">
             <a:avLst/>
@@ -12529,7 +12673,7 @@
         <p:spPr>
           <a:xfrm>
             <a:off x="897120" y="6886080"/>
-            <a:ext cx="6435720" cy="353520"/>
+            <a:ext cx="6435360" cy="353160"/>
           </a:xfrm>
           <a:prstGeom prst="rect">
             <a:avLst/>
@@ -12581,7 +12725,7 @@
         <p:spPr>
           <a:xfrm>
             <a:off x="7608600" y="6886080"/>
-            <a:ext cx="2273760" cy="353520"/>
+            <a:ext cx="2273400" cy="353160"/>
           </a:xfrm>
           <a:prstGeom prst="rect">
             <a:avLst/>
@@ -12633,7 +12777,7 @@
         <p:spPr>
           <a:xfrm>
             <a:off x="342360" y="1529280"/>
-            <a:ext cx="9374760" cy="5358240"/>
+            <a:ext cx="9374400" cy="5357880"/>
           </a:xfrm>
           <a:prstGeom prst="rect">
             <a:avLst/>
@@ -13104,7 +13248,7 @@
         <p:spPr>
           <a:xfrm>
             <a:off x="159840" y="1475280"/>
-            <a:ext cx="9374760" cy="5358240"/>
+            <a:ext cx="9374400" cy="5357880"/>
           </a:xfrm>
           <a:prstGeom prst="rect">
             <a:avLst/>
@@ -13687,7 +13831,7 @@
         <p:spPr>
           <a:xfrm>
             <a:off x="2520000" y="2207160"/>
-            <a:ext cx="4319640" cy="1932480"/>
+            <a:ext cx="4319280" cy="1932120"/>
           </a:xfrm>
           <a:prstGeom prst="rect">
             <a:avLst/>
@@ -13710,7 +13854,7 @@
         <p:spPr>
           <a:xfrm>
             <a:off x="2551680" y="4696200"/>
-            <a:ext cx="4287960" cy="1933920"/>
+            <a:ext cx="4287600" cy="1933560"/>
           </a:xfrm>
           <a:prstGeom prst="rect">
             <a:avLst/>
@@ -13759,7 +13903,7 @@
         <p:spPr>
           <a:xfrm>
             <a:off x="360000" y="360000"/>
-            <a:ext cx="9348480" cy="888480"/>
+            <a:ext cx="9348120" cy="888120"/>
           </a:xfrm>
           <a:prstGeom prst="rect">
             <a:avLst/>
@@ -13811,7 +13955,7 @@
         <p:spPr>
           <a:xfrm>
             <a:off x="360000" y="1980000"/>
-            <a:ext cx="9168480" cy="4668480"/>
+            <a:ext cx="9168120" cy="4668120"/>
           </a:xfrm>
           <a:prstGeom prst="rect">
             <a:avLst/>
@@ -13870,7 +14014,7 @@
         <p:spPr>
           <a:xfrm>
             <a:off x="897120" y="6886080"/>
-            <a:ext cx="6435720" cy="353520"/>
+            <a:ext cx="6435360" cy="353160"/>
           </a:xfrm>
           <a:prstGeom prst="rect">
             <a:avLst/>
@@ -13922,7 +14066,7 @@
         <p:spPr>
           <a:xfrm>
             <a:off x="7608600" y="6886080"/>
-            <a:ext cx="2273760" cy="353520"/>
+            <a:ext cx="2273400" cy="353160"/>
           </a:xfrm>
           <a:prstGeom prst="rect">
             <a:avLst/>
@@ -13974,7 +14118,7 @@
         <p:spPr>
           <a:xfrm>
             <a:off x="342360" y="1529280"/>
-            <a:ext cx="9374760" cy="5358240"/>
+            <a:ext cx="9374400" cy="5357880"/>
           </a:xfrm>
           <a:prstGeom prst="rect">
             <a:avLst/>
@@ -14445,7 +14589,7 @@
         <p:spPr>
           <a:xfrm>
             <a:off x="159840" y="1475280"/>
-            <a:ext cx="9374760" cy="5358240"/>
+            <a:ext cx="9374400" cy="5357880"/>
           </a:xfrm>
           <a:prstGeom prst="rect">
             <a:avLst/>
@@ -15018,7 +15162,7 @@
         <p:spPr>
           <a:xfrm>
             <a:off x="3056400" y="2592360"/>
-            <a:ext cx="4046760" cy="3646800"/>
+            <a:ext cx="4046400" cy="3646440"/>
           </a:xfrm>
           <a:prstGeom prst="rect">
             <a:avLst/>
@@ -15067,7 +15211,7 @@
         <p:spPr>
           <a:xfrm>
             <a:off x="360000" y="360000"/>
-            <a:ext cx="9348480" cy="888480"/>
+            <a:ext cx="9348120" cy="888120"/>
           </a:xfrm>
           <a:prstGeom prst="rect">
             <a:avLst/>
@@ -15119,7 +15263,7 @@
         <p:spPr>
           <a:xfrm>
             <a:off x="360000" y="1980000"/>
-            <a:ext cx="9168480" cy="4668480"/>
+            <a:ext cx="9168120" cy="4668120"/>
           </a:xfrm>
           <a:prstGeom prst="rect">
             <a:avLst/>
@@ -15178,7 +15322,7 @@
         <p:spPr>
           <a:xfrm>
             <a:off x="897120" y="6886080"/>
-            <a:ext cx="6435720" cy="353520"/>
+            <a:ext cx="6435360" cy="353160"/>
           </a:xfrm>
           <a:prstGeom prst="rect">
             <a:avLst/>
@@ -15230,7 +15374,7 @@
         <p:spPr>
           <a:xfrm>
             <a:off x="7608600" y="6886080"/>
-            <a:ext cx="2273760" cy="353520"/>
+            <a:ext cx="2273400" cy="353160"/>
           </a:xfrm>
           <a:prstGeom prst="rect">
             <a:avLst/>
@@ -15282,7 +15426,7 @@
         <p:spPr>
           <a:xfrm>
             <a:off x="342360" y="1529280"/>
-            <a:ext cx="9374760" cy="5358240"/>
+            <a:ext cx="9374400" cy="5357880"/>
           </a:xfrm>
           <a:prstGeom prst="rect">
             <a:avLst/>
@@ -15753,7 +15897,7 @@
         <p:spPr>
           <a:xfrm>
             <a:off x="159840" y="1475280"/>
-            <a:ext cx="9374760" cy="5358240"/>
+            <a:ext cx="9374400" cy="5357880"/>
           </a:xfrm>
           <a:prstGeom prst="rect">
             <a:avLst/>
@@ -15868,7 +16012,7 @@
             <a:r>
               <a:rPr b="0" lang="pt-BR" sz="1600" spc="-1" strike="noStrike" u="sng">
                 <a:solidFill>
-                  <a:srgbClr val="729fcf"/>
+                  <a:srgbClr val="0000ff"/>
                 </a:solidFill>
                 <a:uFillTx/>
                 <a:latin typeface="Latin Modern Sans"/>
@@ -16450,7 +16594,7 @@
         <p:spPr>
           <a:xfrm>
             <a:off x="360000" y="360000"/>
-            <a:ext cx="9348480" cy="888480"/>
+            <a:ext cx="9348120" cy="888120"/>
           </a:xfrm>
           <a:prstGeom prst="rect">
             <a:avLst/>
@@ -16502,7 +16646,7 @@
         <p:spPr>
           <a:xfrm>
             <a:off x="360000" y="1980000"/>
-            <a:ext cx="9168480" cy="4668480"/>
+            <a:ext cx="9168120" cy="4668120"/>
           </a:xfrm>
           <a:prstGeom prst="rect">
             <a:avLst/>
@@ -16634,7 +16778,7 @@
         <p:spPr>
           <a:xfrm>
             <a:off x="897120" y="6886080"/>
-            <a:ext cx="6435720" cy="353520"/>
+            <a:ext cx="6435360" cy="353160"/>
           </a:xfrm>
           <a:prstGeom prst="rect">
             <a:avLst/>
@@ -16686,7 +16830,7 @@
         <p:spPr>
           <a:xfrm>
             <a:off x="7608600" y="6886080"/>
-            <a:ext cx="2273760" cy="353520"/>
+            <a:ext cx="2273400" cy="353160"/>
           </a:xfrm>
           <a:prstGeom prst="rect">
             <a:avLst/>
@@ -16738,7 +16882,7 @@
         <p:spPr>
           <a:xfrm>
             <a:off x="2520360" y="5508360"/>
-            <a:ext cx="263160" cy="263160"/>
+            <a:ext cx="262800" cy="262800"/>
           </a:xfrm>
           <a:prstGeom prst="ellipse">
             <a:avLst/>
@@ -16768,7 +16912,7 @@
         <p:spPr>
           <a:xfrm>
             <a:off x="2052360" y="5508360"/>
-            <a:ext cx="263160" cy="263160"/>
+            <a:ext cx="262800" cy="262800"/>
           </a:xfrm>
           <a:prstGeom prst="ellipse">
             <a:avLst/>
@@ -16798,7 +16942,7 @@
         <p:spPr>
           <a:xfrm>
             <a:off x="2988720" y="5508360"/>
-            <a:ext cx="263160" cy="263160"/>
+            <a:ext cx="262800" cy="262800"/>
           </a:xfrm>
           <a:prstGeom prst="ellipse">
             <a:avLst/>
@@ -16832,7 +16976,7 @@
         <p:spPr>
           <a:xfrm>
             <a:off x="1523880" y="3819240"/>
-            <a:ext cx="7425360" cy="2215080"/>
+            <a:ext cx="7425000" cy="2214720"/>
           </a:xfrm>
           <a:prstGeom prst="rect">
             <a:avLst/>
@@ -16855,7 +16999,7 @@
         <p:spPr>
           <a:xfrm>
             <a:off x="3254760" y="5589720"/>
-            <a:ext cx="415800" cy="444600"/>
+            <a:ext cx="415440" cy="444240"/>
           </a:xfrm>
           <a:prstGeom prst="rect">
             <a:avLst/>
@@ -16904,7 +17048,7 @@
         <p:spPr>
           <a:xfrm>
             <a:off x="360000" y="360000"/>
-            <a:ext cx="9348480" cy="888480"/>
+            <a:ext cx="9348120" cy="888120"/>
           </a:xfrm>
           <a:prstGeom prst="rect">
             <a:avLst/>
@@ -16956,7 +17100,7 @@
         <p:spPr>
           <a:xfrm>
             <a:off x="360000" y="1980000"/>
-            <a:ext cx="9168480" cy="4668480"/>
+            <a:ext cx="9168120" cy="4668120"/>
           </a:xfrm>
           <a:prstGeom prst="rect">
             <a:avLst/>
@@ -17015,7 +17159,7 @@
         <p:spPr>
           <a:xfrm>
             <a:off x="897120" y="6886080"/>
-            <a:ext cx="6435720" cy="353520"/>
+            <a:ext cx="6435360" cy="353160"/>
           </a:xfrm>
           <a:prstGeom prst="rect">
             <a:avLst/>
@@ -17067,7 +17211,7 @@
         <p:spPr>
           <a:xfrm>
             <a:off x="7608600" y="6886080"/>
-            <a:ext cx="2273760" cy="353520"/>
+            <a:ext cx="2273400" cy="353160"/>
           </a:xfrm>
           <a:prstGeom prst="rect">
             <a:avLst/>
@@ -17119,7 +17263,7 @@
         <p:spPr>
           <a:xfrm>
             <a:off x="342360" y="1529280"/>
-            <a:ext cx="9374760" cy="5358240"/>
+            <a:ext cx="9374400" cy="5357880"/>
           </a:xfrm>
           <a:prstGeom prst="rect">
             <a:avLst/>
@@ -17514,7 +17658,7 @@
         <p:spPr>
           <a:xfrm>
             <a:off x="2004480" y="2880000"/>
-            <a:ext cx="6095160" cy="3047400"/>
+            <a:ext cx="6094800" cy="3047040"/>
           </a:xfrm>
           <a:prstGeom prst="rect">
             <a:avLst/>
@@ -17563,7 +17707,7 @@
         <p:spPr>
           <a:xfrm>
             <a:off x="360000" y="360000"/>
-            <a:ext cx="9348480" cy="888480"/>
+            <a:ext cx="9348120" cy="888120"/>
           </a:xfrm>
           <a:prstGeom prst="rect">
             <a:avLst/>
@@ -17615,7 +17759,7 @@
         <p:spPr>
           <a:xfrm>
             <a:off x="360000" y="1980000"/>
-            <a:ext cx="9168480" cy="4668480"/>
+            <a:ext cx="9168120" cy="4668120"/>
           </a:xfrm>
           <a:prstGeom prst="rect">
             <a:avLst/>
@@ -17674,7 +17818,7 @@
         <p:spPr>
           <a:xfrm>
             <a:off x="897120" y="6886080"/>
-            <a:ext cx="6435720" cy="353520"/>
+            <a:ext cx="6435360" cy="353160"/>
           </a:xfrm>
           <a:prstGeom prst="rect">
             <a:avLst/>
@@ -17726,7 +17870,7 @@
         <p:spPr>
           <a:xfrm>
             <a:off x="7608600" y="6886080"/>
-            <a:ext cx="2273760" cy="353520"/>
+            <a:ext cx="2273400" cy="353160"/>
           </a:xfrm>
           <a:prstGeom prst="rect">
             <a:avLst/>
@@ -17778,7 +17922,7 @@
         <p:spPr>
           <a:xfrm>
             <a:off x="342360" y="1529280"/>
-            <a:ext cx="9374760" cy="5358240"/>
+            <a:ext cx="9374400" cy="5357880"/>
           </a:xfrm>
           <a:prstGeom prst="rect">
             <a:avLst/>
@@ -18271,7 +18415,7 @@
         <p:spPr>
           <a:xfrm>
             <a:off x="2880000" y="3060000"/>
-            <a:ext cx="5630760" cy="2930040"/>
+            <a:ext cx="5630400" cy="2929680"/>
           </a:xfrm>
           <a:prstGeom prst="rect">
             <a:avLst/>
@@ -18320,7 +18464,7 @@
         <p:spPr>
           <a:xfrm>
             <a:off x="360000" y="360000"/>
-            <a:ext cx="9348480" cy="888480"/>
+            <a:ext cx="9348120" cy="888120"/>
           </a:xfrm>
           <a:prstGeom prst="rect">
             <a:avLst/>
@@ -18372,7 +18516,7 @@
         <p:spPr>
           <a:xfrm>
             <a:off x="360000" y="1980000"/>
-            <a:ext cx="9168480" cy="4668480"/>
+            <a:ext cx="9168120" cy="4668120"/>
           </a:xfrm>
           <a:prstGeom prst="rect">
             <a:avLst/>
@@ -18431,7 +18575,7 @@
         <p:spPr>
           <a:xfrm>
             <a:off x="897120" y="6886080"/>
-            <a:ext cx="6435720" cy="353520"/>
+            <a:ext cx="6435360" cy="353160"/>
           </a:xfrm>
           <a:prstGeom prst="rect">
             <a:avLst/>
@@ -18483,7 +18627,7 @@
         <p:spPr>
           <a:xfrm>
             <a:off x="7608600" y="6886080"/>
-            <a:ext cx="2273760" cy="353520"/>
+            <a:ext cx="2273400" cy="353160"/>
           </a:xfrm>
           <a:prstGeom prst="rect">
             <a:avLst/>
@@ -18535,7 +18679,7 @@
         <p:spPr>
           <a:xfrm>
             <a:off x="342360" y="1529280"/>
-            <a:ext cx="9374760" cy="5358240"/>
+            <a:ext cx="9374400" cy="5357880"/>
           </a:xfrm>
           <a:prstGeom prst="rect">
             <a:avLst/>
@@ -19075,7 +19219,7 @@
         <p:spPr>
           <a:xfrm>
             <a:off x="360000" y="2700000"/>
-            <a:ext cx="4370400" cy="2447640"/>
+            <a:ext cx="4370040" cy="2447280"/>
           </a:xfrm>
           <a:prstGeom prst="rect">
             <a:avLst/>
@@ -19098,7 +19242,7 @@
         <p:spPr>
           <a:xfrm>
             <a:off x="4860000" y="2532600"/>
-            <a:ext cx="4679640" cy="2867040"/>
+            <a:ext cx="4679280" cy="2866680"/>
           </a:xfrm>
           <a:prstGeom prst="rect">
             <a:avLst/>
@@ -19147,7 +19291,7 @@
         <p:spPr>
           <a:xfrm>
             <a:off x="360000" y="360000"/>
-            <a:ext cx="9348480" cy="888480"/>
+            <a:ext cx="9348120" cy="888120"/>
           </a:xfrm>
           <a:prstGeom prst="rect">
             <a:avLst/>
@@ -19199,7 +19343,7 @@
         <p:spPr>
           <a:xfrm>
             <a:off x="360000" y="1980000"/>
-            <a:ext cx="9168480" cy="4668480"/>
+            <a:ext cx="9168120" cy="4668120"/>
           </a:xfrm>
           <a:prstGeom prst="rect">
             <a:avLst/>
@@ -19258,7 +19402,7 @@
         <p:spPr>
           <a:xfrm>
             <a:off x="897120" y="6886080"/>
-            <a:ext cx="6435720" cy="353520"/>
+            <a:ext cx="6435360" cy="353160"/>
           </a:xfrm>
           <a:prstGeom prst="rect">
             <a:avLst/>
@@ -19310,7 +19454,7 @@
         <p:spPr>
           <a:xfrm>
             <a:off x="7608600" y="6886080"/>
-            <a:ext cx="2273760" cy="353520"/>
+            <a:ext cx="2273400" cy="353160"/>
           </a:xfrm>
           <a:prstGeom prst="rect">
             <a:avLst/>
@@ -19362,7 +19506,7 @@
         <p:spPr>
           <a:xfrm>
             <a:off x="342360" y="1529280"/>
-            <a:ext cx="9374760" cy="5358240"/>
+            <a:ext cx="9374400" cy="5357880"/>
           </a:xfrm>
           <a:prstGeom prst="rect">
             <a:avLst/>
@@ -19933,7 +20077,7 @@
         <p:spPr>
           <a:xfrm>
             <a:off x="4140000" y="2103120"/>
-            <a:ext cx="5438160" cy="4628520"/>
+            <a:ext cx="5437800" cy="4628160"/>
           </a:xfrm>
           <a:prstGeom prst="rect">
             <a:avLst/>
@@ -19956,7 +20100,7 @@
         <p:spPr>
           <a:xfrm>
             <a:off x="540000" y="2700000"/>
-            <a:ext cx="1770840" cy="704160"/>
+            <a:ext cx="1770480" cy="703800"/>
           </a:xfrm>
           <a:prstGeom prst="rect">
             <a:avLst/>
@@ -19979,7 +20123,7 @@
         <p:spPr>
           <a:xfrm>
             <a:off x="540000" y="4140000"/>
-            <a:ext cx="2571120" cy="713520"/>
+            <a:ext cx="2570760" cy="713160"/>
           </a:xfrm>
           <a:prstGeom prst="rect">
             <a:avLst/>
@@ -20003,7 +20147,7 @@
         <p:spPr>
           <a:xfrm>
             <a:off x="7457040" y="4140000"/>
-            <a:ext cx="2210040" cy="910080"/>
+            <a:ext cx="2209680" cy="909720"/>
           </a:xfrm>
           <a:prstGeom prst="rect">
             <a:avLst/>
@@ -20052,7 +20196,7 @@
         <p:spPr>
           <a:xfrm>
             <a:off x="360000" y="360000"/>
-            <a:ext cx="9348480" cy="888480"/>
+            <a:ext cx="9348120" cy="888120"/>
           </a:xfrm>
           <a:prstGeom prst="rect">
             <a:avLst/>
@@ -20104,7 +20248,7 @@
         <p:spPr>
           <a:xfrm>
             <a:off x="360000" y="1980000"/>
-            <a:ext cx="9168480" cy="4668480"/>
+            <a:ext cx="9168120" cy="4668120"/>
           </a:xfrm>
           <a:prstGeom prst="rect">
             <a:avLst/>
@@ -20163,7 +20307,7 @@
         <p:spPr>
           <a:xfrm>
             <a:off x="897120" y="6886080"/>
-            <a:ext cx="6435720" cy="353520"/>
+            <a:ext cx="6435360" cy="353160"/>
           </a:xfrm>
           <a:prstGeom prst="rect">
             <a:avLst/>
@@ -20215,7 +20359,7 @@
         <p:spPr>
           <a:xfrm>
             <a:off x="7608600" y="6886080"/>
-            <a:ext cx="2273760" cy="353520"/>
+            <a:ext cx="2273400" cy="353160"/>
           </a:xfrm>
           <a:prstGeom prst="rect">
             <a:avLst/>
@@ -20267,7 +20411,7 @@
         <p:spPr>
           <a:xfrm>
             <a:off x="342360" y="1529280"/>
-            <a:ext cx="9374760" cy="5358240"/>
+            <a:ext cx="9374400" cy="5357880"/>
           </a:xfrm>
           <a:prstGeom prst="rect">
             <a:avLst/>
@@ -20762,7 +20906,7 @@
         <p:spPr>
           <a:xfrm>
             <a:off x="500040" y="2880000"/>
-            <a:ext cx="2559600" cy="1439640"/>
+            <a:ext cx="2559240" cy="1439280"/>
           </a:xfrm>
           <a:prstGeom prst="rect">
             <a:avLst/>
@@ -20780,7 +20924,7 @@
         </p:nvGraphicFramePr>
         <p:xfrm>
           <a:off x="3960000" y="2018160"/>
-          <a:ext cx="5399640" cy="347040"/>
+          <a:ext cx="5399640" cy="2433960"/>
         </p:xfrm>
         <a:graphic>
           <a:graphicData uri="http://schemas.openxmlformats.org/drawingml/2006/table">
@@ -22499,7 +22643,7 @@
         <p:spPr>
           <a:xfrm>
             <a:off x="360000" y="360000"/>
-            <a:ext cx="9348480" cy="888480"/>
+            <a:ext cx="9348120" cy="888120"/>
           </a:xfrm>
           <a:prstGeom prst="rect">
             <a:avLst/>
@@ -22551,7 +22695,7 @@
         <p:spPr>
           <a:xfrm>
             <a:off x="360000" y="1980000"/>
-            <a:ext cx="9168480" cy="4668480"/>
+            <a:ext cx="9168120" cy="4668120"/>
           </a:xfrm>
           <a:prstGeom prst="rect">
             <a:avLst/>
@@ -22610,7 +22754,7 @@
         <p:spPr>
           <a:xfrm>
             <a:off x="897120" y="6886080"/>
-            <a:ext cx="6435720" cy="353520"/>
+            <a:ext cx="6435360" cy="353160"/>
           </a:xfrm>
           <a:prstGeom prst="rect">
             <a:avLst/>
@@ -22662,7 +22806,7 @@
         <p:spPr>
           <a:xfrm>
             <a:off x="7608600" y="6886080"/>
-            <a:ext cx="2273760" cy="353520"/>
+            <a:ext cx="2273400" cy="353160"/>
           </a:xfrm>
           <a:prstGeom prst="rect">
             <a:avLst/>
@@ -22714,7 +22858,7 @@
         <p:spPr>
           <a:xfrm>
             <a:off x="342360" y="1529280"/>
-            <a:ext cx="9374760" cy="5358240"/>
+            <a:ext cx="9374400" cy="5357880"/>
           </a:xfrm>
           <a:prstGeom prst="rect">
             <a:avLst/>
@@ -23145,7 +23289,7 @@
         <p:spPr>
           <a:xfrm>
             <a:off x="180000" y="2160000"/>
-            <a:ext cx="4679640" cy="3255480"/>
+            <a:ext cx="4679280" cy="3255120"/>
           </a:xfrm>
           <a:prstGeom prst="rect">
             <a:avLst/>
@@ -23168,7 +23312,7 @@
         <p:spPr>
           <a:xfrm>
             <a:off x="5299560" y="2520000"/>
-            <a:ext cx="4060080" cy="2801520"/>
+            <a:ext cx="4059720" cy="2801160"/>
           </a:xfrm>
           <a:prstGeom prst="rect">
             <a:avLst/>
@@ -23217,7 +23361,7 @@
         <p:spPr>
           <a:xfrm>
             <a:off x="360000" y="360000"/>
-            <a:ext cx="9348480" cy="888480"/>
+            <a:ext cx="9348120" cy="888120"/>
           </a:xfrm>
           <a:prstGeom prst="rect">
             <a:avLst/>
@@ -23269,7 +23413,7 @@
         <p:spPr>
           <a:xfrm>
             <a:off x="360000" y="1980000"/>
-            <a:ext cx="9168480" cy="4668480"/>
+            <a:ext cx="9168120" cy="4668120"/>
           </a:xfrm>
           <a:prstGeom prst="rect">
             <a:avLst/>
@@ -23328,7 +23472,7 @@
         <p:spPr>
           <a:xfrm>
             <a:off x="897120" y="6886080"/>
-            <a:ext cx="6435720" cy="353520"/>
+            <a:ext cx="6435360" cy="353160"/>
           </a:xfrm>
           <a:prstGeom prst="rect">
             <a:avLst/>
@@ -23380,7 +23524,7 @@
         <p:spPr>
           <a:xfrm>
             <a:off x="7608600" y="6886080"/>
-            <a:ext cx="2273760" cy="353520"/>
+            <a:ext cx="2273400" cy="353160"/>
           </a:xfrm>
           <a:prstGeom prst="rect">
             <a:avLst/>
@@ -23432,7 +23576,7 @@
         <p:spPr>
           <a:xfrm>
             <a:off x="342360" y="1529280"/>
-            <a:ext cx="9374760" cy="5358240"/>
+            <a:ext cx="9374400" cy="5357880"/>
           </a:xfrm>
           <a:prstGeom prst="rect">
             <a:avLst/>
@@ -23895,7 +24039,7 @@
         <p:spPr>
           <a:xfrm>
             <a:off x="1260000" y="2520000"/>
-            <a:ext cx="7360560" cy="3599640"/>
+            <a:ext cx="7360200" cy="3599280"/>
           </a:xfrm>
           <a:prstGeom prst="rect">
             <a:avLst/>
